--- a/slides/sep2017/03-typeinference.pptx
+++ b/slides/sep2017/03-typeinference.pptx
@@ -28,7 +28,32 @@
     <p:sldId id="279" r:id="rId22"/>
     <p:sldId id="277" r:id="rId23"/>
     <p:sldId id="278" r:id="rId24"/>
-    <p:sldId id="258" r:id="rId25"/>
+    <p:sldId id="280" r:id="rId25"/>
+    <p:sldId id="281" r:id="rId26"/>
+    <p:sldId id="282" r:id="rId27"/>
+    <p:sldId id="283" r:id="rId28"/>
+    <p:sldId id="284" r:id="rId29"/>
+    <p:sldId id="285" r:id="rId30"/>
+    <p:sldId id="286" r:id="rId31"/>
+    <p:sldId id="287" r:id="rId32"/>
+    <p:sldId id="288" r:id="rId33"/>
+    <p:sldId id="289" r:id="rId34"/>
+    <p:sldId id="290" r:id="rId35"/>
+    <p:sldId id="291" r:id="rId36"/>
+    <p:sldId id="293" r:id="rId37"/>
+    <p:sldId id="292" r:id="rId38"/>
+    <p:sldId id="294" r:id="rId39"/>
+    <p:sldId id="295" r:id="rId40"/>
+    <p:sldId id="296" r:id="rId41"/>
+    <p:sldId id="298" r:id="rId42"/>
+    <p:sldId id="297" r:id="rId43"/>
+    <p:sldId id="301" r:id="rId44"/>
+    <p:sldId id="299" r:id="rId45"/>
+    <p:sldId id="300" r:id="rId46"/>
+    <p:sldId id="302" r:id="rId47"/>
+    <p:sldId id="303" r:id="rId48"/>
+    <p:sldId id="304" r:id="rId49"/>
+    <p:sldId id="258" r:id="rId50"/>
   </p:sldIdLst>
   <p:sldSz cx="12192000" cy="6858000"/>
   <p:notesSz cx="6858000" cy="9144000"/>
@@ -332,7 +357,7 @@
             <a:fld id="{96DFF08F-DC6B-4601-B491-B0F83F6DD2DA}" type="datetimeFigureOut">
               <a:rPr lang="en-US" dirty="0"/>
               <a:pPr/>
-              <a:t>8/14/2017</a:t>
+              <a:t>8/15/2017</a:t>
             </a:fld>
             <a:endParaRPr lang="en-US" dirty="0"/>
           </a:p>
@@ -549,7 +574,7 @@
           <a:p>
             <a:fld id="{96DFF08F-DC6B-4601-B491-B0F83F6DD2DA}" type="datetimeFigureOut">
               <a:rPr lang="en-US" dirty="0"/>
-              <a:t>8/14/2017</a:t>
+              <a:t>8/15/2017</a:t>
             </a:fld>
             <a:endParaRPr lang="en-US" dirty="0"/>
           </a:p>
@@ -724,7 +749,7 @@
           <a:p>
             <a:fld id="{96DFF08F-DC6B-4601-B491-B0F83F6DD2DA}" type="datetimeFigureOut">
               <a:rPr lang="en-US" dirty="0"/>
-              <a:t>8/14/2017</a:t>
+              <a:t>8/15/2017</a:t>
             </a:fld>
             <a:endParaRPr lang="en-US" dirty="0"/>
           </a:p>
@@ -889,7 +914,7 @@
           <a:p>
             <a:fld id="{96DFF08F-DC6B-4601-B491-B0F83F6DD2DA}" type="datetimeFigureOut">
               <a:rPr lang="en-US" dirty="0"/>
-              <a:t>8/14/2017</a:t>
+              <a:t>8/15/2017</a:t>
             </a:fld>
             <a:endParaRPr lang="en-US" dirty="0"/>
           </a:p>
@@ -1135,7 +1160,7 @@
           <a:p>
             <a:fld id="{96DFF08F-DC6B-4601-B491-B0F83F6DD2DA}" type="datetimeFigureOut">
               <a:rPr lang="en-US" dirty="0"/>
-              <a:t>8/14/2017</a:t>
+              <a:t>8/15/2017</a:t>
             </a:fld>
             <a:endParaRPr lang="en-US" dirty="0"/>
           </a:p>
@@ -1453,7 +1478,7 @@
           <a:p>
             <a:fld id="{96DFF08F-DC6B-4601-B491-B0F83F6DD2DA}" type="datetimeFigureOut">
               <a:rPr lang="en-US" dirty="0"/>
-              <a:t>8/14/2017</a:t>
+              <a:t>8/15/2017</a:t>
             </a:fld>
             <a:endParaRPr lang="en-US" dirty="0"/>
           </a:p>
@@ -1872,7 +1897,7 @@
           <a:p>
             <a:fld id="{96DFF08F-DC6B-4601-B491-B0F83F6DD2DA}" type="datetimeFigureOut">
               <a:rPr lang="en-US" dirty="0"/>
-              <a:t>8/14/2017</a:t>
+              <a:t>8/15/2017</a:t>
             </a:fld>
             <a:endParaRPr lang="en-US" dirty="0"/>
           </a:p>
@@ -1985,7 +2010,7 @@
           <a:p>
             <a:fld id="{96DFF08F-DC6B-4601-B491-B0F83F6DD2DA}" type="datetimeFigureOut">
               <a:rPr lang="en-US" dirty="0"/>
-              <a:t>8/14/2017</a:t>
+              <a:t>8/15/2017</a:t>
             </a:fld>
             <a:endParaRPr lang="en-US" dirty="0"/>
           </a:p>
@@ -2075,7 +2100,7 @@
           <a:p>
             <a:fld id="{96DFF08F-DC6B-4601-B491-B0F83F6DD2DA}" type="datetimeFigureOut">
               <a:rPr lang="en-US" dirty="0"/>
-              <a:t>8/14/2017</a:t>
+              <a:t>8/15/2017</a:t>
             </a:fld>
             <a:endParaRPr lang="en-US" dirty="0"/>
           </a:p>
@@ -2360,7 +2385,7 @@
           <a:p>
             <a:fld id="{96DFF08F-DC6B-4601-B491-B0F83F6DD2DA}" type="datetimeFigureOut">
               <a:rPr lang="en-US" dirty="0"/>
-              <a:t>8/14/2017</a:t>
+              <a:t>8/15/2017</a:t>
             </a:fld>
             <a:endParaRPr lang="en-US" dirty="0"/>
           </a:p>
@@ -2627,7 +2652,7 @@
           <a:p>
             <a:fld id="{96DFF08F-DC6B-4601-B491-B0F83F6DD2DA}" type="datetimeFigureOut">
               <a:rPr lang="en-US" dirty="0"/>
-              <a:t>8/14/2017</a:t>
+              <a:t>8/15/2017</a:t>
             </a:fld>
             <a:endParaRPr lang="en-US" dirty="0"/>
           </a:p>
@@ -2876,7 +2901,7 @@
             <a:fld id="{96DFF08F-DC6B-4601-B491-B0F83F6DD2DA}" type="datetimeFigureOut">
               <a:rPr lang="en-US" dirty="0"/>
               <a:pPr/>
-              <a:t>8/14/2017</a:t>
+              <a:t>8/15/2017</a:t>
             </a:fld>
             <a:endParaRPr lang="en-US" dirty="0"/>
           </a:p>
@@ -3850,13 +3875,7 @@
               <a:rPr lang="en-US">
                 <a:latin typeface="Consolas" panose="020B0609020204030204" pitchFamily="49" charset="0"/>
               </a:rPr>
-              <a:t>int </a:t>
-            </a:r>
-            <a:r>
-              <a:rPr lang="en-US">
-                <a:latin typeface="Consolas" panose="020B0609020204030204" pitchFamily="49" charset="0"/>
-              </a:rPr>
-              <a:t>foo </a:t>
+              <a:t>int foo </a:t>
             </a:r>
             <a:r>
               <a:rPr lang="en-US" smtClean="0">
@@ -3927,12 +3946,6 @@
                 <a:latin typeface="Consolas" panose="020B0609020204030204" pitchFamily="49" charset="0"/>
               </a:rPr>
               <a:t> tmp = x;</a:t>
-            </a:r>
-            <a:r>
-              <a:rPr lang="en-US">
-                <a:latin typeface="Consolas" panose="020B0609020204030204" pitchFamily="49" charset="0"/>
-              </a:rPr>
-              <a:t/>
             </a:r>
             <a:br>
               <a:rPr lang="en-US">
@@ -4132,13 +4145,7 @@
               <a:rPr lang="en-US">
                 <a:latin typeface="Consolas" panose="020B0609020204030204" pitchFamily="49" charset="0"/>
               </a:rPr>
-              <a:t>int </a:t>
-            </a:r>
-            <a:r>
-              <a:rPr lang="en-US">
-                <a:latin typeface="Consolas" panose="020B0609020204030204" pitchFamily="49" charset="0"/>
-              </a:rPr>
-              <a:t>foo </a:t>
+              <a:t>int foo </a:t>
             </a:r>
             <a:r>
               <a:rPr lang="en-US" smtClean="0">
@@ -4209,12 +4216,6 @@
                 <a:latin typeface="Consolas" panose="020B0609020204030204" pitchFamily="49" charset="0"/>
               </a:rPr>
               <a:t> tmp = x;</a:t>
-            </a:r>
-            <a:r>
-              <a:rPr lang="en-US">
-                <a:latin typeface="Consolas" panose="020B0609020204030204" pitchFamily="49" charset="0"/>
-              </a:rPr>
-              <a:t/>
             </a:r>
             <a:br>
               <a:rPr lang="en-US">
@@ -4765,9 +4766,6 @@
               </a:rPr>
               <a:t>42;</a:t>
             </a:r>
-            <a:endParaRPr lang="en-US" smtClean="0">
-              <a:latin typeface="Consolas" panose="020B0609020204030204" pitchFamily="49" charset="0"/>
-            </a:endParaRPr>
           </a:p>
           <a:p>
             <a:pPr marL="45720" indent="0">
@@ -4884,13 +4882,7 @@
               <a:rPr lang="en-US">
                 <a:latin typeface="Consolas" panose="020B0609020204030204" pitchFamily="49" charset="0"/>
               </a:rPr>
-              <a:t>= </a:t>
-            </a:r>
-            <a:r>
-              <a:rPr lang="en-US">
-                <a:latin typeface="Consolas" panose="020B0609020204030204" pitchFamily="49" charset="0"/>
-              </a:rPr>
-              <a:t>42</a:t>
+              <a:t>= 42</a:t>
             </a:r>
             <a:r>
               <a:rPr lang="en-US" smtClean="0">
@@ -5050,13 +5042,7 @@
               <a:rPr lang="en-US">
                 <a:latin typeface="Consolas" panose="020B0609020204030204" pitchFamily="49" charset="0"/>
               </a:rPr>
-              <a:t>auto </a:t>
-            </a:r>
-            <a:r>
-              <a:rPr lang="en-US">
-                <a:latin typeface="Consolas" panose="020B0609020204030204" pitchFamily="49" charset="0"/>
-              </a:rPr>
-              <a:t>x </a:t>
+              <a:t>auto x </a:t>
             </a:r>
             <a:r>
               <a:rPr lang="en-US" smtClean="0">
@@ -5192,14 +5178,7 @@
                 <a:latin typeface="Consolas" panose="020B0609020204030204" pitchFamily="49" charset="0"/>
                 <a:sym typeface="Symbol" panose="05050102010706020507" pitchFamily="18" charset="2"/>
               </a:rPr>
-              <a:t>{</a:t>
-            </a:r>
-            <a:r>
-              <a:rPr lang="en-US">
-                <a:latin typeface="Consolas" panose="020B0609020204030204" pitchFamily="49" charset="0"/>
-                <a:sym typeface="Symbol" panose="05050102010706020507" pitchFamily="18" charset="2"/>
-              </a:rPr>
-              <a:t>1</a:t>
+              <a:t>{1</a:t>
             </a:r>
             <a:r>
               <a:rPr lang="en-US" smtClean="0">
@@ -5314,13 +5293,7 @@
               <a:rPr lang="en-US">
                 <a:latin typeface="Consolas" panose="020B0609020204030204" pitchFamily="49" charset="0"/>
               </a:rPr>
-              <a:t>template&lt;class T&gt; struct </a:t>
-            </a:r>
-            <a:r>
-              <a:rPr lang="en-US">
-                <a:latin typeface="Consolas" panose="020B0609020204030204" pitchFamily="49" charset="0"/>
-              </a:rPr>
-              <a:t>container </a:t>
+              <a:t>template&lt;class T&gt; struct container </a:t>
             </a:r>
             <a:r>
               <a:rPr lang="en-US" smtClean="0">
@@ -5583,13 +5556,7 @@
               <a:rPr lang="en-US">
                 <a:latin typeface="Consolas" panose="020B0609020204030204" pitchFamily="49" charset="0"/>
               </a:rPr>
-              <a:t>template&lt;class T&gt; struct </a:t>
-            </a:r>
-            <a:r>
-              <a:rPr lang="en-US">
-                <a:latin typeface="Consolas" panose="020B0609020204030204" pitchFamily="49" charset="0"/>
-              </a:rPr>
-              <a:t>container </a:t>
+              <a:t>template&lt;class T&gt; struct container </a:t>
             </a:r>
             <a:r>
               <a:rPr lang="en-US" smtClean="0">
@@ -5707,13 +5674,7 @@
               <a:rPr lang="en-US">
                 <a:latin typeface="Consolas" panose="020B0609020204030204" pitchFamily="49" charset="0"/>
               </a:rPr>
-              <a:t>b, Iter e</a:t>
-            </a:r>
-            <a:r>
-              <a:rPr lang="en-US">
-                <a:latin typeface="Consolas" panose="020B0609020204030204" pitchFamily="49" charset="0"/>
-              </a:rPr>
-              <a:t>) </a:t>
+              <a:t>b, Iter e) </a:t>
             </a:r>
             <a:r>
               <a:rPr lang="en-US" smtClean="0">
@@ -5748,13 +5709,7 @@
               <a:rPr lang="en-US">
                 <a:latin typeface="Consolas" panose="020B0609020204030204" pitchFamily="49" charset="0"/>
               </a:rPr>
-              <a:t>&gt;::</a:t>
-            </a:r>
-            <a:r>
-              <a:rPr lang="en-US">
-                <a:latin typeface="Consolas" panose="020B0609020204030204" pitchFamily="49" charset="0"/>
-              </a:rPr>
-              <a:t>value_type</a:t>
+              <a:t>&gt;::value_type</a:t>
             </a:r>
             <a:r>
               <a:rPr lang="en-US" smtClean="0">
@@ -5809,13 +5764,7 @@
               <a:rPr lang="en-US">
                 <a:latin typeface="Consolas" panose="020B0609020204030204" pitchFamily="49" charset="0"/>
               </a:rPr>
-              <a:t>d = container(v.begin(), </a:t>
-            </a:r>
-            <a:r>
-              <a:rPr lang="en-US">
-                <a:latin typeface="Consolas" panose="020B0609020204030204" pitchFamily="49" charset="0"/>
-              </a:rPr>
-              <a:t>v.end</a:t>
+              <a:t>d = container(v.begin(), v.end</a:t>
             </a:r>
             <a:r>
               <a:rPr lang="en-US" smtClean="0">
@@ -6031,12 +5980,6 @@
               </a:rPr>
               <a:t>tmp = x;</a:t>
             </a:r>
-            <a:r>
-              <a:rPr lang="en-US">
-                <a:latin typeface="Consolas" panose="020B0609020204030204" pitchFamily="49" charset="0"/>
-              </a:rPr>
-              <a:t/>
-            </a:r>
             <a:br>
               <a:rPr lang="en-US">
                 <a:latin typeface="Consolas" panose="020B0609020204030204" pitchFamily="49" charset="0"/>
@@ -6153,12 +6096,6 @@
                 <a:latin typeface="Consolas" panose="020B0609020204030204" pitchFamily="49" charset="0"/>
               </a:rPr>
               <a:t>tmp = x;</a:t>
-            </a:r>
-            <a:r>
-              <a:rPr lang="en-US">
-                <a:latin typeface="Consolas" panose="020B0609020204030204" pitchFamily="49" charset="0"/>
-              </a:rPr>
-              <a:t/>
             </a:r>
             <a:br>
               <a:rPr lang="en-US">
@@ -6368,12 +6305,6 @@
               </a:rPr>
               <a:t>tmp = x;</a:t>
             </a:r>
-            <a:r>
-              <a:rPr lang="en-US">
-                <a:latin typeface="Consolas" panose="020B0609020204030204" pitchFamily="49" charset="0"/>
-              </a:rPr>
-              <a:t/>
-            </a:r>
             <a:br>
               <a:rPr lang="en-US">
                 <a:latin typeface="Consolas" panose="020B0609020204030204" pitchFamily="49" charset="0"/>
@@ -6490,12 +6421,6 @@
                 <a:latin typeface="Consolas" panose="020B0609020204030204" pitchFamily="49" charset="0"/>
               </a:rPr>
               <a:t>tmp = x;</a:t>
-            </a:r>
-            <a:r>
-              <a:rPr lang="en-US">
-                <a:latin typeface="Consolas" panose="020B0609020204030204" pitchFamily="49" charset="0"/>
-              </a:rPr>
-              <a:t/>
             </a:r>
             <a:br>
               <a:rPr lang="en-US">
@@ -6687,13 +6612,7 @@
               <a:rPr lang="en-US">
                 <a:latin typeface="Consolas" panose="020B0609020204030204" pitchFamily="49" charset="0"/>
               </a:rPr>
-              <a:t>Point porig {1, </a:t>
-            </a:r>
-            <a:r>
-              <a:rPr lang="en-US">
-                <a:latin typeface="Consolas" panose="020B0609020204030204" pitchFamily="49" charset="0"/>
-              </a:rPr>
-              <a:t>2</a:t>
+              <a:t>Point porig {1, 2</a:t>
             </a:r>
             <a:r>
               <a:rPr lang="en-US" smtClean="0">
@@ -6736,13 +6655,7 @@
               <a:rPr lang="en-US">
                 <a:latin typeface="Consolas" panose="020B0609020204030204" pitchFamily="49" charset="0"/>
               </a:rPr>
-              <a:t>= </a:t>
-            </a:r>
-            <a:r>
-              <a:rPr lang="en-US">
-                <a:latin typeface="Consolas" panose="020B0609020204030204" pitchFamily="49" charset="0"/>
-              </a:rPr>
-              <a:t>0</a:t>
+              <a:t>= 0</a:t>
             </a:r>
             <a:r>
               <a:rPr lang="en-US" smtClean="0">
@@ -6900,13 +6813,7 @@
               <a:rPr lang="en-US">
                 <a:latin typeface="Consolas" panose="020B0609020204030204" pitchFamily="49" charset="0"/>
               </a:rPr>
-              <a:t>const Point &amp;p = </a:t>
-            </a:r>
-            <a:r>
-              <a:rPr lang="en-US">
-                <a:latin typeface="Consolas" panose="020B0609020204030204" pitchFamily="49" charset="0"/>
-              </a:rPr>
-              <a:t>porig</a:t>
+              <a:t>const Point &amp;p = porig</a:t>
             </a:r>
             <a:r>
               <a:rPr lang="en-US" smtClean="0">
@@ -6950,13 +6857,7 @@
               <a:rPr lang="en-US">
                 <a:latin typeface="Consolas" panose="020B0609020204030204" pitchFamily="49" charset="0"/>
               </a:rPr>
-              <a:t>) x = </a:t>
-            </a:r>
-            <a:r>
-              <a:rPr lang="en-US">
-                <a:latin typeface="Consolas" panose="020B0609020204030204" pitchFamily="49" charset="0"/>
-              </a:rPr>
-              <a:t>0</a:t>
+              <a:t>) x = 0</a:t>
             </a:r>
             <a:r>
               <a:rPr lang="en-US" smtClean="0">
@@ -7069,13 +6970,7 @@
               <a:rPr lang="en-US">
                 <a:latin typeface="Consolas" panose="020B0609020204030204" pitchFamily="49" charset="0"/>
               </a:rPr>
-              <a:t>x = </a:t>
-            </a:r>
-            <a:r>
-              <a:rPr lang="en-US">
-                <a:latin typeface="Consolas" panose="020B0609020204030204" pitchFamily="49" charset="0"/>
-              </a:rPr>
-              <a:t>0</a:t>
+              <a:t>x = 0</a:t>
             </a:r>
             <a:r>
               <a:rPr lang="en-US" smtClean="0">
@@ -7196,13 +7091,7 @@
               <a:rPr lang="en-US">
                 <a:latin typeface="Consolas" panose="020B0609020204030204" pitchFamily="49" charset="0"/>
               </a:rPr>
-              <a:t>x </a:t>
-            </a:r>
-            <a:r>
-              <a:rPr lang="en-US">
-                <a:latin typeface="Consolas" panose="020B0609020204030204" pitchFamily="49" charset="0"/>
-              </a:rPr>
-              <a:t>= </a:t>
+              <a:t>x = </a:t>
             </a:r>
             <a:r>
               <a:rPr lang="en-US" smtClean="0">
@@ -7248,14 +7137,7 @@
                 <a:latin typeface="Consolas" panose="020B0609020204030204" pitchFamily="49" charset="0"/>
                 <a:sym typeface="Symbol" panose="05050102010706020507" pitchFamily="18" charset="2"/>
               </a:rPr>
-              <a:t>x </a:t>
-            </a:r>
-            <a:r>
-              <a:rPr lang="en-US">
-                <a:latin typeface="Consolas" panose="020B0609020204030204" pitchFamily="49" charset="0"/>
-                <a:sym typeface="Symbol" panose="05050102010706020507" pitchFamily="18" charset="2"/>
-              </a:rPr>
-              <a:t>= </a:t>
+              <a:t>x = </a:t>
             </a:r>
             <a:r>
               <a:rPr lang="en-US" smtClean="0">
@@ -7355,11 +7237,7 @@
             </a:pPr>
             <a:r>
               <a:rPr lang="ru-RU" sz="4400" smtClean="0"/>
-              <a:t> </a:t>
-            </a:r>
-            <a:r>
-              <a:rPr lang="ru-RU" sz="4400" smtClean="0"/>
-              <a:t>Расширенный синтаксис функций</a:t>
+              <a:t> Расширенный синтаксис функций</a:t>
             </a:r>
             <a:endParaRPr lang="en-US" sz="4400" smtClean="0"/>
           </a:p>
@@ -7392,7 +7270,6 @@
               <a:rPr lang="ru-RU" sz="4400" smtClean="0"/>
               <a:t> Исследование выведенных типов</a:t>
             </a:r>
-            <a:endParaRPr lang="ru-RU" sz="4400" smtClean="0"/>
           </a:p>
         </p:txBody>
       </p:sp>
@@ -7771,13 +7648,7 @@
               <a:rPr lang="en-US">
                 <a:latin typeface="Consolas" panose="020B0609020204030204" pitchFamily="49" charset="0"/>
               </a:rPr>
-              <a:t>tmp = </a:t>
-            </a:r>
-            <a:r>
-              <a:rPr lang="en-US">
-                <a:latin typeface="Consolas" panose="020B0609020204030204" pitchFamily="49" charset="0"/>
-              </a:rPr>
-              <a:t>x</a:t>
+              <a:t>tmp = x</a:t>
             </a:r>
             <a:r>
               <a:rPr lang="en-US" smtClean="0">
@@ -7833,13 +7704,7 @@
               <a:rPr lang="en-US">
                 <a:latin typeface="Consolas" panose="020B0609020204030204" pitchFamily="49" charset="0"/>
               </a:rPr>
-              <a:t>tmp = </a:t>
-            </a:r>
-            <a:r>
-              <a:rPr lang="en-US">
-                <a:latin typeface="Consolas" panose="020B0609020204030204" pitchFamily="49" charset="0"/>
-              </a:rPr>
-              <a:t>x</a:t>
+              <a:t>tmp = x</a:t>
             </a:r>
             <a:r>
               <a:rPr lang="en-US" smtClean="0">
@@ -7865,9 +7730,6 @@
               </a:rPr>
               <a:t>во, то, что нужно</a:t>
             </a:r>
-            <a:endParaRPr lang="ru-RU" smtClean="0">
-              <a:latin typeface="Consolas" panose="020B0609020204030204" pitchFamily="49" charset="0"/>
-            </a:endParaRPr>
           </a:p>
           <a:p>
             <a:r>
@@ -7905,13 +7767,7 @@
               <a:rPr lang="en-US">
                 <a:latin typeface="Consolas" panose="020B0609020204030204" pitchFamily="49" charset="0"/>
               </a:rPr>
-              <a:t>tmp </a:t>
-            </a:r>
-            <a:r>
-              <a:rPr lang="en-US">
-                <a:latin typeface="Consolas" panose="020B0609020204030204" pitchFamily="49" charset="0"/>
-              </a:rPr>
-              <a:t>= </a:t>
+              <a:t>tmp = </a:t>
             </a:r>
             <a:r>
               <a:rPr lang="en-US" smtClean="0">
@@ -7965,13 +7821,7 @@
               <a:rPr lang="en-US">
                 <a:latin typeface="Consolas" panose="020B0609020204030204" pitchFamily="49" charset="0"/>
               </a:rPr>
-              <a:t>tmp </a:t>
-            </a:r>
-            <a:r>
-              <a:rPr lang="en-US">
-                <a:latin typeface="Consolas" panose="020B0609020204030204" pitchFamily="49" charset="0"/>
-              </a:rPr>
-              <a:t>= </a:t>
+              <a:t>tmp = </a:t>
             </a:r>
             <a:r>
               <a:rPr lang="en-US" smtClean="0">
@@ -8252,12 +8102,6 @@
                 <a:latin typeface="Consolas" panose="020B0609020204030204" pitchFamily="49" charset="0"/>
               </a:rPr>
               <a:t>tmp = x;</a:t>
-            </a:r>
-            <a:r>
-              <a:rPr lang="en-US">
-                <a:latin typeface="Consolas" panose="020B0609020204030204" pitchFamily="49" charset="0"/>
-              </a:rPr>
-              <a:t/>
             </a:r>
             <a:br>
               <a:rPr lang="en-US">
@@ -8361,11 +8205,7 @@
             </a:pPr>
             <a:r>
               <a:rPr lang="ru-RU" sz="4400" smtClean="0"/>
-              <a:t> </a:t>
-            </a:r>
-            <a:r>
-              <a:rPr lang="ru-RU" sz="4400" smtClean="0"/>
-              <a:t>Расширенный синтаксис функций</a:t>
+              <a:t> Расширенный синтаксис функций</a:t>
             </a:r>
             <a:endParaRPr lang="en-US" sz="4400" smtClean="0"/>
           </a:p>
@@ -8398,7 +8238,6 @@
               <a:rPr lang="ru-RU" sz="4400" smtClean="0"/>
               <a:t> Исследование выведенных типов</a:t>
             </a:r>
-            <a:endParaRPr lang="ru-RU" sz="4400" smtClean="0"/>
           </a:p>
         </p:txBody>
       </p:sp>
@@ -8448,10 +8287,14 @@
           <a:lstStyle/>
           <a:p>
             <a:r>
-              <a:rPr lang="ru-RU" dirty="0" smtClean="0"/>
-              <a:t>Литература</a:t>
-            </a:r>
-            <a:endParaRPr lang="en-US" dirty="0"/>
+              <a:rPr lang="ru-RU" smtClean="0"/>
+              <a:t>Проблема в </a:t>
+            </a:r>
+            <a:r>
+              <a:rPr lang="en-US" smtClean="0"/>
+              <a:t>C++11</a:t>
+            </a:r>
+            <a:endParaRPr lang="en-US"/>
           </a:p>
         </p:txBody>
       </p:sp>
@@ -8470,34 +8313,1732 @@
           <a:bodyPr/>
           <a:lstStyle/>
           <a:p>
-            <a:pPr lvl="0"/>
-            <a:r>
-              <a:rPr lang="en-US" dirty="0"/>
-              <a:t>ISO/IEC, "Information technology -- Programming languages – C++", ISO/IEC 14882:2014, 2014</a:t>
-            </a:r>
-          </a:p>
-          <a:p>
-            <a:pPr lvl="0"/>
-            <a:r>
-              <a:rPr lang="en-US" dirty="0"/>
-              <a:t>The C++ Programming Language (4th </a:t>
-            </a:r>
-            <a:r>
-              <a:rPr lang="en-US"/>
-              <a:t>Edition</a:t>
+            <a:r>
+              <a:rPr lang="ru-RU" smtClean="0"/>
+              <a:t>На самом деле эта проблема сохраняется в свежих версиях стандарата, но её стало сложнее демонстрировать</a:t>
+            </a:r>
+          </a:p>
+          <a:p>
+            <a:r>
+              <a:rPr lang="ru-RU" smtClean="0"/>
+              <a:t>Итак, мы в 201</a:t>
             </a:r>
             <a:r>
               <a:rPr lang="en-US" smtClean="0"/>
-              <a:t>)</a:t>
-            </a:r>
-            <a:endParaRPr lang="en-US" dirty="0"/>
+              <a:t>2</a:t>
+            </a:r>
+            <a:r>
+              <a:rPr lang="ru-RU" smtClean="0"/>
+              <a:t> году и у нас нет </a:t>
+            </a:r>
+            <a:r>
+              <a:rPr lang="en-US" smtClean="0"/>
+              <a:t>auto </a:t>
+            </a:r>
+            <a:r>
+              <a:rPr lang="ru-RU" smtClean="0"/>
+              <a:t>для возвращаемого типа функций</a:t>
+            </a:r>
+          </a:p>
+          <a:p>
+            <a:pPr marL="45720" indent="0">
+              <a:buNone/>
+            </a:pPr>
+            <a:r>
+              <a:rPr lang="en-US" smtClean="0">
+                <a:latin typeface="Consolas" panose="020B0609020204030204" pitchFamily="49" charset="0"/>
+              </a:rPr>
+              <a:t>template &lt;typename T&gt;</a:t>
+            </a:r>
+            <a:r>
+              <a:rPr lang="ru-RU" smtClean="0">
+                <a:latin typeface="Consolas" panose="020B0609020204030204" pitchFamily="49" charset="0"/>
+              </a:rPr>
+              <a:t/>
+            </a:r>
+            <a:br>
+              <a:rPr lang="ru-RU" smtClean="0">
+                <a:latin typeface="Consolas" panose="020B0609020204030204" pitchFamily="49" charset="0"/>
+              </a:rPr>
+            </a:br>
+            <a:r>
+              <a:rPr lang="en-US" smtClean="0">
+                <a:solidFill>
+                  <a:srgbClr val="FF0000"/>
+                </a:solidFill>
+                <a:latin typeface="Consolas" panose="020B0609020204030204" pitchFamily="49" charset="0"/>
+              </a:rPr>
+              <a:t>auto // C++11 Error!</a:t>
+            </a:r>
+            <a:r>
+              <a:rPr lang="ru-RU" smtClean="0">
+                <a:latin typeface="Consolas" panose="020B0609020204030204" pitchFamily="49" charset="0"/>
+              </a:rPr>
+              <a:t/>
+            </a:r>
+            <a:br>
+              <a:rPr lang="ru-RU" smtClean="0">
+                <a:latin typeface="Consolas" panose="020B0609020204030204" pitchFamily="49" charset="0"/>
+              </a:rPr>
+            </a:br>
+            <a:r>
+              <a:rPr lang="en-US" smtClean="0">
+                <a:latin typeface="Consolas" panose="020B0609020204030204" pitchFamily="49" charset="0"/>
+              </a:rPr>
+              <a:t>makeAndProcessObject (const T&amp; builder)</a:t>
+            </a:r>
+            <a:r>
+              <a:rPr lang="ru-RU" smtClean="0">
+                <a:latin typeface="Consolas" panose="020B0609020204030204" pitchFamily="49" charset="0"/>
+              </a:rPr>
+              <a:t> </a:t>
+            </a:r>
+            <a:r>
+              <a:rPr lang="en-US" smtClean="0">
+                <a:latin typeface="Consolas" panose="020B0609020204030204" pitchFamily="49" charset="0"/>
+              </a:rPr>
+              <a:t>{</a:t>
+            </a:r>
+            <a:r>
+              <a:rPr lang="ru-RU" smtClean="0">
+                <a:latin typeface="Consolas" panose="020B0609020204030204" pitchFamily="49" charset="0"/>
+              </a:rPr>
+              <a:t/>
+            </a:r>
+            <a:br>
+              <a:rPr lang="ru-RU" smtClean="0">
+                <a:latin typeface="Consolas" panose="020B0609020204030204" pitchFamily="49" charset="0"/>
+              </a:rPr>
+            </a:br>
+            <a:r>
+              <a:rPr lang="ru-RU" smtClean="0">
+                <a:latin typeface="Consolas" panose="020B0609020204030204" pitchFamily="49" charset="0"/>
+              </a:rPr>
+              <a:t>  </a:t>
+            </a:r>
+            <a:r>
+              <a:rPr lang="en-US" smtClean="0">
+                <a:latin typeface="Consolas" panose="020B0609020204030204" pitchFamily="49" charset="0"/>
+              </a:rPr>
+              <a:t>auto val = builder.makeObject();</a:t>
+            </a:r>
+            <a:r>
+              <a:rPr lang="ru-RU" smtClean="0">
+                <a:latin typeface="Consolas" panose="020B0609020204030204" pitchFamily="49" charset="0"/>
+              </a:rPr>
+              <a:t/>
+            </a:r>
+            <a:br>
+              <a:rPr lang="ru-RU" smtClean="0">
+                <a:latin typeface="Consolas" panose="020B0609020204030204" pitchFamily="49" charset="0"/>
+              </a:rPr>
+            </a:br>
+            <a:r>
+              <a:rPr lang="ru-RU" smtClean="0">
+                <a:latin typeface="Consolas" panose="020B0609020204030204" pitchFamily="49" charset="0"/>
+              </a:rPr>
+              <a:t>  </a:t>
+            </a:r>
+            <a:r>
+              <a:rPr lang="en-US" smtClean="0">
+                <a:latin typeface="Consolas" panose="020B0609020204030204" pitchFamily="49" charset="0"/>
+              </a:rPr>
+              <a:t>// </a:t>
+            </a:r>
+            <a:r>
+              <a:rPr lang="ru-RU" smtClean="0">
+                <a:latin typeface="Consolas" panose="020B0609020204030204" pitchFamily="49" charset="0"/>
+              </a:rPr>
+              <a:t>что-то делаем с</a:t>
+            </a:r>
+            <a:r>
+              <a:rPr lang="en-US" smtClean="0">
+                <a:latin typeface="Consolas" panose="020B0609020204030204" pitchFamily="49" charset="0"/>
+              </a:rPr>
+              <a:t> val</a:t>
+            </a:r>
+            <a:r>
+              <a:rPr lang="ru-RU" smtClean="0">
+                <a:latin typeface="Consolas" panose="020B0609020204030204" pitchFamily="49" charset="0"/>
+              </a:rPr>
+              <a:t/>
+            </a:r>
+            <a:br>
+              <a:rPr lang="ru-RU" smtClean="0">
+                <a:latin typeface="Consolas" panose="020B0609020204030204" pitchFamily="49" charset="0"/>
+              </a:rPr>
+            </a:br>
+            <a:r>
+              <a:rPr lang="ru-RU" smtClean="0">
+                <a:latin typeface="Consolas" panose="020B0609020204030204" pitchFamily="49" charset="0"/>
+              </a:rPr>
+              <a:t>  </a:t>
+            </a:r>
+            <a:r>
+              <a:rPr lang="en-US" smtClean="0">
+                <a:latin typeface="Consolas" panose="020B0609020204030204" pitchFamily="49" charset="0"/>
+              </a:rPr>
+              <a:t>return val;</a:t>
+            </a:r>
+            <a:r>
+              <a:rPr lang="ru-RU" smtClean="0">
+                <a:latin typeface="Consolas" panose="020B0609020204030204" pitchFamily="49" charset="0"/>
+              </a:rPr>
+              <a:t/>
+            </a:r>
+            <a:br>
+              <a:rPr lang="ru-RU" smtClean="0">
+                <a:latin typeface="Consolas" panose="020B0609020204030204" pitchFamily="49" charset="0"/>
+              </a:rPr>
+            </a:br>
+            <a:r>
+              <a:rPr lang="en-US" smtClean="0">
+                <a:latin typeface="Consolas" panose="020B0609020204030204" pitchFamily="49" charset="0"/>
+              </a:rPr>
+              <a:t>}</a:t>
+            </a:r>
+            <a:endParaRPr lang="ru-RU" smtClean="0">
+              <a:latin typeface="Consolas" panose="020B0609020204030204" pitchFamily="49" charset="0"/>
+            </a:endParaRPr>
+          </a:p>
+          <a:p>
+            <a:r>
+              <a:rPr lang="ru-RU" smtClean="0"/>
+              <a:t>Как написать эту функцию в реалиях 2012 года?</a:t>
+            </a:r>
+            <a:endParaRPr lang="en-US">
+              <a:latin typeface="Consolas" panose="020B0609020204030204" pitchFamily="49" charset="0"/>
+            </a:endParaRPr>
           </a:p>
         </p:txBody>
       </p:sp>
     </p:spTree>
     <p:extLst>
       <p:ext uri="{BB962C8B-B14F-4D97-AF65-F5344CB8AC3E}">
-        <p14:creationId xmlns:p14="http://schemas.microsoft.com/office/powerpoint/2010/main" val="1719869055"/>
+        <p14:creationId xmlns:p14="http://schemas.microsoft.com/office/powerpoint/2010/main" val="2878733673"/>
+      </p:ext>
+    </p:extLst>
+  </p:cSld>
+  <p:clrMapOvr>
+    <a:masterClrMapping/>
+  </p:clrMapOvr>
+</p:sld>
+</file>
+
+<file path=ppt/slides/slide25.xml><?xml version="1.0" encoding="utf-8"?>
+<p:sld xmlns:a="http://schemas.openxmlformats.org/drawingml/2006/main" xmlns:r="http://schemas.openxmlformats.org/officeDocument/2006/relationships" xmlns:p="http://schemas.openxmlformats.org/presentationml/2006/main">
+  <p:cSld>
+    <p:spTree>
+      <p:nvGrpSpPr>
+        <p:cNvPr id="1" name=""/>
+        <p:cNvGrpSpPr/>
+        <p:nvPr/>
+      </p:nvGrpSpPr>
+      <p:grpSpPr>
+        <a:xfrm>
+          <a:off x="0" y="0"/>
+          <a:ext cx="0" cy="0"/>
+          <a:chOff x="0" y="0"/>
+          <a:chExt cx="0" cy="0"/>
+        </a:xfrm>
+      </p:grpSpPr>
+      <p:sp>
+        <p:nvSpPr>
+          <p:cNvPr id="2" name="Title 1"/>
+          <p:cNvSpPr>
+            <a:spLocks noGrp="1"/>
+          </p:cNvSpPr>
+          <p:nvPr>
+            <p:ph type="title"/>
+          </p:nvPr>
+        </p:nvSpPr>
+        <p:spPr/>
+        <p:txBody>
+          <a:bodyPr/>
+          <a:lstStyle/>
+          <a:p>
+            <a:r>
+              <a:rPr lang="ru-RU" smtClean="0"/>
+              <a:t>Попытка решения</a:t>
+            </a:r>
+            <a:endParaRPr lang="en-US"/>
+          </a:p>
+        </p:txBody>
+      </p:sp>
+      <p:sp>
+        <p:nvSpPr>
+          <p:cNvPr id="3" name="Content Placeholder 2"/>
+          <p:cNvSpPr>
+            <a:spLocks noGrp="1"/>
+          </p:cNvSpPr>
+          <p:nvPr>
+            <p:ph idx="1"/>
+          </p:nvPr>
+        </p:nvSpPr>
+        <p:spPr/>
+        <p:txBody>
+          <a:bodyPr/>
+          <a:lstStyle/>
+          <a:p>
+            <a:r>
+              <a:rPr lang="ru-RU" smtClean="0"/>
+              <a:t>На самом деле эта проблема сохраняется в свежих версиях стандарата, но её стало сложнее демонстрировать</a:t>
+            </a:r>
+          </a:p>
+          <a:p>
+            <a:r>
+              <a:rPr lang="ru-RU" smtClean="0"/>
+              <a:t>Итак, мы в 201</a:t>
+            </a:r>
+            <a:r>
+              <a:rPr lang="en-US" smtClean="0"/>
+              <a:t>2</a:t>
+            </a:r>
+            <a:r>
+              <a:rPr lang="ru-RU" smtClean="0"/>
+              <a:t> году и у нас нет </a:t>
+            </a:r>
+            <a:r>
+              <a:rPr lang="en-US" smtClean="0"/>
+              <a:t>auto </a:t>
+            </a:r>
+            <a:r>
+              <a:rPr lang="ru-RU" smtClean="0"/>
+              <a:t>для возвращаемого типа функций</a:t>
+            </a:r>
+          </a:p>
+          <a:p>
+            <a:pPr marL="45720" indent="0">
+              <a:buNone/>
+            </a:pPr>
+            <a:r>
+              <a:rPr lang="en-US" smtClean="0">
+                <a:latin typeface="Consolas" panose="020B0609020204030204" pitchFamily="49" charset="0"/>
+              </a:rPr>
+              <a:t>template &lt;typename T&gt;</a:t>
+            </a:r>
+            <a:r>
+              <a:rPr lang="ru-RU" smtClean="0">
+                <a:latin typeface="Consolas" panose="020B0609020204030204" pitchFamily="49" charset="0"/>
+              </a:rPr>
+              <a:t/>
+            </a:r>
+            <a:br>
+              <a:rPr lang="ru-RU" smtClean="0">
+                <a:latin typeface="Consolas" panose="020B0609020204030204" pitchFamily="49" charset="0"/>
+              </a:rPr>
+            </a:br>
+            <a:r>
+              <a:rPr lang="en-US" smtClean="0">
+                <a:solidFill>
+                  <a:srgbClr val="FF0000"/>
+                </a:solidFill>
+                <a:latin typeface="Consolas" panose="020B0609020204030204" pitchFamily="49" charset="0"/>
+              </a:rPr>
+              <a:t>decltype(</a:t>
+            </a:r>
+            <a:r>
+              <a:rPr lang="en-US" smtClean="0">
+                <a:latin typeface="Consolas" panose="020B0609020204030204" pitchFamily="49" charset="0"/>
+              </a:rPr>
+              <a:t>builder.makeObject</a:t>
+            </a:r>
+            <a:r>
+              <a:rPr lang="en-US">
+                <a:latin typeface="Consolas" panose="020B0609020204030204" pitchFamily="49" charset="0"/>
+              </a:rPr>
+              <a:t>()</a:t>
+            </a:r>
+            <a:r>
+              <a:rPr lang="en-US" smtClean="0">
+                <a:solidFill>
+                  <a:srgbClr val="FF0000"/>
+                </a:solidFill>
+                <a:latin typeface="Consolas" panose="020B0609020204030204" pitchFamily="49" charset="0"/>
+              </a:rPr>
+              <a:t>) // Fail</a:t>
+            </a:r>
+            <a:r>
+              <a:rPr lang="ru-RU" smtClean="0">
+                <a:latin typeface="Consolas" panose="020B0609020204030204" pitchFamily="49" charset="0"/>
+              </a:rPr>
+              <a:t/>
+            </a:r>
+            <a:br>
+              <a:rPr lang="ru-RU" smtClean="0">
+                <a:latin typeface="Consolas" panose="020B0609020204030204" pitchFamily="49" charset="0"/>
+              </a:rPr>
+            </a:br>
+            <a:r>
+              <a:rPr lang="en-US" smtClean="0">
+                <a:latin typeface="Consolas" panose="020B0609020204030204" pitchFamily="49" charset="0"/>
+              </a:rPr>
+              <a:t>makeAndProcessObject (const T&amp; builder)</a:t>
+            </a:r>
+            <a:r>
+              <a:rPr lang="ru-RU" smtClean="0">
+                <a:latin typeface="Consolas" panose="020B0609020204030204" pitchFamily="49" charset="0"/>
+              </a:rPr>
+              <a:t> </a:t>
+            </a:r>
+            <a:r>
+              <a:rPr lang="en-US" smtClean="0">
+                <a:latin typeface="Consolas" panose="020B0609020204030204" pitchFamily="49" charset="0"/>
+              </a:rPr>
+              <a:t>{</a:t>
+            </a:r>
+            <a:r>
+              <a:rPr lang="ru-RU" smtClean="0">
+                <a:latin typeface="Consolas" panose="020B0609020204030204" pitchFamily="49" charset="0"/>
+              </a:rPr>
+              <a:t/>
+            </a:r>
+            <a:br>
+              <a:rPr lang="ru-RU" smtClean="0">
+                <a:latin typeface="Consolas" panose="020B0609020204030204" pitchFamily="49" charset="0"/>
+              </a:rPr>
+            </a:br>
+            <a:r>
+              <a:rPr lang="ru-RU" smtClean="0">
+                <a:latin typeface="Consolas" panose="020B0609020204030204" pitchFamily="49" charset="0"/>
+              </a:rPr>
+              <a:t>  </a:t>
+            </a:r>
+            <a:r>
+              <a:rPr lang="en-US" smtClean="0">
+                <a:latin typeface="Consolas" panose="020B0609020204030204" pitchFamily="49" charset="0"/>
+              </a:rPr>
+              <a:t>auto val = builder.makeObject();</a:t>
+            </a:r>
+            <a:r>
+              <a:rPr lang="ru-RU" smtClean="0">
+                <a:latin typeface="Consolas" panose="020B0609020204030204" pitchFamily="49" charset="0"/>
+              </a:rPr>
+              <a:t/>
+            </a:r>
+            <a:br>
+              <a:rPr lang="ru-RU" smtClean="0">
+                <a:latin typeface="Consolas" panose="020B0609020204030204" pitchFamily="49" charset="0"/>
+              </a:rPr>
+            </a:br>
+            <a:r>
+              <a:rPr lang="ru-RU" smtClean="0">
+                <a:latin typeface="Consolas" panose="020B0609020204030204" pitchFamily="49" charset="0"/>
+              </a:rPr>
+              <a:t>  </a:t>
+            </a:r>
+            <a:r>
+              <a:rPr lang="en-US" smtClean="0">
+                <a:latin typeface="Consolas" panose="020B0609020204030204" pitchFamily="49" charset="0"/>
+              </a:rPr>
+              <a:t>// </a:t>
+            </a:r>
+            <a:r>
+              <a:rPr lang="ru-RU" smtClean="0">
+                <a:latin typeface="Consolas" panose="020B0609020204030204" pitchFamily="49" charset="0"/>
+              </a:rPr>
+              <a:t>что-то делаем с</a:t>
+            </a:r>
+            <a:r>
+              <a:rPr lang="en-US" smtClean="0">
+                <a:latin typeface="Consolas" panose="020B0609020204030204" pitchFamily="49" charset="0"/>
+              </a:rPr>
+              <a:t> val</a:t>
+            </a:r>
+            <a:r>
+              <a:rPr lang="ru-RU" smtClean="0">
+                <a:latin typeface="Consolas" panose="020B0609020204030204" pitchFamily="49" charset="0"/>
+              </a:rPr>
+              <a:t/>
+            </a:r>
+            <a:br>
+              <a:rPr lang="ru-RU" smtClean="0">
+                <a:latin typeface="Consolas" panose="020B0609020204030204" pitchFamily="49" charset="0"/>
+              </a:rPr>
+            </a:br>
+            <a:r>
+              <a:rPr lang="ru-RU" smtClean="0">
+                <a:latin typeface="Consolas" panose="020B0609020204030204" pitchFamily="49" charset="0"/>
+              </a:rPr>
+              <a:t>  </a:t>
+            </a:r>
+            <a:r>
+              <a:rPr lang="en-US" smtClean="0">
+                <a:latin typeface="Consolas" panose="020B0609020204030204" pitchFamily="49" charset="0"/>
+              </a:rPr>
+              <a:t>return val;</a:t>
+            </a:r>
+            <a:r>
+              <a:rPr lang="ru-RU" smtClean="0">
+                <a:latin typeface="Consolas" panose="020B0609020204030204" pitchFamily="49" charset="0"/>
+              </a:rPr>
+              <a:t/>
+            </a:r>
+            <a:br>
+              <a:rPr lang="ru-RU" smtClean="0">
+                <a:latin typeface="Consolas" panose="020B0609020204030204" pitchFamily="49" charset="0"/>
+              </a:rPr>
+            </a:br>
+            <a:r>
+              <a:rPr lang="en-US" smtClean="0">
+                <a:latin typeface="Consolas" panose="020B0609020204030204" pitchFamily="49" charset="0"/>
+              </a:rPr>
+              <a:t>}</a:t>
+            </a:r>
+            <a:endParaRPr lang="ru-RU" smtClean="0">
+              <a:latin typeface="Consolas" panose="020B0609020204030204" pitchFamily="49" charset="0"/>
+            </a:endParaRPr>
+          </a:p>
+          <a:p>
+            <a:r>
+              <a:rPr lang="ru-RU" smtClean="0"/>
+              <a:t>Это не работает, так как имя </a:t>
+            </a:r>
+            <a:r>
+              <a:rPr lang="en-US" smtClean="0"/>
+              <a:t>builder </a:t>
+            </a:r>
+            <a:r>
+              <a:rPr lang="ru-RU" smtClean="0"/>
+              <a:t>ещё не введено в область видимости</a:t>
+            </a:r>
+            <a:r>
+              <a:rPr lang="en-US" smtClean="0"/>
+              <a:t>.</a:t>
+            </a:r>
+            <a:endParaRPr lang="en-US">
+              <a:latin typeface="Consolas" panose="020B0609020204030204" pitchFamily="49" charset="0"/>
+            </a:endParaRPr>
+          </a:p>
+        </p:txBody>
+      </p:sp>
+    </p:spTree>
+    <p:extLst>
+      <p:ext uri="{BB962C8B-B14F-4D97-AF65-F5344CB8AC3E}">
+        <p14:creationId xmlns:p14="http://schemas.microsoft.com/office/powerpoint/2010/main" val="2888909591"/>
+      </p:ext>
+    </p:extLst>
+  </p:cSld>
+  <p:clrMapOvr>
+    <a:masterClrMapping/>
+  </p:clrMapOvr>
+</p:sld>
+</file>
+
+<file path=ppt/slides/slide26.xml><?xml version="1.0" encoding="utf-8"?>
+<p:sld xmlns:a="http://schemas.openxmlformats.org/drawingml/2006/main" xmlns:r="http://schemas.openxmlformats.org/officeDocument/2006/relationships" xmlns:p="http://schemas.openxmlformats.org/presentationml/2006/main">
+  <p:cSld>
+    <p:spTree>
+      <p:nvGrpSpPr>
+        <p:cNvPr id="1" name=""/>
+        <p:cNvGrpSpPr/>
+        <p:nvPr/>
+      </p:nvGrpSpPr>
+      <p:grpSpPr>
+        <a:xfrm>
+          <a:off x="0" y="0"/>
+          <a:ext cx="0" cy="0"/>
+          <a:chOff x="0" y="0"/>
+          <a:chExt cx="0" cy="0"/>
+        </a:xfrm>
+      </p:grpSpPr>
+      <p:sp>
+        <p:nvSpPr>
+          <p:cNvPr id="2" name="Title 1"/>
+          <p:cNvSpPr>
+            <a:spLocks noGrp="1"/>
+          </p:cNvSpPr>
+          <p:nvPr>
+            <p:ph type="title"/>
+          </p:nvPr>
+        </p:nvSpPr>
+        <p:spPr/>
+        <p:txBody>
+          <a:bodyPr/>
+          <a:lstStyle/>
+          <a:p>
+            <a:r>
+              <a:rPr lang="ru-RU" smtClean="0"/>
+              <a:t>Попытка решения</a:t>
+            </a:r>
+            <a:r>
+              <a:rPr lang="en-US" smtClean="0"/>
+              <a:t>: </a:t>
+            </a:r>
+            <a:r>
+              <a:rPr lang="ru-RU" smtClean="0"/>
+              <a:t>сомнительный успех</a:t>
+            </a:r>
+            <a:endParaRPr lang="en-US"/>
+          </a:p>
+        </p:txBody>
+      </p:sp>
+      <p:sp>
+        <p:nvSpPr>
+          <p:cNvPr id="3" name="Content Placeholder 2"/>
+          <p:cNvSpPr>
+            <a:spLocks noGrp="1"/>
+          </p:cNvSpPr>
+          <p:nvPr>
+            <p:ph idx="1"/>
+          </p:nvPr>
+        </p:nvSpPr>
+        <p:spPr/>
+        <p:txBody>
+          <a:bodyPr/>
+          <a:lstStyle/>
+          <a:p>
+            <a:r>
+              <a:rPr lang="ru-RU" smtClean="0"/>
+              <a:t>На самом деле эта проблема сохраняется в свежих версиях стандарата, но её стало сложнее демонстрировать</a:t>
+            </a:r>
+          </a:p>
+          <a:p>
+            <a:r>
+              <a:rPr lang="ru-RU" smtClean="0"/>
+              <a:t>Итак, мы в 201</a:t>
+            </a:r>
+            <a:r>
+              <a:rPr lang="en-US" smtClean="0"/>
+              <a:t>2</a:t>
+            </a:r>
+            <a:r>
+              <a:rPr lang="ru-RU" smtClean="0"/>
+              <a:t> году и у нас нет </a:t>
+            </a:r>
+            <a:r>
+              <a:rPr lang="en-US" smtClean="0"/>
+              <a:t>auto </a:t>
+            </a:r>
+            <a:r>
+              <a:rPr lang="ru-RU" smtClean="0"/>
+              <a:t>для возвращаемого типа функций</a:t>
+            </a:r>
+          </a:p>
+          <a:p>
+            <a:pPr marL="45720" indent="0">
+              <a:buNone/>
+            </a:pPr>
+            <a:r>
+              <a:rPr lang="en-US" smtClean="0">
+                <a:latin typeface="Consolas" panose="020B0609020204030204" pitchFamily="49" charset="0"/>
+              </a:rPr>
+              <a:t>template &lt;typename T&gt;</a:t>
+            </a:r>
+            <a:r>
+              <a:rPr lang="ru-RU" smtClean="0">
+                <a:latin typeface="Consolas" panose="020B0609020204030204" pitchFamily="49" charset="0"/>
+              </a:rPr>
+              <a:t/>
+            </a:r>
+            <a:br>
+              <a:rPr lang="ru-RU" smtClean="0">
+                <a:latin typeface="Consolas" panose="020B0609020204030204" pitchFamily="49" charset="0"/>
+              </a:rPr>
+            </a:br>
+            <a:r>
+              <a:rPr lang="en-US" smtClean="0">
+                <a:latin typeface="Consolas" panose="020B0609020204030204" pitchFamily="49" charset="0"/>
+              </a:rPr>
+              <a:t>decltype(</a:t>
+            </a:r>
+            <a:r>
+              <a:rPr lang="en-US" smtClean="0">
+                <a:solidFill>
+                  <a:srgbClr val="0000FF"/>
+                </a:solidFill>
+                <a:latin typeface="Consolas" panose="020B0609020204030204" pitchFamily="49" charset="0"/>
+              </a:rPr>
+              <a:t>(</a:t>
+            </a:r>
+            <a:r>
+              <a:rPr lang="ru-RU" smtClean="0">
+                <a:solidFill>
+                  <a:srgbClr val="0000FF"/>
+                </a:solidFill>
+                <a:latin typeface="Consolas" panose="020B0609020204030204" pitchFamily="49" charset="0"/>
+              </a:rPr>
+              <a:t>(</a:t>
+            </a:r>
+            <a:r>
+              <a:rPr lang="en-US" smtClean="0">
+                <a:solidFill>
+                  <a:srgbClr val="0000FF"/>
+                </a:solidFill>
+                <a:latin typeface="Consolas" panose="020B0609020204030204" pitchFamily="49" charset="0"/>
+              </a:rPr>
+              <a:t>T*)(0))-&gt;makeObject</a:t>
+            </a:r>
+            <a:r>
+              <a:rPr lang="en-US">
+                <a:solidFill>
+                  <a:srgbClr val="0000FF"/>
+                </a:solidFill>
+                <a:latin typeface="Consolas" panose="020B0609020204030204" pitchFamily="49" charset="0"/>
+              </a:rPr>
+              <a:t>()</a:t>
+            </a:r>
+            <a:r>
+              <a:rPr lang="en-US" smtClean="0">
+                <a:latin typeface="Consolas" panose="020B0609020204030204" pitchFamily="49" charset="0"/>
+              </a:rPr>
+              <a:t>) // Pain....</a:t>
+            </a:r>
+            <a:r>
+              <a:rPr lang="ru-RU" smtClean="0">
+                <a:latin typeface="Consolas" panose="020B0609020204030204" pitchFamily="49" charset="0"/>
+              </a:rPr>
+              <a:t/>
+            </a:r>
+            <a:br>
+              <a:rPr lang="ru-RU" smtClean="0">
+                <a:latin typeface="Consolas" panose="020B0609020204030204" pitchFamily="49" charset="0"/>
+              </a:rPr>
+            </a:br>
+            <a:r>
+              <a:rPr lang="en-US" smtClean="0">
+                <a:latin typeface="Consolas" panose="020B0609020204030204" pitchFamily="49" charset="0"/>
+              </a:rPr>
+              <a:t>makeAndProcessObject (const T&amp; builder)</a:t>
+            </a:r>
+            <a:r>
+              <a:rPr lang="ru-RU" smtClean="0">
+                <a:latin typeface="Consolas" panose="020B0609020204030204" pitchFamily="49" charset="0"/>
+              </a:rPr>
+              <a:t> </a:t>
+            </a:r>
+            <a:r>
+              <a:rPr lang="en-US" smtClean="0">
+                <a:latin typeface="Consolas" panose="020B0609020204030204" pitchFamily="49" charset="0"/>
+              </a:rPr>
+              <a:t>{</a:t>
+            </a:r>
+            <a:r>
+              <a:rPr lang="ru-RU" smtClean="0">
+                <a:latin typeface="Consolas" panose="020B0609020204030204" pitchFamily="49" charset="0"/>
+              </a:rPr>
+              <a:t/>
+            </a:r>
+            <a:br>
+              <a:rPr lang="ru-RU" smtClean="0">
+                <a:latin typeface="Consolas" panose="020B0609020204030204" pitchFamily="49" charset="0"/>
+              </a:rPr>
+            </a:br>
+            <a:r>
+              <a:rPr lang="ru-RU" smtClean="0">
+                <a:latin typeface="Consolas" panose="020B0609020204030204" pitchFamily="49" charset="0"/>
+              </a:rPr>
+              <a:t>  </a:t>
+            </a:r>
+            <a:r>
+              <a:rPr lang="en-US" smtClean="0">
+                <a:latin typeface="Consolas" panose="020B0609020204030204" pitchFamily="49" charset="0"/>
+              </a:rPr>
+              <a:t>auto val = builder.makeObject();</a:t>
+            </a:r>
+            <a:r>
+              <a:rPr lang="ru-RU" smtClean="0">
+                <a:latin typeface="Consolas" panose="020B0609020204030204" pitchFamily="49" charset="0"/>
+              </a:rPr>
+              <a:t/>
+            </a:r>
+            <a:br>
+              <a:rPr lang="ru-RU" smtClean="0">
+                <a:latin typeface="Consolas" panose="020B0609020204030204" pitchFamily="49" charset="0"/>
+              </a:rPr>
+            </a:br>
+            <a:r>
+              <a:rPr lang="ru-RU" smtClean="0">
+                <a:latin typeface="Consolas" panose="020B0609020204030204" pitchFamily="49" charset="0"/>
+              </a:rPr>
+              <a:t>  </a:t>
+            </a:r>
+            <a:r>
+              <a:rPr lang="en-US" smtClean="0">
+                <a:latin typeface="Consolas" panose="020B0609020204030204" pitchFamily="49" charset="0"/>
+              </a:rPr>
+              <a:t>// </a:t>
+            </a:r>
+            <a:r>
+              <a:rPr lang="ru-RU" smtClean="0">
+                <a:latin typeface="Consolas" panose="020B0609020204030204" pitchFamily="49" charset="0"/>
+              </a:rPr>
+              <a:t>что-то делаем с</a:t>
+            </a:r>
+            <a:r>
+              <a:rPr lang="en-US" smtClean="0">
+                <a:latin typeface="Consolas" panose="020B0609020204030204" pitchFamily="49" charset="0"/>
+              </a:rPr>
+              <a:t> val</a:t>
+            </a:r>
+            <a:r>
+              <a:rPr lang="ru-RU" smtClean="0">
+                <a:latin typeface="Consolas" panose="020B0609020204030204" pitchFamily="49" charset="0"/>
+              </a:rPr>
+              <a:t/>
+            </a:r>
+            <a:br>
+              <a:rPr lang="ru-RU" smtClean="0">
+                <a:latin typeface="Consolas" panose="020B0609020204030204" pitchFamily="49" charset="0"/>
+              </a:rPr>
+            </a:br>
+            <a:r>
+              <a:rPr lang="ru-RU" smtClean="0">
+                <a:latin typeface="Consolas" panose="020B0609020204030204" pitchFamily="49" charset="0"/>
+              </a:rPr>
+              <a:t>  </a:t>
+            </a:r>
+            <a:r>
+              <a:rPr lang="en-US" smtClean="0">
+                <a:latin typeface="Consolas" panose="020B0609020204030204" pitchFamily="49" charset="0"/>
+              </a:rPr>
+              <a:t>return val;</a:t>
+            </a:r>
+            <a:r>
+              <a:rPr lang="ru-RU" smtClean="0">
+                <a:latin typeface="Consolas" panose="020B0609020204030204" pitchFamily="49" charset="0"/>
+              </a:rPr>
+              <a:t/>
+            </a:r>
+            <a:br>
+              <a:rPr lang="ru-RU" smtClean="0">
+                <a:latin typeface="Consolas" panose="020B0609020204030204" pitchFamily="49" charset="0"/>
+              </a:rPr>
+            </a:br>
+            <a:r>
+              <a:rPr lang="en-US" smtClean="0">
+                <a:latin typeface="Consolas" panose="020B0609020204030204" pitchFamily="49" charset="0"/>
+              </a:rPr>
+              <a:t>}</a:t>
+            </a:r>
+            <a:endParaRPr lang="ru-RU" smtClean="0">
+              <a:latin typeface="Consolas" panose="020B0609020204030204" pitchFamily="49" charset="0"/>
+            </a:endParaRPr>
+          </a:p>
+          <a:p>
+            <a:r>
+              <a:rPr lang="ru-RU" smtClean="0"/>
+              <a:t>Это не работает, так как имя </a:t>
+            </a:r>
+            <a:r>
+              <a:rPr lang="en-US" smtClean="0"/>
+              <a:t>builder </a:t>
+            </a:r>
+            <a:r>
+              <a:rPr lang="ru-RU" smtClean="0"/>
+              <a:t>ещё не введено в область видимости</a:t>
+            </a:r>
+            <a:r>
+              <a:rPr lang="en-US" smtClean="0"/>
+              <a:t>.</a:t>
+            </a:r>
+            <a:endParaRPr lang="en-US">
+              <a:latin typeface="Consolas" panose="020B0609020204030204" pitchFamily="49" charset="0"/>
+            </a:endParaRPr>
+          </a:p>
+        </p:txBody>
+      </p:sp>
+    </p:spTree>
+    <p:extLst>
+      <p:ext uri="{BB962C8B-B14F-4D97-AF65-F5344CB8AC3E}">
+        <p14:creationId xmlns:p14="http://schemas.microsoft.com/office/powerpoint/2010/main" val="40115322"/>
+      </p:ext>
+    </p:extLst>
+  </p:cSld>
+  <p:clrMapOvr>
+    <a:masterClrMapping/>
+  </p:clrMapOvr>
+</p:sld>
+</file>
+
+<file path=ppt/slides/slide27.xml><?xml version="1.0" encoding="utf-8"?>
+<p:sld xmlns:a="http://schemas.openxmlformats.org/drawingml/2006/main" xmlns:r="http://schemas.openxmlformats.org/officeDocument/2006/relationships" xmlns:p="http://schemas.openxmlformats.org/presentationml/2006/main">
+  <p:cSld>
+    <p:spTree>
+      <p:nvGrpSpPr>
+        <p:cNvPr id="1" name=""/>
+        <p:cNvGrpSpPr/>
+        <p:nvPr/>
+      </p:nvGrpSpPr>
+      <p:grpSpPr>
+        <a:xfrm>
+          <a:off x="0" y="0"/>
+          <a:ext cx="0" cy="0"/>
+          <a:chOff x="0" y="0"/>
+          <a:chExt cx="0" cy="0"/>
+        </a:xfrm>
+      </p:grpSpPr>
+      <p:sp>
+        <p:nvSpPr>
+          <p:cNvPr id="2" name="Title 1"/>
+          <p:cNvSpPr>
+            <a:spLocks noGrp="1"/>
+          </p:cNvSpPr>
+          <p:nvPr>
+            <p:ph type="title"/>
+          </p:nvPr>
+        </p:nvSpPr>
+        <p:spPr/>
+        <p:txBody>
+          <a:bodyPr/>
+          <a:lstStyle/>
+          <a:p>
+            <a:r>
+              <a:rPr lang="ru-RU" smtClean="0"/>
+              <a:t>Решение для </a:t>
+            </a:r>
+            <a:r>
+              <a:rPr lang="en-US" smtClean="0"/>
+              <a:t>C++11</a:t>
+            </a:r>
+            <a:endParaRPr lang="en-US"/>
+          </a:p>
+        </p:txBody>
+      </p:sp>
+      <p:sp>
+        <p:nvSpPr>
+          <p:cNvPr id="3" name="Content Placeholder 2"/>
+          <p:cNvSpPr>
+            <a:spLocks noGrp="1"/>
+          </p:cNvSpPr>
+          <p:nvPr>
+            <p:ph idx="1"/>
+          </p:nvPr>
+        </p:nvSpPr>
+        <p:spPr/>
+        <p:txBody>
+          <a:bodyPr/>
+          <a:lstStyle/>
+          <a:p>
+            <a:r>
+              <a:rPr lang="ru-RU" smtClean="0"/>
+              <a:t>Для решения используется так называемый расширенный синтаксис.</a:t>
+            </a:r>
+          </a:p>
+          <a:p>
+            <a:pPr marL="45720" indent="0">
+              <a:buNone/>
+            </a:pPr>
+            <a:r>
+              <a:rPr lang="en-US" smtClean="0">
+                <a:latin typeface="Consolas" panose="020B0609020204030204" pitchFamily="49" charset="0"/>
+              </a:rPr>
+              <a:t>int foo (); // </a:t>
+            </a:r>
+            <a:r>
+              <a:rPr lang="ru-RU" smtClean="0">
+                <a:latin typeface="Consolas" panose="020B0609020204030204" pitchFamily="49" charset="0"/>
+              </a:rPr>
+              <a:t>обычный синтаксис</a:t>
+            </a:r>
+            <a:r>
+              <a:rPr lang="en-US">
+                <a:latin typeface="Consolas" panose="020B0609020204030204" pitchFamily="49" charset="0"/>
+              </a:rPr>
+              <a:t/>
+            </a:r>
+            <a:br>
+              <a:rPr lang="en-US">
+                <a:latin typeface="Consolas" panose="020B0609020204030204" pitchFamily="49" charset="0"/>
+              </a:rPr>
+            </a:br>
+            <a:r>
+              <a:rPr lang="en-US" smtClean="0">
+                <a:latin typeface="Consolas" panose="020B0609020204030204" pitchFamily="49" charset="0"/>
+              </a:rPr>
+              <a:t>auto foo() -&gt; int; // </a:t>
+            </a:r>
+            <a:r>
+              <a:rPr lang="ru-RU" smtClean="0">
+                <a:latin typeface="Consolas" panose="020B0609020204030204" pitchFamily="49" charset="0"/>
+              </a:rPr>
+              <a:t>расширенный синтаксис</a:t>
+            </a:r>
+            <a:endParaRPr lang="ru-RU" smtClean="0"/>
+          </a:p>
+          <a:p>
+            <a:r>
+              <a:rPr lang="ru-RU" smtClean="0"/>
+              <a:t>Использование очевидно</a:t>
+            </a:r>
+          </a:p>
+          <a:p>
+            <a:pPr marL="45720" indent="0">
+              <a:buNone/>
+            </a:pPr>
+            <a:r>
+              <a:rPr lang="en-US" smtClean="0">
+                <a:latin typeface="Consolas" panose="020B0609020204030204" pitchFamily="49" charset="0"/>
+              </a:rPr>
+              <a:t>template &lt;typename T&gt;</a:t>
+            </a:r>
+            <a:r>
+              <a:rPr lang="ru-RU" smtClean="0">
+                <a:latin typeface="Consolas" panose="020B0609020204030204" pitchFamily="49" charset="0"/>
+              </a:rPr>
+              <a:t/>
+            </a:r>
+            <a:br>
+              <a:rPr lang="ru-RU" smtClean="0">
+                <a:latin typeface="Consolas" panose="020B0609020204030204" pitchFamily="49" charset="0"/>
+              </a:rPr>
+            </a:br>
+            <a:r>
+              <a:rPr lang="en-US" smtClean="0">
+                <a:solidFill>
+                  <a:srgbClr val="0000FF"/>
+                </a:solidFill>
+                <a:latin typeface="Consolas" panose="020B0609020204030204" pitchFamily="49" charset="0"/>
+              </a:rPr>
+              <a:t>auto</a:t>
+            </a:r>
+            <a:r>
+              <a:rPr lang="en-US" smtClean="0">
+                <a:latin typeface="Consolas" panose="020B0609020204030204" pitchFamily="49" charset="0"/>
+              </a:rPr>
+              <a:t> makeAndProcessObject (const T&amp; builder) </a:t>
+            </a:r>
+            <a:r>
+              <a:rPr lang="en-US" smtClean="0">
+                <a:solidFill>
+                  <a:srgbClr val="0000FF"/>
+                </a:solidFill>
+                <a:latin typeface="Consolas" panose="020B0609020204030204" pitchFamily="49" charset="0"/>
+              </a:rPr>
+              <a:t>-&gt;</a:t>
+            </a:r>
+            <a:r>
+              <a:rPr lang="ru-RU" smtClean="0">
+                <a:solidFill>
+                  <a:srgbClr val="0000FF"/>
+                </a:solidFill>
+                <a:latin typeface="Consolas" panose="020B0609020204030204" pitchFamily="49" charset="0"/>
+              </a:rPr>
+              <a:t> </a:t>
+            </a:r>
+            <a:r>
+              <a:rPr lang="en-US" smtClean="0">
+                <a:solidFill>
+                  <a:srgbClr val="0000FF"/>
+                </a:solidFill>
+                <a:latin typeface="Consolas" panose="020B0609020204030204" pitchFamily="49" charset="0"/>
+              </a:rPr>
+              <a:t/>
+            </a:r>
+            <a:br>
+              <a:rPr lang="en-US" smtClean="0">
+                <a:solidFill>
+                  <a:srgbClr val="0000FF"/>
+                </a:solidFill>
+                <a:latin typeface="Consolas" panose="020B0609020204030204" pitchFamily="49" charset="0"/>
+              </a:rPr>
+            </a:br>
+            <a:r>
+              <a:rPr lang="en-US" smtClean="0">
+                <a:solidFill>
+                  <a:srgbClr val="0000FF"/>
+                </a:solidFill>
+                <a:latin typeface="Consolas" panose="020B0609020204030204" pitchFamily="49" charset="0"/>
+              </a:rPr>
+              <a:t>                          decltype (</a:t>
+            </a:r>
+            <a:r>
+              <a:rPr lang="en-US">
+                <a:solidFill>
+                  <a:srgbClr val="0000FF"/>
+                </a:solidFill>
+                <a:latin typeface="Consolas" panose="020B0609020204030204" pitchFamily="49" charset="0"/>
+              </a:rPr>
+              <a:t>builder.makeObject</a:t>
+            </a:r>
+            <a:r>
+              <a:rPr lang="en-US" smtClean="0">
+                <a:solidFill>
+                  <a:srgbClr val="0000FF"/>
+                </a:solidFill>
+                <a:latin typeface="Consolas" panose="020B0609020204030204" pitchFamily="49" charset="0"/>
+              </a:rPr>
+              <a:t>())</a:t>
+            </a:r>
+            <a:r>
+              <a:rPr lang="en-US" smtClean="0">
+                <a:latin typeface="Consolas" panose="020B0609020204030204" pitchFamily="49" charset="0"/>
+              </a:rPr>
+              <a:t> {</a:t>
+            </a:r>
+            <a:r>
+              <a:rPr lang="ru-RU" smtClean="0">
+                <a:latin typeface="Consolas" panose="020B0609020204030204" pitchFamily="49" charset="0"/>
+              </a:rPr>
+              <a:t/>
+            </a:r>
+            <a:br>
+              <a:rPr lang="ru-RU" smtClean="0">
+                <a:latin typeface="Consolas" panose="020B0609020204030204" pitchFamily="49" charset="0"/>
+              </a:rPr>
+            </a:br>
+            <a:r>
+              <a:rPr lang="ru-RU" smtClean="0">
+                <a:latin typeface="Consolas" panose="020B0609020204030204" pitchFamily="49" charset="0"/>
+              </a:rPr>
+              <a:t>  </a:t>
+            </a:r>
+            <a:r>
+              <a:rPr lang="en-US" smtClean="0">
+                <a:latin typeface="Consolas" panose="020B0609020204030204" pitchFamily="49" charset="0"/>
+              </a:rPr>
+              <a:t>auto val = builder.makeObject();</a:t>
+            </a:r>
+            <a:r>
+              <a:rPr lang="ru-RU" smtClean="0">
+                <a:latin typeface="Consolas" panose="020B0609020204030204" pitchFamily="49" charset="0"/>
+              </a:rPr>
+              <a:t/>
+            </a:r>
+            <a:br>
+              <a:rPr lang="ru-RU" smtClean="0">
+                <a:latin typeface="Consolas" panose="020B0609020204030204" pitchFamily="49" charset="0"/>
+              </a:rPr>
+            </a:br>
+            <a:r>
+              <a:rPr lang="ru-RU" smtClean="0">
+                <a:latin typeface="Consolas" panose="020B0609020204030204" pitchFamily="49" charset="0"/>
+              </a:rPr>
+              <a:t>  </a:t>
+            </a:r>
+            <a:r>
+              <a:rPr lang="en-US" smtClean="0">
+                <a:latin typeface="Consolas" panose="020B0609020204030204" pitchFamily="49" charset="0"/>
+              </a:rPr>
+              <a:t>// </a:t>
+            </a:r>
+            <a:r>
+              <a:rPr lang="ru-RU" smtClean="0">
+                <a:latin typeface="Consolas" panose="020B0609020204030204" pitchFamily="49" charset="0"/>
+              </a:rPr>
+              <a:t>что-то делаем с</a:t>
+            </a:r>
+            <a:r>
+              <a:rPr lang="en-US" smtClean="0">
+                <a:latin typeface="Consolas" panose="020B0609020204030204" pitchFamily="49" charset="0"/>
+              </a:rPr>
+              <a:t> val</a:t>
+            </a:r>
+            <a:r>
+              <a:rPr lang="ru-RU" smtClean="0">
+                <a:latin typeface="Consolas" panose="020B0609020204030204" pitchFamily="49" charset="0"/>
+              </a:rPr>
+              <a:t/>
+            </a:r>
+            <a:br>
+              <a:rPr lang="ru-RU" smtClean="0">
+                <a:latin typeface="Consolas" panose="020B0609020204030204" pitchFamily="49" charset="0"/>
+              </a:rPr>
+            </a:br>
+            <a:r>
+              <a:rPr lang="ru-RU" smtClean="0">
+                <a:latin typeface="Consolas" panose="020B0609020204030204" pitchFamily="49" charset="0"/>
+              </a:rPr>
+              <a:t>  </a:t>
+            </a:r>
+            <a:r>
+              <a:rPr lang="en-US" smtClean="0">
+                <a:latin typeface="Consolas" panose="020B0609020204030204" pitchFamily="49" charset="0"/>
+              </a:rPr>
+              <a:t>return val;</a:t>
+            </a:r>
+            <a:r>
+              <a:rPr lang="ru-RU" smtClean="0">
+                <a:latin typeface="Consolas" panose="020B0609020204030204" pitchFamily="49" charset="0"/>
+              </a:rPr>
+              <a:t/>
+            </a:r>
+            <a:br>
+              <a:rPr lang="ru-RU" smtClean="0">
+                <a:latin typeface="Consolas" panose="020B0609020204030204" pitchFamily="49" charset="0"/>
+              </a:rPr>
+            </a:br>
+            <a:r>
+              <a:rPr lang="en-US" smtClean="0">
+                <a:latin typeface="Consolas" panose="020B0609020204030204" pitchFamily="49" charset="0"/>
+              </a:rPr>
+              <a:t>}</a:t>
+            </a:r>
+            <a:endParaRPr lang="en-US">
+              <a:latin typeface="Consolas" panose="020B0609020204030204" pitchFamily="49" charset="0"/>
+            </a:endParaRPr>
+          </a:p>
+        </p:txBody>
+      </p:sp>
+    </p:spTree>
+    <p:extLst>
+      <p:ext uri="{BB962C8B-B14F-4D97-AF65-F5344CB8AC3E}">
+        <p14:creationId xmlns:p14="http://schemas.microsoft.com/office/powerpoint/2010/main" val="2184060128"/>
+      </p:ext>
+    </p:extLst>
+  </p:cSld>
+  <p:clrMapOvr>
+    <a:masterClrMapping/>
+  </p:clrMapOvr>
+</p:sld>
+</file>
+
+<file path=ppt/slides/slide28.xml><?xml version="1.0" encoding="utf-8"?>
+<p:sld xmlns:a="http://schemas.openxmlformats.org/drawingml/2006/main" xmlns:r="http://schemas.openxmlformats.org/officeDocument/2006/relationships" xmlns:p="http://schemas.openxmlformats.org/presentationml/2006/main">
+  <p:cSld>
+    <p:spTree>
+      <p:nvGrpSpPr>
+        <p:cNvPr id="1" name=""/>
+        <p:cNvGrpSpPr/>
+        <p:nvPr/>
+      </p:nvGrpSpPr>
+      <p:grpSpPr>
+        <a:xfrm>
+          <a:off x="0" y="0"/>
+          <a:ext cx="0" cy="0"/>
+          <a:chOff x="0" y="0"/>
+          <a:chExt cx="0" cy="0"/>
+        </a:xfrm>
+      </p:grpSpPr>
+      <p:sp>
+        <p:nvSpPr>
+          <p:cNvPr id="2" name="Title 1"/>
+          <p:cNvSpPr>
+            <a:spLocks noGrp="1"/>
+          </p:cNvSpPr>
+          <p:nvPr>
+            <p:ph type="title"/>
+          </p:nvPr>
+        </p:nvSpPr>
+        <p:spPr/>
+        <p:txBody>
+          <a:bodyPr/>
+          <a:lstStyle/>
+          <a:p>
+            <a:r>
+              <a:rPr lang="ru-RU" smtClean="0"/>
+              <a:t>Гетерогенный минимум </a:t>
+            </a:r>
+            <a:r>
+              <a:rPr lang="en-US" smtClean="0"/>
+              <a:t>strikes back</a:t>
+            </a:r>
+            <a:endParaRPr lang="en-US"/>
+          </a:p>
+        </p:txBody>
+      </p:sp>
+      <p:sp>
+        <p:nvSpPr>
+          <p:cNvPr id="3" name="Content Placeholder 2"/>
+          <p:cNvSpPr>
+            <a:spLocks noGrp="1"/>
+          </p:cNvSpPr>
+          <p:nvPr>
+            <p:ph idx="1"/>
+          </p:nvPr>
+        </p:nvSpPr>
+        <p:spPr/>
+        <p:txBody>
+          <a:bodyPr/>
+          <a:lstStyle/>
+          <a:p>
+            <a:r>
+              <a:rPr lang="ru-RU" smtClean="0"/>
+              <a:t>Проблема гетерогенного минимума кажется получила своё решение</a:t>
+            </a:r>
+          </a:p>
+          <a:p>
+            <a:pPr marL="45720" indent="0">
+              <a:buNone/>
+            </a:pPr>
+            <a:r>
+              <a:rPr lang="en-US">
+                <a:latin typeface="Consolas" panose="020B0609020204030204" pitchFamily="49" charset="0"/>
+              </a:rPr>
+              <a:t>template &lt;typename T, </a:t>
+            </a:r>
+            <a:r>
+              <a:rPr lang="en-US">
+                <a:latin typeface="Consolas" panose="020B0609020204030204" pitchFamily="49" charset="0"/>
+              </a:rPr>
+              <a:t>typename </a:t>
+            </a:r>
+            <a:r>
+              <a:rPr lang="en-US" smtClean="0">
+                <a:latin typeface="Consolas" panose="020B0609020204030204" pitchFamily="49" charset="0"/>
+              </a:rPr>
+              <a:t>S&gt;</a:t>
+            </a:r>
+            <a:r>
+              <a:rPr lang="ru-RU" smtClean="0">
+                <a:latin typeface="Consolas" panose="020B0609020204030204" pitchFamily="49" charset="0"/>
+              </a:rPr>
+              <a:t/>
+            </a:r>
+            <a:br>
+              <a:rPr lang="ru-RU" smtClean="0">
+                <a:latin typeface="Consolas" panose="020B0609020204030204" pitchFamily="49" charset="0"/>
+              </a:rPr>
+            </a:br>
+            <a:r>
+              <a:rPr lang="en-US" smtClean="0">
+                <a:latin typeface="Consolas" panose="020B0609020204030204" pitchFamily="49" charset="0"/>
+              </a:rPr>
+              <a:t>auto </a:t>
+            </a:r>
+            <a:r>
+              <a:rPr lang="en-US">
+                <a:latin typeface="Consolas" panose="020B0609020204030204" pitchFamily="49" charset="0"/>
+              </a:rPr>
+              <a:t>min(T x, S y) -&gt; decltype(x &lt; y ? x : y</a:t>
+            </a:r>
+            <a:r>
+              <a:rPr lang="en-US">
+                <a:latin typeface="Consolas" panose="020B0609020204030204" pitchFamily="49" charset="0"/>
+              </a:rPr>
+              <a:t>) </a:t>
+            </a:r>
+            <a:r>
+              <a:rPr lang="en-US" smtClean="0">
+                <a:latin typeface="Consolas" panose="020B0609020204030204" pitchFamily="49" charset="0"/>
+              </a:rPr>
+              <a:t>{</a:t>
+            </a:r>
+            <a:r>
+              <a:rPr lang="ru-RU" smtClean="0">
+                <a:latin typeface="Consolas" panose="020B0609020204030204" pitchFamily="49" charset="0"/>
+              </a:rPr>
+              <a:t/>
+            </a:r>
+            <a:br>
+              <a:rPr lang="ru-RU" smtClean="0">
+                <a:latin typeface="Consolas" panose="020B0609020204030204" pitchFamily="49" charset="0"/>
+              </a:rPr>
+            </a:br>
+            <a:r>
+              <a:rPr lang="en-US" smtClean="0">
+                <a:latin typeface="Consolas" panose="020B0609020204030204" pitchFamily="49" charset="0"/>
+              </a:rPr>
+              <a:t>  </a:t>
+            </a:r>
+            <a:r>
+              <a:rPr lang="en-US">
+                <a:latin typeface="Consolas" panose="020B0609020204030204" pitchFamily="49" charset="0"/>
+              </a:rPr>
+              <a:t>return x &lt; y ? x : </a:t>
+            </a:r>
+            <a:r>
+              <a:rPr lang="en-US">
+                <a:latin typeface="Consolas" panose="020B0609020204030204" pitchFamily="49" charset="0"/>
+              </a:rPr>
+              <a:t>y</a:t>
+            </a:r>
+            <a:r>
+              <a:rPr lang="en-US" smtClean="0">
+                <a:latin typeface="Consolas" panose="020B0609020204030204" pitchFamily="49" charset="0"/>
+              </a:rPr>
+              <a:t>;</a:t>
+            </a:r>
+            <a:r>
+              <a:rPr lang="ru-RU" smtClean="0">
+                <a:latin typeface="Consolas" panose="020B0609020204030204" pitchFamily="49" charset="0"/>
+              </a:rPr>
+              <a:t/>
+            </a:r>
+            <a:br>
+              <a:rPr lang="ru-RU" smtClean="0">
+                <a:latin typeface="Consolas" panose="020B0609020204030204" pitchFamily="49" charset="0"/>
+              </a:rPr>
+            </a:br>
+            <a:r>
+              <a:rPr lang="en-US" smtClean="0">
+                <a:latin typeface="Consolas" panose="020B0609020204030204" pitchFamily="49" charset="0"/>
+              </a:rPr>
+              <a:t>}</a:t>
+            </a:r>
+            <a:endParaRPr lang="ru-RU" smtClean="0">
+              <a:latin typeface="Consolas" panose="020B0609020204030204" pitchFamily="49" charset="0"/>
+            </a:endParaRPr>
+          </a:p>
+          <a:p>
+            <a:r>
+              <a:rPr lang="ru-RU" smtClean="0"/>
+              <a:t>Видите ли вы в чём тут проблема?</a:t>
+            </a:r>
+            <a:endParaRPr lang="en-US"/>
+          </a:p>
+        </p:txBody>
+      </p:sp>
+    </p:spTree>
+    <p:extLst>
+      <p:ext uri="{BB962C8B-B14F-4D97-AF65-F5344CB8AC3E}">
+        <p14:creationId xmlns:p14="http://schemas.microsoft.com/office/powerpoint/2010/main" val="90366353"/>
+      </p:ext>
+    </p:extLst>
+  </p:cSld>
+  <p:clrMapOvr>
+    <a:masterClrMapping/>
+  </p:clrMapOvr>
+</p:sld>
+</file>
+
+<file path=ppt/slides/slide29.xml><?xml version="1.0" encoding="utf-8"?>
+<p:sld xmlns:a="http://schemas.openxmlformats.org/drawingml/2006/main" xmlns:r="http://schemas.openxmlformats.org/officeDocument/2006/relationships" xmlns:p="http://schemas.openxmlformats.org/presentationml/2006/main">
+  <p:cSld>
+    <p:spTree>
+      <p:nvGrpSpPr>
+        <p:cNvPr id="1" name=""/>
+        <p:cNvGrpSpPr/>
+        <p:nvPr/>
+      </p:nvGrpSpPr>
+      <p:grpSpPr>
+        <a:xfrm>
+          <a:off x="0" y="0"/>
+          <a:ext cx="0" cy="0"/>
+          <a:chOff x="0" y="0"/>
+          <a:chExt cx="0" cy="0"/>
+        </a:xfrm>
+      </p:grpSpPr>
+      <p:sp>
+        <p:nvSpPr>
+          <p:cNvPr id="2" name="Title 1"/>
+          <p:cNvSpPr>
+            <a:spLocks noGrp="1"/>
+          </p:cNvSpPr>
+          <p:nvPr>
+            <p:ph type="title"/>
+          </p:nvPr>
+        </p:nvSpPr>
+        <p:spPr/>
+        <p:txBody>
+          <a:bodyPr/>
+          <a:lstStyle/>
+          <a:p>
+            <a:r>
+              <a:rPr lang="ru-RU" smtClean="0"/>
+              <a:t>Гетерогенный минимум </a:t>
+            </a:r>
+            <a:r>
+              <a:rPr lang="en-US" smtClean="0"/>
+              <a:t>strikes back</a:t>
+            </a:r>
+            <a:endParaRPr lang="en-US"/>
+          </a:p>
+        </p:txBody>
+      </p:sp>
+      <p:sp>
+        <p:nvSpPr>
+          <p:cNvPr id="3" name="Content Placeholder 2"/>
+          <p:cNvSpPr>
+            <a:spLocks noGrp="1"/>
+          </p:cNvSpPr>
+          <p:nvPr>
+            <p:ph idx="1"/>
+          </p:nvPr>
+        </p:nvSpPr>
+        <p:spPr>
+          <a:xfrm>
+            <a:off x="1143000" y="2057400"/>
+            <a:ext cx="9872871" cy="4450492"/>
+          </a:xfrm>
+        </p:spPr>
+        <p:txBody>
+          <a:bodyPr/>
+          <a:lstStyle/>
+          <a:p>
+            <a:r>
+              <a:rPr lang="ru-RU" smtClean="0"/>
+              <a:t>Проблема гетерогенного минимума кажется получила своё решение</a:t>
+            </a:r>
+          </a:p>
+          <a:p>
+            <a:pPr marL="45720" indent="0">
+              <a:buNone/>
+            </a:pPr>
+            <a:r>
+              <a:rPr lang="en-US">
+                <a:latin typeface="Consolas" panose="020B0609020204030204" pitchFamily="49" charset="0"/>
+              </a:rPr>
+              <a:t>template &lt;typename T, </a:t>
+            </a:r>
+            <a:r>
+              <a:rPr lang="en-US">
+                <a:latin typeface="Consolas" panose="020B0609020204030204" pitchFamily="49" charset="0"/>
+              </a:rPr>
+              <a:t>typename </a:t>
+            </a:r>
+            <a:r>
+              <a:rPr lang="en-US" smtClean="0">
+                <a:latin typeface="Consolas" panose="020B0609020204030204" pitchFamily="49" charset="0"/>
+              </a:rPr>
+              <a:t>S&gt; </a:t>
+            </a:r>
+            <a:r>
+              <a:rPr lang="en-US" smtClean="0">
+                <a:solidFill>
+                  <a:srgbClr val="FF0000"/>
+                </a:solidFill>
+                <a:latin typeface="Consolas" panose="020B0609020204030204" pitchFamily="49" charset="0"/>
+              </a:rPr>
+              <a:t>// T == S == int</a:t>
+            </a:r>
+            <a:r>
+              <a:rPr lang="ru-RU" smtClean="0">
+                <a:solidFill>
+                  <a:srgbClr val="FF0000"/>
+                </a:solidFill>
+                <a:latin typeface="Consolas" panose="020B0609020204030204" pitchFamily="49" charset="0"/>
+              </a:rPr>
+              <a:t/>
+            </a:r>
+            <a:br>
+              <a:rPr lang="ru-RU" smtClean="0">
+                <a:solidFill>
+                  <a:srgbClr val="FF0000"/>
+                </a:solidFill>
+                <a:latin typeface="Consolas" panose="020B0609020204030204" pitchFamily="49" charset="0"/>
+              </a:rPr>
+            </a:br>
+            <a:r>
+              <a:rPr lang="en-US" smtClean="0">
+                <a:latin typeface="Consolas" panose="020B0609020204030204" pitchFamily="49" charset="0"/>
+              </a:rPr>
+              <a:t>auto </a:t>
+            </a:r>
+            <a:r>
+              <a:rPr lang="en-US">
+                <a:latin typeface="Consolas" panose="020B0609020204030204" pitchFamily="49" charset="0"/>
+              </a:rPr>
+              <a:t>min(T x, S y) -&gt; decltype(x &lt; y ? x : y</a:t>
+            </a:r>
+            <a:r>
+              <a:rPr lang="en-US">
+                <a:latin typeface="Consolas" panose="020B0609020204030204" pitchFamily="49" charset="0"/>
+              </a:rPr>
+              <a:t>) </a:t>
+            </a:r>
+            <a:r>
+              <a:rPr lang="en-US" smtClean="0">
+                <a:latin typeface="Consolas" panose="020B0609020204030204" pitchFamily="49" charset="0"/>
+              </a:rPr>
+              <a:t>{ </a:t>
+            </a:r>
+            <a:r>
+              <a:rPr lang="en-US" smtClean="0">
+                <a:solidFill>
+                  <a:srgbClr val="FF0000"/>
+                </a:solidFill>
+                <a:latin typeface="Consolas" panose="020B0609020204030204" pitchFamily="49" charset="0"/>
+              </a:rPr>
+              <a:t>// </a:t>
+            </a:r>
+            <a:r>
+              <a:rPr lang="en-US">
+                <a:solidFill>
+                  <a:srgbClr val="FF0000"/>
+                </a:solidFill>
+                <a:latin typeface="Consolas" panose="020B0609020204030204" pitchFamily="49" charset="0"/>
+                <a:sym typeface="Symbol" panose="05050102010706020507" pitchFamily="18" charset="2"/>
+              </a:rPr>
+              <a:t></a:t>
+            </a:r>
+            <a:r>
+              <a:rPr lang="en-US" smtClean="0">
+                <a:solidFill>
+                  <a:srgbClr val="FF0000"/>
+                </a:solidFill>
+                <a:latin typeface="Consolas" panose="020B0609020204030204" pitchFamily="49" charset="0"/>
+              </a:rPr>
+              <a:t> int&amp;</a:t>
+            </a:r>
+            <a:r>
+              <a:rPr lang="ru-RU" smtClean="0">
+                <a:latin typeface="Consolas" panose="020B0609020204030204" pitchFamily="49" charset="0"/>
+              </a:rPr>
+              <a:t/>
+            </a:r>
+            <a:br>
+              <a:rPr lang="ru-RU" smtClean="0">
+                <a:latin typeface="Consolas" panose="020B0609020204030204" pitchFamily="49" charset="0"/>
+              </a:rPr>
+            </a:br>
+            <a:r>
+              <a:rPr lang="en-US" smtClean="0">
+                <a:latin typeface="Consolas" panose="020B0609020204030204" pitchFamily="49" charset="0"/>
+              </a:rPr>
+              <a:t>  </a:t>
+            </a:r>
+            <a:r>
+              <a:rPr lang="en-US">
+                <a:latin typeface="Consolas" panose="020B0609020204030204" pitchFamily="49" charset="0"/>
+              </a:rPr>
+              <a:t>return x &lt; y ? x : </a:t>
+            </a:r>
+            <a:r>
+              <a:rPr lang="en-US">
+                <a:latin typeface="Consolas" panose="020B0609020204030204" pitchFamily="49" charset="0"/>
+              </a:rPr>
+              <a:t>y</a:t>
+            </a:r>
+            <a:r>
+              <a:rPr lang="en-US" smtClean="0">
+                <a:latin typeface="Consolas" panose="020B0609020204030204" pitchFamily="49" charset="0"/>
+              </a:rPr>
+              <a:t>; </a:t>
+            </a:r>
+            <a:r>
+              <a:rPr lang="en-US" smtClean="0">
+                <a:solidFill>
+                  <a:srgbClr val="FF0000"/>
+                </a:solidFill>
+                <a:latin typeface="Consolas" panose="020B0609020204030204" pitchFamily="49" charset="0"/>
+              </a:rPr>
+              <a:t>// </a:t>
+            </a:r>
+            <a:r>
+              <a:rPr lang="ru-RU" smtClean="0">
+                <a:solidFill>
+                  <a:srgbClr val="FF0000"/>
+                </a:solidFill>
+                <a:latin typeface="Consolas" panose="020B0609020204030204" pitchFamily="49" charset="0"/>
+              </a:rPr>
+              <a:t>возвращается висячая ссылка</a:t>
+            </a:r>
+            <a:r>
+              <a:rPr lang="ru-RU" smtClean="0">
+                <a:latin typeface="Consolas" panose="020B0609020204030204" pitchFamily="49" charset="0"/>
+              </a:rPr>
+              <a:t/>
+            </a:r>
+            <a:br>
+              <a:rPr lang="ru-RU" smtClean="0">
+                <a:latin typeface="Consolas" panose="020B0609020204030204" pitchFamily="49" charset="0"/>
+              </a:rPr>
+            </a:br>
+            <a:r>
+              <a:rPr lang="en-US" smtClean="0">
+                <a:latin typeface="Consolas" panose="020B0609020204030204" pitchFamily="49" charset="0"/>
+              </a:rPr>
+              <a:t>}</a:t>
+            </a:r>
+            <a:endParaRPr lang="ru-RU" smtClean="0">
+              <a:latin typeface="Consolas" panose="020B0609020204030204" pitchFamily="49" charset="0"/>
+            </a:endParaRPr>
+          </a:p>
+          <a:p>
+            <a:r>
+              <a:rPr lang="ru-RU" smtClean="0"/>
+              <a:t>Видите ли вы в чём тут проблема?</a:t>
+            </a:r>
+          </a:p>
+          <a:p>
+            <a:r>
+              <a:rPr lang="ru-RU" smtClean="0">
+                <a:solidFill>
+                  <a:srgbClr val="FF0000"/>
+                </a:solidFill>
+              </a:rPr>
+              <a:t>Если </a:t>
+            </a:r>
+            <a:r>
+              <a:rPr lang="en-US" smtClean="0">
+                <a:solidFill>
+                  <a:srgbClr val="FF0000"/>
+                </a:solidFill>
+              </a:rPr>
+              <a:t>T == S, </a:t>
+            </a:r>
+            <a:r>
+              <a:rPr lang="ru-RU" smtClean="0">
+                <a:solidFill>
+                  <a:srgbClr val="FF0000"/>
+                </a:solidFill>
+              </a:rPr>
+              <a:t>то это приведёт к сложно обнаружимой ошибке в программе</a:t>
+            </a:r>
+            <a:r>
+              <a:rPr lang="ru-RU" smtClean="0"/>
+              <a:t>.</a:t>
+            </a:r>
+          </a:p>
+          <a:p>
+            <a:pPr marL="45720" indent="0">
+              <a:buNone/>
+            </a:pPr>
+            <a:r>
+              <a:rPr lang="ru-RU" smtClean="0">
+                <a:latin typeface="Consolas" panose="020B0609020204030204" pitchFamily="49" charset="0"/>
+              </a:rPr>
+              <a:t>(</a:t>
+            </a:r>
+            <a:r>
+              <a:rPr lang="en-US" smtClean="0">
+                <a:latin typeface="Consolas" panose="020B0609020204030204" pitchFamily="49" charset="0"/>
+              </a:rPr>
+              <a:t>x </a:t>
+            </a:r>
+            <a:r>
+              <a:rPr lang="en-US">
+                <a:latin typeface="Consolas" panose="020B0609020204030204" pitchFamily="49" charset="0"/>
+              </a:rPr>
+              <a:t>&lt; y ? x </a:t>
+            </a:r>
+            <a:r>
+              <a:rPr lang="en-US">
+                <a:latin typeface="Consolas" panose="020B0609020204030204" pitchFamily="49" charset="0"/>
+              </a:rPr>
+              <a:t>: </a:t>
+            </a:r>
+            <a:r>
+              <a:rPr lang="en-US" smtClean="0">
+                <a:latin typeface="Consolas" panose="020B0609020204030204" pitchFamily="49" charset="0"/>
+              </a:rPr>
+              <a:t>y</a:t>
+            </a:r>
+            <a:r>
+              <a:rPr lang="ru-RU" smtClean="0">
+                <a:latin typeface="Consolas" panose="020B0609020204030204" pitchFamily="49" charset="0"/>
+              </a:rPr>
+              <a:t>) = 5</a:t>
+            </a:r>
+            <a:r>
+              <a:rPr lang="en-US" smtClean="0">
+                <a:latin typeface="Consolas" panose="020B0609020204030204" pitchFamily="49" charset="0"/>
+              </a:rPr>
+              <a:t>; // </a:t>
+            </a:r>
+            <a:r>
+              <a:rPr lang="ru-RU" smtClean="0">
+                <a:latin typeface="Consolas" panose="020B0609020204030204" pitchFamily="49" charset="0"/>
+              </a:rPr>
+              <a:t>легальный </a:t>
+            </a:r>
+            <a:r>
+              <a:rPr lang="en-US" smtClean="0">
+                <a:latin typeface="Consolas" panose="020B0609020204030204" pitchFamily="49" charset="0"/>
+              </a:rPr>
+              <a:t>C++, decltype </a:t>
+            </a:r>
+            <a:r>
+              <a:rPr lang="ru-RU" smtClean="0">
+                <a:latin typeface="Consolas" panose="020B0609020204030204" pitchFamily="49" charset="0"/>
+              </a:rPr>
+              <a:t>добавит </a:t>
+            </a:r>
+            <a:r>
+              <a:rPr lang="en-US" smtClean="0">
+                <a:latin typeface="Consolas" panose="020B0609020204030204" pitchFamily="49" charset="0"/>
+              </a:rPr>
+              <a:t>&amp;.</a:t>
+            </a:r>
+            <a:endParaRPr lang="en-US"/>
+          </a:p>
+        </p:txBody>
+      </p:sp>
+    </p:spTree>
+    <p:extLst>
+      <p:ext uri="{BB962C8B-B14F-4D97-AF65-F5344CB8AC3E}">
+        <p14:creationId xmlns:p14="http://schemas.microsoft.com/office/powerpoint/2010/main" val="3655873763"/>
       </p:ext>
     </p:extLst>
   </p:cSld>
@@ -8669,13 +10210,7 @@
               <a:rPr lang="en-US" sz="2400">
                 <a:latin typeface="Consolas" panose="020B0609020204030204" pitchFamily="49" charset="0"/>
               </a:rPr>
-              <a:t>template &lt;typename T&gt; </a:t>
-            </a:r>
-            <a:r>
-              <a:rPr lang="en-US" sz="2400">
-                <a:latin typeface="Consolas" panose="020B0609020204030204" pitchFamily="49" charset="0"/>
-              </a:rPr>
-              <a:t>void </a:t>
+              <a:t>template &lt;typename T&gt; void </a:t>
             </a:r>
             <a:r>
               <a:rPr lang="en-US" sz="2400" smtClean="0">
@@ -8746,13 +10281,7 @@
               <a:rPr lang="en-US" sz="2400">
                 <a:latin typeface="Consolas" panose="020B0609020204030204" pitchFamily="49" charset="0"/>
               </a:rPr>
-              <a:t>template &lt;typename T&gt; </a:t>
-            </a:r>
-            <a:r>
-              <a:rPr lang="en-US" sz="2400">
-                <a:latin typeface="Consolas" panose="020B0609020204030204" pitchFamily="49" charset="0"/>
-              </a:rPr>
-              <a:t>void </a:t>
+              <a:t>template &lt;typename T&gt; void </a:t>
             </a:r>
             <a:r>
               <a:rPr lang="en-US" sz="2400" smtClean="0">
@@ -8821,6 +10350,2397 @@
     <p:extLst>
       <p:ext uri="{BB962C8B-B14F-4D97-AF65-F5344CB8AC3E}">
         <p14:creationId xmlns:p14="http://schemas.microsoft.com/office/powerpoint/2010/main" val="1114665862"/>
+      </p:ext>
+    </p:extLst>
+  </p:cSld>
+  <p:clrMapOvr>
+    <a:masterClrMapping/>
+  </p:clrMapOvr>
+</p:sld>
+</file>
+
+<file path=ppt/slides/slide30.xml><?xml version="1.0" encoding="utf-8"?>
+<p:sld xmlns:a="http://schemas.openxmlformats.org/drawingml/2006/main" xmlns:r="http://schemas.openxmlformats.org/officeDocument/2006/relationships" xmlns:p="http://schemas.openxmlformats.org/presentationml/2006/main">
+  <p:cSld>
+    <p:spTree>
+      <p:nvGrpSpPr>
+        <p:cNvPr id="1" name=""/>
+        <p:cNvGrpSpPr/>
+        <p:nvPr/>
+      </p:nvGrpSpPr>
+      <p:grpSpPr>
+        <a:xfrm>
+          <a:off x="0" y="0"/>
+          <a:ext cx="0" cy="0"/>
+          <a:chOff x="0" y="0"/>
+          <a:chExt cx="0" cy="0"/>
+        </a:xfrm>
+      </p:grpSpPr>
+      <p:sp>
+        <p:nvSpPr>
+          <p:cNvPr id="2" name="Title 1"/>
+          <p:cNvSpPr>
+            <a:spLocks noGrp="1"/>
+          </p:cNvSpPr>
+          <p:nvPr>
+            <p:ph type="title"/>
+          </p:nvPr>
+        </p:nvSpPr>
+        <p:spPr/>
+        <p:txBody>
+          <a:bodyPr/>
+          <a:lstStyle/>
+          <a:p>
+            <a:r>
+              <a:rPr lang="ru-RU" smtClean="0"/>
+              <a:t>Решение для </a:t>
+            </a:r>
+            <a:r>
+              <a:rPr lang="en-US" smtClean="0"/>
+              <a:t>C++14</a:t>
+            </a:r>
+            <a:endParaRPr lang="en-US"/>
+          </a:p>
+        </p:txBody>
+      </p:sp>
+      <p:sp>
+        <p:nvSpPr>
+          <p:cNvPr id="3" name="Content Placeholder 2"/>
+          <p:cNvSpPr>
+            <a:spLocks noGrp="1"/>
+          </p:cNvSpPr>
+          <p:nvPr>
+            <p:ph idx="1"/>
+          </p:nvPr>
+        </p:nvSpPr>
+        <p:spPr/>
+        <p:txBody>
+          <a:bodyPr/>
+          <a:lstStyle/>
+          <a:p>
+            <a:r>
+              <a:rPr lang="ru-RU" smtClean="0"/>
+              <a:t>Зачем вообще указывать тип если его можно элементарно вывести?</a:t>
+            </a:r>
+          </a:p>
+          <a:p>
+            <a:pPr marL="45720" indent="0">
+              <a:buNone/>
+            </a:pPr>
+            <a:r>
+              <a:rPr lang="en-US">
+                <a:latin typeface="Consolas" panose="020B0609020204030204" pitchFamily="49" charset="0"/>
+              </a:rPr>
+              <a:t>template &lt;typename T, typename S</a:t>
+            </a:r>
+            <a:r>
+              <a:rPr lang="en-US">
+                <a:latin typeface="Consolas" panose="020B0609020204030204" pitchFamily="49" charset="0"/>
+              </a:rPr>
+              <a:t>&gt; </a:t>
+            </a:r>
+            <a:r>
+              <a:rPr lang="ru-RU">
+                <a:solidFill>
+                  <a:srgbClr val="FF0000"/>
+                </a:solidFill>
+                <a:latin typeface="Consolas" panose="020B0609020204030204" pitchFamily="49" charset="0"/>
+              </a:rPr>
+              <a:t/>
+            </a:r>
+            <a:br>
+              <a:rPr lang="ru-RU">
+                <a:solidFill>
+                  <a:srgbClr val="FF0000"/>
+                </a:solidFill>
+                <a:latin typeface="Consolas" panose="020B0609020204030204" pitchFamily="49" charset="0"/>
+              </a:rPr>
+            </a:br>
+            <a:r>
+              <a:rPr lang="en-US">
+                <a:latin typeface="Consolas" panose="020B0609020204030204" pitchFamily="49" charset="0"/>
+              </a:rPr>
+              <a:t>auto min(T x, S y</a:t>
+            </a:r>
+            <a:r>
+              <a:rPr lang="en-US">
+                <a:latin typeface="Consolas" panose="020B0609020204030204" pitchFamily="49" charset="0"/>
+              </a:rPr>
+              <a:t>) </a:t>
+            </a:r>
+            <a:r>
+              <a:rPr lang="en-US" smtClean="0">
+                <a:latin typeface="Consolas" panose="020B0609020204030204" pitchFamily="49" charset="0"/>
+              </a:rPr>
+              <a:t>{</a:t>
+            </a:r>
+            <a:br>
+              <a:rPr lang="en-US" smtClean="0">
+                <a:latin typeface="Consolas" panose="020B0609020204030204" pitchFamily="49" charset="0"/>
+              </a:rPr>
+            </a:br>
+            <a:r>
+              <a:rPr lang="en-US" smtClean="0">
+                <a:latin typeface="Consolas" panose="020B0609020204030204" pitchFamily="49" charset="0"/>
+              </a:rPr>
+              <a:t>  return </a:t>
+            </a:r>
+            <a:r>
+              <a:rPr lang="en-US">
+                <a:latin typeface="Consolas" panose="020B0609020204030204" pitchFamily="49" charset="0"/>
+              </a:rPr>
+              <a:t>x &lt; y ? x </a:t>
+            </a:r>
+            <a:r>
+              <a:rPr lang="en-US">
+                <a:latin typeface="Consolas" panose="020B0609020204030204" pitchFamily="49" charset="0"/>
+              </a:rPr>
+              <a:t>: </a:t>
+            </a:r>
+            <a:r>
+              <a:rPr lang="en-US" smtClean="0">
+                <a:latin typeface="Consolas" panose="020B0609020204030204" pitchFamily="49" charset="0"/>
+              </a:rPr>
+              <a:t>y; </a:t>
+            </a:r>
+            <a:r>
+              <a:rPr lang="ru-RU">
+                <a:latin typeface="Consolas" panose="020B0609020204030204" pitchFamily="49" charset="0"/>
+              </a:rPr>
+              <a:t/>
+            </a:r>
+            <a:br>
+              <a:rPr lang="ru-RU">
+                <a:latin typeface="Consolas" panose="020B0609020204030204" pitchFamily="49" charset="0"/>
+              </a:rPr>
+            </a:br>
+            <a:r>
+              <a:rPr lang="en-US">
+                <a:latin typeface="Consolas" panose="020B0609020204030204" pitchFamily="49" charset="0"/>
+              </a:rPr>
+              <a:t>}</a:t>
+            </a:r>
+            <a:endParaRPr lang="ru-RU">
+              <a:latin typeface="Consolas" panose="020B0609020204030204" pitchFamily="49" charset="0"/>
+            </a:endParaRPr>
+          </a:p>
+          <a:p>
+            <a:r>
+              <a:rPr lang="ru-RU" smtClean="0"/>
+              <a:t>Но бывают случаи когда такой вывод сбивается</a:t>
+            </a:r>
+          </a:p>
+          <a:p>
+            <a:pPr marL="45720" indent="0">
+              <a:buNone/>
+            </a:pPr>
+            <a:r>
+              <a:rPr lang="en-US">
+                <a:latin typeface="Consolas" panose="020B0609020204030204" pitchFamily="49" charset="0"/>
+              </a:rPr>
+              <a:t>auto bad_sum_to (int i) {</a:t>
+            </a:r>
+            <a:r>
+              <a:rPr lang="en-US">
+                <a:latin typeface="Consolas" panose="020B0609020204030204" pitchFamily="49" charset="0"/>
+              </a:rPr>
+              <a:t/>
+            </a:r>
+            <a:br>
+              <a:rPr lang="en-US">
+                <a:latin typeface="Consolas" panose="020B0609020204030204" pitchFamily="49" charset="0"/>
+              </a:rPr>
+            </a:br>
+            <a:r>
+              <a:rPr lang="en-US" smtClean="0">
+                <a:latin typeface="Consolas" panose="020B0609020204030204" pitchFamily="49" charset="0"/>
+              </a:rPr>
+              <a:t>  return</a:t>
+            </a:r>
+            <a:r>
+              <a:rPr lang="ru-RU" smtClean="0">
+                <a:latin typeface="Consolas" panose="020B0609020204030204" pitchFamily="49" charset="0"/>
+              </a:rPr>
+              <a:t> </a:t>
+            </a:r>
+            <a:r>
+              <a:rPr lang="en-US">
+                <a:latin typeface="Consolas" panose="020B0609020204030204" pitchFamily="49" charset="0"/>
+              </a:rPr>
+              <a:t>(i &gt; </a:t>
+            </a:r>
+            <a:r>
+              <a:rPr lang="en-US">
+                <a:latin typeface="Consolas" panose="020B0609020204030204" pitchFamily="49" charset="0"/>
+              </a:rPr>
+              <a:t>2</a:t>
+            </a:r>
+            <a:r>
+              <a:rPr lang="en-US" smtClean="0">
+                <a:latin typeface="Consolas" panose="020B0609020204030204" pitchFamily="49" charset="0"/>
+              </a:rPr>
+              <a:t>)</a:t>
+            </a:r>
+            <a:r>
+              <a:rPr lang="ru-RU" smtClean="0">
+                <a:latin typeface="Consolas" panose="020B0609020204030204" pitchFamily="49" charset="0"/>
+              </a:rPr>
+              <a:t> </a:t>
+            </a:r>
+            <a:r>
+              <a:rPr lang="en-US" smtClean="0">
+                <a:latin typeface="Consolas" panose="020B0609020204030204" pitchFamily="49" charset="0"/>
+              </a:rPr>
+              <a:t>? </a:t>
+            </a:r>
+            <a:r>
+              <a:rPr lang="en-US">
+                <a:latin typeface="Consolas" panose="020B0609020204030204" pitchFamily="49" charset="0"/>
+              </a:rPr>
+              <a:t>bad_sum_to (i-1) </a:t>
+            </a:r>
+            <a:r>
+              <a:rPr lang="en-US">
+                <a:latin typeface="Consolas" panose="020B0609020204030204" pitchFamily="49" charset="0"/>
+              </a:rPr>
+              <a:t>+ </a:t>
+            </a:r>
+            <a:r>
+              <a:rPr lang="en-US" smtClean="0">
+                <a:latin typeface="Consolas" panose="020B0609020204030204" pitchFamily="49" charset="0"/>
+              </a:rPr>
+              <a:t>i : i;</a:t>
+            </a:r>
+            <a:r>
+              <a:rPr lang="en-US">
+                <a:latin typeface="Consolas" panose="020B0609020204030204" pitchFamily="49" charset="0"/>
+              </a:rPr>
+              <a:t/>
+            </a:r>
+            <a:br>
+              <a:rPr lang="en-US">
+                <a:latin typeface="Consolas" panose="020B0609020204030204" pitchFamily="49" charset="0"/>
+              </a:rPr>
+            </a:br>
+            <a:r>
+              <a:rPr lang="en-US" smtClean="0">
+                <a:latin typeface="Consolas" panose="020B0609020204030204" pitchFamily="49" charset="0"/>
+              </a:rPr>
+              <a:t>} </a:t>
+            </a:r>
+          </a:p>
+          <a:p>
+            <a:r>
+              <a:rPr lang="ru-RU" smtClean="0"/>
+              <a:t>Компилятор тут выведет </a:t>
+            </a:r>
+            <a:r>
+              <a:rPr lang="en-US" smtClean="0"/>
+              <a:t>use before deduction</a:t>
+            </a:r>
+            <a:endParaRPr lang="en-US"/>
+          </a:p>
+        </p:txBody>
+      </p:sp>
+    </p:spTree>
+    <p:extLst>
+      <p:ext uri="{BB962C8B-B14F-4D97-AF65-F5344CB8AC3E}">
+        <p14:creationId xmlns:p14="http://schemas.microsoft.com/office/powerpoint/2010/main" val="1771003594"/>
+      </p:ext>
+    </p:extLst>
+  </p:cSld>
+  <p:clrMapOvr>
+    <a:masterClrMapping/>
+  </p:clrMapOvr>
+</p:sld>
+</file>
+
+<file path=ppt/slides/slide31.xml><?xml version="1.0" encoding="utf-8"?>
+<p:sld xmlns:a="http://schemas.openxmlformats.org/drawingml/2006/main" xmlns:r="http://schemas.openxmlformats.org/officeDocument/2006/relationships" xmlns:p="http://schemas.openxmlformats.org/presentationml/2006/main">
+  <p:cSld>
+    <p:spTree>
+      <p:nvGrpSpPr>
+        <p:cNvPr id="1" name=""/>
+        <p:cNvGrpSpPr/>
+        <p:nvPr/>
+      </p:nvGrpSpPr>
+      <p:grpSpPr>
+        <a:xfrm>
+          <a:off x="0" y="0"/>
+          <a:ext cx="0" cy="0"/>
+          <a:chOff x="0" y="0"/>
+          <a:chExt cx="0" cy="0"/>
+        </a:xfrm>
+      </p:grpSpPr>
+      <p:sp>
+        <p:nvSpPr>
+          <p:cNvPr id="2" name="Title 1"/>
+          <p:cNvSpPr>
+            <a:spLocks noGrp="1"/>
+          </p:cNvSpPr>
+          <p:nvPr>
+            <p:ph type="title"/>
+          </p:nvPr>
+        </p:nvSpPr>
+        <p:spPr/>
+        <p:txBody>
+          <a:bodyPr/>
+          <a:lstStyle/>
+          <a:p>
+            <a:r>
+              <a:rPr lang="en-US" smtClean="0"/>
+              <a:t>Use before deduction</a:t>
+            </a:r>
+            <a:endParaRPr lang="en-US"/>
+          </a:p>
+        </p:txBody>
+      </p:sp>
+      <p:sp>
+        <p:nvSpPr>
+          <p:cNvPr id="3" name="Content Placeholder 2"/>
+          <p:cNvSpPr>
+            <a:spLocks noGrp="1"/>
+          </p:cNvSpPr>
+          <p:nvPr>
+            <p:ph idx="1"/>
+          </p:nvPr>
+        </p:nvSpPr>
+        <p:spPr/>
+        <p:txBody>
+          <a:bodyPr/>
+          <a:lstStyle/>
+          <a:p>
+            <a:r>
+              <a:rPr lang="ru-RU" smtClean="0"/>
+              <a:t>Для этой ошибки вовсе не обязательна рекурсия</a:t>
+            </a:r>
+          </a:p>
+          <a:p>
+            <a:pPr marL="45720" indent="0">
+              <a:buNone/>
+            </a:pPr>
+            <a:r>
+              <a:rPr lang="en-US" smtClean="0">
+                <a:latin typeface="Consolas" panose="020B0609020204030204" pitchFamily="49" charset="0"/>
+              </a:rPr>
+              <a:t>auto</a:t>
+            </a:r>
+            <a:r>
+              <a:rPr lang="ru-RU" smtClean="0">
+                <a:latin typeface="Consolas" panose="020B0609020204030204" pitchFamily="49" charset="0"/>
+              </a:rPr>
+              <a:t> </a:t>
+            </a:r>
+            <a:r>
+              <a:rPr lang="en-US" smtClean="0">
+                <a:latin typeface="Consolas" panose="020B0609020204030204" pitchFamily="49" charset="0"/>
+              </a:rPr>
+              <a:t>func();</a:t>
+            </a:r>
+          </a:p>
+          <a:p>
+            <a:pPr marL="45720" indent="0">
+              <a:buNone/>
+            </a:pPr>
+            <a:r>
+              <a:rPr lang="en-US" smtClean="0">
+                <a:latin typeface="Consolas" panose="020B0609020204030204" pitchFamily="49" charset="0"/>
+              </a:rPr>
+              <a:t>int main () {</a:t>
+            </a:r>
+          </a:p>
+          <a:p>
+            <a:pPr marL="45720" indent="0">
+              <a:buNone/>
+            </a:pPr>
+            <a:r>
+              <a:rPr lang="en-US">
+                <a:latin typeface="Consolas" panose="020B0609020204030204" pitchFamily="49" charset="0"/>
+              </a:rPr>
+              <a:t> </a:t>
+            </a:r>
+            <a:r>
+              <a:rPr lang="en-US" smtClean="0">
+                <a:latin typeface="Consolas" panose="020B0609020204030204" pitchFamily="49" charset="0"/>
+              </a:rPr>
+              <a:t> func();                  </a:t>
+            </a:r>
+            <a:r>
+              <a:rPr lang="en-US" smtClean="0">
+                <a:solidFill>
+                  <a:srgbClr val="FF0000"/>
+                </a:solidFill>
+                <a:latin typeface="Consolas" panose="020B0609020204030204" pitchFamily="49" charset="0"/>
+              </a:rPr>
+              <a:t>// use before deduction</a:t>
+            </a:r>
+          </a:p>
+          <a:p>
+            <a:pPr marL="45720" indent="0">
+              <a:buNone/>
+            </a:pPr>
+            <a:r>
+              <a:rPr lang="en-US" smtClean="0">
+                <a:latin typeface="Consolas" panose="020B0609020204030204" pitchFamily="49" charset="0"/>
+              </a:rPr>
+              <a:t>}</a:t>
+            </a:r>
+          </a:p>
+          <a:p>
+            <a:pPr marL="45720" indent="0">
+              <a:buNone/>
+            </a:pPr>
+            <a:r>
+              <a:rPr lang="en-US" smtClean="0">
+                <a:latin typeface="Consolas" panose="020B0609020204030204" pitchFamily="49" charset="0"/>
+              </a:rPr>
+              <a:t>auto func () { return 0; } </a:t>
+            </a:r>
+            <a:r>
+              <a:rPr lang="en-US" smtClean="0">
+                <a:solidFill>
+                  <a:srgbClr val="FF0000"/>
+                </a:solidFill>
+                <a:latin typeface="Consolas" panose="020B0609020204030204" pitchFamily="49" charset="0"/>
+              </a:rPr>
+              <a:t>// deduction</a:t>
+            </a:r>
+            <a:endParaRPr lang="ru-RU" smtClean="0">
+              <a:solidFill>
+                <a:srgbClr val="FF0000"/>
+              </a:solidFill>
+            </a:endParaRPr>
+          </a:p>
+          <a:p>
+            <a:r>
+              <a:rPr lang="ru-RU" smtClean="0"/>
+              <a:t>Обратите внимание: в целом синтаксис объявления для таких функций легален</a:t>
+            </a:r>
+            <a:endParaRPr lang="en-US"/>
+          </a:p>
+        </p:txBody>
+      </p:sp>
+    </p:spTree>
+    <p:extLst>
+      <p:ext uri="{BB962C8B-B14F-4D97-AF65-F5344CB8AC3E}">
+        <p14:creationId xmlns:p14="http://schemas.microsoft.com/office/powerpoint/2010/main" val="1781764706"/>
+      </p:ext>
+    </p:extLst>
+  </p:cSld>
+  <p:clrMapOvr>
+    <a:masterClrMapping/>
+  </p:clrMapOvr>
+</p:sld>
+</file>
+
+<file path=ppt/slides/slide32.xml><?xml version="1.0" encoding="utf-8"?>
+<p:sld xmlns:a="http://schemas.openxmlformats.org/drawingml/2006/main" xmlns:r="http://schemas.openxmlformats.org/officeDocument/2006/relationships" xmlns:p="http://schemas.openxmlformats.org/presentationml/2006/main">
+  <p:cSld>
+    <p:spTree>
+      <p:nvGrpSpPr>
+        <p:cNvPr id="1" name=""/>
+        <p:cNvGrpSpPr/>
+        <p:nvPr/>
+      </p:nvGrpSpPr>
+      <p:grpSpPr>
+        <a:xfrm>
+          <a:off x="0" y="0"/>
+          <a:ext cx="0" cy="0"/>
+          <a:chOff x="0" y="0"/>
+          <a:chExt cx="0" cy="0"/>
+        </a:xfrm>
+      </p:grpSpPr>
+      <p:sp>
+        <p:nvSpPr>
+          <p:cNvPr id="2" name="Title 1"/>
+          <p:cNvSpPr>
+            <a:spLocks noGrp="1"/>
+          </p:cNvSpPr>
+          <p:nvPr>
+            <p:ph type="title"/>
+          </p:nvPr>
+        </p:nvSpPr>
+        <p:spPr/>
+        <p:txBody>
+          <a:bodyPr/>
+          <a:lstStyle/>
+          <a:p>
+            <a:r>
+              <a:rPr lang="ru-RU" smtClean="0"/>
+              <a:t>Более точный вывод для </a:t>
+            </a:r>
+            <a:r>
+              <a:rPr lang="en-US" smtClean="0"/>
+              <a:t>C++14</a:t>
+            </a:r>
+            <a:endParaRPr lang="en-US"/>
+          </a:p>
+        </p:txBody>
+      </p:sp>
+      <p:sp>
+        <p:nvSpPr>
+          <p:cNvPr id="3" name="Content Placeholder 2"/>
+          <p:cNvSpPr>
+            <a:spLocks noGrp="1"/>
+          </p:cNvSpPr>
+          <p:nvPr>
+            <p:ph idx="1"/>
+          </p:nvPr>
+        </p:nvSpPr>
+        <p:spPr/>
+        <p:txBody>
+          <a:bodyPr/>
+          <a:lstStyle/>
+          <a:p>
+            <a:r>
+              <a:rPr lang="ru-RU" smtClean="0"/>
+              <a:t>Однако же, </a:t>
+            </a:r>
+            <a:r>
+              <a:rPr lang="en-US" smtClean="0"/>
+              <a:t>auto </a:t>
+            </a:r>
+            <a:r>
+              <a:rPr lang="ru-RU" smtClean="0"/>
+              <a:t>режет типы</a:t>
+            </a:r>
+          </a:p>
+          <a:p>
+            <a:pPr marL="45720" indent="0">
+              <a:buNone/>
+            </a:pPr>
+            <a:r>
+              <a:rPr lang="en-US">
+                <a:latin typeface="Consolas" panose="020B0609020204030204" pitchFamily="49" charset="0"/>
+              </a:rPr>
+              <a:t>string lookup1();</a:t>
+            </a:r>
+            <a:br>
+              <a:rPr lang="en-US">
+                <a:latin typeface="Consolas" panose="020B0609020204030204" pitchFamily="49" charset="0"/>
+              </a:rPr>
+            </a:br>
+            <a:r>
+              <a:rPr lang="en-US">
+                <a:latin typeface="Consolas" panose="020B0609020204030204" pitchFamily="49" charset="0"/>
+              </a:rPr>
+              <a:t>string&amp; lookup2</a:t>
+            </a:r>
+            <a:r>
+              <a:rPr lang="en-US">
+                <a:latin typeface="Consolas" panose="020B0609020204030204" pitchFamily="49" charset="0"/>
+              </a:rPr>
+              <a:t>();</a:t>
+            </a:r>
+            <a:r>
+              <a:rPr lang="en-US">
+                <a:latin typeface="Consolas" panose="020B0609020204030204" pitchFamily="49" charset="0"/>
+              </a:rPr>
+              <a:t> </a:t>
+            </a:r>
+            <a:endParaRPr lang="ru-RU" smtClean="0">
+              <a:latin typeface="Consolas" panose="020B0609020204030204" pitchFamily="49" charset="0"/>
+            </a:endParaRPr>
+          </a:p>
+          <a:p>
+            <a:pPr marL="45720" indent="0">
+              <a:buNone/>
+            </a:pPr>
+            <a:r>
+              <a:rPr lang="en-US" smtClean="0">
+                <a:latin typeface="Consolas" panose="020B0609020204030204" pitchFamily="49" charset="0"/>
+              </a:rPr>
+              <a:t>auto </a:t>
+            </a:r>
+            <a:r>
+              <a:rPr lang="en-US">
+                <a:latin typeface="Consolas" panose="020B0609020204030204" pitchFamily="49" charset="0"/>
+              </a:rPr>
+              <a:t>do1() { return lookup1</a:t>
+            </a:r>
+            <a:r>
+              <a:rPr lang="en-US">
+                <a:latin typeface="Consolas" panose="020B0609020204030204" pitchFamily="49" charset="0"/>
+              </a:rPr>
+              <a:t>(); </a:t>
+            </a:r>
+            <a:r>
+              <a:rPr lang="en-US" smtClean="0">
+                <a:latin typeface="Consolas" panose="020B0609020204030204" pitchFamily="49" charset="0"/>
+              </a:rPr>
+              <a:t>} </a:t>
+            </a:r>
+            <a:r>
+              <a:rPr lang="en-US">
+                <a:latin typeface="Consolas" panose="020B0609020204030204" pitchFamily="49" charset="0"/>
+              </a:rPr>
+              <a:t>// </a:t>
+            </a:r>
+            <a:r>
+              <a:rPr lang="en-US">
+                <a:latin typeface="Consolas" panose="020B0609020204030204" pitchFamily="49" charset="0"/>
+                <a:sym typeface="Symbol" panose="05050102010706020507" pitchFamily="18" charset="2"/>
+              </a:rPr>
+              <a:t> </a:t>
+            </a:r>
+            <a:r>
+              <a:rPr lang="en-US">
+                <a:latin typeface="Consolas" panose="020B0609020204030204" pitchFamily="49" charset="0"/>
+                <a:sym typeface="Symbol" panose="05050102010706020507" pitchFamily="18" charset="2"/>
+              </a:rPr>
+              <a:t>string </a:t>
+            </a:r>
+            <a:r>
+              <a:rPr lang="en-US" smtClean="0">
+                <a:latin typeface="Consolas" panose="020B0609020204030204" pitchFamily="49" charset="0"/>
+                <a:sym typeface="Symbol" panose="05050102010706020507" pitchFamily="18" charset="2"/>
+              </a:rPr>
+              <a:t>do1()</a:t>
+            </a:r>
+            <a:r>
+              <a:rPr lang="en-US">
+                <a:latin typeface="Consolas" panose="020B0609020204030204" pitchFamily="49" charset="0"/>
+              </a:rPr>
+              <a:t/>
+            </a:r>
+            <a:br>
+              <a:rPr lang="en-US">
+                <a:latin typeface="Consolas" panose="020B0609020204030204" pitchFamily="49" charset="0"/>
+              </a:rPr>
+            </a:br>
+            <a:r>
+              <a:rPr lang="en-US" smtClean="0">
+                <a:latin typeface="Consolas" panose="020B0609020204030204" pitchFamily="49" charset="0"/>
+              </a:rPr>
+              <a:t>auto </a:t>
+            </a:r>
+            <a:r>
+              <a:rPr lang="en-US">
+                <a:latin typeface="Consolas" panose="020B0609020204030204" pitchFamily="49" charset="0"/>
+              </a:rPr>
+              <a:t>do2() { return lookup2(); </a:t>
+            </a:r>
+            <a:r>
+              <a:rPr lang="en-US">
+                <a:latin typeface="Consolas" panose="020B0609020204030204" pitchFamily="49" charset="0"/>
+              </a:rPr>
+              <a:t>}</a:t>
+            </a:r>
+            <a:r>
+              <a:rPr lang="en-US">
+                <a:latin typeface="Consolas" panose="020B0609020204030204" pitchFamily="49" charset="0"/>
+              </a:rPr>
+              <a:t> </a:t>
+            </a:r>
+            <a:r>
+              <a:rPr lang="en-US" smtClean="0">
+                <a:latin typeface="Consolas" panose="020B0609020204030204" pitchFamily="49" charset="0"/>
+              </a:rPr>
+              <a:t>// </a:t>
+            </a:r>
+            <a:r>
+              <a:rPr lang="en-US" smtClean="0">
+                <a:latin typeface="Consolas" panose="020B0609020204030204" pitchFamily="49" charset="0"/>
+                <a:sym typeface="Symbol" panose="05050102010706020507" pitchFamily="18" charset="2"/>
+              </a:rPr>
+              <a:t> string do2()</a:t>
+            </a:r>
+            <a:endParaRPr lang="ru-RU" smtClean="0">
+              <a:latin typeface="Consolas" panose="020B0609020204030204" pitchFamily="49" charset="0"/>
+            </a:endParaRPr>
+          </a:p>
+          <a:p>
+            <a:r>
+              <a:rPr lang="ru-RU" smtClean="0"/>
+              <a:t>Здесь для </a:t>
+            </a:r>
+            <a:r>
+              <a:rPr lang="en-US" smtClean="0"/>
+              <a:t>do2 </a:t>
+            </a:r>
+            <a:r>
+              <a:rPr lang="ru-RU" smtClean="0"/>
+              <a:t>возвращаемый тип выведен как </a:t>
+            </a:r>
+            <a:r>
+              <a:rPr lang="en-US" smtClean="0"/>
+              <a:t>string, </a:t>
+            </a:r>
+            <a:r>
+              <a:rPr lang="ru-RU" smtClean="0"/>
+              <a:t>что очевидно может быть нежелательным поведением. Выход либо прямо указать тип, либо:</a:t>
+            </a:r>
+          </a:p>
+          <a:p>
+            <a:pPr marL="45720" indent="0">
+              <a:buNone/>
+            </a:pPr>
+            <a:r>
+              <a:rPr lang="en-US" smtClean="0">
+                <a:latin typeface="Consolas" panose="020B0609020204030204" pitchFamily="49" charset="0"/>
+              </a:rPr>
+              <a:t>decltype(auto) </a:t>
+            </a:r>
+            <a:r>
+              <a:rPr lang="en-US">
+                <a:latin typeface="Consolas" panose="020B0609020204030204" pitchFamily="49" charset="0"/>
+              </a:rPr>
+              <a:t>do1() { return lookup1(); } // </a:t>
+            </a:r>
+            <a:r>
+              <a:rPr lang="en-US">
+                <a:latin typeface="Consolas" panose="020B0609020204030204" pitchFamily="49" charset="0"/>
+                <a:sym typeface="Symbol" panose="05050102010706020507" pitchFamily="18" charset="2"/>
+              </a:rPr>
+              <a:t> string do1()</a:t>
+            </a:r>
+            <a:r>
+              <a:rPr lang="en-US">
+                <a:latin typeface="Consolas" panose="020B0609020204030204" pitchFamily="49" charset="0"/>
+              </a:rPr>
+              <a:t/>
+            </a:r>
+            <a:br>
+              <a:rPr lang="en-US">
+                <a:latin typeface="Consolas" panose="020B0609020204030204" pitchFamily="49" charset="0"/>
+              </a:rPr>
+            </a:br>
+            <a:r>
+              <a:rPr lang="en-US" smtClean="0">
+                <a:latin typeface="Consolas" panose="020B0609020204030204" pitchFamily="49" charset="0"/>
+              </a:rPr>
+              <a:t>decltype(auto) </a:t>
+            </a:r>
+            <a:r>
+              <a:rPr lang="en-US">
+                <a:latin typeface="Consolas" panose="020B0609020204030204" pitchFamily="49" charset="0"/>
+              </a:rPr>
+              <a:t>do2() { return lookup2(); } // </a:t>
+            </a:r>
+            <a:r>
+              <a:rPr lang="en-US">
+                <a:latin typeface="Consolas" panose="020B0609020204030204" pitchFamily="49" charset="0"/>
+                <a:sym typeface="Symbol" panose="05050102010706020507" pitchFamily="18" charset="2"/>
+              </a:rPr>
+              <a:t> </a:t>
+            </a:r>
+            <a:r>
+              <a:rPr lang="en-US" smtClean="0">
+                <a:latin typeface="Consolas" panose="020B0609020204030204" pitchFamily="49" charset="0"/>
+                <a:sym typeface="Symbol" panose="05050102010706020507" pitchFamily="18" charset="2"/>
+              </a:rPr>
+              <a:t>string&amp; </a:t>
+            </a:r>
+            <a:r>
+              <a:rPr lang="en-US">
+                <a:latin typeface="Consolas" panose="020B0609020204030204" pitchFamily="49" charset="0"/>
+                <a:sym typeface="Symbol" panose="05050102010706020507" pitchFamily="18" charset="2"/>
+              </a:rPr>
+              <a:t>do2()</a:t>
+            </a:r>
+            <a:endParaRPr lang="ru-RU">
+              <a:latin typeface="Consolas" panose="020B0609020204030204" pitchFamily="49" charset="0"/>
+            </a:endParaRPr>
+          </a:p>
+          <a:p>
+            <a:pPr marL="45720" indent="0">
+              <a:buNone/>
+            </a:pPr>
+            <a:endParaRPr lang="en-US"/>
+          </a:p>
+        </p:txBody>
+      </p:sp>
+    </p:spTree>
+    <p:extLst>
+      <p:ext uri="{BB962C8B-B14F-4D97-AF65-F5344CB8AC3E}">
+        <p14:creationId xmlns:p14="http://schemas.microsoft.com/office/powerpoint/2010/main" val="3749451901"/>
+      </p:ext>
+    </p:extLst>
+  </p:cSld>
+  <p:clrMapOvr>
+    <a:masterClrMapping/>
+  </p:clrMapOvr>
+</p:sld>
+</file>
+
+<file path=ppt/slides/slide33.xml><?xml version="1.0" encoding="utf-8"?>
+<p:sld xmlns:a="http://schemas.openxmlformats.org/drawingml/2006/main" xmlns:r="http://schemas.openxmlformats.org/officeDocument/2006/relationships" xmlns:p="http://schemas.openxmlformats.org/presentationml/2006/main">
+  <p:cSld>
+    <p:spTree>
+      <p:nvGrpSpPr>
+        <p:cNvPr id="1" name=""/>
+        <p:cNvGrpSpPr/>
+        <p:nvPr/>
+      </p:nvGrpSpPr>
+      <p:grpSpPr>
+        <a:xfrm>
+          <a:off x="0" y="0"/>
+          <a:ext cx="0" cy="0"/>
+          <a:chOff x="0" y="0"/>
+          <a:chExt cx="0" cy="0"/>
+        </a:xfrm>
+      </p:grpSpPr>
+      <p:sp>
+        <p:nvSpPr>
+          <p:cNvPr id="2" name="Title 1"/>
+          <p:cNvSpPr>
+            <a:spLocks noGrp="1"/>
+          </p:cNvSpPr>
+          <p:nvPr>
+            <p:ph type="title"/>
+          </p:nvPr>
+        </p:nvSpPr>
+        <p:spPr/>
+        <p:txBody>
+          <a:bodyPr/>
+          <a:lstStyle/>
+          <a:p>
+            <a:r>
+              <a:rPr lang="ru-RU" smtClean="0"/>
+              <a:t>Проблема-тизер. Прозрачная оболочка.</a:t>
+            </a:r>
+            <a:endParaRPr lang="en-US"/>
+          </a:p>
+        </p:txBody>
+      </p:sp>
+      <p:sp>
+        <p:nvSpPr>
+          <p:cNvPr id="3" name="Content Placeholder 2"/>
+          <p:cNvSpPr>
+            <a:spLocks noGrp="1"/>
+          </p:cNvSpPr>
+          <p:nvPr>
+            <p:ph idx="1"/>
+          </p:nvPr>
+        </p:nvSpPr>
+        <p:spPr/>
+        <p:txBody>
+          <a:bodyPr/>
+          <a:lstStyle/>
+          <a:p>
+            <a:r>
+              <a:rPr lang="ru-RU" smtClean="0"/>
+              <a:t>Прозрачная оболочка это функция, которая с минимальными дополнительными расходами вызывает другую функцию</a:t>
+            </a:r>
+          </a:p>
+          <a:p>
+            <a:pPr marL="45720" indent="0">
+              <a:buNone/>
+            </a:pPr>
+            <a:r>
+              <a:rPr lang="en-US" smtClean="0">
+                <a:latin typeface="Consolas" panose="020B0609020204030204" pitchFamily="49" charset="0"/>
+              </a:rPr>
+              <a:t>template </a:t>
+            </a:r>
+            <a:r>
+              <a:rPr lang="en-US">
+                <a:latin typeface="Consolas" panose="020B0609020204030204" pitchFamily="49" charset="0"/>
+              </a:rPr>
+              <a:t>&lt;typename Fun, typename Arg&gt;</a:t>
+            </a:r>
+            <a:br>
+              <a:rPr lang="en-US">
+                <a:latin typeface="Consolas" panose="020B0609020204030204" pitchFamily="49" charset="0"/>
+              </a:rPr>
+            </a:br>
+            <a:r>
+              <a:rPr lang="en-US">
+                <a:latin typeface="Consolas" panose="020B0609020204030204" pitchFamily="49" charset="0"/>
+              </a:rPr>
+              <a:t>decltype(auto) callme(Fun fun, Arg </a:t>
+            </a:r>
+            <a:r>
+              <a:rPr lang="en-US">
+                <a:latin typeface="Consolas" panose="020B0609020204030204" pitchFamily="49" charset="0"/>
+              </a:rPr>
+              <a:t>arg</a:t>
+            </a:r>
+            <a:r>
+              <a:rPr lang="en-US" smtClean="0">
+                <a:latin typeface="Consolas" panose="020B0609020204030204" pitchFamily="49" charset="0"/>
+              </a:rPr>
+              <a:t>) {</a:t>
+            </a:r>
+            <a:r>
+              <a:rPr lang="en-US">
+                <a:latin typeface="Consolas" panose="020B0609020204030204" pitchFamily="49" charset="0"/>
+              </a:rPr>
+              <a:t/>
+            </a:r>
+            <a:br>
+              <a:rPr lang="en-US">
+                <a:latin typeface="Consolas" panose="020B0609020204030204" pitchFamily="49" charset="0"/>
+              </a:rPr>
+            </a:br>
+            <a:r>
+              <a:rPr lang="en-US" smtClean="0">
+                <a:latin typeface="Consolas" panose="020B0609020204030204" pitchFamily="49" charset="0"/>
+              </a:rPr>
+              <a:t>  return </a:t>
+            </a:r>
+            <a:r>
+              <a:rPr lang="en-US">
+                <a:latin typeface="Consolas" panose="020B0609020204030204" pitchFamily="49" charset="0"/>
+              </a:rPr>
+              <a:t>fun(arg);</a:t>
+            </a:r>
+            <a:r>
+              <a:rPr lang="en-US">
+                <a:latin typeface="Consolas" panose="020B0609020204030204" pitchFamily="49" charset="0"/>
+              </a:rPr>
+              <a:t> </a:t>
+            </a:r>
+            <a:r>
+              <a:rPr lang="en-US">
+                <a:latin typeface="Consolas" panose="020B0609020204030204" pitchFamily="49" charset="0"/>
+              </a:rPr>
+              <a:t/>
+            </a:r>
+            <a:br>
+              <a:rPr lang="en-US">
+                <a:latin typeface="Consolas" panose="020B0609020204030204" pitchFamily="49" charset="0"/>
+              </a:rPr>
+            </a:br>
+            <a:r>
+              <a:rPr lang="en-US">
+                <a:latin typeface="Consolas" panose="020B0609020204030204" pitchFamily="49" charset="0"/>
+              </a:rPr>
+              <a:t>}</a:t>
+            </a:r>
+            <a:endParaRPr lang="ru-RU" smtClean="0">
+              <a:latin typeface="Consolas" panose="020B0609020204030204" pitchFamily="49" charset="0"/>
+            </a:endParaRPr>
+          </a:p>
+          <a:p>
+            <a:r>
+              <a:rPr lang="ru-RU" smtClean="0"/>
+              <a:t>Эта оболочка мало того, что передаёт только один аргумент, так ещё и не слишком прозрачна (</a:t>
+            </a:r>
+            <a:r>
+              <a:rPr lang="en-US" smtClean="0"/>
+              <a:t>arg </a:t>
+            </a:r>
+            <a:r>
+              <a:rPr lang="ru-RU" smtClean="0"/>
+              <a:t>очевидно копируется). Но надо же с чего-то начинать.</a:t>
+            </a:r>
+          </a:p>
+          <a:p>
+            <a:r>
+              <a:rPr lang="ru-RU" smtClean="0"/>
+              <a:t>До следующей лекции можно подумать как</a:t>
+            </a:r>
+            <a:r>
+              <a:rPr lang="en-US" smtClean="0"/>
+              <a:t> </a:t>
+            </a:r>
+            <a:r>
+              <a:rPr lang="ru-RU" smtClean="0"/>
+              <a:t>сделать её более прозрачной.</a:t>
+            </a:r>
+            <a:r>
+              <a:rPr lang="en-US" smtClean="0"/>
+              <a:t> </a:t>
+            </a:r>
+            <a:r>
+              <a:rPr lang="ru-RU" smtClean="0"/>
+              <a:t>Начните с аргумента. Как избежать копирования?</a:t>
+            </a:r>
+            <a:endParaRPr lang="en-US"/>
+          </a:p>
+        </p:txBody>
+      </p:sp>
+    </p:spTree>
+    <p:extLst>
+      <p:ext uri="{BB962C8B-B14F-4D97-AF65-F5344CB8AC3E}">
+        <p14:creationId xmlns:p14="http://schemas.microsoft.com/office/powerpoint/2010/main" val="2962547031"/>
+      </p:ext>
+    </p:extLst>
+  </p:cSld>
+  <p:clrMapOvr>
+    <a:masterClrMapping/>
+  </p:clrMapOvr>
+</p:sld>
+</file>
+
+<file path=ppt/slides/slide34.xml><?xml version="1.0" encoding="utf-8"?>
+<p:sld xmlns:a="http://schemas.openxmlformats.org/drawingml/2006/main" xmlns:r="http://schemas.openxmlformats.org/officeDocument/2006/relationships" xmlns:p="http://schemas.openxmlformats.org/presentationml/2006/main">
+  <p:cSld>
+    <p:spTree>
+      <p:nvGrpSpPr>
+        <p:cNvPr id="1" name=""/>
+        <p:cNvGrpSpPr/>
+        <p:nvPr/>
+      </p:nvGrpSpPr>
+      <p:grpSpPr>
+        <a:xfrm>
+          <a:off x="0" y="0"/>
+          <a:ext cx="0" cy="0"/>
+          <a:chOff x="0" y="0"/>
+          <a:chExt cx="0" cy="0"/>
+        </a:xfrm>
+      </p:grpSpPr>
+      <p:sp>
+        <p:nvSpPr>
+          <p:cNvPr id="2" name="Title 1"/>
+          <p:cNvSpPr>
+            <a:spLocks noGrp="1"/>
+          </p:cNvSpPr>
+          <p:nvPr>
+            <p:ph type="title"/>
+          </p:nvPr>
+        </p:nvSpPr>
+        <p:spPr/>
+        <p:txBody>
+          <a:bodyPr/>
+          <a:lstStyle/>
+          <a:p>
+            <a:r>
+              <a:rPr lang="ru-RU" smtClean="0"/>
+              <a:t>Контрольный вопрос</a:t>
+            </a:r>
+            <a:endParaRPr lang="en-US"/>
+          </a:p>
+        </p:txBody>
+      </p:sp>
+      <p:sp>
+        <p:nvSpPr>
+          <p:cNvPr id="3" name="Content Placeholder 2"/>
+          <p:cNvSpPr>
+            <a:spLocks noGrp="1"/>
+          </p:cNvSpPr>
+          <p:nvPr>
+            <p:ph idx="1"/>
+          </p:nvPr>
+        </p:nvSpPr>
+        <p:spPr/>
+        <p:txBody>
+          <a:bodyPr/>
+          <a:lstStyle/>
+          <a:p>
+            <a:pPr marL="45720" indent="0">
+              <a:buNone/>
+            </a:pPr>
+            <a:r>
+              <a:rPr lang="en-US">
+                <a:latin typeface="Consolas" panose="020B0609020204030204" pitchFamily="49" charset="0"/>
+              </a:rPr>
+              <a:t>// example by Scott Meyers</a:t>
+            </a:r>
+            <a:br>
+              <a:rPr lang="en-US">
+                <a:latin typeface="Consolas" panose="020B0609020204030204" pitchFamily="49" charset="0"/>
+              </a:rPr>
+            </a:br>
+            <a:r>
+              <a:rPr lang="en-US">
+                <a:solidFill>
+                  <a:srgbClr val="FF0000"/>
+                </a:solidFill>
+                <a:latin typeface="Consolas" panose="020B0609020204030204" pitchFamily="49" charset="0"/>
+              </a:rPr>
+              <a:t>???</a:t>
+            </a:r>
+            <a:r>
+              <a:rPr lang="en-US">
+                <a:latin typeface="Consolas" panose="020B0609020204030204" pitchFamily="49" charset="0"/>
+              </a:rPr>
+              <a:t> lookupValue (int idx) {</a:t>
+            </a:r>
+            <a:r>
+              <a:rPr lang="en-US">
+                <a:latin typeface="Consolas" panose="020B0609020204030204" pitchFamily="49" charset="0"/>
+              </a:rPr>
+              <a:t/>
+            </a:r>
+            <a:br>
+              <a:rPr lang="en-US">
+                <a:latin typeface="Consolas" panose="020B0609020204030204" pitchFamily="49" charset="0"/>
+              </a:rPr>
+            </a:br>
+            <a:r>
+              <a:rPr lang="en-US" smtClean="0">
+                <a:latin typeface="Consolas" panose="020B0609020204030204" pitchFamily="49" charset="0"/>
+              </a:rPr>
+              <a:t>  auto </a:t>
+            </a:r>
+            <a:r>
+              <a:rPr lang="en-US">
+                <a:latin typeface="Consolas" panose="020B0609020204030204" pitchFamily="49" charset="0"/>
+              </a:rPr>
+              <a:t>ind = calcValue (idx);</a:t>
+            </a:r>
+            <a:r>
+              <a:rPr lang="en-US">
+                <a:latin typeface="Consolas" panose="020B0609020204030204" pitchFamily="49" charset="0"/>
+              </a:rPr>
+              <a:t/>
+            </a:r>
+            <a:br>
+              <a:rPr lang="en-US">
+                <a:latin typeface="Consolas" panose="020B0609020204030204" pitchFamily="49" charset="0"/>
+              </a:rPr>
+            </a:br>
+            <a:r>
+              <a:rPr lang="en-US" smtClean="0">
+                <a:latin typeface="Consolas" panose="020B0609020204030204" pitchFamily="49" charset="0"/>
+              </a:rPr>
+              <a:t>  auto </a:t>
+            </a:r>
+            <a:r>
+              <a:rPr lang="en-US">
+                <a:latin typeface="Consolas" panose="020B0609020204030204" pitchFamily="49" charset="0"/>
+              </a:rPr>
+              <a:t>val = values[ind];</a:t>
+            </a:r>
+            <a:r>
+              <a:rPr lang="en-US">
+                <a:latin typeface="Consolas" panose="020B0609020204030204" pitchFamily="49" charset="0"/>
+              </a:rPr>
+              <a:t/>
+            </a:r>
+            <a:br>
+              <a:rPr lang="en-US">
+                <a:latin typeface="Consolas" panose="020B0609020204030204" pitchFamily="49" charset="0"/>
+              </a:rPr>
+            </a:br>
+            <a:r>
+              <a:rPr lang="en-US" smtClean="0">
+                <a:latin typeface="Consolas" panose="020B0609020204030204" pitchFamily="49" charset="0"/>
+              </a:rPr>
+              <a:t>  return </a:t>
+            </a:r>
+            <a:r>
+              <a:rPr lang="en-US">
+                <a:latin typeface="Consolas" panose="020B0609020204030204" pitchFamily="49" charset="0"/>
+              </a:rPr>
+              <a:t>(val);</a:t>
+            </a:r>
+            <a:r>
+              <a:rPr lang="en-US">
+                <a:latin typeface="Consolas" panose="020B0609020204030204" pitchFamily="49" charset="0"/>
+              </a:rPr>
+              <a:t/>
+            </a:r>
+            <a:br>
+              <a:rPr lang="en-US">
+                <a:latin typeface="Consolas" panose="020B0609020204030204" pitchFamily="49" charset="0"/>
+              </a:rPr>
+            </a:br>
+            <a:r>
+              <a:rPr lang="en-US" smtClean="0">
+                <a:latin typeface="Consolas" panose="020B0609020204030204" pitchFamily="49" charset="0"/>
+              </a:rPr>
+              <a:t>}</a:t>
+            </a:r>
+            <a:endParaRPr lang="en-US">
+              <a:latin typeface="Consolas" panose="020B0609020204030204" pitchFamily="49" charset="0"/>
+            </a:endParaRPr>
+          </a:p>
+          <a:p>
+            <a:r>
+              <a:rPr lang="en-US" smtClean="0"/>
+              <a:t>auto </a:t>
+            </a:r>
+            <a:r>
+              <a:rPr lang="ru-RU" smtClean="0"/>
+              <a:t>или </a:t>
+            </a:r>
+            <a:r>
+              <a:rPr lang="en-US" smtClean="0"/>
+              <a:t>decltype(auto)?</a:t>
+            </a:r>
+            <a:endParaRPr lang="en-US"/>
+          </a:p>
+        </p:txBody>
+      </p:sp>
+    </p:spTree>
+    <p:extLst>
+      <p:ext uri="{BB962C8B-B14F-4D97-AF65-F5344CB8AC3E}">
+        <p14:creationId xmlns:p14="http://schemas.microsoft.com/office/powerpoint/2010/main" val="244122343"/>
+      </p:ext>
+    </p:extLst>
+  </p:cSld>
+  <p:clrMapOvr>
+    <a:masterClrMapping/>
+  </p:clrMapOvr>
+</p:sld>
+</file>
+
+<file path=ppt/slides/slide35.xml><?xml version="1.0" encoding="utf-8"?>
+<p:sld xmlns:a="http://schemas.openxmlformats.org/drawingml/2006/main" xmlns:r="http://schemas.openxmlformats.org/officeDocument/2006/relationships" xmlns:p="http://schemas.openxmlformats.org/presentationml/2006/main">
+  <p:cSld>
+    <p:spTree>
+      <p:nvGrpSpPr>
+        <p:cNvPr id="1" name=""/>
+        <p:cNvGrpSpPr/>
+        <p:nvPr/>
+      </p:nvGrpSpPr>
+      <p:grpSpPr>
+        <a:xfrm>
+          <a:off x="0" y="0"/>
+          <a:ext cx="0" cy="0"/>
+          <a:chOff x="0" y="0"/>
+          <a:chExt cx="0" cy="0"/>
+        </a:xfrm>
+      </p:grpSpPr>
+      <p:sp>
+        <p:nvSpPr>
+          <p:cNvPr id="2" name="Title 1"/>
+          <p:cNvSpPr>
+            <a:spLocks noGrp="1"/>
+          </p:cNvSpPr>
+          <p:nvPr>
+            <p:ph type="title"/>
+          </p:nvPr>
+        </p:nvSpPr>
+        <p:spPr/>
+        <p:txBody>
+          <a:bodyPr/>
+          <a:lstStyle/>
+          <a:p>
+            <a:r>
+              <a:rPr lang="ru-RU" smtClean="0"/>
+              <a:t>Контрольный вопрос</a:t>
+            </a:r>
+            <a:endParaRPr lang="en-US"/>
+          </a:p>
+        </p:txBody>
+      </p:sp>
+      <p:sp>
+        <p:nvSpPr>
+          <p:cNvPr id="3" name="Content Placeholder 2"/>
+          <p:cNvSpPr>
+            <a:spLocks noGrp="1"/>
+          </p:cNvSpPr>
+          <p:nvPr>
+            <p:ph idx="1"/>
+          </p:nvPr>
+        </p:nvSpPr>
+        <p:spPr/>
+        <p:txBody>
+          <a:bodyPr/>
+          <a:lstStyle/>
+          <a:p>
+            <a:pPr marL="45720" indent="0">
+              <a:buNone/>
+            </a:pPr>
+            <a:r>
+              <a:rPr lang="en-US">
+                <a:latin typeface="Consolas" panose="020B0609020204030204" pitchFamily="49" charset="0"/>
+              </a:rPr>
+              <a:t>// example by Scott Meyers</a:t>
+            </a:r>
+            <a:r>
+              <a:rPr lang="en-US">
+                <a:latin typeface="Consolas" panose="020B0609020204030204" pitchFamily="49" charset="0"/>
+              </a:rPr>
+              <a:t/>
+            </a:r>
+            <a:br>
+              <a:rPr lang="en-US">
+                <a:latin typeface="Consolas" panose="020B0609020204030204" pitchFamily="49" charset="0"/>
+              </a:rPr>
+            </a:br>
+            <a:r>
+              <a:rPr lang="en-US" smtClean="0">
+                <a:solidFill>
+                  <a:srgbClr val="FF0000"/>
+                </a:solidFill>
+                <a:latin typeface="Consolas" panose="020B0609020204030204" pitchFamily="49" charset="0"/>
+              </a:rPr>
+              <a:t>decltype(auto)</a:t>
+            </a:r>
+            <a:r>
+              <a:rPr lang="en-US" smtClean="0">
+                <a:latin typeface="Consolas" panose="020B0609020204030204" pitchFamily="49" charset="0"/>
+              </a:rPr>
+              <a:t> </a:t>
+            </a:r>
+            <a:r>
+              <a:rPr lang="en-US">
+                <a:latin typeface="Consolas" panose="020B0609020204030204" pitchFamily="49" charset="0"/>
+              </a:rPr>
+              <a:t>lookupValue (int idx) {</a:t>
+            </a:r>
+            <a:r>
+              <a:rPr lang="en-US">
+                <a:latin typeface="Consolas" panose="020B0609020204030204" pitchFamily="49" charset="0"/>
+              </a:rPr>
+              <a:t/>
+            </a:r>
+            <a:br>
+              <a:rPr lang="en-US">
+                <a:latin typeface="Consolas" panose="020B0609020204030204" pitchFamily="49" charset="0"/>
+              </a:rPr>
+            </a:br>
+            <a:r>
+              <a:rPr lang="en-US" smtClean="0">
+                <a:latin typeface="Consolas" panose="020B0609020204030204" pitchFamily="49" charset="0"/>
+              </a:rPr>
+              <a:t>  auto </a:t>
+            </a:r>
+            <a:r>
+              <a:rPr lang="en-US">
+                <a:latin typeface="Consolas" panose="020B0609020204030204" pitchFamily="49" charset="0"/>
+              </a:rPr>
+              <a:t>ind = calcValue (idx);</a:t>
+            </a:r>
+            <a:r>
+              <a:rPr lang="en-US">
+                <a:latin typeface="Consolas" panose="020B0609020204030204" pitchFamily="49" charset="0"/>
+              </a:rPr>
+              <a:t/>
+            </a:r>
+            <a:br>
+              <a:rPr lang="en-US">
+                <a:latin typeface="Consolas" panose="020B0609020204030204" pitchFamily="49" charset="0"/>
+              </a:rPr>
+            </a:br>
+            <a:r>
+              <a:rPr lang="en-US" smtClean="0">
+                <a:latin typeface="Consolas" panose="020B0609020204030204" pitchFamily="49" charset="0"/>
+              </a:rPr>
+              <a:t>  auto </a:t>
+            </a:r>
+            <a:r>
+              <a:rPr lang="en-US">
+                <a:latin typeface="Consolas" panose="020B0609020204030204" pitchFamily="49" charset="0"/>
+              </a:rPr>
+              <a:t>val = </a:t>
+            </a:r>
+            <a:r>
+              <a:rPr lang="en-US">
+                <a:latin typeface="Consolas" panose="020B0609020204030204" pitchFamily="49" charset="0"/>
+              </a:rPr>
+              <a:t>values[ind</a:t>
+            </a:r>
+            <a:r>
+              <a:rPr lang="en-US" smtClean="0">
+                <a:latin typeface="Consolas" panose="020B0609020204030204" pitchFamily="49" charset="0"/>
+              </a:rPr>
+              <a:t>]; // </a:t>
+            </a:r>
+            <a:r>
+              <a:rPr lang="en-US">
+                <a:latin typeface="Consolas" panose="020B0609020204030204" pitchFamily="49" charset="0"/>
+                <a:sym typeface="Symbol" panose="05050102010706020507" pitchFamily="18" charset="2"/>
+              </a:rPr>
+              <a:t> </a:t>
+            </a:r>
+            <a:r>
+              <a:rPr lang="en-US" smtClean="0">
+                <a:latin typeface="Consolas" panose="020B0609020204030204" pitchFamily="49" charset="0"/>
+                <a:sym typeface="Symbol" panose="05050102010706020507" pitchFamily="18" charset="2"/>
+              </a:rPr>
+              <a:t>int val</a:t>
+            </a:r>
+            <a:r>
+              <a:rPr lang="en-US">
+                <a:latin typeface="Consolas" panose="020B0609020204030204" pitchFamily="49" charset="0"/>
+              </a:rPr>
+              <a:t/>
+            </a:r>
+            <a:br>
+              <a:rPr lang="en-US">
+                <a:latin typeface="Consolas" panose="020B0609020204030204" pitchFamily="49" charset="0"/>
+              </a:rPr>
+            </a:br>
+            <a:r>
+              <a:rPr lang="en-US" smtClean="0">
+                <a:latin typeface="Consolas" panose="020B0609020204030204" pitchFamily="49" charset="0"/>
+              </a:rPr>
+              <a:t>  return </a:t>
+            </a:r>
+            <a:r>
+              <a:rPr lang="en-US">
+                <a:latin typeface="Consolas" panose="020B0609020204030204" pitchFamily="49" charset="0"/>
+              </a:rPr>
+              <a:t>(</a:t>
+            </a:r>
+            <a:r>
+              <a:rPr lang="en-US">
+                <a:latin typeface="Consolas" panose="020B0609020204030204" pitchFamily="49" charset="0"/>
+              </a:rPr>
+              <a:t>val</a:t>
+            </a:r>
+            <a:r>
+              <a:rPr lang="en-US" smtClean="0">
+                <a:latin typeface="Consolas" panose="020B0609020204030204" pitchFamily="49" charset="0"/>
+              </a:rPr>
+              <a:t>); </a:t>
+            </a:r>
+            <a:r>
+              <a:rPr lang="en-US">
+                <a:latin typeface="Consolas" panose="020B0609020204030204" pitchFamily="49" charset="0"/>
+              </a:rPr>
+              <a:t>// </a:t>
+            </a:r>
+            <a:r>
+              <a:rPr lang="en-US">
+                <a:solidFill>
+                  <a:srgbClr val="FF0000"/>
+                </a:solidFill>
+                <a:latin typeface="Consolas" panose="020B0609020204030204" pitchFamily="49" charset="0"/>
+                <a:sym typeface="Symbol" panose="05050102010706020507" pitchFamily="18" charset="2"/>
+              </a:rPr>
+              <a:t> </a:t>
+            </a:r>
+            <a:r>
+              <a:rPr lang="en-US" smtClean="0">
+                <a:solidFill>
+                  <a:srgbClr val="FF0000"/>
+                </a:solidFill>
+                <a:latin typeface="Consolas" panose="020B0609020204030204" pitchFamily="49" charset="0"/>
+                <a:sym typeface="Symbol" panose="05050102010706020507" pitchFamily="18" charset="2"/>
+              </a:rPr>
+              <a:t>int&amp; </a:t>
+            </a:r>
+            <a:r>
+              <a:rPr lang="ru-RU" smtClean="0">
+                <a:solidFill>
+                  <a:srgbClr val="FF0000"/>
+                </a:solidFill>
+                <a:latin typeface="Consolas" panose="020B0609020204030204" pitchFamily="49" charset="0"/>
+                <a:sym typeface="Symbol" panose="05050102010706020507" pitchFamily="18" charset="2"/>
+              </a:rPr>
+              <a:t>в качестве результата</a:t>
+            </a:r>
+            <a:r>
+              <a:rPr lang="en-US">
+                <a:latin typeface="Consolas" panose="020B0609020204030204" pitchFamily="49" charset="0"/>
+              </a:rPr>
+              <a:t/>
+            </a:r>
+            <a:br>
+              <a:rPr lang="en-US">
+                <a:latin typeface="Consolas" panose="020B0609020204030204" pitchFamily="49" charset="0"/>
+              </a:rPr>
+            </a:br>
+            <a:r>
+              <a:rPr lang="en-US" smtClean="0">
+                <a:latin typeface="Consolas" panose="020B0609020204030204" pitchFamily="49" charset="0"/>
+              </a:rPr>
+              <a:t>}</a:t>
+            </a:r>
+            <a:endParaRPr lang="en-US">
+              <a:latin typeface="Consolas" panose="020B0609020204030204" pitchFamily="49" charset="0"/>
+            </a:endParaRPr>
+          </a:p>
+          <a:p>
+            <a:r>
+              <a:rPr lang="en-US" smtClean="0"/>
+              <a:t>auto </a:t>
+            </a:r>
+            <a:r>
+              <a:rPr lang="ru-RU" smtClean="0"/>
+              <a:t>или </a:t>
+            </a:r>
+            <a:r>
+              <a:rPr lang="en-US" smtClean="0"/>
+              <a:t>decltype(auto)?</a:t>
+            </a:r>
+            <a:endParaRPr lang="ru-RU" smtClean="0"/>
+          </a:p>
+          <a:p>
+            <a:r>
+              <a:rPr lang="ru-RU" smtClean="0"/>
+              <a:t>В данном случае </a:t>
+            </a:r>
+            <a:r>
+              <a:rPr lang="en-US"/>
+              <a:t>decltype(auto</a:t>
+            </a:r>
+            <a:r>
+              <a:rPr lang="en-US" smtClean="0"/>
+              <a:t>)</a:t>
+            </a:r>
+            <a:r>
+              <a:rPr lang="ru-RU" smtClean="0"/>
+              <a:t> ведёт к проблемам из-за синтаксиса </a:t>
+            </a:r>
+            <a:r>
+              <a:rPr lang="en-US" smtClean="0"/>
+              <a:t>return(val).</a:t>
+            </a:r>
+          </a:p>
+          <a:p>
+            <a:r>
+              <a:rPr lang="ru-RU" smtClean="0"/>
+              <a:t>Общая мораль: используя </a:t>
+            </a:r>
+            <a:r>
+              <a:rPr lang="en-US" smtClean="0"/>
+              <a:t>decltype(auto) </a:t>
+            </a:r>
+            <a:r>
+              <a:rPr lang="ru-RU" smtClean="0"/>
+              <a:t>надо быть </a:t>
+            </a:r>
+            <a:r>
+              <a:rPr lang="ru-RU" smtClean="0">
+                <a:solidFill>
+                  <a:srgbClr val="FF0000"/>
+                </a:solidFill>
+              </a:rPr>
+              <a:t>очень</a:t>
+            </a:r>
+            <a:r>
+              <a:rPr lang="ru-RU" smtClean="0"/>
+              <a:t> осторожным.</a:t>
+            </a:r>
+            <a:endParaRPr lang="en-US"/>
+          </a:p>
+        </p:txBody>
+      </p:sp>
+    </p:spTree>
+    <p:extLst>
+      <p:ext uri="{BB962C8B-B14F-4D97-AF65-F5344CB8AC3E}">
+        <p14:creationId xmlns:p14="http://schemas.microsoft.com/office/powerpoint/2010/main" val="3647207037"/>
+      </p:ext>
+    </p:extLst>
+  </p:cSld>
+  <p:clrMapOvr>
+    <a:masterClrMapping/>
+  </p:clrMapOvr>
+</p:sld>
+</file>
+
+<file path=ppt/slides/slide36.xml><?xml version="1.0" encoding="utf-8"?>
+<p:sld xmlns:a="http://schemas.openxmlformats.org/drawingml/2006/main" xmlns:r="http://schemas.openxmlformats.org/officeDocument/2006/relationships" xmlns:p="http://schemas.openxmlformats.org/presentationml/2006/main">
+  <p:cSld>
+    <p:spTree>
+      <p:nvGrpSpPr>
+        <p:cNvPr id="1" name=""/>
+        <p:cNvGrpSpPr/>
+        <p:nvPr/>
+      </p:nvGrpSpPr>
+      <p:grpSpPr>
+        <a:xfrm>
+          <a:off x="0" y="0"/>
+          <a:ext cx="0" cy="0"/>
+          <a:chOff x="0" y="0"/>
+          <a:chExt cx="0" cy="0"/>
+        </a:xfrm>
+      </p:grpSpPr>
+      <p:sp>
+        <p:nvSpPr>
+          <p:cNvPr id="3" name="Content Placeholder 2"/>
+          <p:cNvSpPr>
+            <a:spLocks noGrp="1"/>
+          </p:cNvSpPr>
+          <p:nvPr>
+            <p:ph idx="1"/>
+          </p:nvPr>
+        </p:nvSpPr>
+        <p:spPr>
+          <a:xfrm>
+            <a:off x="1143000" y="742122"/>
+            <a:ext cx="10408640" cy="5353878"/>
+          </a:xfrm>
+        </p:spPr>
+        <p:txBody>
+          <a:bodyPr>
+            <a:noAutofit/>
+          </a:bodyPr>
+          <a:lstStyle/>
+          <a:p>
+            <a:pPr>
+              <a:lnSpc>
+                <a:spcPct val="150000"/>
+              </a:lnSpc>
+              <a:buFont typeface="Wingdings" panose="05000000000000000000" pitchFamily="2" charset="2"/>
+              <a:buChar char="q"/>
+            </a:pPr>
+            <a:r>
+              <a:rPr lang="ru-RU" sz="4400" smtClean="0"/>
+              <a:t> Правила для шаблонов, </a:t>
+            </a:r>
+            <a:r>
+              <a:rPr lang="en-US" sz="4400" smtClean="0"/>
+              <a:t>auto </a:t>
+            </a:r>
+            <a:r>
+              <a:rPr lang="ru-RU" sz="4400" smtClean="0"/>
+              <a:t>и </a:t>
+            </a:r>
+            <a:r>
+              <a:rPr lang="en-US" sz="4400" smtClean="0"/>
+              <a:t>decltype</a:t>
+            </a:r>
+            <a:endParaRPr lang="ru-RU" sz="4400" smtClean="0"/>
+          </a:p>
+          <a:p>
+            <a:pPr>
+              <a:lnSpc>
+                <a:spcPct val="150000"/>
+              </a:lnSpc>
+              <a:buFont typeface="Wingdings" panose="05000000000000000000" pitchFamily="2" charset="2"/>
+              <a:buChar char="q"/>
+            </a:pPr>
+            <a:r>
+              <a:rPr lang="ru-RU" sz="4400" smtClean="0"/>
+              <a:t> Расширенный синтаксис функций</a:t>
+            </a:r>
+            <a:endParaRPr lang="en-US" sz="4400" smtClean="0"/>
+          </a:p>
+          <a:p>
+            <a:pPr>
+              <a:lnSpc>
+                <a:spcPct val="150000"/>
+              </a:lnSpc>
+              <a:buFont typeface="Wingdings" panose="05000000000000000000" pitchFamily="2" charset="2"/>
+              <a:buChar char="Ø"/>
+            </a:pPr>
+            <a:r>
+              <a:rPr lang="en-US" sz="4400"/>
+              <a:t> </a:t>
+            </a:r>
+            <a:r>
+              <a:rPr lang="ru-RU" sz="4400" smtClean="0"/>
+              <a:t>Деградация и минимальные типы</a:t>
+            </a:r>
+          </a:p>
+          <a:p>
+            <a:pPr>
+              <a:lnSpc>
+                <a:spcPct val="150000"/>
+              </a:lnSpc>
+              <a:buFont typeface="Wingdings" panose="05000000000000000000" pitchFamily="2" charset="2"/>
+              <a:buChar char="q"/>
+            </a:pPr>
+            <a:r>
+              <a:rPr lang="ru-RU" sz="4400" smtClean="0"/>
+              <a:t> Исследование выведенных типов</a:t>
+            </a:r>
+          </a:p>
+        </p:txBody>
+      </p:sp>
+    </p:spTree>
+    <p:extLst>
+      <p:ext uri="{BB962C8B-B14F-4D97-AF65-F5344CB8AC3E}">
+        <p14:creationId xmlns:p14="http://schemas.microsoft.com/office/powerpoint/2010/main" val="2424931888"/>
+      </p:ext>
+    </p:extLst>
+  </p:cSld>
+  <p:clrMapOvr>
+    <a:masterClrMapping/>
+  </p:clrMapOvr>
+</p:sld>
+</file>
+
+<file path=ppt/slides/slide37.xml><?xml version="1.0" encoding="utf-8"?>
+<p:sld xmlns:a="http://schemas.openxmlformats.org/drawingml/2006/main" xmlns:r="http://schemas.openxmlformats.org/officeDocument/2006/relationships" xmlns:p="http://schemas.openxmlformats.org/presentationml/2006/main">
+  <p:cSld>
+    <p:spTree>
+      <p:nvGrpSpPr>
+        <p:cNvPr id="1" name=""/>
+        <p:cNvGrpSpPr/>
+        <p:nvPr/>
+      </p:nvGrpSpPr>
+      <p:grpSpPr>
+        <a:xfrm>
+          <a:off x="0" y="0"/>
+          <a:ext cx="0" cy="0"/>
+          <a:chOff x="0" y="0"/>
+          <a:chExt cx="0" cy="0"/>
+        </a:xfrm>
+      </p:grpSpPr>
+      <p:sp>
+        <p:nvSpPr>
+          <p:cNvPr id="2" name="Title 1"/>
+          <p:cNvSpPr>
+            <a:spLocks noGrp="1"/>
+          </p:cNvSpPr>
+          <p:nvPr>
+            <p:ph type="title"/>
+          </p:nvPr>
+        </p:nvSpPr>
+        <p:spPr/>
+        <p:txBody>
+          <a:bodyPr/>
+          <a:lstStyle/>
+          <a:p>
+            <a:r>
+              <a:rPr lang="ru-RU" smtClean="0"/>
+              <a:t>Деградация (</a:t>
+            </a:r>
+            <a:r>
+              <a:rPr lang="en-US" smtClean="0"/>
+              <a:t>Decaying)</a:t>
+            </a:r>
+            <a:endParaRPr lang="en-US"/>
+          </a:p>
+        </p:txBody>
+      </p:sp>
+      <p:sp>
+        <p:nvSpPr>
+          <p:cNvPr id="3" name="Content Placeholder 2"/>
+          <p:cNvSpPr>
+            <a:spLocks noGrp="1"/>
+          </p:cNvSpPr>
+          <p:nvPr>
+            <p:ph idx="1"/>
+          </p:nvPr>
+        </p:nvSpPr>
+        <p:spPr/>
+        <p:txBody>
+          <a:bodyPr/>
+          <a:lstStyle/>
+          <a:p>
+            <a:r>
+              <a:rPr lang="ru-RU" smtClean="0"/>
+              <a:t>Различные случаи уже представлены в языке</a:t>
+            </a:r>
+          </a:p>
+          <a:p>
+            <a:r>
+              <a:rPr lang="ru-RU" smtClean="0"/>
+              <a:t>Массив к указателю</a:t>
+            </a:r>
+          </a:p>
+          <a:p>
+            <a:pPr marL="45720" indent="0">
+              <a:buNone/>
+            </a:pPr>
+            <a:r>
+              <a:rPr lang="en-US" smtClean="0">
+                <a:latin typeface="Consolas" panose="020B0609020204030204" pitchFamily="49" charset="0"/>
+              </a:rPr>
+              <a:t>int x[5];</a:t>
+            </a:r>
+            <a:r>
+              <a:rPr lang="ru-RU" smtClean="0">
+                <a:latin typeface="Consolas" panose="020B0609020204030204" pitchFamily="49" charset="0"/>
+              </a:rPr>
+              <a:t/>
+            </a:r>
+            <a:br>
+              <a:rPr lang="ru-RU" smtClean="0">
+                <a:latin typeface="Consolas" panose="020B0609020204030204" pitchFamily="49" charset="0"/>
+              </a:rPr>
+            </a:br>
+            <a:r>
+              <a:rPr lang="en-US" smtClean="0">
+                <a:latin typeface="Consolas" panose="020B0609020204030204" pitchFamily="49" charset="0"/>
+              </a:rPr>
+              <a:t>int *px = x; // decay</a:t>
+            </a:r>
+            <a:endParaRPr lang="ru-RU" smtClean="0"/>
+          </a:p>
+          <a:p>
+            <a:r>
+              <a:rPr lang="en-US" smtClean="0"/>
+              <a:t>CV-</a:t>
+            </a:r>
+            <a:r>
+              <a:rPr lang="ru-RU" smtClean="0"/>
+              <a:t>квалифицированная ссылка к неквалифицированному типу</a:t>
+            </a:r>
+            <a:endParaRPr lang="en-US" smtClean="0"/>
+          </a:p>
+          <a:p>
+            <a:pPr marL="45720" indent="0">
+              <a:buNone/>
+            </a:pPr>
+            <a:r>
+              <a:rPr lang="en-US" smtClean="0">
+                <a:latin typeface="Consolas" panose="020B0609020204030204" pitchFamily="49" charset="0"/>
+              </a:rPr>
+              <a:t>int foo (const int &amp;x) { return x + 2; } // decay</a:t>
+            </a:r>
+          </a:p>
+          <a:p>
+            <a:r>
+              <a:rPr lang="ru-RU"/>
+              <a:t>Функция к указателю </a:t>
+            </a:r>
+            <a:r>
+              <a:rPr lang="ru-RU"/>
+              <a:t>на </a:t>
+            </a:r>
+            <a:r>
+              <a:rPr lang="ru-RU" smtClean="0"/>
+              <a:t>функцию</a:t>
+            </a:r>
+            <a:endParaRPr lang="en-US" smtClean="0"/>
+          </a:p>
+          <a:p>
+            <a:pPr marL="45720" indent="0">
+              <a:buNone/>
+            </a:pPr>
+            <a:r>
+              <a:rPr lang="en-US" smtClean="0">
+                <a:latin typeface="Consolas" panose="020B0609020204030204" pitchFamily="49" charset="0"/>
+              </a:rPr>
+              <a:t>int (*pfoo) (const int) = foo; // decay</a:t>
+            </a:r>
+            <a:endParaRPr lang="en-US"/>
+          </a:p>
+          <a:p>
+            <a:pPr marL="45720" indent="0">
+              <a:buNone/>
+            </a:pPr>
+            <a:endParaRPr lang="en-US"/>
+          </a:p>
+        </p:txBody>
+      </p:sp>
+    </p:spTree>
+    <p:extLst>
+      <p:ext uri="{BB962C8B-B14F-4D97-AF65-F5344CB8AC3E}">
+        <p14:creationId xmlns:p14="http://schemas.microsoft.com/office/powerpoint/2010/main" val="4015558553"/>
+      </p:ext>
+    </p:extLst>
+  </p:cSld>
+  <p:clrMapOvr>
+    <a:masterClrMapping/>
+  </p:clrMapOvr>
+</p:sld>
+</file>
+
+<file path=ppt/slides/slide38.xml><?xml version="1.0" encoding="utf-8"?>
+<p:sld xmlns:a="http://schemas.openxmlformats.org/drawingml/2006/main" xmlns:r="http://schemas.openxmlformats.org/officeDocument/2006/relationships" xmlns:p="http://schemas.openxmlformats.org/presentationml/2006/main">
+  <p:cSld>
+    <p:spTree>
+      <p:nvGrpSpPr>
+        <p:cNvPr id="1" name=""/>
+        <p:cNvGrpSpPr/>
+        <p:nvPr/>
+      </p:nvGrpSpPr>
+      <p:grpSpPr>
+        <a:xfrm>
+          <a:off x="0" y="0"/>
+          <a:ext cx="0" cy="0"/>
+          <a:chOff x="0" y="0"/>
+          <a:chExt cx="0" cy="0"/>
+        </a:xfrm>
+      </p:grpSpPr>
+      <p:sp>
+        <p:nvSpPr>
+          <p:cNvPr id="2" name="Title 1"/>
+          <p:cNvSpPr>
+            <a:spLocks noGrp="1"/>
+          </p:cNvSpPr>
+          <p:nvPr>
+            <p:ph type="title"/>
+          </p:nvPr>
+        </p:nvSpPr>
+        <p:spPr/>
+        <p:txBody>
+          <a:bodyPr/>
+          <a:lstStyle/>
+          <a:p>
+            <a:r>
+              <a:rPr lang="ru-RU" smtClean="0"/>
+              <a:t>Деградация при </a:t>
+            </a:r>
+            <a:r>
+              <a:rPr lang="en-US" smtClean="0"/>
+              <a:t>auto inference</a:t>
+            </a:r>
+            <a:endParaRPr lang="en-US"/>
+          </a:p>
+        </p:txBody>
+      </p:sp>
+      <p:sp>
+        <p:nvSpPr>
+          <p:cNvPr id="3" name="Content Placeholder 2"/>
+          <p:cNvSpPr>
+            <a:spLocks noGrp="1"/>
+          </p:cNvSpPr>
+          <p:nvPr>
+            <p:ph idx="1"/>
+          </p:nvPr>
+        </p:nvSpPr>
+        <p:spPr/>
+        <p:txBody>
+          <a:bodyPr/>
+          <a:lstStyle/>
+          <a:p>
+            <a:r>
+              <a:rPr lang="ru-RU" smtClean="0"/>
+              <a:t>Можно заметить, что и </a:t>
+            </a:r>
+            <a:r>
+              <a:rPr lang="en-US" smtClean="0"/>
+              <a:t>auto </a:t>
+            </a:r>
+            <a:r>
+              <a:rPr lang="ru-RU" smtClean="0"/>
+              <a:t>и шаблоны функций подчиняются при выводе типов правилам деградации</a:t>
+            </a:r>
+          </a:p>
+          <a:p>
+            <a:pPr marL="45720" indent="0">
+              <a:buNone/>
+            </a:pPr>
+            <a:r>
+              <a:rPr lang="en-US">
+                <a:latin typeface="Consolas" panose="020B0609020204030204" pitchFamily="49" charset="0"/>
+              </a:rPr>
+              <a:t>const int </a:t>
+            </a:r>
+            <a:r>
+              <a:rPr lang="en-US">
+                <a:latin typeface="Consolas" panose="020B0609020204030204" pitchFamily="49" charset="0"/>
+              </a:rPr>
+              <a:t>&amp;</a:t>
+            </a:r>
+            <a:r>
+              <a:rPr lang="en-US" smtClean="0">
+                <a:latin typeface="Consolas" panose="020B0609020204030204" pitchFamily="49" charset="0"/>
+              </a:rPr>
+              <a:t>x = 0;</a:t>
+            </a:r>
+          </a:p>
+          <a:p>
+            <a:pPr marL="45720" indent="0">
+              <a:buNone/>
+            </a:pPr>
+            <a:r>
+              <a:rPr lang="en-US" smtClean="0">
+                <a:latin typeface="Consolas" panose="020B0609020204030204" pitchFamily="49" charset="0"/>
+              </a:rPr>
+              <a:t>auto y = x; // x </a:t>
+            </a:r>
+            <a:r>
+              <a:rPr lang="en-US" smtClean="0">
+                <a:solidFill>
+                  <a:srgbClr val="0000FF"/>
+                </a:solidFill>
+                <a:latin typeface="Consolas" panose="020B0609020204030204" pitchFamily="49" charset="0"/>
+              </a:rPr>
+              <a:t>decays</a:t>
+            </a:r>
+            <a:r>
+              <a:rPr lang="en-US" smtClean="0">
+                <a:latin typeface="Consolas" panose="020B0609020204030204" pitchFamily="49" charset="0"/>
+              </a:rPr>
+              <a:t> to int</a:t>
+            </a:r>
+            <a:endParaRPr lang="ru-RU" smtClean="0"/>
+          </a:p>
+          <a:p>
+            <a:r>
+              <a:rPr lang="ru-RU" smtClean="0"/>
+              <a:t>Иногда хочется</a:t>
+            </a:r>
+            <a:r>
+              <a:rPr lang="en-US" smtClean="0"/>
+              <a:t> </a:t>
+            </a:r>
+            <a:r>
+              <a:rPr lang="ru-RU" smtClean="0"/>
+              <a:t>использовать такой порезанный (вернее -- сгнивший) тип.</a:t>
+            </a:r>
+          </a:p>
+          <a:p>
+            <a:pPr marL="45720" indent="0">
+              <a:buNone/>
+            </a:pPr>
+            <a:r>
+              <a:rPr lang="en-US" smtClean="0">
+                <a:solidFill>
+                  <a:srgbClr val="FF0000"/>
+                </a:solidFill>
+                <a:latin typeface="Consolas" panose="020B0609020204030204" pitchFamily="49" charset="0"/>
+              </a:rPr>
+              <a:t>???</a:t>
+            </a:r>
+            <a:r>
+              <a:rPr lang="en-US" smtClean="0">
+                <a:latin typeface="Consolas" panose="020B0609020204030204" pitchFamily="49" charset="0"/>
+              </a:rPr>
+              <a:t> y;</a:t>
+            </a:r>
+            <a:r>
+              <a:rPr lang="ru-RU" smtClean="0">
+                <a:latin typeface="Consolas" panose="020B0609020204030204" pitchFamily="49" charset="0"/>
+              </a:rPr>
+              <a:t> </a:t>
+            </a:r>
+            <a:r>
+              <a:rPr lang="en-US" smtClean="0">
+                <a:latin typeface="Consolas" panose="020B0609020204030204" pitchFamily="49" charset="0"/>
+              </a:rPr>
+              <a:t>// ??? </a:t>
+            </a:r>
+            <a:r>
+              <a:rPr lang="ru-RU" smtClean="0">
+                <a:latin typeface="Consolas" panose="020B0609020204030204" pitchFamily="49" charset="0"/>
+              </a:rPr>
+              <a:t>должно быть таким же как при </a:t>
+            </a:r>
+            <a:r>
+              <a:rPr lang="en-US" smtClean="0">
+                <a:latin typeface="Consolas" panose="020B0609020204030204" pitchFamily="49" charset="0"/>
+              </a:rPr>
+              <a:t>auto y = x;</a:t>
+            </a:r>
+          </a:p>
+          <a:p>
+            <a:r>
+              <a:rPr lang="ru-RU" smtClean="0"/>
+              <a:t>Есть ли нормативные средства? </a:t>
+            </a:r>
+            <a:r>
+              <a:rPr lang="en-US" smtClean="0"/>
+              <a:t>Decltype </a:t>
+            </a:r>
+            <a:r>
+              <a:rPr lang="ru-RU" smtClean="0"/>
+              <a:t>не поможет, он слишком точен.</a:t>
+            </a:r>
+          </a:p>
+          <a:p>
+            <a:pPr marL="45720" indent="0">
+              <a:buNone/>
+            </a:pPr>
+            <a:r>
+              <a:rPr lang="en-US" smtClean="0">
+                <a:solidFill>
+                  <a:srgbClr val="FF0000"/>
+                </a:solidFill>
+                <a:latin typeface="Consolas" panose="020B0609020204030204" pitchFamily="49" charset="0"/>
+              </a:rPr>
+              <a:t>decltype(x)</a:t>
+            </a:r>
+            <a:r>
+              <a:rPr lang="en-US" smtClean="0">
+                <a:latin typeface="Consolas" panose="020B0609020204030204" pitchFamily="49" charset="0"/>
+              </a:rPr>
+              <a:t> </a:t>
+            </a:r>
+            <a:r>
+              <a:rPr lang="en-US">
+                <a:latin typeface="Consolas" panose="020B0609020204030204" pitchFamily="49" charset="0"/>
+              </a:rPr>
+              <a:t>y</a:t>
+            </a:r>
+            <a:r>
+              <a:rPr lang="en-US" smtClean="0">
+                <a:latin typeface="Consolas" panose="020B0609020204030204" pitchFamily="49" charset="0"/>
+              </a:rPr>
+              <a:t>; // </a:t>
+            </a:r>
+            <a:r>
+              <a:rPr lang="en-US">
+                <a:latin typeface="Consolas" panose="020B0609020204030204" pitchFamily="49" charset="0"/>
+                <a:sym typeface="Symbol" panose="05050102010706020507" pitchFamily="18" charset="2"/>
+              </a:rPr>
+              <a:t></a:t>
+            </a:r>
+            <a:r>
+              <a:rPr lang="ru-RU">
+                <a:latin typeface="Consolas" panose="020B0609020204030204" pitchFamily="49" charset="0"/>
+                <a:sym typeface="Symbol" panose="05050102010706020507" pitchFamily="18" charset="2"/>
+              </a:rPr>
+              <a:t> </a:t>
+            </a:r>
+            <a:r>
+              <a:rPr lang="en-US" smtClean="0">
+                <a:latin typeface="Consolas" panose="020B0609020204030204" pitchFamily="49" charset="0"/>
+                <a:sym typeface="Symbol" panose="05050102010706020507" pitchFamily="18" charset="2"/>
+              </a:rPr>
+              <a:t>const int &amp;y, </a:t>
+            </a:r>
+            <a:r>
+              <a:rPr lang="ru-RU" smtClean="0">
+                <a:latin typeface="Consolas" panose="020B0609020204030204" pitchFamily="49" charset="0"/>
+                <a:sym typeface="Symbol" panose="05050102010706020507" pitchFamily="18" charset="2"/>
+              </a:rPr>
+              <a:t>а нужно </a:t>
+            </a:r>
+            <a:r>
+              <a:rPr lang="en-US" smtClean="0">
+                <a:latin typeface="Consolas" panose="020B0609020204030204" pitchFamily="49" charset="0"/>
+                <a:sym typeface="Symbol" panose="05050102010706020507" pitchFamily="18" charset="2"/>
+              </a:rPr>
+              <a:t>int y</a:t>
+            </a:r>
+            <a:endParaRPr lang="en-US"/>
+          </a:p>
+        </p:txBody>
+      </p:sp>
+    </p:spTree>
+    <p:extLst>
+      <p:ext uri="{BB962C8B-B14F-4D97-AF65-F5344CB8AC3E}">
+        <p14:creationId xmlns:p14="http://schemas.microsoft.com/office/powerpoint/2010/main" val="1416133265"/>
+      </p:ext>
+    </p:extLst>
+  </p:cSld>
+  <p:clrMapOvr>
+    <a:masterClrMapping/>
+  </p:clrMapOvr>
+</p:sld>
+</file>
+
+<file path=ppt/slides/slide39.xml><?xml version="1.0" encoding="utf-8"?>
+<p:sld xmlns:a="http://schemas.openxmlformats.org/drawingml/2006/main" xmlns:r="http://schemas.openxmlformats.org/officeDocument/2006/relationships" xmlns:p="http://schemas.openxmlformats.org/presentationml/2006/main">
+  <p:cSld>
+    <p:spTree>
+      <p:nvGrpSpPr>
+        <p:cNvPr id="1" name=""/>
+        <p:cNvGrpSpPr/>
+        <p:nvPr/>
+      </p:nvGrpSpPr>
+      <p:grpSpPr>
+        <a:xfrm>
+          <a:off x="0" y="0"/>
+          <a:ext cx="0" cy="0"/>
+          <a:chOff x="0" y="0"/>
+          <a:chExt cx="0" cy="0"/>
+        </a:xfrm>
+      </p:grpSpPr>
+      <p:sp>
+        <p:nvSpPr>
+          <p:cNvPr id="2" name="Title 1"/>
+          <p:cNvSpPr>
+            <a:spLocks noGrp="1"/>
+          </p:cNvSpPr>
+          <p:nvPr>
+            <p:ph type="title"/>
+          </p:nvPr>
+        </p:nvSpPr>
+        <p:spPr/>
+        <p:txBody>
+          <a:bodyPr/>
+          <a:lstStyle/>
+          <a:p>
+            <a:r>
+              <a:rPr lang="ru-RU" smtClean="0"/>
+              <a:t>Форсированная деградация</a:t>
+            </a:r>
+            <a:endParaRPr lang="en-US"/>
+          </a:p>
+        </p:txBody>
+      </p:sp>
+      <p:sp>
+        <p:nvSpPr>
+          <p:cNvPr id="3" name="Content Placeholder 2"/>
+          <p:cNvSpPr>
+            <a:spLocks noGrp="1"/>
+          </p:cNvSpPr>
+          <p:nvPr>
+            <p:ph idx="1"/>
+          </p:nvPr>
+        </p:nvSpPr>
+        <p:spPr/>
+        <p:txBody>
+          <a:bodyPr/>
+          <a:lstStyle/>
+          <a:p>
+            <a:r>
+              <a:rPr lang="ru-RU" smtClean="0"/>
+              <a:t>Для форсированной деградации используется шаблон </a:t>
+            </a:r>
+            <a:r>
+              <a:rPr lang="en-US" smtClean="0"/>
+              <a:t>std::decay_t</a:t>
+            </a:r>
+          </a:p>
+          <a:p>
+            <a:pPr marL="45720" indent="0">
+              <a:buNone/>
+            </a:pPr>
+            <a:r>
+              <a:rPr lang="en-US">
+                <a:latin typeface="Consolas" panose="020B0609020204030204" pitchFamily="49" charset="0"/>
+              </a:rPr>
+              <a:t>const int &amp;x = 0;</a:t>
+            </a:r>
+          </a:p>
+          <a:p>
+            <a:pPr marL="45720" indent="0">
+              <a:buNone/>
+            </a:pPr>
+            <a:r>
+              <a:rPr lang="en-US">
+                <a:latin typeface="Consolas" panose="020B0609020204030204" pitchFamily="49" charset="0"/>
+              </a:rPr>
+              <a:t>auto y = x; // x </a:t>
+            </a:r>
+            <a:r>
+              <a:rPr lang="en-US">
+                <a:solidFill>
+                  <a:srgbClr val="0000FF"/>
+                </a:solidFill>
+                <a:latin typeface="Consolas" panose="020B0609020204030204" pitchFamily="49" charset="0"/>
+              </a:rPr>
+              <a:t>decays</a:t>
+            </a:r>
+            <a:r>
+              <a:rPr lang="en-US">
+                <a:latin typeface="Consolas" panose="020B0609020204030204" pitchFamily="49" charset="0"/>
+              </a:rPr>
+              <a:t> </a:t>
+            </a:r>
+            <a:r>
+              <a:rPr lang="en-US">
+                <a:latin typeface="Consolas" panose="020B0609020204030204" pitchFamily="49" charset="0"/>
+              </a:rPr>
+              <a:t>to </a:t>
+            </a:r>
+            <a:r>
+              <a:rPr lang="en-US" smtClean="0">
+                <a:latin typeface="Consolas" panose="020B0609020204030204" pitchFamily="49" charset="0"/>
+              </a:rPr>
+              <a:t>int</a:t>
+            </a:r>
+          </a:p>
+          <a:p>
+            <a:pPr marL="45720" indent="0">
+              <a:buNone/>
+            </a:pPr>
+            <a:r>
+              <a:rPr lang="en-US" smtClean="0">
+                <a:latin typeface="Consolas" panose="020B0609020204030204" pitchFamily="49" charset="0"/>
+              </a:rPr>
+              <a:t>decay_t&lt;decltype(x)&gt; y; // decltype(x) </a:t>
+            </a:r>
+            <a:r>
+              <a:rPr lang="en-US" smtClean="0">
+                <a:solidFill>
+                  <a:srgbClr val="0000FF"/>
+                </a:solidFill>
+                <a:latin typeface="Consolas" panose="020B0609020204030204" pitchFamily="49" charset="0"/>
+              </a:rPr>
+              <a:t>forced decays</a:t>
+            </a:r>
+            <a:r>
+              <a:rPr lang="en-US" smtClean="0">
+                <a:latin typeface="Consolas" panose="020B0609020204030204" pitchFamily="49" charset="0"/>
+              </a:rPr>
+              <a:t> </a:t>
+            </a:r>
+            <a:r>
+              <a:rPr lang="en-US">
+                <a:latin typeface="Consolas" panose="020B0609020204030204" pitchFamily="49" charset="0"/>
+              </a:rPr>
+              <a:t>to int</a:t>
+            </a:r>
+            <a:endParaRPr lang="ru-RU" smtClean="0"/>
+          </a:p>
+          <a:p>
+            <a:r>
+              <a:rPr lang="ru-RU" smtClean="0"/>
+              <a:t>Иногда эта техника используется для общих типов</a:t>
+            </a:r>
+            <a:r>
+              <a:rPr lang="en-US" smtClean="0"/>
+              <a:t>.</a:t>
+            </a:r>
+            <a:r>
+              <a:rPr lang="ru-RU"/>
+              <a:t> </a:t>
+            </a:r>
+            <a:r>
+              <a:rPr lang="ru-RU" smtClean="0"/>
+              <a:t>В простейшем случае ясно что для типов: </a:t>
+            </a:r>
+            <a:r>
+              <a:rPr lang="en-US" smtClean="0"/>
+              <a:t>int, const int, int&amp;, const int&amp; </a:t>
+            </a:r>
+            <a:r>
+              <a:rPr lang="ru-RU" smtClean="0"/>
+              <a:t>минимально общим является </a:t>
+            </a:r>
+            <a:r>
+              <a:rPr lang="en-US" smtClean="0"/>
+              <a:t>int (</a:t>
+            </a:r>
+            <a:r>
+              <a:rPr lang="ru-RU" smtClean="0"/>
+              <a:t>так как значения всех этих типов могут быть положены в </a:t>
+            </a:r>
+            <a:r>
+              <a:rPr lang="en-US" smtClean="0"/>
+              <a:t>int, </a:t>
+            </a:r>
+            <a:r>
+              <a:rPr lang="ru-RU" smtClean="0"/>
+              <a:t>и он наименее декорирован</a:t>
+            </a:r>
+            <a:r>
+              <a:rPr lang="en-US" smtClean="0"/>
+              <a:t>)</a:t>
+            </a:r>
+            <a:r>
+              <a:rPr lang="ru-RU" smtClean="0"/>
+              <a:t>.</a:t>
+            </a:r>
+          </a:p>
+          <a:p>
+            <a:pPr marL="45720" indent="0">
+              <a:buNone/>
+            </a:pPr>
+            <a:r>
+              <a:rPr lang="en-US" smtClean="0">
+                <a:latin typeface="Consolas" panose="020B0609020204030204" pitchFamily="49" charset="0"/>
+              </a:rPr>
+              <a:t>common_type_t</a:t>
+            </a:r>
+            <a:r>
+              <a:rPr lang="en-US">
+                <a:latin typeface="Consolas" panose="020B0609020204030204" pitchFamily="49" charset="0"/>
+              </a:rPr>
+              <a:t>&lt;decltype(x)&gt; </a:t>
+            </a:r>
+            <a:r>
+              <a:rPr lang="en-US">
+                <a:latin typeface="Consolas" panose="020B0609020204030204" pitchFamily="49" charset="0"/>
+              </a:rPr>
+              <a:t>y</a:t>
+            </a:r>
+            <a:r>
+              <a:rPr lang="en-US" smtClean="0">
+                <a:latin typeface="Consolas" panose="020B0609020204030204" pitchFamily="49" charset="0"/>
+              </a:rPr>
+              <a:t>; // </a:t>
+            </a:r>
+            <a:r>
+              <a:rPr lang="en-US">
+                <a:latin typeface="Consolas" panose="020B0609020204030204" pitchFamily="49" charset="0"/>
+              </a:rPr>
+              <a:t>decltype(x</a:t>
+            </a:r>
+            <a:r>
+              <a:rPr lang="en-US">
+                <a:latin typeface="Consolas" panose="020B0609020204030204" pitchFamily="49" charset="0"/>
+              </a:rPr>
+              <a:t>) </a:t>
+            </a:r>
+            <a:r>
+              <a:rPr lang="en-US" smtClean="0">
+                <a:solidFill>
+                  <a:srgbClr val="0000FF"/>
+                </a:solidFill>
+                <a:latin typeface="Consolas" panose="020B0609020204030204" pitchFamily="49" charset="0"/>
+              </a:rPr>
+              <a:t>generalize</a:t>
+            </a:r>
+            <a:r>
+              <a:rPr lang="en-US" smtClean="0">
+                <a:latin typeface="Consolas" panose="020B0609020204030204" pitchFamily="49" charset="0"/>
+              </a:rPr>
+              <a:t> </a:t>
+            </a:r>
+            <a:r>
+              <a:rPr lang="en-US">
+                <a:latin typeface="Consolas" panose="020B0609020204030204" pitchFamily="49" charset="0"/>
+              </a:rPr>
+              <a:t>to int</a:t>
+            </a:r>
+            <a:endParaRPr lang="ru-RU" smtClean="0"/>
+          </a:p>
+        </p:txBody>
+      </p:sp>
+    </p:spTree>
+    <p:extLst>
+      <p:ext uri="{BB962C8B-B14F-4D97-AF65-F5344CB8AC3E}">
+        <p14:creationId xmlns:p14="http://schemas.microsoft.com/office/powerpoint/2010/main" val="631524369"/>
       </p:ext>
     </p:extLst>
   </p:cSld>
@@ -8931,13 +12851,7 @@
               <a:rPr lang="en-US" sz="2400">
                 <a:latin typeface="Consolas" panose="020B0609020204030204" pitchFamily="49" charset="0"/>
               </a:rPr>
-              <a:t>&lt;typename T&gt; </a:t>
-            </a:r>
-            <a:r>
-              <a:rPr lang="en-US" sz="2400">
-                <a:latin typeface="Consolas" panose="020B0609020204030204" pitchFamily="49" charset="0"/>
-              </a:rPr>
-              <a:t>void </a:t>
+              <a:t>&lt;typename T&gt; void </a:t>
             </a:r>
             <a:r>
               <a:rPr lang="en-US" sz="2400" smtClean="0">
@@ -9189,6 +13103,2439 @@
     <p:extLst>
       <p:ext uri="{BB962C8B-B14F-4D97-AF65-F5344CB8AC3E}">
         <p14:creationId xmlns:p14="http://schemas.microsoft.com/office/powerpoint/2010/main" val="713496866"/>
+      </p:ext>
+    </p:extLst>
+  </p:cSld>
+  <p:clrMapOvr>
+    <a:masterClrMapping/>
+  </p:clrMapOvr>
+</p:sld>
+</file>
+
+<file path=ppt/slides/slide40.xml><?xml version="1.0" encoding="utf-8"?>
+<p:sld xmlns:a="http://schemas.openxmlformats.org/drawingml/2006/main" xmlns:r="http://schemas.openxmlformats.org/officeDocument/2006/relationships" xmlns:p="http://schemas.openxmlformats.org/presentationml/2006/main">
+  <p:cSld>
+    <p:spTree>
+      <p:nvGrpSpPr>
+        <p:cNvPr id="1" name=""/>
+        <p:cNvGrpSpPr/>
+        <p:nvPr/>
+      </p:nvGrpSpPr>
+      <p:grpSpPr>
+        <a:xfrm>
+          <a:off x="0" y="0"/>
+          <a:ext cx="0" cy="0"/>
+          <a:chOff x="0" y="0"/>
+          <a:chExt cx="0" cy="0"/>
+        </a:xfrm>
+      </p:grpSpPr>
+      <p:sp>
+        <p:nvSpPr>
+          <p:cNvPr id="2" name="Title 1"/>
+          <p:cNvSpPr>
+            <a:spLocks noGrp="1"/>
+          </p:cNvSpPr>
+          <p:nvPr>
+            <p:ph type="title"/>
+          </p:nvPr>
+        </p:nvSpPr>
+        <p:spPr/>
+        <p:txBody>
+          <a:bodyPr/>
+          <a:lstStyle/>
+          <a:p>
+            <a:r>
+              <a:rPr lang="ru-RU" smtClean="0"/>
+              <a:t>Общие типы</a:t>
+            </a:r>
+            <a:r>
+              <a:rPr lang="en-US" smtClean="0"/>
+              <a:t>: </a:t>
+            </a:r>
+            <a:r>
+              <a:rPr lang="ru-RU" smtClean="0"/>
+              <a:t>ещё один тизер</a:t>
+            </a:r>
+            <a:endParaRPr lang="en-US"/>
+          </a:p>
+        </p:txBody>
+      </p:sp>
+      <p:sp>
+        <p:nvSpPr>
+          <p:cNvPr id="3" name="Content Placeholder 2"/>
+          <p:cNvSpPr>
+            <a:spLocks noGrp="1"/>
+          </p:cNvSpPr>
+          <p:nvPr>
+            <p:ph idx="1"/>
+          </p:nvPr>
+        </p:nvSpPr>
+        <p:spPr>
+          <a:xfrm>
+            <a:off x="1143000" y="2057400"/>
+            <a:ext cx="9872871" cy="4252784"/>
+          </a:xfrm>
+        </p:spPr>
+        <p:txBody>
+          <a:bodyPr/>
+          <a:lstStyle/>
+          <a:p>
+            <a:r>
+              <a:rPr lang="ru-RU" smtClean="0"/>
+              <a:t>Попробуем теперь написать </a:t>
+            </a:r>
+            <a:r>
+              <a:rPr lang="en-US" smtClean="0"/>
+              <a:t>common_type </a:t>
+            </a:r>
+            <a:r>
+              <a:rPr lang="ru-RU" smtClean="0"/>
+              <a:t>для двух типов.</a:t>
+            </a:r>
+            <a:endParaRPr lang="en-US" smtClean="0"/>
+          </a:p>
+          <a:p>
+            <a:r>
+              <a:rPr lang="ru-RU" smtClean="0"/>
+              <a:t>Логичная идея: минимальный общий между двумя общими типами это минимальный между их минимальными представителями</a:t>
+            </a:r>
+          </a:p>
+          <a:p>
+            <a:pPr marL="45720" indent="0">
+              <a:buNone/>
+            </a:pPr>
+            <a:r>
+              <a:rPr lang="fr-FR">
+                <a:latin typeface="Consolas" panose="020B0609020204030204" pitchFamily="49" charset="0"/>
+              </a:rPr>
+              <a:t>template &lt;class T1, </a:t>
+            </a:r>
+            <a:r>
+              <a:rPr lang="fr-FR">
+                <a:latin typeface="Consolas" panose="020B0609020204030204" pitchFamily="49" charset="0"/>
+              </a:rPr>
+              <a:t>class </a:t>
+            </a:r>
+            <a:r>
+              <a:rPr lang="fr-FR" smtClean="0">
+                <a:latin typeface="Consolas" panose="020B0609020204030204" pitchFamily="49" charset="0"/>
+              </a:rPr>
+              <a:t>T2&gt;</a:t>
+            </a:r>
+            <a:br>
+              <a:rPr lang="fr-FR" smtClean="0">
+                <a:latin typeface="Consolas" panose="020B0609020204030204" pitchFamily="49" charset="0"/>
+              </a:rPr>
+            </a:br>
+            <a:r>
+              <a:rPr lang="fr-FR" smtClean="0">
+                <a:latin typeface="Consolas" panose="020B0609020204030204" pitchFamily="49" charset="0"/>
+              </a:rPr>
+              <a:t>struct </a:t>
+            </a:r>
+            <a:r>
+              <a:rPr lang="fr-FR">
+                <a:latin typeface="Consolas" panose="020B0609020204030204" pitchFamily="49" charset="0"/>
+              </a:rPr>
+              <a:t>common_type&lt;T1, T2&gt; </a:t>
+            </a:r>
+            <a:r>
+              <a:rPr lang="fr-FR">
+                <a:latin typeface="Consolas" panose="020B0609020204030204" pitchFamily="49" charset="0"/>
+              </a:rPr>
+              <a:t>: </a:t>
+            </a:r>
+            <a:r>
+              <a:rPr lang="fr-FR" smtClean="0">
+                <a:latin typeface="Consolas" panose="020B0609020204030204" pitchFamily="49" charset="0"/>
+              </a:rPr>
+              <a:t/>
+            </a:r>
+            <a:br>
+              <a:rPr lang="fr-FR" smtClean="0">
+                <a:latin typeface="Consolas" panose="020B0609020204030204" pitchFamily="49" charset="0"/>
+              </a:rPr>
+            </a:br>
+            <a:r>
+              <a:rPr lang="fr-FR" smtClean="0">
+                <a:latin typeface="Consolas" panose="020B0609020204030204" pitchFamily="49" charset="0"/>
+              </a:rPr>
+              <a:t>  ct_impl&lt;decay_t&lt;T1</a:t>
+            </a:r>
+            <a:r>
+              <a:rPr lang="fr-FR">
+                <a:latin typeface="Consolas" panose="020B0609020204030204" pitchFamily="49" charset="0"/>
+              </a:rPr>
+              <a:t>&gt;, decay_t&lt;T2&gt;&gt; </a:t>
+            </a:r>
+            <a:r>
+              <a:rPr lang="fr-FR">
+                <a:latin typeface="Consolas" panose="020B0609020204030204" pitchFamily="49" charset="0"/>
+              </a:rPr>
+              <a:t>{ </a:t>
+            </a:r>
+            <a:r>
+              <a:rPr lang="fr-FR" smtClean="0">
+                <a:latin typeface="Consolas" panose="020B0609020204030204" pitchFamily="49" charset="0"/>
+              </a:rPr>
+              <a:t>};</a:t>
+            </a:r>
+          </a:p>
+          <a:p>
+            <a:r>
+              <a:rPr lang="ru-RU" smtClean="0"/>
+              <a:t>Но как может быть устроен шаблон </a:t>
+            </a:r>
+            <a:r>
+              <a:rPr lang="en-US" smtClean="0"/>
+              <a:t>ct_impl? </a:t>
+            </a:r>
+            <a:r>
+              <a:rPr lang="ru-RU" smtClean="0"/>
+              <a:t>Сейчас сложно представить нечто кроме следующего (довольно плохого) варианта:</a:t>
+            </a:r>
+          </a:p>
+          <a:p>
+            <a:pPr marL="45720" indent="0">
+              <a:buNone/>
+            </a:pPr>
+            <a:r>
+              <a:rPr lang="en-US">
+                <a:latin typeface="Consolas" panose="020B0609020204030204" pitchFamily="49" charset="0"/>
+              </a:rPr>
+              <a:t>template &lt;class T, class U&gt; </a:t>
+            </a:r>
+            <a:r>
+              <a:rPr lang="en-US">
+                <a:latin typeface="Consolas" panose="020B0609020204030204" pitchFamily="49" charset="0"/>
+              </a:rPr>
+              <a:t>struct </a:t>
+            </a:r>
+            <a:r>
+              <a:rPr lang="en-US" smtClean="0">
+                <a:latin typeface="Consolas" panose="020B0609020204030204" pitchFamily="49" charset="0"/>
+              </a:rPr>
+              <a:t>ct_impl {</a:t>
+            </a:r>
+            <a:r>
+              <a:rPr lang="ru-RU" smtClean="0">
+                <a:latin typeface="Consolas" panose="020B0609020204030204" pitchFamily="49" charset="0"/>
+              </a:rPr>
+              <a:t/>
+            </a:r>
+            <a:br>
+              <a:rPr lang="ru-RU" smtClean="0">
+                <a:latin typeface="Consolas" panose="020B0609020204030204" pitchFamily="49" charset="0"/>
+              </a:rPr>
+            </a:br>
+            <a:r>
+              <a:rPr lang="en-US" smtClean="0">
+                <a:latin typeface="Consolas" panose="020B0609020204030204" pitchFamily="49" charset="0"/>
+              </a:rPr>
+              <a:t>    </a:t>
+            </a:r>
+            <a:r>
+              <a:rPr lang="en-US">
+                <a:latin typeface="Consolas" panose="020B0609020204030204" pitchFamily="49" charset="0"/>
+              </a:rPr>
+              <a:t>typedef decay_t &lt; decltype(true </a:t>
+            </a:r>
+            <a:r>
+              <a:rPr lang="en-US">
+                <a:latin typeface="Consolas" panose="020B0609020204030204" pitchFamily="49" charset="0"/>
+              </a:rPr>
+              <a:t>? </a:t>
+            </a:r>
+            <a:r>
+              <a:rPr lang="en-US" smtClean="0">
+                <a:latin typeface="Consolas" panose="020B0609020204030204" pitchFamily="49" charset="0"/>
+              </a:rPr>
+              <a:t>T() </a:t>
+            </a:r>
+            <a:r>
+              <a:rPr lang="en-US">
+                <a:latin typeface="Consolas" panose="020B0609020204030204" pitchFamily="49" charset="0"/>
+              </a:rPr>
+              <a:t>: </a:t>
+            </a:r>
+            <a:r>
+              <a:rPr lang="en-US" smtClean="0">
+                <a:latin typeface="Consolas" panose="020B0609020204030204" pitchFamily="49" charset="0"/>
+              </a:rPr>
+              <a:t>U()) </a:t>
+            </a:r>
+            <a:r>
+              <a:rPr lang="en-US">
+                <a:latin typeface="Consolas" panose="020B0609020204030204" pitchFamily="49" charset="0"/>
+              </a:rPr>
+              <a:t>&gt; </a:t>
+            </a:r>
+            <a:r>
+              <a:rPr lang="en-US">
+                <a:latin typeface="Consolas" panose="020B0609020204030204" pitchFamily="49" charset="0"/>
+              </a:rPr>
+              <a:t>type</a:t>
+            </a:r>
+            <a:r>
+              <a:rPr lang="en-US" smtClean="0">
+                <a:latin typeface="Consolas" panose="020B0609020204030204" pitchFamily="49" charset="0"/>
+              </a:rPr>
+              <a:t>;</a:t>
+            </a:r>
+            <a:r>
+              <a:rPr lang="ru-RU" smtClean="0">
+                <a:latin typeface="Consolas" panose="020B0609020204030204" pitchFamily="49" charset="0"/>
+              </a:rPr>
+              <a:t/>
+            </a:r>
+            <a:br>
+              <a:rPr lang="ru-RU" smtClean="0">
+                <a:latin typeface="Consolas" panose="020B0609020204030204" pitchFamily="49" charset="0"/>
+              </a:rPr>
+            </a:br>
+            <a:r>
+              <a:rPr lang="en-US" smtClean="0">
+                <a:latin typeface="Consolas" panose="020B0609020204030204" pitchFamily="49" charset="0"/>
+              </a:rPr>
+              <a:t>};</a:t>
+            </a:r>
+            <a:r>
+              <a:rPr lang="ru-RU" smtClean="0">
+                <a:latin typeface="Consolas" panose="020B0609020204030204" pitchFamily="49" charset="0"/>
+              </a:rPr>
+              <a:t> </a:t>
+            </a:r>
+            <a:r>
+              <a:rPr lang="en-US" smtClean="0">
+                <a:solidFill>
+                  <a:srgbClr val="0000FF"/>
+                </a:solidFill>
+                <a:latin typeface="Consolas" panose="020B0609020204030204" pitchFamily="49" charset="0"/>
+              </a:rPr>
+              <a:t>// </a:t>
+            </a:r>
+            <a:r>
+              <a:rPr lang="ru-RU" smtClean="0">
+                <a:solidFill>
+                  <a:srgbClr val="0000FF"/>
+                </a:solidFill>
+                <a:latin typeface="Consolas" panose="020B0609020204030204" pitchFamily="49" charset="0"/>
+              </a:rPr>
+              <a:t>мы можем лучше</a:t>
+            </a:r>
+            <a:endParaRPr lang="en-US">
+              <a:solidFill>
+                <a:srgbClr val="0000FF"/>
+              </a:solidFill>
+              <a:latin typeface="Consolas" panose="020B0609020204030204" pitchFamily="49" charset="0"/>
+            </a:endParaRPr>
+          </a:p>
+        </p:txBody>
+      </p:sp>
+    </p:spTree>
+    <p:extLst>
+      <p:ext uri="{BB962C8B-B14F-4D97-AF65-F5344CB8AC3E}">
+        <p14:creationId xmlns:p14="http://schemas.microsoft.com/office/powerpoint/2010/main" val="339314939"/>
+      </p:ext>
+    </p:extLst>
+  </p:cSld>
+  <p:clrMapOvr>
+    <a:masterClrMapping/>
+  </p:clrMapOvr>
+</p:sld>
+</file>
+
+<file path=ppt/slides/slide41.xml><?xml version="1.0" encoding="utf-8"?>
+<p:sld xmlns:a="http://schemas.openxmlformats.org/drawingml/2006/main" xmlns:r="http://schemas.openxmlformats.org/officeDocument/2006/relationships" xmlns:p="http://schemas.openxmlformats.org/presentationml/2006/main">
+  <p:cSld>
+    <p:spTree>
+      <p:nvGrpSpPr>
+        <p:cNvPr id="1" name=""/>
+        <p:cNvGrpSpPr/>
+        <p:nvPr/>
+      </p:nvGrpSpPr>
+      <p:grpSpPr>
+        <a:xfrm>
+          <a:off x="0" y="0"/>
+          <a:ext cx="0" cy="0"/>
+          <a:chOff x="0" y="0"/>
+          <a:chExt cx="0" cy="0"/>
+        </a:xfrm>
+      </p:grpSpPr>
+      <p:sp>
+        <p:nvSpPr>
+          <p:cNvPr id="2" name="Title 1"/>
+          <p:cNvSpPr>
+            <a:spLocks noGrp="1"/>
+          </p:cNvSpPr>
+          <p:nvPr>
+            <p:ph type="title"/>
+          </p:nvPr>
+        </p:nvSpPr>
+        <p:spPr/>
+        <p:txBody>
+          <a:bodyPr/>
+          <a:lstStyle/>
+          <a:p>
+            <a:r>
+              <a:rPr lang="ru-RU" smtClean="0"/>
+              <a:t>Обсуждение</a:t>
+            </a:r>
+            <a:endParaRPr lang="en-US"/>
+          </a:p>
+        </p:txBody>
+      </p:sp>
+      <p:sp>
+        <p:nvSpPr>
+          <p:cNvPr id="3" name="Content Placeholder 2"/>
+          <p:cNvSpPr>
+            <a:spLocks noGrp="1"/>
+          </p:cNvSpPr>
+          <p:nvPr>
+            <p:ph idx="1"/>
+          </p:nvPr>
+        </p:nvSpPr>
+        <p:spPr/>
+        <p:txBody>
+          <a:bodyPr/>
+          <a:lstStyle/>
+          <a:p>
+            <a:r>
+              <a:rPr lang="ru-RU" smtClean="0"/>
+              <a:t>На прошлом слайде использовался тернарный оператор. Как вы относитесь к такому предложению</a:t>
+            </a:r>
+          </a:p>
+          <a:p>
+            <a:pPr marL="45720" indent="0">
+              <a:buNone/>
+            </a:pPr>
+            <a:r>
+              <a:rPr lang="en-US">
+                <a:latin typeface="Consolas" panose="020B0609020204030204" pitchFamily="49" charset="0"/>
+              </a:rPr>
+              <a:t>template &lt;class T, class U&gt; struct ct_impl {</a:t>
+            </a:r>
+            <a:r>
+              <a:rPr lang="ru-RU">
+                <a:latin typeface="Consolas" panose="020B0609020204030204" pitchFamily="49" charset="0"/>
+              </a:rPr>
+              <a:t/>
+            </a:r>
+            <a:br>
+              <a:rPr lang="ru-RU">
+                <a:latin typeface="Consolas" panose="020B0609020204030204" pitchFamily="49" charset="0"/>
+              </a:rPr>
+            </a:br>
+            <a:r>
+              <a:rPr lang="en-US">
+                <a:latin typeface="Consolas" panose="020B0609020204030204" pitchFamily="49" charset="0"/>
+              </a:rPr>
+              <a:t>    typedef decay_t </a:t>
+            </a:r>
+            <a:r>
+              <a:rPr lang="en-US">
+                <a:latin typeface="Consolas" panose="020B0609020204030204" pitchFamily="49" charset="0"/>
+              </a:rPr>
+              <a:t>&lt; </a:t>
+            </a:r>
+            <a:r>
+              <a:rPr lang="en-US" smtClean="0">
+                <a:latin typeface="Consolas" panose="020B0609020204030204" pitchFamily="49" charset="0"/>
+              </a:rPr>
+              <a:t>decltype(T</a:t>
+            </a:r>
+            <a:r>
+              <a:rPr lang="en-US">
+                <a:latin typeface="Consolas" panose="020B0609020204030204" pitchFamily="49" charset="0"/>
+              </a:rPr>
+              <a:t>() </a:t>
+            </a:r>
+            <a:r>
+              <a:rPr lang="en-US" smtClean="0">
+                <a:latin typeface="Consolas" panose="020B0609020204030204" pitchFamily="49" charset="0"/>
+              </a:rPr>
+              <a:t>* </a:t>
+            </a:r>
+            <a:r>
+              <a:rPr lang="en-US">
+                <a:latin typeface="Consolas" panose="020B0609020204030204" pitchFamily="49" charset="0"/>
+              </a:rPr>
+              <a:t>U()) &gt; type;</a:t>
+            </a:r>
+            <a:r>
+              <a:rPr lang="ru-RU">
+                <a:latin typeface="Consolas" panose="020B0609020204030204" pitchFamily="49" charset="0"/>
+              </a:rPr>
+              <a:t/>
+            </a:r>
+            <a:br>
+              <a:rPr lang="ru-RU">
+                <a:latin typeface="Consolas" panose="020B0609020204030204" pitchFamily="49" charset="0"/>
+              </a:rPr>
+            </a:br>
+            <a:r>
+              <a:rPr lang="en-US">
+                <a:latin typeface="Consolas" panose="020B0609020204030204" pitchFamily="49" charset="0"/>
+              </a:rPr>
+              <a:t>};</a:t>
+            </a:r>
+            <a:r>
+              <a:rPr lang="ru-RU">
+                <a:latin typeface="Consolas" panose="020B0609020204030204" pitchFamily="49" charset="0"/>
+              </a:rPr>
+              <a:t> </a:t>
+            </a:r>
+            <a:endParaRPr lang="en-US" smtClean="0">
+              <a:latin typeface="Consolas" panose="020B0609020204030204" pitchFamily="49" charset="0"/>
+            </a:endParaRPr>
+          </a:p>
+          <a:p>
+            <a:r>
+              <a:rPr lang="ru-RU" smtClean="0"/>
+              <a:t>Какую ещё арифметику тут можно придумать?</a:t>
+            </a:r>
+            <a:endParaRPr lang="en-US"/>
+          </a:p>
+        </p:txBody>
+      </p:sp>
+    </p:spTree>
+    <p:extLst>
+      <p:ext uri="{BB962C8B-B14F-4D97-AF65-F5344CB8AC3E}">
+        <p14:creationId xmlns:p14="http://schemas.microsoft.com/office/powerpoint/2010/main" val="1158408056"/>
+      </p:ext>
+    </p:extLst>
+  </p:cSld>
+  <p:clrMapOvr>
+    <a:masterClrMapping/>
+  </p:clrMapOvr>
+</p:sld>
+</file>
+
+<file path=ppt/slides/slide42.xml><?xml version="1.0" encoding="utf-8"?>
+<p:sld xmlns:a="http://schemas.openxmlformats.org/drawingml/2006/main" xmlns:r="http://schemas.openxmlformats.org/officeDocument/2006/relationships" xmlns:p="http://schemas.openxmlformats.org/presentationml/2006/main">
+  <p:cSld>
+    <p:spTree>
+      <p:nvGrpSpPr>
+        <p:cNvPr id="1" name=""/>
+        <p:cNvGrpSpPr/>
+        <p:nvPr/>
+      </p:nvGrpSpPr>
+      <p:grpSpPr>
+        <a:xfrm>
+          <a:off x="0" y="0"/>
+          <a:ext cx="0" cy="0"/>
+          <a:chOff x="0" y="0"/>
+          <a:chExt cx="0" cy="0"/>
+        </a:xfrm>
+      </p:grpSpPr>
+      <p:sp>
+        <p:nvSpPr>
+          <p:cNvPr id="3" name="Content Placeholder 2"/>
+          <p:cNvSpPr>
+            <a:spLocks noGrp="1"/>
+          </p:cNvSpPr>
+          <p:nvPr>
+            <p:ph idx="1"/>
+          </p:nvPr>
+        </p:nvSpPr>
+        <p:spPr>
+          <a:xfrm>
+            <a:off x="1143000" y="742122"/>
+            <a:ext cx="10408640" cy="5353878"/>
+          </a:xfrm>
+        </p:spPr>
+        <p:txBody>
+          <a:bodyPr>
+            <a:noAutofit/>
+          </a:bodyPr>
+          <a:lstStyle/>
+          <a:p>
+            <a:pPr>
+              <a:lnSpc>
+                <a:spcPct val="150000"/>
+              </a:lnSpc>
+              <a:buFont typeface="Wingdings" panose="05000000000000000000" pitchFamily="2" charset="2"/>
+              <a:buChar char="q"/>
+            </a:pPr>
+            <a:r>
+              <a:rPr lang="ru-RU" sz="4400" smtClean="0"/>
+              <a:t> Правила для шаблонов, </a:t>
+            </a:r>
+            <a:r>
+              <a:rPr lang="en-US" sz="4400" smtClean="0"/>
+              <a:t>auto </a:t>
+            </a:r>
+            <a:r>
+              <a:rPr lang="ru-RU" sz="4400" smtClean="0"/>
+              <a:t>и </a:t>
+            </a:r>
+            <a:r>
+              <a:rPr lang="en-US" sz="4400" smtClean="0"/>
+              <a:t>decltype</a:t>
+            </a:r>
+            <a:endParaRPr lang="ru-RU" sz="4400" smtClean="0"/>
+          </a:p>
+          <a:p>
+            <a:pPr>
+              <a:lnSpc>
+                <a:spcPct val="150000"/>
+              </a:lnSpc>
+              <a:buFont typeface="Wingdings" panose="05000000000000000000" pitchFamily="2" charset="2"/>
+              <a:buChar char="q"/>
+            </a:pPr>
+            <a:r>
+              <a:rPr lang="ru-RU" sz="4400" smtClean="0"/>
+              <a:t> Расширенный синтаксис функций</a:t>
+            </a:r>
+            <a:endParaRPr lang="en-US" sz="4400" smtClean="0"/>
+          </a:p>
+          <a:p>
+            <a:pPr>
+              <a:lnSpc>
+                <a:spcPct val="150000"/>
+              </a:lnSpc>
+              <a:buFont typeface="Wingdings" panose="05000000000000000000" pitchFamily="2" charset="2"/>
+              <a:buChar char="q"/>
+            </a:pPr>
+            <a:r>
+              <a:rPr lang="en-US" sz="4400"/>
+              <a:t> </a:t>
+            </a:r>
+            <a:r>
+              <a:rPr lang="ru-RU" sz="4400" smtClean="0"/>
+              <a:t>Деградация и минимальные типы</a:t>
+            </a:r>
+          </a:p>
+          <a:p>
+            <a:pPr>
+              <a:lnSpc>
+                <a:spcPct val="150000"/>
+              </a:lnSpc>
+              <a:buFont typeface="Wingdings" panose="05000000000000000000" pitchFamily="2" charset="2"/>
+              <a:buChar char="Ø"/>
+            </a:pPr>
+            <a:r>
+              <a:rPr lang="ru-RU" sz="4400" smtClean="0"/>
+              <a:t> Исследование выведенных типов</a:t>
+            </a:r>
+          </a:p>
+        </p:txBody>
+      </p:sp>
+    </p:spTree>
+    <p:extLst>
+      <p:ext uri="{BB962C8B-B14F-4D97-AF65-F5344CB8AC3E}">
+        <p14:creationId xmlns:p14="http://schemas.microsoft.com/office/powerpoint/2010/main" val="576514864"/>
+      </p:ext>
+    </p:extLst>
+  </p:cSld>
+  <p:clrMapOvr>
+    <a:masterClrMapping/>
+  </p:clrMapOvr>
+</p:sld>
+</file>
+
+<file path=ppt/slides/slide43.xml><?xml version="1.0" encoding="utf-8"?>
+<p:sld xmlns:a="http://schemas.openxmlformats.org/drawingml/2006/main" xmlns:r="http://schemas.openxmlformats.org/officeDocument/2006/relationships" xmlns:p="http://schemas.openxmlformats.org/presentationml/2006/main">
+  <p:cSld>
+    <p:spTree>
+      <p:nvGrpSpPr>
+        <p:cNvPr id="1" name=""/>
+        <p:cNvGrpSpPr/>
+        <p:nvPr/>
+      </p:nvGrpSpPr>
+      <p:grpSpPr>
+        <a:xfrm>
+          <a:off x="0" y="0"/>
+          <a:ext cx="0" cy="0"/>
+          <a:chOff x="0" y="0"/>
+          <a:chExt cx="0" cy="0"/>
+        </a:xfrm>
+      </p:grpSpPr>
+      <p:sp>
+        <p:nvSpPr>
+          <p:cNvPr id="2" name="Title 1"/>
+          <p:cNvSpPr>
+            <a:spLocks noGrp="1"/>
+          </p:cNvSpPr>
+          <p:nvPr>
+            <p:ph type="title"/>
+          </p:nvPr>
+        </p:nvSpPr>
+        <p:spPr/>
+        <p:txBody>
+          <a:bodyPr/>
+          <a:lstStyle/>
+          <a:p>
+            <a:r>
+              <a:rPr lang="ru-RU" smtClean="0"/>
+              <a:t>Плохой вариант</a:t>
+            </a:r>
+            <a:r>
+              <a:rPr lang="en-US" smtClean="0"/>
+              <a:t>: RTTI</a:t>
+            </a:r>
+            <a:endParaRPr lang="en-US"/>
+          </a:p>
+        </p:txBody>
+      </p:sp>
+      <p:sp>
+        <p:nvSpPr>
+          <p:cNvPr id="3" name="Content Placeholder 2"/>
+          <p:cNvSpPr>
+            <a:spLocks noGrp="1"/>
+          </p:cNvSpPr>
+          <p:nvPr>
+            <p:ph idx="1"/>
+          </p:nvPr>
+        </p:nvSpPr>
+        <p:spPr/>
+        <p:txBody>
+          <a:bodyPr/>
+          <a:lstStyle/>
+          <a:p>
+            <a:r>
+              <a:rPr lang="ru-RU" smtClean="0"/>
+              <a:t>Каждый раз, когда ставится задача посмотреть выведенный тип, хочется использовать </a:t>
+            </a:r>
+            <a:r>
+              <a:rPr lang="en-US" smtClean="0"/>
+              <a:t>RTTI </a:t>
+            </a:r>
+            <a:r>
+              <a:rPr lang="ru-RU" smtClean="0"/>
+              <a:t>как-то так:</a:t>
+            </a:r>
+            <a:endParaRPr lang="en-US" smtClean="0"/>
+          </a:p>
+          <a:p>
+            <a:pPr marL="45720" indent="0">
+              <a:buNone/>
+            </a:pPr>
+            <a:r>
+              <a:rPr lang="en-US">
+                <a:latin typeface="Consolas" panose="020B0609020204030204" pitchFamily="49" charset="0"/>
+              </a:rPr>
+              <a:t>template &lt;typename T&gt;</a:t>
+            </a:r>
+            <a:r>
+              <a:rPr lang="ru-RU">
+                <a:latin typeface="Consolas" panose="020B0609020204030204" pitchFamily="49" charset="0"/>
+              </a:rPr>
+              <a:t> </a:t>
+            </a:r>
+            <a:r>
+              <a:rPr lang="en-US">
+                <a:latin typeface="Consolas" panose="020B0609020204030204" pitchFamily="49" charset="0"/>
+              </a:rPr>
+              <a:t>void foo (T *const &amp; t</a:t>
+            </a:r>
+            <a:r>
+              <a:rPr lang="en-US">
+                <a:latin typeface="Consolas" panose="020B0609020204030204" pitchFamily="49" charset="0"/>
+              </a:rPr>
+              <a:t>) </a:t>
+            </a:r>
+            <a:r>
+              <a:rPr lang="en-US" smtClean="0">
+                <a:latin typeface="Consolas" panose="020B0609020204030204" pitchFamily="49" charset="0"/>
+              </a:rPr>
+              <a:t>{</a:t>
+            </a:r>
+            <a:br>
+              <a:rPr lang="en-US" smtClean="0">
+                <a:latin typeface="Consolas" panose="020B0609020204030204" pitchFamily="49" charset="0"/>
+              </a:rPr>
+            </a:br>
+            <a:r>
+              <a:rPr lang="en-US" smtClean="0">
+                <a:latin typeface="Consolas" panose="020B0609020204030204" pitchFamily="49" charset="0"/>
+              </a:rPr>
+              <a:t>  </a:t>
+            </a:r>
+            <a:r>
+              <a:rPr lang="en-US">
+                <a:latin typeface="Consolas" panose="020B0609020204030204" pitchFamily="49" charset="0"/>
+              </a:rPr>
+              <a:t>cout &lt;&lt; typeid(t).name() &lt;&lt; endl</a:t>
+            </a:r>
+            <a:r>
+              <a:rPr lang="en-US">
+                <a:latin typeface="Consolas" panose="020B0609020204030204" pitchFamily="49" charset="0"/>
+              </a:rPr>
+              <a:t>;</a:t>
+            </a:r>
+            <a:r>
+              <a:rPr lang="en-US">
+                <a:latin typeface="Consolas" panose="020B0609020204030204" pitchFamily="49" charset="0"/>
+              </a:rPr>
+              <a:t> </a:t>
+            </a:r>
+            <a:r>
+              <a:rPr lang="ru-RU">
+                <a:latin typeface="Consolas" panose="020B0609020204030204" pitchFamily="49" charset="0"/>
+              </a:rPr>
+              <a:t/>
+            </a:r>
+            <a:br>
+              <a:rPr lang="ru-RU">
+                <a:latin typeface="Consolas" panose="020B0609020204030204" pitchFamily="49" charset="0"/>
+              </a:rPr>
+            </a:br>
+            <a:r>
+              <a:rPr lang="en-US" smtClean="0">
+                <a:latin typeface="Consolas" panose="020B0609020204030204" pitchFamily="49" charset="0"/>
+              </a:rPr>
+              <a:t>}</a:t>
+            </a:r>
+          </a:p>
+          <a:p>
+            <a:pPr marL="45720" indent="0">
+              <a:buNone/>
+            </a:pPr>
+            <a:r>
+              <a:rPr lang="en-US" smtClean="0">
+                <a:latin typeface="Consolas" panose="020B0609020204030204" pitchFamily="49" charset="0"/>
+              </a:rPr>
+              <a:t>int x = 42;</a:t>
+            </a:r>
+          </a:p>
+          <a:p>
+            <a:pPr marL="45720" indent="0">
+              <a:buNone/>
+            </a:pPr>
+            <a:r>
+              <a:rPr lang="en-US" smtClean="0">
+                <a:latin typeface="Consolas" panose="020B0609020204030204" pitchFamily="49" charset="0"/>
+              </a:rPr>
+              <a:t>foo(&amp;x); // </a:t>
+            </a:r>
+            <a:r>
+              <a:rPr lang="ru-RU" smtClean="0">
+                <a:latin typeface="Consolas" panose="020B0609020204030204" pitchFamily="49" charset="0"/>
+              </a:rPr>
+              <a:t>на экране: </a:t>
+            </a:r>
+            <a:r>
+              <a:rPr lang="en-US" smtClean="0">
+                <a:latin typeface="Consolas" panose="020B0609020204030204" pitchFamily="49" charset="0"/>
+              </a:rPr>
+              <a:t>int * const</a:t>
+            </a:r>
+            <a:endParaRPr lang="en-US" smtClean="0"/>
+          </a:p>
+          <a:p>
+            <a:r>
+              <a:rPr lang="ru-RU" smtClean="0"/>
+              <a:t>Это очень плохо, так как тут вам врут.</a:t>
+            </a:r>
+            <a:r>
+              <a:rPr lang="en-US" smtClean="0"/>
+              <a:t> </a:t>
+            </a:r>
+            <a:r>
+              <a:rPr lang="ru-RU" smtClean="0"/>
+              <a:t>Увы, тут вам обязаны врать, так как до вызова </a:t>
+            </a:r>
+            <a:r>
+              <a:rPr lang="en-US" smtClean="0"/>
+              <a:t>operator&lt;&lt; </a:t>
+            </a:r>
+            <a:r>
+              <a:rPr lang="ru-RU" smtClean="0"/>
+              <a:t>его аргумент деградирует (лишаясь в том числе аннотации ссылкой).</a:t>
+            </a:r>
+            <a:endParaRPr lang="en-US"/>
+          </a:p>
+        </p:txBody>
+      </p:sp>
+    </p:spTree>
+    <p:extLst>
+      <p:ext uri="{BB962C8B-B14F-4D97-AF65-F5344CB8AC3E}">
+        <p14:creationId xmlns:p14="http://schemas.microsoft.com/office/powerpoint/2010/main" val="191517368"/>
+      </p:ext>
+    </p:extLst>
+  </p:cSld>
+  <p:clrMapOvr>
+    <a:masterClrMapping/>
+  </p:clrMapOvr>
+</p:sld>
+</file>
+
+<file path=ppt/slides/slide44.xml><?xml version="1.0" encoding="utf-8"?>
+<p:sld xmlns:a="http://schemas.openxmlformats.org/drawingml/2006/main" xmlns:r="http://schemas.openxmlformats.org/officeDocument/2006/relationships" xmlns:p="http://schemas.openxmlformats.org/presentationml/2006/main">
+  <p:cSld>
+    <p:spTree>
+      <p:nvGrpSpPr>
+        <p:cNvPr id="1" name=""/>
+        <p:cNvGrpSpPr/>
+        <p:nvPr/>
+      </p:nvGrpSpPr>
+      <p:grpSpPr>
+        <a:xfrm>
+          <a:off x="0" y="0"/>
+          <a:ext cx="0" cy="0"/>
+          <a:chOff x="0" y="0"/>
+          <a:chExt cx="0" cy="0"/>
+        </a:xfrm>
+      </p:grpSpPr>
+      <p:sp>
+        <p:nvSpPr>
+          <p:cNvPr id="2" name="Title 1"/>
+          <p:cNvSpPr>
+            <a:spLocks noGrp="1"/>
+          </p:cNvSpPr>
+          <p:nvPr>
+            <p:ph type="title"/>
+          </p:nvPr>
+        </p:nvSpPr>
+        <p:spPr/>
+        <p:txBody>
+          <a:bodyPr/>
+          <a:lstStyle/>
+          <a:p>
+            <a:r>
+              <a:rPr lang="ru-RU" smtClean="0"/>
+              <a:t>Простейший случай: ошибки линкера</a:t>
+            </a:r>
+            <a:endParaRPr lang="en-US"/>
+          </a:p>
+        </p:txBody>
+      </p:sp>
+      <p:sp>
+        <p:nvSpPr>
+          <p:cNvPr id="3" name="Content Placeholder 2"/>
+          <p:cNvSpPr>
+            <a:spLocks noGrp="1"/>
+          </p:cNvSpPr>
+          <p:nvPr>
+            <p:ph idx="1"/>
+          </p:nvPr>
+        </p:nvSpPr>
+        <p:spPr>
+          <a:xfrm>
+            <a:off x="1143000" y="2057400"/>
+            <a:ext cx="10414686" cy="4038600"/>
+          </a:xfrm>
+        </p:spPr>
+        <p:txBody>
+          <a:bodyPr/>
+          <a:lstStyle/>
+          <a:p>
+            <a:r>
+              <a:rPr lang="ru-RU" smtClean="0"/>
+              <a:t>На этапе компоновки каждая использованная функция должна быть определена. Этим можно воспользоваться чтобы оставить функцию не определённой и спровоцировать ошибку.</a:t>
+            </a:r>
+          </a:p>
+          <a:p>
+            <a:pPr marL="45720" indent="0">
+              <a:buNone/>
+            </a:pPr>
+            <a:r>
+              <a:rPr lang="en-US" smtClean="0">
+                <a:latin typeface="Consolas" panose="020B0609020204030204" pitchFamily="49" charset="0"/>
+              </a:rPr>
+              <a:t>template&lt;typename </a:t>
+            </a:r>
+            <a:r>
+              <a:rPr lang="en-US">
+                <a:latin typeface="Consolas" panose="020B0609020204030204" pitchFamily="49" charset="0"/>
+              </a:rPr>
+              <a:t>T&gt; void foo (T *const &amp; t);</a:t>
+            </a:r>
+          </a:p>
+          <a:p>
+            <a:pPr marL="45720" indent="0">
+              <a:buNone/>
+            </a:pPr>
+            <a:r>
+              <a:rPr lang="en-US" smtClean="0">
+                <a:latin typeface="Consolas" panose="020B0609020204030204" pitchFamily="49" charset="0"/>
+              </a:rPr>
+              <a:t>int </a:t>
+            </a:r>
+            <a:r>
+              <a:rPr lang="en-US">
+                <a:latin typeface="Consolas" panose="020B0609020204030204" pitchFamily="49" charset="0"/>
+              </a:rPr>
+              <a:t>x </a:t>
+            </a:r>
+            <a:r>
+              <a:rPr lang="en-US">
+                <a:latin typeface="Consolas" panose="020B0609020204030204" pitchFamily="49" charset="0"/>
+              </a:rPr>
+              <a:t>= </a:t>
+            </a:r>
+            <a:r>
+              <a:rPr lang="en-US" smtClean="0">
+                <a:latin typeface="Consolas" panose="020B0609020204030204" pitchFamily="49" charset="0"/>
+              </a:rPr>
+              <a:t>42;</a:t>
+            </a:r>
+            <a:endParaRPr lang="ru-RU">
+              <a:latin typeface="Consolas" panose="020B0609020204030204" pitchFamily="49" charset="0"/>
+            </a:endParaRPr>
+          </a:p>
+          <a:p>
+            <a:pPr marL="45720" indent="0">
+              <a:buNone/>
+            </a:pPr>
+            <a:r>
+              <a:rPr lang="en-US" smtClean="0">
+                <a:latin typeface="Consolas" panose="020B0609020204030204" pitchFamily="49" charset="0"/>
+              </a:rPr>
+              <a:t>foo </a:t>
+            </a:r>
+            <a:r>
+              <a:rPr lang="en-US">
+                <a:latin typeface="Consolas" panose="020B0609020204030204" pitchFamily="49" charset="0"/>
+              </a:rPr>
+              <a:t>(&amp;</a:t>
+            </a:r>
+            <a:r>
+              <a:rPr lang="en-US">
+                <a:latin typeface="Consolas" panose="020B0609020204030204" pitchFamily="49" charset="0"/>
+              </a:rPr>
+              <a:t>x</a:t>
+            </a:r>
+            <a:r>
+              <a:rPr lang="en-US" smtClean="0">
+                <a:latin typeface="Consolas" panose="020B0609020204030204" pitchFamily="49" charset="0"/>
+              </a:rPr>
+              <a:t>);</a:t>
+            </a:r>
+            <a:r>
+              <a:rPr lang="ru-RU" smtClean="0">
+                <a:latin typeface="Consolas" panose="020B0609020204030204" pitchFamily="49" charset="0"/>
+              </a:rPr>
+              <a:t> </a:t>
+            </a:r>
+            <a:r>
+              <a:rPr lang="en-US">
+                <a:solidFill>
+                  <a:srgbClr val="FF0000"/>
+                </a:solidFill>
+                <a:latin typeface="Consolas" panose="020B0609020204030204" pitchFamily="49" charset="0"/>
+              </a:rPr>
+              <a:t>//</a:t>
+            </a:r>
+            <a:r>
+              <a:rPr lang="en-US">
+                <a:solidFill>
+                  <a:srgbClr val="FF0000"/>
+                </a:solidFill>
+              </a:rPr>
+              <a:t> </a:t>
+            </a:r>
+            <a:r>
+              <a:rPr lang="en-US" smtClean="0">
+                <a:solidFill>
+                  <a:srgbClr val="FF0000"/>
+                </a:solidFill>
+              </a:rPr>
+              <a:t>error: undefined </a:t>
+            </a:r>
+            <a:r>
+              <a:rPr lang="en-US">
+                <a:solidFill>
+                  <a:srgbClr val="FF0000"/>
+                </a:solidFill>
+              </a:rPr>
+              <a:t>reference to `void foo&lt;int&gt;(int* </a:t>
+            </a:r>
+            <a:r>
+              <a:rPr lang="en-US">
+                <a:solidFill>
+                  <a:srgbClr val="FF0000"/>
+                </a:solidFill>
+              </a:rPr>
+              <a:t>const</a:t>
+            </a:r>
+            <a:r>
+              <a:rPr lang="en-US" smtClean="0">
+                <a:solidFill>
+                  <a:srgbClr val="FF0000"/>
+                </a:solidFill>
+              </a:rPr>
+              <a:t>&amp;)'</a:t>
+            </a:r>
+            <a:endParaRPr lang="ru-RU"/>
+          </a:p>
+          <a:p>
+            <a:r>
+              <a:rPr lang="ru-RU" smtClean="0"/>
+              <a:t>Поскольку определения для </a:t>
+            </a:r>
+            <a:r>
+              <a:rPr lang="en-US" smtClean="0"/>
+              <a:t>foo </a:t>
+            </a:r>
+            <a:r>
+              <a:rPr lang="ru-RU" smtClean="0"/>
+              <a:t>не было предоставлено, линкер выдаст ошибку, но при этом сообщит тип функции, которую не может найти.</a:t>
+            </a:r>
+          </a:p>
+          <a:p>
+            <a:r>
+              <a:rPr lang="ru-RU" smtClean="0"/>
+              <a:t>Проблемы с этим подходом?</a:t>
+            </a:r>
+            <a:endParaRPr lang="en-US"/>
+          </a:p>
+        </p:txBody>
+      </p:sp>
+    </p:spTree>
+    <p:extLst>
+      <p:ext uri="{BB962C8B-B14F-4D97-AF65-F5344CB8AC3E}">
+        <p14:creationId xmlns:p14="http://schemas.microsoft.com/office/powerpoint/2010/main" val="411392932"/>
+      </p:ext>
+    </p:extLst>
+  </p:cSld>
+  <p:clrMapOvr>
+    <a:masterClrMapping/>
+  </p:clrMapOvr>
+</p:sld>
+</file>
+
+<file path=ppt/slides/slide45.xml><?xml version="1.0" encoding="utf-8"?>
+<p:sld xmlns:a="http://schemas.openxmlformats.org/drawingml/2006/main" xmlns:r="http://schemas.openxmlformats.org/officeDocument/2006/relationships" xmlns:p="http://schemas.openxmlformats.org/presentationml/2006/main">
+  <p:cSld>
+    <p:spTree>
+      <p:nvGrpSpPr>
+        <p:cNvPr id="1" name=""/>
+        <p:cNvGrpSpPr/>
+        <p:nvPr/>
+      </p:nvGrpSpPr>
+      <p:grpSpPr>
+        <a:xfrm>
+          <a:off x="0" y="0"/>
+          <a:ext cx="0" cy="0"/>
+          <a:chOff x="0" y="0"/>
+          <a:chExt cx="0" cy="0"/>
+        </a:xfrm>
+      </p:grpSpPr>
+      <p:sp>
+        <p:nvSpPr>
+          <p:cNvPr id="2" name="Title 1"/>
+          <p:cNvSpPr>
+            <a:spLocks noGrp="1"/>
+          </p:cNvSpPr>
+          <p:nvPr>
+            <p:ph type="title"/>
+          </p:nvPr>
+        </p:nvSpPr>
+        <p:spPr/>
+        <p:txBody>
+          <a:bodyPr/>
+          <a:lstStyle/>
+          <a:p>
+            <a:r>
+              <a:rPr lang="ru-RU" smtClean="0"/>
+              <a:t>Вариант сложнее: неполные типы</a:t>
+            </a:r>
+            <a:endParaRPr lang="en-US"/>
+          </a:p>
+        </p:txBody>
+      </p:sp>
+      <p:sp>
+        <p:nvSpPr>
+          <p:cNvPr id="3" name="Content Placeholder 2"/>
+          <p:cNvSpPr>
+            <a:spLocks noGrp="1"/>
+          </p:cNvSpPr>
+          <p:nvPr>
+            <p:ph idx="1"/>
+          </p:nvPr>
+        </p:nvSpPr>
+        <p:spPr>
+          <a:xfrm>
+            <a:off x="1143000" y="2057399"/>
+            <a:ext cx="10447638" cy="4475205"/>
+          </a:xfrm>
+        </p:spPr>
+        <p:txBody>
+          <a:bodyPr/>
+          <a:lstStyle/>
+          <a:p>
+            <a:r>
+              <a:rPr lang="ru-RU" smtClean="0"/>
+              <a:t>На этапе трансляции каждый использованный тип должен быть полным.</a:t>
+            </a:r>
+          </a:p>
+          <a:p>
+            <a:pPr marL="45720" indent="0">
+              <a:buNone/>
+            </a:pPr>
+            <a:r>
+              <a:rPr lang="en-US">
+                <a:latin typeface="Consolas" panose="020B0609020204030204" pitchFamily="49" charset="0"/>
+              </a:rPr>
+              <a:t>// idea of Stephan T. Lavavej</a:t>
+            </a:r>
+          </a:p>
+          <a:p>
+            <a:pPr marL="45720" indent="0">
+              <a:buNone/>
+            </a:pPr>
+            <a:r>
+              <a:rPr lang="en-US">
+                <a:latin typeface="Consolas" panose="020B0609020204030204" pitchFamily="49" charset="0"/>
+              </a:rPr>
+              <a:t>template &lt;typename T&gt; struct TD;</a:t>
+            </a:r>
+          </a:p>
+          <a:p>
+            <a:pPr marL="45720" indent="0">
+              <a:buNone/>
+            </a:pPr>
+            <a:r>
+              <a:rPr lang="en-US">
+                <a:latin typeface="Consolas" panose="020B0609020204030204" pitchFamily="49" charset="0"/>
+              </a:rPr>
+              <a:t>template &lt;</a:t>
+            </a:r>
+            <a:r>
+              <a:rPr lang="en-US">
+                <a:latin typeface="Consolas" panose="020B0609020204030204" pitchFamily="49" charset="0"/>
+              </a:rPr>
+              <a:t>typename </a:t>
+            </a:r>
+            <a:r>
+              <a:rPr lang="en-US" smtClean="0">
+                <a:latin typeface="Consolas" panose="020B0609020204030204" pitchFamily="49" charset="0"/>
+              </a:rPr>
+              <a:t>T&gt;</a:t>
+            </a:r>
+            <a:r>
+              <a:rPr lang="ru-RU" smtClean="0">
+                <a:latin typeface="Consolas" panose="020B0609020204030204" pitchFamily="49" charset="0"/>
+              </a:rPr>
+              <a:t> </a:t>
+            </a:r>
+            <a:r>
+              <a:rPr lang="en-US" smtClean="0">
+                <a:latin typeface="Consolas" panose="020B0609020204030204" pitchFamily="49" charset="0"/>
+              </a:rPr>
+              <a:t>void </a:t>
+            </a:r>
+            <a:r>
+              <a:rPr lang="en-US">
+                <a:latin typeface="Consolas" panose="020B0609020204030204" pitchFamily="49" charset="0"/>
+              </a:rPr>
+              <a:t>foo (T *const &amp; t</a:t>
+            </a:r>
+            <a:r>
+              <a:rPr lang="en-US">
+                <a:latin typeface="Consolas" panose="020B0609020204030204" pitchFamily="49" charset="0"/>
+              </a:rPr>
+              <a:t>) </a:t>
+            </a:r>
+            <a:r>
+              <a:rPr lang="en-US" smtClean="0">
+                <a:latin typeface="Consolas" panose="020B0609020204030204" pitchFamily="49" charset="0"/>
+              </a:rPr>
+              <a:t>{</a:t>
+            </a:r>
+            <a:r>
+              <a:rPr lang="ru-RU" smtClean="0">
+                <a:latin typeface="Consolas" panose="020B0609020204030204" pitchFamily="49" charset="0"/>
+              </a:rPr>
+              <a:t/>
+            </a:r>
+            <a:br>
+              <a:rPr lang="ru-RU" smtClean="0">
+                <a:latin typeface="Consolas" panose="020B0609020204030204" pitchFamily="49" charset="0"/>
+              </a:rPr>
+            </a:br>
+            <a:r>
+              <a:rPr lang="ru-RU" smtClean="0">
+                <a:latin typeface="Consolas" panose="020B0609020204030204" pitchFamily="49" charset="0"/>
+              </a:rPr>
+              <a:t>  </a:t>
+            </a:r>
+            <a:r>
+              <a:rPr lang="en-US" smtClean="0">
+                <a:latin typeface="Consolas" panose="020B0609020204030204" pitchFamily="49" charset="0"/>
+              </a:rPr>
+              <a:t>TD&lt;T</a:t>
+            </a:r>
+            <a:r>
+              <a:rPr lang="en-US">
+                <a:latin typeface="Consolas" panose="020B0609020204030204" pitchFamily="49" charset="0"/>
+              </a:rPr>
+              <a:t>&gt; tType; </a:t>
+            </a:r>
+            <a:r>
+              <a:rPr lang="en-US">
+                <a:solidFill>
+                  <a:srgbClr val="FF0000"/>
+                </a:solidFill>
+                <a:latin typeface="Consolas" panose="020B0609020204030204" pitchFamily="49" charset="0"/>
+              </a:rPr>
+              <a:t>//</a:t>
+            </a:r>
+            <a:r>
+              <a:rPr lang="en-US">
+                <a:solidFill>
+                  <a:srgbClr val="FF0000"/>
+                </a:solidFill>
+              </a:rPr>
+              <a:t> </a:t>
+            </a:r>
+            <a:r>
+              <a:rPr lang="en-US" smtClean="0">
+                <a:solidFill>
+                  <a:srgbClr val="FF0000"/>
+                </a:solidFill>
+              </a:rPr>
+              <a:t>error: ‘TD&lt;int</a:t>
+            </a:r>
+            <a:r>
+              <a:rPr lang="en-US">
+                <a:solidFill>
+                  <a:srgbClr val="FF0000"/>
+                </a:solidFill>
+              </a:rPr>
+              <a:t>&gt; tType’ has </a:t>
+            </a:r>
+            <a:r>
+              <a:rPr lang="en-US">
+                <a:solidFill>
+                  <a:srgbClr val="FF0000"/>
+                </a:solidFill>
+              </a:rPr>
+              <a:t>incomplete </a:t>
+            </a:r>
+            <a:r>
+              <a:rPr lang="en-US" smtClean="0">
+                <a:solidFill>
+                  <a:srgbClr val="FF0000"/>
+                </a:solidFill>
+              </a:rPr>
+              <a:t>type</a:t>
+            </a:r>
+            <a:r>
+              <a:rPr lang="ru-RU" smtClean="0">
+                <a:solidFill>
+                  <a:srgbClr val="FF0000"/>
+                </a:solidFill>
+              </a:rPr>
+              <a:t/>
+            </a:r>
+            <a:br>
+              <a:rPr lang="ru-RU" smtClean="0">
+                <a:solidFill>
+                  <a:srgbClr val="FF0000"/>
+                </a:solidFill>
+              </a:rPr>
+            </a:br>
+            <a:r>
+              <a:rPr lang="ru-RU" smtClean="0">
+                <a:latin typeface="Consolas" panose="020B0609020204030204" pitchFamily="49" charset="0"/>
+              </a:rPr>
+              <a:t>  </a:t>
+            </a:r>
+            <a:r>
+              <a:rPr lang="en-US" smtClean="0">
+                <a:latin typeface="Consolas" panose="020B0609020204030204" pitchFamily="49" charset="0"/>
+              </a:rPr>
+              <a:t>TD&lt;t</a:t>
+            </a:r>
+            <a:r>
+              <a:rPr lang="en-US">
+                <a:latin typeface="Consolas" panose="020B0609020204030204" pitchFamily="49" charset="0"/>
+              </a:rPr>
+              <a:t>&gt; tParam</a:t>
+            </a:r>
+            <a:r>
+              <a:rPr lang="en-US">
+                <a:latin typeface="Consolas" panose="020B0609020204030204" pitchFamily="49" charset="0"/>
+              </a:rPr>
+              <a:t>; </a:t>
+            </a:r>
+            <a:r>
+              <a:rPr lang="en-US" smtClean="0">
+                <a:solidFill>
+                  <a:srgbClr val="FF0000"/>
+                </a:solidFill>
+                <a:latin typeface="Consolas" panose="020B0609020204030204" pitchFamily="49" charset="0"/>
+              </a:rPr>
+              <a:t>//</a:t>
+            </a:r>
+            <a:r>
+              <a:rPr lang="en-US" smtClean="0">
+                <a:solidFill>
+                  <a:srgbClr val="FF0000"/>
+                </a:solidFill>
+              </a:rPr>
+              <a:t> </a:t>
+            </a:r>
+            <a:r>
+              <a:rPr lang="en-US">
+                <a:solidFill>
+                  <a:srgbClr val="FF0000"/>
+                </a:solidFill>
+              </a:rPr>
+              <a:t>error</a:t>
+            </a:r>
+            <a:r>
+              <a:rPr lang="en-US">
+                <a:solidFill>
+                  <a:srgbClr val="FF0000"/>
+                </a:solidFill>
+              </a:rPr>
+              <a:t>: </a:t>
+            </a:r>
+            <a:r>
+              <a:rPr lang="en-US" smtClean="0">
+                <a:solidFill>
+                  <a:srgbClr val="FF0000"/>
+                </a:solidFill>
+              </a:rPr>
+              <a:t> ‘TD&lt;int</a:t>
+            </a:r>
+            <a:r>
+              <a:rPr lang="en-US">
+                <a:solidFill>
+                  <a:srgbClr val="FF0000"/>
+                </a:solidFill>
+              </a:rPr>
+              <a:t>* const&amp;&gt; tParam’ has </a:t>
+            </a:r>
+            <a:r>
+              <a:rPr lang="en-US">
+                <a:solidFill>
+                  <a:srgbClr val="FF0000"/>
+                </a:solidFill>
+              </a:rPr>
+              <a:t>incomplete </a:t>
+            </a:r>
+            <a:r>
+              <a:rPr lang="en-US" smtClean="0">
+                <a:solidFill>
+                  <a:srgbClr val="FF0000"/>
+                </a:solidFill>
+              </a:rPr>
+              <a:t>type</a:t>
+            </a:r>
+            <a:r>
+              <a:rPr lang="ru-RU" smtClean="0">
+                <a:solidFill>
+                  <a:srgbClr val="FF0000"/>
+                </a:solidFill>
+              </a:rPr>
+              <a:t/>
+            </a:r>
+            <a:br>
+              <a:rPr lang="ru-RU" smtClean="0">
+                <a:solidFill>
+                  <a:srgbClr val="FF0000"/>
+                </a:solidFill>
+              </a:rPr>
+            </a:br>
+            <a:r>
+              <a:rPr lang="en-US" smtClean="0">
+                <a:latin typeface="Consolas" panose="020B0609020204030204" pitchFamily="49" charset="0"/>
+              </a:rPr>
+              <a:t>}</a:t>
+            </a:r>
+            <a:endParaRPr lang="ru-RU" smtClean="0">
+              <a:latin typeface="Consolas" panose="020B0609020204030204" pitchFamily="49" charset="0"/>
+            </a:endParaRPr>
+          </a:p>
+          <a:p>
+            <a:pPr marL="45720" indent="0">
+              <a:buNone/>
+            </a:pPr>
+            <a:r>
+              <a:rPr lang="en-US" smtClean="0">
+                <a:latin typeface="Consolas" panose="020B0609020204030204" pitchFamily="49" charset="0"/>
+              </a:rPr>
+              <a:t>int x = 42;</a:t>
+            </a:r>
+            <a:br>
+              <a:rPr lang="en-US" smtClean="0">
+                <a:latin typeface="Consolas" panose="020B0609020204030204" pitchFamily="49" charset="0"/>
+              </a:rPr>
+            </a:br>
+            <a:r>
+              <a:rPr lang="en-US" smtClean="0">
+                <a:latin typeface="Consolas" panose="020B0609020204030204" pitchFamily="49" charset="0"/>
+              </a:rPr>
+              <a:t>foo </a:t>
+            </a:r>
+            <a:r>
+              <a:rPr lang="en-US">
+                <a:latin typeface="Consolas" panose="020B0609020204030204" pitchFamily="49" charset="0"/>
+              </a:rPr>
+              <a:t>(&amp;x);</a:t>
+            </a:r>
+            <a:endParaRPr lang="ru-RU">
+              <a:latin typeface="Consolas" panose="020B0609020204030204" pitchFamily="49" charset="0"/>
+            </a:endParaRPr>
+          </a:p>
+          <a:p>
+            <a:r>
+              <a:rPr lang="ru-RU" smtClean="0"/>
+              <a:t>Здесь тип</a:t>
+            </a:r>
+            <a:r>
+              <a:rPr lang="en-US" smtClean="0"/>
+              <a:t> TD </a:t>
+            </a:r>
+            <a:r>
+              <a:rPr lang="ru-RU" smtClean="0"/>
+              <a:t>намеренно оставлен неполным, что позволяет подсмотреть выведенный тип в ошибке компилятора</a:t>
+            </a:r>
+            <a:endParaRPr lang="en-US"/>
+          </a:p>
+        </p:txBody>
+      </p:sp>
+    </p:spTree>
+    <p:extLst>
+      <p:ext uri="{BB962C8B-B14F-4D97-AF65-F5344CB8AC3E}">
+        <p14:creationId xmlns:p14="http://schemas.microsoft.com/office/powerpoint/2010/main" val="3471348717"/>
+      </p:ext>
+    </p:extLst>
+  </p:cSld>
+  <p:clrMapOvr>
+    <a:masterClrMapping/>
+  </p:clrMapOvr>
+</p:sld>
+</file>
+
+<file path=ppt/slides/slide46.xml><?xml version="1.0" encoding="utf-8"?>
+<p:sld xmlns:a="http://schemas.openxmlformats.org/drawingml/2006/main" xmlns:r="http://schemas.openxmlformats.org/officeDocument/2006/relationships" xmlns:p="http://schemas.openxmlformats.org/presentationml/2006/main">
+  <p:cSld>
+    <p:spTree>
+      <p:nvGrpSpPr>
+        <p:cNvPr id="1" name=""/>
+        <p:cNvGrpSpPr/>
+        <p:nvPr/>
+      </p:nvGrpSpPr>
+      <p:grpSpPr>
+        <a:xfrm>
+          <a:off x="0" y="0"/>
+          <a:ext cx="0" cy="0"/>
+          <a:chOff x="0" y="0"/>
+          <a:chExt cx="0" cy="0"/>
+        </a:xfrm>
+      </p:grpSpPr>
+      <p:sp>
+        <p:nvSpPr>
+          <p:cNvPr id="2" name="Title 1"/>
+          <p:cNvSpPr>
+            <a:spLocks noGrp="1"/>
+          </p:cNvSpPr>
+          <p:nvPr>
+            <p:ph type="title"/>
+          </p:nvPr>
+        </p:nvSpPr>
+        <p:spPr/>
+        <p:txBody>
+          <a:bodyPr/>
+          <a:lstStyle/>
+          <a:p>
+            <a:r>
+              <a:rPr lang="ru-RU" smtClean="0"/>
+              <a:t>Вариант сложнее: неполные типы</a:t>
+            </a:r>
+            <a:endParaRPr lang="en-US"/>
+          </a:p>
+        </p:txBody>
+      </p:sp>
+      <p:sp>
+        <p:nvSpPr>
+          <p:cNvPr id="3" name="Content Placeholder 2"/>
+          <p:cNvSpPr>
+            <a:spLocks noGrp="1"/>
+          </p:cNvSpPr>
+          <p:nvPr>
+            <p:ph idx="1"/>
+          </p:nvPr>
+        </p:nvSpPr>
+        <p:spPr>
+          <a:xfrm>
+            <a:off x="1143000" y="2057399"/>
+            <a:ext cx="10447638" cy="4475205"/>
+          </a:xfrm>
+        </p:spPr>
+        <p:txBody>
+          <a:bodyPr/>
+          <a:lstStyle/>
+          <a:p>
+            <a:r>
+              <a:rPr lang="ru-RU" smtClean="0"/>
+              <a:t>На этапе трансляции каждый использованный тип должен быть полным.</a:t>
+            </a:r>
+          </a:p>
+          <a:p>
+            <a:pPr marL="45720" indent="0">
+              <a:buNone/>
+            </a:pPr>
+            <a:r>
+              <a:rPr lang="en-US">
+                <a:latin typeface="Consolas" panose="020B0609020204030204" pitchFamily="49" charset="0"/>
+              </a:rPr>
+              <a:t>// idea of Stephan T. Lavavej</a:t>
+            </a:r>
+          </a:p>
+          <a:p>
+            <a:pPr marL="45720" indent="0">
+              <a:buNone/>
+            </a:pPr>
+            <a:r>
+              <a:rPr lang="en-US">
+                <a:latin typeface="Consolas" panose="020B0609020204030204" pitchFamily="49" charset="0"/>
+              </a:rPr>
+              <a:t>template &lt;typename T&gt; struct TD;</a:t>
+            </a:r>
+          </a:p>
+          <a:p>
+            <a:pPr marL="45720" indent="0">
+              <a:buNone/>
+            </a:pPr>
+            <a:r>
+              <a:rPr lang="en-US" smtClean="0">
+                <a:latin typeface="Consolas" panose="020B0609020204030204" pitchFamily="49" charset="0"/>
+              </a:rPr>
+              <a:t>int x</a:t>
+            </a:r>
+            <a:r>
+              <a:rPr lang="ru-RU" smtClean="0">
+                <a:latin typeface="Consolas" panose="020B0609020204030204" pitchFamily="49" charset="0"/>
+              </a:rPr>
+              <a:t> = 42</a:t>
+            </a:r>
+            <a:r>
+              <a:rPr lang="en-US" smtClean="0">
+                <a:latin typeface="Consolas" panose="020B0609020204030204" pitchFamily="49" charset="0"/>
+              </a:rPr>
+              <a:t>;</a:t>
+            </a:r>
+            <a:r>
+              <a:rPr lang="ru-RU" smtClean="0">
+                <a:latin typeface="Consolas" panose="020B0609020204030204" pitchFamily="49" charset="0"/>
+              </a:rPr>
+              <a:t/>
+            </a:r>
+            <a:br>
+              <a:rPr lang="ru-RU" smtClean="0">
+                <a:latin typeface="Consolas" panose="020B0609020204030204" pitchFamily="49" charset="0"/>
+              </a:rPr>
+            </a:br>
+            <a:r>
+              <a:rPr lang="en-US" smtClean="0">
+                <a:latin typeface="Consolas" panose="020B0609020204030204" pitchFamily="49" charset="0"/>
+              </a:rPr>
+              <a:t>const </a:t>
+            </a:r>
+            <a:r>
+              <a:rPr lang="en-US">
+                <a:latin typeface="Consolas" panose="020B0609020204030204" pitchFamily="49" charset="0"/>
+              </a:rPr>
+              <a:t>int *z = </a:t>
+            </a:r>
+            <a:r>
+              <a:rPr lang="en-US">
+                <a:latin typeface="Consolas" panose="020B0609020204030204" pitchFamily="49" charset="0"/>
+              </a:rPr>
+              <a:t>&amp;</a:t>
+            </a:r>
+            <a:r>
+              <a:rPr lang="en-US" smtClean="0">
+                <a:latin typeface="Consolas" panose="020B0609020204030204" pitchFamily="49" charset="0"/>
+              </a:rPr>
+              <a:t>x;</a:t>
+            </a:r>
+            <a:r>
+              <a:rPr lang="ru-RU" smtClean="0">
+                <a:latin typeface="Consolas" panose="020B0609020204030204" pitchFamily="49" charset="0"/>
+              </a:rPr>
+              <a:t/>
+            </a:r>
+            <a:br>
+              <a:rPr lang="ru-RU" smtClean="0">
+                <a:latin typeface="Consolas" panose="020B0609020204030204" pitchFamily="49" charset="0"/>
+              </a:rPr>
+            </a:br>
+            <a:r>
+              <a:rPr lang="en-US" smtClean="0">
+                <a:latin typeface="Consolas" panose="020B0609020204030204" pitchFamily="49" charset="0"/>
+              </a:rPr>
+              <a:t>auto </a:t>
+            </a:r>
+            <a:r>
+              <a:rPr lang="en-US">
+                <a:latin typeface="Consolas" panose="020B0609020204030204" pitchFamily="49" charset="0"/>
+              </a:rPr>
+              <a:t>t </a:t>
+            </a:r>
+            <a:r>
+              <a:rPr lang="en-US">
+                <a:latin typeface="Consolas" panose="020B0609020204030204" pitchFamily="49" charset="0"/>
+              </a:rPr>
+              <a:t>= </a:t>
+            </a:r>
+            <a:r>
+              <a:rPr lang="en-US" smtClean="0">
+                <a:latin typeface="Consolas" panose="020B0609020204030204" pitchFamily="49" charset="0"/>
+              </a:rPr>
+              <a:t>z;</a:t>
+            </a:r>
+            <a:r>
+              <a:rPr lang="ru-RU" smtClean="0">
+                <a:latin typeface="Consolas" panose="020B0609020204030204" pitchFamily="49" charset="0"/>
+              </a:rPr>
+              <a:t/>
+            </a:r>
+            <a:br>
+              <a:rPr lang="ru-RU" smtClean="0">
+                <a:latin typeface="Consolas" panose="020B0609020204030204" pitchFamily="49" charset="0"/>
+              </a:rPr>
+            </a:br>
+            <a:r>
+              <a:rPr lang="en-US" smtClean="0">
+                <a:latin typeface="Consolas" panose="020B0609020204030204" pitchFamily="49" charset="0"/>
+              </a:rPr>
+              <a:t>TD&lt;decltype(t</a:t>
+            </a:r>
+            <a:r>
+              <a:rPr lang="en-US">
+                <a:latin typeface="Consolas" panose="020B0609020204030204" pitchFamily="49" charset="0"/>
+              </a:rPr>
+              <a:t>)&gt; </a:t>
+            </a:r>
+            <a:r>
+              <a:rPr lang="en-US">
+                <a:latin typeface="Consolas" panose="020B0609020204030204" pitchFamily="49" charset="0"/>
+              </a:rPr>
+              <a:t>tType</a:t>
+            </a:r>
+            <a:r>
+              <a:rPr lang="en-US" smtClean="0">
+                <a:latin typeface="Consolas" panose="020B0609020204030204" pitchFamily="49" charset="0"/>
+              </a:rPr>
+              <a:t>; //</a:t>
+            </a:r>
+            <a:r>
+              <a:rPr lang="en-US" smtClean="0">
+                <a:solidFill>
+                  <a:srgbClr val="FF0000"/>
+                </a:solidFill>
+                <a:latin typeface="Consolas" panose="020B0609020204030204" pitchFamily="49" charset="0"/>
+              </a:rPr>
+              <a:t> </a:t>
+            </a:r>
+            <a:r>
+              <a:rPr lang="en-US">
+                <a:solidFill>
+                  <a:srgbClr val="FF0000"/>
+                </a:solidFill>
+              </a:rPr>
+              <a:t>error</a:t>
+            </a:r>
+            <a:r>
+              <a:rPr lang="en-US">
+                <a:solidFill>
+                  <a:srgbClr val="FF0000"/>
+                </a:solidFill>
+              </a:rPr>
+              <a:t>: </a:t>
+            </a:r>
+            <a:r>
+              <a:rPr lang="en-US" smtClean="0">
+                <a:solidFill>
+                  <a:srgbClr val="FF0000"/>
+                </a:solidFill>
+              </a:rPr>
+              <a:t>‘</a:t>
+            </a:r>
+            <a:r>
+              <a:rPr lang="en-US">
+                <a:solidFill>
+                  <a:srgbClr val="FF0000"/>
+                </a:solidFill>
+              </a:rPr>
+              <a:t>TD&lt;const int</a:t>
+            </a:r>
+            <a:r>
+              <a:rPr lang="en-US">
+                <a:solidFill>
+                  <a:srgbClr val="FF0000"/>
+                </a:solidFill>
+              </a:rPr>
+              <a:t>*&gt; </a:t>
+            </a:r>
+            <a:r>
+              <a:rPr lang="en-US" smtClean="0">
+                <a:solidFill>
+                  <a:srgbClr val="FF0000"/>
+                </a:solidFill>
+              </a:rPr>
+              <a:t>tType’ has </a:t>
+            </a:r>
+            <a:r>
+              <a:rPr lang="en-US">
+                <a:solidFill>
+                  <a:srgbClr val="FF0000"/>
+                </a:solidFill>
+              </a:rPr>
+              <a:t>incomplete </a:t>
+            </a:r>
+            <a:r>
+              <a:rPr lang="en-US" smtClean="0">
+                <a:solidFill>
+                  <a:srgbClr val="FF0000"/>
+                </a:solidFill>
+              </a:rPr>
+              <a:t>type</a:t>
+            </a:r>
+            <a:endParaRPr lang="ru-RU">
+              <a:solidFill>
+                <a:srgbClr val="FF0000"/>
+              </a:solidFill>
+              <a:latin typeface="Consolas" panose="020B0609020204030204" pitchFamily="49" charset="0"/>
+            </a:endParaRPr>
+          </a:p>
+          <a:p>
+            <a:r>
+              <a:rPr lang="ru-RU" smtClean="0"/>
+              <a:t>Здесь тип</a:t>
+            </a:r>
+            <a:r>
+              <a:rPr lang="en-US" smtClean="0"/>
+              <a:t> TD </a:t>
+            </a:r>
+            <a:r>
+              <a:rPr lang="ru-RU" smtClean="0"/>
+              <a:t>намеренно оставлен неполным, что позволяет подсмотреть выведенный тип в ошибке компилятора</a:t>
+            </a:r>
+            <a:endParaRPr lang="en-US"/>
+          </a:p>
+        </p:txBody>
+      </p:sp>
+    </p:spTree>
+    <p:extLst>
+      <p:ext uri="{BB962C8B-B14F-4D97-AF65-F5344CB8AC3E}">
+        <p14:creationId xmlns:p14="http://schemas.microsoft.com/office/powerpoint/2010/main" val="3657976136"/>
+      </p:ext>
+    </p:extLst>
+  </p:cSld>
+  <p:clrMapOvr>
+    <a:masterClrMapping/>
+  </p:clrMapOvr>
+</p:sld>
+</file>
+
+<file path=ppt/slides/slide47.xml><?xml version="1.0" encoding="utf-8"?>
+<p:sld xmlns:a="http://schemas.openxmlformats.org/drawingml/2006/main" xmlns:r="http://schemas.openxmlformats.org/officeDocument/2006/relationships" xmlns:p="http://schemas.openxmlformats.org/presentationml/2006/main">
+  <p:cSld>
+    <p:spTree>
+      <p:nvGrpSpPr>
+        <p:cNvPr id="1" name=""/>
+        <p:cNvGrpSpPr/>
+        <p:nvPr/>
+      </p:nvGrpSpPr>
+      <p:grpSpPr>
+        <a:xfrm>
+          <a:off x="0" y="0"/>
+          <a:ext cx="0" cy="0"/>
+          <a:chOff x="0" y="0"/>
+          <a:chExt cx="0" cy="0"/>
+        </a:xfrm>
+      </p:grpSpPr>
+      <p:sp>
+        <p:nvSpPr>
+          <p:cNvPr id="2" name="Title 1"/>
+          <p:cNvSpPr>
+            <a:spLocks noGrp="1"/>
+          </p:cNvSpPr>
+          <p:nvPr>
+            <p:ph type="title"/>
+          </p:nvPr>
+        </p:nvSpPr>
+        <p:spPr/>
+        <p:txBody>
+          <a:bodyPr/>
+          <a:lstStyle/>
+          <a:p>
+            <a:r>
+              <a:rPr lang="ru-RU" smtClean="0"/>
+              <a:t>Обсуждение</a:t>
+            </a:r>
+            <a:endParaRPr lang="en-US"/>
+          </a:p>
+        </p:txBody>
+      </p:sp>
+      <p:sp>
+        <p:nvSpPr>
+          <p:cNvPr id="3" name="Content Placeholder 2"/>
+          <p:cNvSpPr>
+            <a:spLocks noGrp="1"/>
+          </p:cNvSpPr>
+          <p:nvPr>
+            <p:ph idx="1"/>
+          </p:nvPr>
+        </p:nvSpPr>
+        <p:spPr/>
+        <p:txBody>
+          <a:bodyPr/>
+          <a:lstStyle/>
+          <a:p>
+            <a:r>
+              <a:rPr lang="ru-RU" smtClean="0"/>
+              <a:t>Идея исследовать выведенные типы через ошибки компилятора и линкера выглядит всё-таки немножко безумной.</a:t>
+            </a:r>
+          </a:p>
+          <a:p>
+            <a:r>
+              <a:rPr lang="ru-RU" smtClean="0"/>
+              <a:t>Подумаем о </a:t>
+            </a:r>
+            <a:r>
+              <a:rPr lang="ru-RU" i="1" smtClean="0"/>
+              <a:t>почти</a:t>
+            </a:r>
+            <a:r>
+              <a:rPr lang="ru-RU" smtClean="0"/>
+              <a:t> нормативных методах?</a:t>
+            </a:r>
+            <a:endParaRPr lang="en-US"/>
+          </a:p>
+        </p:txBody>
+      </p:sp>
+    </p:spTree>
+    <p:extLst>
+      <p:ext uri="{BB962C8B-B14F-4D97-AF65-F5344CB8AC3E}">
+        <p14:creationId xmlns:p14="http://schemas.microsoft.com/office/powerpoint/2010/main" val="3855858566"/>
+      </p:ext>
+    </p:extLst>
+  </p:cSld>
+  <p:clrMapOvr>
+    <a:masterClrMapping/>
+  </p:clrMapOvr>
+</p:sld>
+</file>
+
+<file path=ppt/slides/slide48.xml><?xml version="1.0" encoding="utf-8"?>
+<p:sld xmlns:a="http://schemas.openxmlformats.org/drawingml/2006/main" xmlns:r="http://schemas.openxmlformats.org/officeDocument/2006/relationships" xmlns:p="http://schemas.openxmlformats.org/presentationml/2006/main">
+  <p:cSld>
+    <p:spTree>
+      <p:nvGrpSpPr>
+        <p:cNvPr id="1" name=""/>
+        <p:cNvGrpSpPr/>
+        <p:nvPr/>
+      </p:nvGrpSpPr>
+      <p:grpSpPr>
+        <a:xfrm>
+          <a:off x="0" y="0"/>
+          <a:ext cx="0" cy="0"/>
+          <a:chOff x="0" y="0"/>
+          <a:chExt cx="0" cy="0"/>
+        </a:xfrm>
+      </p:grpSpPr>
+      <p:sp>
+        <p:nvSpPr>
+          <p:cNvPr id="2" name="Title 1"/>
+          <p:cNvSpPr>
+            <a:spLocks noGrp="1"/>
+          </p:cNvSpPr>
+          <p:nvPr>
+            <p:ph type="title"/>
+          </p:nvPr>
+        </p:nvSpPr>
+        <p:spPr/>
+        <p:txBody>
+          <a:bodyPr/>
+          <a:lstStyle/>
+          <a:p>
+            <a:r>
+              <a:rPr lang="ru-RU" smtClean="0"/>
+              <a:t>Обсуждение</a:t>
+            </a:r>
+            <a:endParaRPr lang="en-US"/>
+          </a:p>
+        </p:txBody>
+      </p:sp>
+      <p:sp>
+        <p:nvSpPr>
+          <p:cNvPr id="3" name="Content Placeholder 2"/>
+          <p:cNvSpPr>
+            <a:spLocks noGrp="1"/>
+          </p:cNvSpPr>
+          <p:nvPr>
+            <p:ph idx="1"/>
+          </p:nvPr>
+        </p:nvSpPr>
+        <p:spPr/>
+        <p:txBody>
+          <a:bodyPr/>
+          <a:lstStyle/>
+          <a:p>
+            <a:r>
+              <a:rPr lang="ru-RU" smtClean="0"/>
+              <a:t>Идея исследовать выведенные типы через ошибки компилятора и линкера выглядит всё-таки немножко безумной.</a:t>
+            </a:r>
+          </a:p>
+          <a:p>
+            <a:r>
+              <a:rPr lang="ru-RU" smtClean="0"/>
+              <a:t>Подумаем о </a:t>
+            </a:r>
+            <a:r>
+              <a:rPr lang="ru-RU" i="1" smtClean="0"/>
+              <a:t>почти</a:t>
+            </a:r>
+            <a:r>
+              <a:rPr lang="ru-RU" smtClean="0"/>
+              <a:t> нормативных методах?</a:t>
+            </a:r>
+          </a:p>
+          <a:p>
+            <a:pPr marL="45720" indent="0">
+              <a:buNone/>
+            </a:pPr>
+            <a:r>
+              <a:rPr lang="en-US" smtClean="0">
+                <a:latin typeface="Consolas" panose="020B0609020204030204" pitchFamily="49" charset="0"/>
+              </a:rPr>
+              <a:t>using </a:t>
+            </a:r>
+            <a:r>
+              <a:rPr lang="en-US">
+                <a:latin typeface="Consolas" panose="020B0609020204030204" pitchFamily="49" charset="0"/>
+              </a:rPr>
+              <a:t>boost::typeindex</a:t>
+            </a:r>
+            <a:r>
+              <a:rPr lang="en-US">
+                <a:latin typeface="Consolas" panose="020B0609020204030204" pitchFamily="49" charset="0"/>
+              </a:rPr>
+              <a:t>::</a:t>
+            </a:r>
+            <a:r>
+              <a:rPr lang="en-US" smtClean="0">
+                <a:latin typeface="Consolas" panose="020B0609020204030204" pitchFamily="49" charset="0"/>
+              </a:rPr>
+              <a:t>typeid_with_cvr;</a:t>
+            </a:r>
+          </a:p>
+          <a:p>
+            <a:pPr marL="45720" indent="0">
+              <a:buNone/>
+            </a:pPr>
+            <a:r>
+              <a:rPr lang="en-US" smtClean="0">
+                <a:latin typeface="Consolas" panose="020B0609020204030204" pitchFamily="49" charset="0"/>
+              </a:rPr>
+              <a:t>template </a:t>
+            </a:r>
+            <a:r>
+              <a:rPr lang="en-US">
+                <a:latin typeface="Consolas" panose="020B0609020204030204" pitchFamily="49" charset="0"/>
+              </a:rPr>
+              <a:t>&lt;typename T</a:t>
+            </a:r>
+            <a:r>
+              <a:rPr lang="en-US">
+                <a:latin typeface="Consolas" panose="020B0609020204030204" pitchFamily="49" charset="0"/>
+              </a:rPr>
+              <a:t>&gt; </a:t>
+            </a:r>
+            <a:r>
+              <a:rPr lang="en-US" smtClean="0">
+                <a:latin typeface="Consolas" panose="020B0609020204030204" pitchFamily="49" charset="0"/>
+              </a:rPr>
+              <a:t>void</a:t>
+            </a:r>
+            <a:r>
+              <a:rPr lang="ru-RU" smtClean="0">
+                <a:latin typeface="Consolas" panose="020B0609020204030204" pitchFamily="49" charset="0"/>
+              </a:rPr>
+              <a:t> </a:t>
+            </a:r>
+            <a:r>
+              <a:rPr lang="en-US" smtClean="0">
+                <a:latin typeface="Consolas" panose="020B0609020204030204" pitchFamily="49" charset="0"/>
+              </a:rPr>
+              <a:t>foo (</a:t>
+            </a:r>
+            <a:r>
+              <a:rPr lang="en-US">
+                <a:latin typeface="Consolas" panose="020B0609020204030204" pitchFamily="49" charset="0"/>
+              </a:rPr>
+              <a:t>T *const &amp; t</a:t>
+            </a:r>
+            <a:r>
+              <a:rPr lang="en-US" smtClean="0">
+                <a:latin typeface="Consolas" panose="020B0609020204030204" pitchFamily="49" charset="0"/>
+              </a:rPr>
+              <a:t>) </a:t>
+            </a:r>
+            <a:r>
+              <a:rPr lang="en-US">
+                <a:latin typeface="Consolas" panose="020B0609020204030204" pitchFamily="49" charset="0"/>
+              </a:rPr>
+              <a:t>{</a:t>
+            </a:r>
+            <a:r>
+              <a:rPr lang="en-US">
+                <a:latin typeface="Consolas" panose="020B0609020204030204" pitchFamily="49" charset="0"/>
+              </a:rPr>
+              <a:t/>
+            </a:r>
+            <a:br>
+              <a:rPr lang="en-US">
+                <a:latin typeface="Consolas" panose="020B0609020204030204" pitchFamily="49" charset="0"/>
+              </a:rPr>
+            </a:br>
+            <a:r>
+              <a:rPr lang="ru-RU" smtClean="0">
+                <a:latin typeface="Consolas" panose="020B0609020204030204" pitchFamily="49" charset="0"/>
+              </a:rPr>
+              <a:t>  </a:t>
+            </a:r>
+            <a:r>
+              <a:rPr lang="en-US" smtClean="0">
+                <a:latin typeface="Consolas" panose="020B0609020204030204" pitchFamily="49" charset="0"/>
+              </a:rPr>
+              <a:t>auto </a:t>
+            </a:r>
+            <a:r>
+              <a:rPr lang="en-US">
+                <a:latin typeface="Consolas" panose="020B0609020204030204" pitchFamily="49" charset="0"/>
+              </a:rPr>
+              <a:t>namestr </a:t>
+            </a:r>
+            <a:r>
+              <a:rPr lang="en-US" smtClean="0">
+                <a:latin typeface="Consolas" panose="020B0609020204030204" pitchFamily="49" charset="0"/>
+              </a:rPr>
+              <a:t>=</a:t>
+            </a:r>
+            <a:r>
+              <a:rPr lang="ru-RU" smtClean="0">
+                <a:latin typeface="Consolas" panose="020B0609020204030204" pitchFamily="49" charset="0"/>
+              </a:rPr>
+              <a:t> </a:t>
+            </a:r>
+            <a:r>
+              <a:rPr lang="en-US" smtClean="0">
+                <a:latin typeface="Consolas" panose="020B0609020204030204" pitchFamily="49" charset="0"/>
+              </a:rPr>
+              <a:t>typeid_with_cvr&lt;decltype(t</a:t>
+            </a:r>
+            <a:r>
+              <a:rPr lang="en-US">
+                <a:latin typeface="Consolas" panose="020B0609020204030204" pitchFamily="49" charset="0"/>
+              </a:rPr>
+              <a:t>)&gt;.pretty_name();</a:t>
+            </a:r>
+            <a:r>
+              <a:rPr lang="en-US">
+                <a:latin typeface="Consolas" panose="020B0609020204030204" pitchFamily="49" charset="0"/>
+              </a:rPr>
+              <a:t/>
+            </a:r>
+            <a:br>
+              <a:rPr lang="en-US">
+                <a:latin typeface="Consolas" panose="020B0609020204030204" pitchFamily="49" charset="0"/>
+              </a:rPr>
+            </a:br>
+            <a:r>
+              <a:rPr lang="ru-RU" smtClean="0">
+                <a:latin typeface="Consolas" panose="020B0609020204030204" pitchFamily="49" charset="0"/>
+              </a:rPr>
+              <a:t>  </a:t>
+            </a:r>
+            <a:r>
+              <a:rPr lang="en-US" smtClean="0">
+                <a:latin typeface="Consolas" panose="020B0609020204030204" pitchFamily="49" charset="0"/>
+              </a:rPr>
+              <a:t>cout </a:t>
+            </a:r>
+            <a:r>
+              <a:rPr lang="en-US">
+                <a:latin typeface="Consolas" panose="020B0609020204030204" pitchFamily="49" charset="0"/>
+              </a:rPr>
+              <a:t>&lt;&lt; namestr &lt;&lt; endl;</a:t>
+            </a:r>
+            <a:r>
+              <a:rPr lang="en-US">
+                <a:latin typeface="Consolas" panose="020B0609020204030204" pitchFamily="49" charset="0"/>
+              </a:rPr>
+              <a:t/>
+            </a:r>
+            <a:br>
+              <a:rPr lang="en-US">
+                <a:latin typeface="Consolas" panose="020B0609020204030204" pitchFamily="49" charset="0"/>
+              </a:rPr>
+            </a:br>
+            <a:r>
+              <a:rPr lang="en-US" smtClean="0">
+                <a:latin typeface="Consolas" panose="020B0609020204030204" pitchFamily="49" charset="0"/>
+              </a:rPr>
+              <a:t>}</a:t>
+            </a:r>
+            <a:endParaRPr lang="ru-RU" smtClean="0">
+              <a:latin typeface="Consolas" panose="020B0609020204030204" pitchFamily="49" charset="0"/>
+            </a:endParaRPr>
+          </a:p>
+          <a:p>
+            <a:pPr marL="45720" indent="0">
+              <a:buNone/>
+            </a:pPr>
+            <a:r>
+              <a:rPr lang="en-US" smtClean="0">
+                <a:latin typeface="Consolas" panose="020B0609020204030204" pitchFamily="49" charset="0"/>
+              </a:rPr>
+              <a:t>int x = 42;</a:t>
+            </a:r>
+          </a:p>
+          <a:p>
+            <a:pPr marL="45720" indent="0">
+              <a:buNone/>
+            </a:pPr>
+            <a:r>
+              <a:rPr lang="en-US" smtClean="0">
+                <a:latin typeface="Consolas" panose="020B0609020204030204" pitchFamily="49" charset="0"/>
+              </a:rPr>
+              <a:t>foo(&amp;x); // </a:t>
+            </a:r>
+            <a:r>
+              <a:rPr lang="ru-RU" smtClean="0">
+                <a:latin typeface="Consolas" panose="020B0609020204030204" pitchFamily="49" charset="0"/>
+              </a:rPr>
+              <a:t>на экране </a:t>
+            </a:r>
+            <a:r>
+              <a:rPr lang="en-US" smtClean="0">
+                <a:latin typeface="Consolas" panose="020B0609020204030204" pitchFamily="49" charset="0"/>
+              </a:rPr>
+              <a:t>int * const &amp;</a:t>
+            </a:r>
+            <a:endParaRPr lang="en-US">
+              <a:latin typeface="Consolas" panose="020B0609020204030204" pitchFamily="49" charset="0"/>
+            </a:endParaRPr>
+          </a:p>
+        </p:txBody>
+      </p:sp>
+    </p:spTree>
+    <p:extLst>
+      <p:ext uri="{BB962C8B-B14F-4D97-AF65-F5344CB8AC3E}">
+        <p14:creationId xmlns:p14="http://schemas.microsoft.com/office/powerpoint/2010/main" val="2705375563"/>
+      </p:ext>
+    </p:extLst>
+  </p:cSld>
+  <p:clrMapOvr>
+    <a:masterClrMapping/>
+  </p:clrMapOvr>
+</p:sld>
+</file>
+
+<file path=ppt/slides/slide49.xml><?xml version="1.0" encoding="utf-8"?>
+<p:sld xmlns:a="http://schemas.openxmlformats.org/drawingml/2006/main" xmlns:r="http://schemas.openxmlformats.org/officeDocument/2006/relationships" xmlns:p="http://schemas.openxmlformats.org/presentationml/2006/main">
+  <p:cSld>
+    <p:spTree>
+      <p:nvGrpSpPr>
+        <p:cNvPr id="1" name=""/>
+        <p:cNvGrpSpPr/>
+        <p:nvPr/>
+      </p:nvGrpSpPr>
+      <p:grpSpPr>
+        <a:xfrm>
+          <a:off x="0" y="0"/>
+          <a:ext cx="0" cy="0"/>
+          <a:chOff x="0" y="0"/>
+          <a:chExt cx="0" cy="0"/>
+        </a:xfrm>
+      </p:grpSpPr>
+      <p:sp>
+        <p:nvSpPr>
+          <p:cNvPr id="2" name="Title 1"/>
+          <p:cNvSpPr>
+            <a:spLocks noGrp="1"/>
+          </p:cNvSpPr>
+          <p:nvPr>
+            <p:ph type="title"/>
+          </p:nvPr>
+        </p:nvSpPr>
+        <p:spPr/>
+        <p:txBody>
+          <a:bodyPr/>
+          <a:lstStyle/>
+          <a:p>
+            <a:r>
+              <a:rPr lang="ru-RU" dirty="0" smtClean="0"/>
+              <a:t>Литература</a:t>
+            </a:r>
+            <a:endParaRPr lang="en-US" dirty="0"/>
+          </a:p>
+        </p:txBody>
+      </p:sp>
+      <p:sp>
+        <p:nvSpPr>
+          <p:cNvPr id="3" name="Content Placeholder 2"/>
+          <p:cNvSpPr>
+            <a:spLocks noGrp="1"/>
+          </p:cNvSpPr>
+          <p:nvPr>
+            <p:ph idx="1"/>
+          </p:nvPr>
+        </p:nvSpPr>
+        <p:spPr/>
+        <p:txBody>
+          <a:bodyPr/>
+          <a:lstStyle/>
+          <a:p>
+            <a:pPr lvl="0"/>
+            <a:r>
+              <a:rPr lang="en-US" dirty="0"/>
+              <a:t>ISO/IEC, "Information technology -- Programming languages – C++", ISO/IEC 14882:2014, 2014</a:t>
+            </a:r>
+          </a:p>
+          <a:p>
+            <a:pPr lvl="0"/>
+            <a:r>
+              <a:rPr lang="en-US" dirty="0"/>
+              <a:t>The C++ Programming Language (4th </a:t>
+            </a:r>
+            <a:r>
+              <a:rPr lang="en-US"/>
+              <a:t>Edition</a:t>
+            </a:r>
+            <a:r>
+              <a:rPr lang="en-US" smtClean="0"/>
+              <a:t>)</a:t>
+            </a:r>
+          </a:p>
+          <a:p>
+            <a:r>
+              <a:rPr lang="en-US"/>
+              <a:t>Stefan Schulze Frielinghaus "</a:t>
+            </a:r>
+            <a:r>
+              <a:rPr lang="en-US">
+                <a:latin typeface="Consolas" panose="020B0609020204030204" pitchFamily="49" charset="0"/>
+              </a:rPr>
+              <a:t>C++</a:t>
+            </a:r>
+            <a:r>
+              <a:rPr lang="en-US">
+                <a:latin typeface="Consolas" panose="020B0609020204030204" pitchFamily="49" charset="0"/>
+              </a:rPr>
+              <a:t>0x </a:t>
+            </a:r>
+            <a:r>
+              <a:rPr lang="en-US" smtClean="0">
+                <a:latin typeface="Consolas" panose="020B0609020204030204" pitchFamily="49" charset="0"/>
+              </a:rPr>
+              <a:t>Type Inference</a:t>
+            </a:r>
+            <a:r>
+              <a:rPr lang="en-US" smtClean="0"/>
+              <a:t>"</a:t>
+            </a:r>
+            <a:endParaRPr lang="en-US"/>
+          </a:p>
+          <a:p>
+            <a:r>
+              <a:rPr lang="en-US" smtClean="0"/>
+              <a:t> </a:t>
+            </a:r>
+            <a:r>
+              <a:rPr lang="en-US"/>
+              <a:t>Thomas Becker "C++ auto </a:t>
+            </a:r>
+            <a:r>
+              <a:rPr lang="en-US"/>
+              <a:t>and </a:t>
+            </a:r>
+            <a:r>
+              <a:rPr lang="en-US" smtClean="0"/>
+              <a:t>decltype explained"</a:t>
+            </a:r>
+          </a:p>
+          <a:p>
+            <a:r>
+              <a:rPr lang="en-US" smtClean="0"/>
+              <a:t> </a:t>
+            </a:r>
+            <a:r>
+              <a:rPr lang="en-US"/>
+              <a:t>Scott Meyers</a:t>
+            </a:r>
+            <a:r>
+              <a:rPr lang="en-US"/>
+              <a:t>, </a:t>
+            </a:r>
+            <a:r>
+              <a:rPr lang="en-US" smtClean="0"/>
+              <a:t>"Effective </a:t>
+            </a:r>
+            <a:r>
+              <a:rPr lang="en-US"/>
+              <a:t>Modern C++: </a:t>
+            </a:r>
+            <a:r>
+              <a:rPr lang="en-US"/>
+              <a:t>42 </a:t>
+            </a:r>
+            <a:r>
+              <a:rPr lang="en-US" smtClean="0"/>
+              <a:t>Specific Ways </a:t>
+            </a:r>
+            <a:r>
+              <a:rPr lang="en-US"/>
+              <a:t>to Improve Your Use of C++11 and C++</a:t>
+            </a:r>
+            <a:r>
+              <a:rPr lang="en-US"/>
+              <a:t>14</a:t>
+            </a:r>
+            <a:r>
+              <a:rPr lang="en-US" smtClean="0"/>
+              <a:t>”</a:t>
+            </a:r>
+            <a:r>
+              <a:rPr lang="en-US" smtClean="0"/>
+              <a:t>"</a:t>
+            </a:r>
+            <a:endParaRPr lang="en-US"/>
+          </a:p>
+          <a:p>
+            <a:r>
+              <a:rPr lang="en-US" smtClean="0"/>
+              <a:t>Scott </a:t>
+            </a:r>
+            <a:r>
+              <a:rPr lang="en-US"/>
+              <a:t>Meyers "Type Deduction and Why You </a:t>
+            </a:r>
+            <a:r>
+              <a:rPr lang="en-US"/>
+              <a:t>Care</a:t>
+            </a:r>
+            <a:r>
+              <a:rPr lang="en-US" smtClean="0"/>
+              <a:t>", </a:t>
+            </a:r>
+            <a:r>
+              <a:rPr lang="en-US"/>
+              <a:t>CppCon </a:t>
+            </a:r>
+            <a:r>
+              <a:rPr lang="en-US" smtClean="0"/>
+              <a:t>2014</a:t>
+            </a:r>
+            <a:endParaRPr lang="en-US" dirty="0"/>
+          </a:p>
+        </p:txBody>
+      </p:sp>
+    </p:spTree>
+    <p:extLst>
+      <p:ext uri="{BB962C8B-B14F-4D97-AF65-F5344CB8AC3E}">
+        <p14:creationId xmlns:p14="http://schemas.microsoft.com/office/powerpoint/2010/main" val="1719869055"/>
       </p:ext>
     </p:extLst>
   </p:cSld>
@@ -9299,13 +15646,7 @@
               <a:rPr lang="en-US" sz="2400">
                 <a:latin typeface="Consolas" panose="020B0609020204030204" pitchFamily="49" charset="0"/>
               </a:rPr>
-              <a:t>&lt;typename T&gt; </a:t>
-            </a:r>
-            <a:r>
-              <a:rPr lang="en-US" sz="2400">
-                <a:latin typeface="Consolas" panose="020B0609020204030204" pitchFamily="49" charset="0"/>
-              </a:rPr>
-              <a:t>void </a:t>
+              <a:t>&lt;typename T&gt; void </a:t>
             </a:r>
             <a:r>
               <a:rPr lang="en-US" sz="2400" smtClean="0">
@@ -9652,13 +15993,7 @@
               <a:rPr lang="en-US" sz="2000">
                 <a:latin typeface="Consolas" panose="020B0609020204030204" pitchFamily="49" charset="0"/>
               </a:rPr>
-              <a:t>template &lt;typename T&gt; void foo </a:t>
-            </a:r>
-            <a:r>
-              <a:rPr lang="en-US" sz="2000">
-                <a:latin typeface="Consolas" panose="020B0609020204030204" pitchFamily="49" charset="0"/>
-              </a:rPr>
-              <a:t>(</a:t>
+              <a:t>template &lt;typename T&gt; void foo (</a:t>
             </a:r>
             <a:r>
               <a:rPr lang="en-US" sz="2000" smtClean="0">
@@ -9780,13 +16115,7 @@
               <a:rPr lang="en-US" sz="2000">
                 <a:latin typeface="Consolas" panose="020B0609020204030204" pitchFamily="49" charset="0"/>
               </a:rPr>
-              <a:t> </a:t>
-            </a:r>
-            <a:r>
-              <a:rPr lang="en-US" sz="2000">
-                <a:latin typeface="Consolas" panose="020B0609020204030204" pitchFamily="49" charset="0"/>
-              </a:rPr>
-              <a:t>// </a:t>
+              <a:t> // </a:t>
             </a:r>
             <a:r>
               <a:rPr lang="en-US" sz="2000" smtClean="0">
@@ -9813,13 +16142,7 @@
               <a:rPr lang="en-US" sz="2000">
                 <a:latin typeface="Consolas" panose="020B0609020204030204" pitchFamily="49" charset="0"/>
               </a:rPr>
-              <a:t> </a:t>
-            </a:r>
-            <a:r>
-              <a:rPr lang="en-US" sz="2000">
-                <a:latin typeface="Consolas" panose="020B0609020204030204" pitchFamily="49" charset="0"/>
-              </a:rPr>
-              <a:t>// </a:t>
+              <a:t> // </a:t>
             </a:r>
             <a:r>
               <a:rPr lang="en-US" sz="2000" smtClean="0">
@@ -9918,13 +16241,7 @@
               <a:rPr lang="en-US" sz="2000">
                 <a:latin typeface="Consolas" panose="020B0609020204030204" pitchFamily="49" charset="0"/>
               </a:rPr>
-              <a:t>template &lt;typename T&gt; void foo </a:t>
-            </a:r>
-            <a:r>
-              <a:rPr lang="en-US" sz="2000">
-                <a:latin typeface="Consolas" panose="020B0609020204030204" pitchFamily="49" charset="0"/>
-              </a:rPr>
-              <a:t>(</a:t>
+              <a:t>template &lt;typename T&gt; void foo (</a:t>
             </a:r>
             <a:r>
               <a:rPr lang="en-US" sz="2000" smtClean="0">
@@ -10046,13 +16363,7 @@
               <a:rPr lang="en-US" sz="2000">
                 <a:latin typeface="Consolas" panose="020B0609020204030204" pitchFamily="49" charset="0"/>
               </a:rPr>
-              <a:t> </a:t>
-            </a:r>
-            <a:r>
-              <a:rPr lang="en-US" sz="2000">
-                <a:latin typeface="Consolas" panose="020B0609020204030204" pitchFamily="49" charset="0"/>
-              </a:rPr>
-              <a:t>// </a:t>
+              <a:t> // </a:t>
             </a:r>
             <a:r>
               <a:rPr lang="en-US" sz="2000" smtClean="0">
@@ -10079,13 +16390,7 @@
               <a:rPr lang="en-US" sz="2000">
                 <a:latin typeface="Consolas" panose="020B0609020204030204" pitchFamily="49" charset="0"/>
               </a:rPr>
-              <a:t> </a:t>
-            </a:r>
-            <a:r>
-              <a:rPr lang="en-US" sz="2000">
-                <a:latin typeface="Consolas" panose="020B0609020204030204" pitchFamily="49" charset="0"/>
-              </a:rPr>
-              <a:t>// </a:t>
+              <a:t> // </a:t>
             </a:r>
             <a:r>
               <a:rPr lang="en-US" sz="2000" smtClean="0">
@@ -10205,13 +16510,7 @@
               <a:rPr lang="en-US" sz="2000">
                 <a:latin typeface="Consolas" panose="020B0609020204030204" pitchFamily="49" charset="0"/>
               </a:rPr>
-              <a:t> </a:t>
-            </a:r>
-            <a:r>
-              <a:rPr lang="en-US" sz="2000">
-                <a:latin typeface="Consolas" panose="020B0609020204030204" pitchFamily="49" charset="0"/>
-              </a:rPr>
-              <a:t>t</a:t>
+              <a:t> t</a:t>
             </a:r>
             <a:r>
               <a:rPr lang="en-US" sz="2000" smtClean="0">
@@ -10349,13 +16648,7 @@
               <a:rPr lang="en-US">
                 <a:latin typeface="Consolas" panose="020B0609020204030204" pitchFamily="49" charset="0"/>
               </a:rPr>
-              <a:t> </a:t>
-            </a:r>
-            <a:r>
-              <a:rPr lang="en-US">
-                <a:latin typeface="Consolas" panose="020B0609020204030204" pitchFamily="49" charset="0"/>
-              </a:rPr>
-              <a:t>t</a:t>
+              <a:t> t</a:t>
             </a:r>
             <a:r>
               <a:rPr lang="en-US" smtClean="0">

--- a/slides/sep2017/03-typeinference.pptx
+++ b/slides/sep2017/03-typeinference.pptx
@@ -357,7 +357,7 @@
             <a:fld id="{96DFF08F-DC6B-4601-B491-B0F83F6DD2DA}" type="datetimeFigureOut">
               <a:rPr lang="en-US" dirty="0"/>
               <a:pPr/>
-              <a:t>8/15/2017</a:t>
+              <a:t>9/15/2017</a:t>
             </a:fld>
             <a:endParaRPr lang="en-US" dirty="0"/>
           </a:p>
@@ -574,7 +574,7 @@
           <a:p>
             <a:fld id="{96DFF08F-DC6B-4601-B491-B0F83F6DD2DA}" type="datetimeFigureOut">
               <a:rPr lang="en-US" dirty="0"/>
-              <a:t>8/15/2017</a:t>
+              <a:t>9/15/2017</a:t>
             </a:fld>
             <a:endParaRPr lang="en-US" dirty="0"/>
           </a:p>
@@ -749,7 +749,7 @@
           <a:p>
             <a:fld id="{96DFF08F-DC6B-4601-B491-B0F83F6DD2DA}" type="datetimeFigureOut">
               <a:rPr lang="en-US" dirty="0"/>
-              <a:t>8/15/2017</a:t>
+              <a:t>9/15/2017</a:t>
             </a:fld>
             <a:endParaRPr lang="en-US" dirty="0"/>
           </a:p>
@@ -914,7 +914,7 @@
           <a:p>
             <a:fld id="{96DFF08F-DC6B-4601-B491-B0F83F6DD2DA}" type="datetimeFigureOut">
               <a:rPr lang="en-US" dirty="0"/>
-              <a:t>8/15/2017</a:t>
+              <a:t>9/15/2017</a:t>
             </a:fld>
             <a:endParaRPr lang="en-US" dirty="0"/>
           </a:p>
@@ -1160,7 +1160,7 @@
           <a:p>
             <a:fld id="{96DFF08F-DC6B-4601-B491-B0F83F6DD2DA}" type="datetimeFigureOut">
               <a:rPr lang="en-US" dirty="0"/>
-              <a:t>8/15/2017</a:t>
+              <a:t>9/15/2017</a:t>
             </a:fld>
             <a:endParaRPr lang="en-US" dirty="0"/>
           </a:p>
@@ -1478,7 +1478,7 @@
           <a:p>
             <a:fld id="{96DFF08F-DC6B-4601-B491-B0F83F6DD2DA}" type="datetimeFigureOut">
               <a:rPr lang="en-US" dirty="0"/>
-              <a:t>8/15/2017</a:t>
+              <a:t>9/15/2017</a:t>
             </a:fld>
             <a:endParaRPr lang="en-US" dirty="0"/>
           </a:p>
@@ -1897,7 +1897,7 @@
           <a:p>
             <a:fld id="{96DFF08F-DC6B-4601-B491-B0F83F6DD2DA}" type="datetimeFigureOut">
               <a:rPr lang="en-US" dirty="0"/>
-              <a:t>8/15/2017</a:t>
+              <a:t>9/15/2017</a:t>
             </a:fld>
             <a:endParaRPr lang="en-US" dirty="0"/>
           </a:p>
@@ -2010,7 +2010,7 @@
           <a:p>
             <a:fld id="{96DFF08F-DC6B-4601-B491-B0F83F6DD2DA}" type="datetimeFigureOut">
               <a:rPr lang="en-US" dirty="0"/>
-              <a:t>8/15/2017</a:t>
+              <a:t>9/15/2017</a:t>
             </a:fld>
             <a:endParaRPr lang="en-US" dirty="0"/>
           </a:p>
@@ -2100,7 +2100,7 @@
           <a:p>
             <a:fld id="{96DFF08F-DC6B-4601-B491-B0F83F6DD2DA}" type="datetimeFigureOut">
               <a:rPr lang="en-US" dirty="0"/>
-              <a:t>8/15/2017</a:t>
+              <a:t>9/15/2017</a:t>
             </a:fld>
             <a:endParaRPr lang="en-US" dirty="0"/>
           </a:p>
@@ -2385,7 +2385,7 @@
           <a:p>
             <a:fld id="{96DFF08F-DC6B-4601-B491-B0F83F6DD2DA}" type="datetimeFigureOut">
               <a:rPr lang="en-US" dirty="0"/>
-              <a:t>8/15/2017</a:t>
+              <a:t>9/15/2017</a:t>
             </a:fld>
             <a:endParaRPr lang="en-US" dirty="0"/>
           </a:p>
@@ -2652,7 +2652,7 @@
           <a:p>
             <a:fld id="{96DFF08F-DC6B-4601-B491-B0F83F6DD2DA}" type="datetimeFigureOut">
               <a:rPr lang="en-US" dirty="0"/>
-              <a:t>8/15/2017</a:t>
+              <a:t>9/15/2017</a:t>
             </a:fld>
             <a:endParaRPr lang="en-US" dirty="0"/>
           </a:p>
@@ -2901,7 +2901,7 @@
             <a:fld id="{96DFF08F-DC6B-4601-B491-B0F83F6DD2DA}" type="datetimeFigureOut">
               <a:rPr lang="en-US" dirty="0"/>
               <a:pPr/>
-              <a:t>8/15/2017</a:t>
+              <a:t>9/15/2017</a:t>
             </a:fld>
             <a:endParaRPr lang="en-US" dirty="0"/>
           </a:p>
@@ -5996,85 +5996,51 @@
           <a:p>
             <a:r>
               <a:rPr lang="ru-RU" smtClean="0"/>
-              <a:t>Но что если заменить его на</a:t>
-            </a:r>
-          </a:p>
-          <a:p>
-            <a:pPr marL="45720" indent="0">
-              <a:buNone/>
+              <a:t>Но что если произойдёт одна из двух (неприятных для </a:t>
+            </a:r>
+            <a:r>
+              <a:rPr lang="en-US" smtClean="0"/>
+              <a:t>auto</a:t>
+            </a:r>
+            <a:r>
+              <a:rPr lang="ru-RU" smtClean="0"/>
+              <a:t>) вещей:</a:t>
+            </a:r>
+          </a:p>
+          <a:p>
+            <a:pPr marL="731520" lvl="1" indent="-457200">
+              <a:buFont typeface="+mj-lt"/>
+              <a:buAutoNum type="arabicPeriod"/>
             </a:pPr>
             <a:r>
-              <a:rPr lang="en-US" smtClean="0">
-                <a:latin typeface="Consolas" panose="020B0609020204030204" pitchFamily="49" charset="0"/>
-              </a:rPr>
-              <a:t>template &lt;typename T&gt; int </a:t>
-            </a:r>
-            <a:r>
-              <a:rPr lang="en-US">
-                <a:latin typeface="Consolas" panose="020B0609020204030204" pitchFamily="49" charset="0"/>
-              </a:rPr>
-              <a:t>foo </a:t>
-            </a:r>
-            <a:r>
-              <a:rPr lang="en-US" smtClean="0">
-                <a:latin typeface="Consolas" panose="020B0609020204030204" pitchFamily="49" charset="0"/>
-              </a:rPr>
-              <a:t>(</a:t>
-            </a:r>
-            <a:r>
-              <a:rPr lang="en-US" smtClean="0">
+              <a:rPr lang="ru-RU" smtClean="0"/>
+              <a:t>Изменится само уточнение</a:t>
+            </a:r>
+          </a:p>
+          <a:p>
+            <a:pPr marL="274320" lvl="1" indent="0">
+              <a:buNone/>
+            </a:pPr>
+            <a:r>
+              <a:rPr lang="en-US" smtClean="0">
+                <a:latin typeface="Consolas" panose="020B0609020204030204" pitchFamily="49" charset="0"/>
+              </a:rPr>
+              <a:t>int </a:t>
+            </a:r>
+            <a:r>
+              <a:rPr lang="en-US">
+                <a:latin typeface="Consolas" panose="020B0609020204030204" pitchFamily="49" charset="0"/>
+              </a:rPr>
+              <a:t>foo (</a:t>
+            </a:r>
+            <a:r>
+              <a:rPr lang="en-US">
                 <a:solidFill>
                   <a:srgbClr val="0000FF"/>
                 </a:solidFill>
                 <a:latin typeface="Consolas" panose="020B0609020204030204" pitchFamily="49" charset="0"/>
               </a:rPr>
-              <a:t>const T&amp;</a:t>
-            </a:r>
-            <a:r>
-              <a:rPr lang="en-US" smtClean="0">
-                <a:latin typeface="Consolas" panose="020B0609020204030204" pitchFamily="49" charset="0"/>
-              </a:rPr>
-              <a:t> </a:t>
-            </a:r>
-            <a:r>
-              <a:rPr lang="en-US">
-                <a:latin typeface="Consolas" panose="020B0609020204030204" pitchFamily="49" charset="0"/>
-              </a:rPr>
-              <a:t>x) {</a:t>
-            </a:r>
-            <a:br>
-              <a:rPr lang="en-US">
-                <a:latin typeface="Consolas" panose="020B0609020204030204" pitchFamily="49" charset="0"/>
-              </a:rPr>
-            </a:br>
-            <a:r>
-              <a:rPr lang="en-US">
-                <a:latin typeface="Consolas" panose="020B0609020204030204" pitchFamily="49" charset="0"/>
-              </a:rPr>
-              <a:t>  // </a:t>
-            </a:r>
-            <a:r>
-              <a:rPr lang="ru-RU">
-                <a:latin typeface="Consolas" panose="020B0609020204030204" pitchFamily="49" charset="0"/>
-              </a:rPr>
-              <a:t>тут какой-то код</a:t>
-            </a:r>
-            <a:br>
-              <a:rPr lang="ru-RU">
-                <a:latin typeface="Consolas" panose="020B0609020204030204" pitchFamily="49" charset="0"/>
-              </a:rPr>
-            </a:br>
-            <a:r>
-              <a:rPr lang="ru-RU">
-                <a:latin typeface="Consolas" panose="020B0609020204030204" pitchFamily="49" charset="0"/>
-              </a:rPr>
-              <a:t> </a:t>
-            </a:r>
-            <a:r>
-              <a:rPr lang="en-US" smtClean="0">
-                <a:latin typeface="Consolas" panose="020B0609020204030204" pitchFamily="49" charset="0"/>
-              </a:rPr>
-              <a:t> </a:t>
+              <a:t>const </a:t>
             </a:r>
             <a:r>
               <a:rPr lang="en-US" smtClean="0">
@@ -6083,7 +6049,7 @@
                 </a:solidFill>
                 <a:latin typeface="Consolas" panose="020B0609020204030204" pitchFamily="49" charset="0"/>
               </a:rPr>
-              <a:t>auto T&amp;</a:t>
+              <a:t>float&amp;</a:t>
             </a:r>
             <a:r>
               <a:rPr lang="en-US" smtClean="0">
@@ -6095,18 +6061,78 @@
               <a:rPr lang="en-US">
                 <a:latin typeface="Consolas" panose="020B0609020204030204" pitchFamily="49" charset="0"/>
               </a:rPr>
-              <a:t>tmp = x;</a:t>
-            </a:r>
-            <a:br>
-              <a:rPr lang="en-US">
-                <a:latin typeface="Consolas" panose="020B0609020204030204" pitchFamily="49" charset="0"/>
-              </a:rPr>
-            </a:br>
-            <a:r>
-              <a:rPr lang="en-US" smtClean="0">
-                <a:latin typeface="Consolas" panose="020B0609020204030204" pitchFamily="49" charset="0"/>
-              </a:rPr>
-              <a:t>}</a:t>
+              <a:t>x</a:t>
+            </a:r>
+            <a:r>
+              <a:rPr lang="en-US" smtClean="0">
+                <a:latin typeface="Consolas" panose="020B0609020204030204" pitchFamily="49" charset="0"/>
+              </a:rPr>
+              <a:t>)</a:t>
+            </a:r>
+            <a:endParaRPr lang="ru-RU" smtClean="0"/>
+          </a:p>
+          <a:p>
+            <a:pPr marL="731520" lvl="1" indent="-457200">
+              <a:buFont typeface="+mj-lt"/>
+              <a:buAutoNum type="arabicPeriod" startAt="2"/>
+            </a:pPr>
+            <a:r>
+              <a:rPr lang="ru-RU" smtClean="0"/>
+              <a:t>Захочется объявить переменную с другим инициализатором?</a:t>
+            </a:r>
+            <a:endParaRPr lang="en-US"/>
+          </a:p>
+          <a:p>
+            <a:pPr marL="274320" lvl="1" indent="0">
+              <a:buNone/>
+            </a:pPr>
+            <a:r>
+              <a:rPr lang="en-US" smtClean="0">
+                <a:solidFill>
+                  <a:srgbClr val="FF0000"/>
+                </a:solidFill>
+                <a:latin typeface="Consolas" panose="020B0609020204030204" pitchFamily="49" charset="0"/>
+              </a:rPr>
+              <a:t>auto</a:t>
+            </a:r>
+            <a:r>
+              <a:rPr lang="en-US" smtClean="0">
+                <a:solidFill>
+                  <a:srgbClr val="0000FF"/>
+                </a:solidFill>
+                <a:latin typeface="Consolas" panose="020B0609020204030204" pitchFamily="49" charset="0"/>
+              </a:rPr>
+              <a:t> </a:t>
+            </a:r>
+            <a:r>
+              <a:rPr lang="en-US" smtClean="0">
+                <a:latin typeface="Consolas" panose="020B0609020204030204" pitchFamily="49" charset="0"/>
+              </a:rPr>
+              <a:t>tmp </a:t>
+            </a:r>
+            <a:r>
+              <a:rPr lang="en-US">
+                <a:latin typeface="Consolas" panose="020B0609020204030204" pitchFamily="49" charset="0"/>
+              </a:rPr>
+              <a:t>= </a:t>
+            </a:r>
+            <a:r>
+              <a:rPr lang="en-US" smtClean="0">
+                <a:latin typeface="Consolas" panose="020B0609020204030204" pitchFamily="49" charset="0"/>
+              </a:rPr>
+              <a:t>0.0f; // </a:t>
+            </a:r>
+            <a:r>
+              <a:rPr lang="ru-RU" smtClean="0">
+                <a:latin typeface="Consolas" panose="020B0609020204030204" pitchFamily="49" charset="0"/>
+              </a:rPr>
+              <a:t>но мы-то хотим </a:t>
+            </a:r>
+            <a:r>
+              <a:rPr lang="en-US" smtClean="0">
+                <a:latin typeface="Consolas" panose="020B0609020204030204" pitchFamily="49" charset="0"/>
+              </a:rPr>
+              <a:t>const float&amp;</a:t>
             </a:r>
             <a:endParaRPr lang="ru-RU" smtClean="0">
               <a:latin typeface="Consolas" panose="020B0609020204030204" pitchFamily="49" charset="0"/>
@@ -6115,19 +6141,7 @@
           <a:p>
             <a:r>
               <a:rPr lang="ru-RU" smtClean="0"/>
-              <a:t>Хватит ли этого? А если </a:t>
-            </a:r>
-            <a:r>
-              <a:rPr lang="en-US" smtClean="0"/>
-              <a:t>T </a:t>
-            </a:r>
-            <a:r>
-              <a:rPr lang="ru-RU" smtClean="0"/>
-              <a:t>вдруг изменится на </a:t>
-            </a:r>
-            <a:r>
-              <a:rPr lang="en-US" smtClean="0"/>
-              <a:t>U?</a:t>
+              <a:t>Эти проблемы вызваны тем, что "совместимый" тип не означает "идентичный"</a:t>
             </a:r>
             <a:endParaRPr lang="en-US"/>
           </a:p>
@@ -6220,69 +6234,59 @@
           <a:p>
             <a:r>
               <a:rPr lang="ru-RU" smtClean="0"/>
-              <a:t>Механизм </a:t>
+              <a:t>Выходом из положения является использование </a:t>
             </a:r>
             <a:r>
               <a:rPr lang="en-US" smtClean="0"/>
-              <a:t>auto </a:t>
-            </a:r>
-            <a:r>
-              <a:rPr lang="ru-RU" smtClean="0"/>
-              <a:t>всё-таки режет типы. В мотивирующем примере был код:</a:t>
-            </a:r>
+              <a:t>decltype</a:t>
+            </a:r>
+            <a:endParaRPr lang="ru-RU" smtClean="0"/>
+          </a:p>
+          <a:p>
+            <a:r>
+              <a:rPr lang="en-US" smtClean="0"/>
+              <a:t>decltype(name) </a:t>
+            </a:r>
+            <a:r>
+              <a:rPr lang="ru-RU" smtClean="0"/>
+              <a:t>означает тип, с которым объявлено имя </a:t>
+            </a:r>
+            <a:r>
+              <a:rPr lang="en-US" smtClean="0"/>
+              <a:t>name.</a:t>
+            </a:r>
+            <a:endParaRPr lang="ru-RU" smtClean="0"/>
           </a:p>
           <a:p>
             <a:pPr marL="45720" indent="0">
               <a:buNone/>
             </a:pPr>
             <a:r>
-              <a:rPr lang="en-US">
-                <a:latin typeface="Consolas" panose="020B0609020204030204" pitchFamily="49" charset="0"/>
-              </a:rPr>
-              <a:t>int foo (</a:t>
-            </a:r>
-            <a:r>
-              <a:rPr lang="en-US">
+              <a:rPr lang="en-US" smtClean="0">
+                <a:latin typeface="Consolas" panose="020B0609020204030204" pitchFamily="49" charset="0"/>
+              </a:rPr>
+              <a:t>int </a:t>
+            </a:r>
+            <a:r>
+              <a:rPr lang="en-US">
+                <a:latin typeface="Consolas" panose="020B0609020204030204" pitchFamily="49" charset="0"/>
+              </a:rPr>
+              <a:t>foo </a:t>
+            </a:r>
+            <a:r>
+              <a:rPr lang="en-US" smtClean="0">
+                <a:latin typeface="Consolas" panose="020B0609020204030204" pitchFamily="49" charset="0"/>
+              </a:rPr>
+              <a:t>(</a:t>
+            </a:r>
+            <a:r>
+              <a:rPr lang="en-US" smtClean="0">
                 <a:solidFill>
                   <a:srgbClr val="0000FF"/>
                 </a:solidFill>
                 <a:latin typeface="Consolas" panose="020B0609020204030204" pitchFamily="49" charset="0"/>
               </a:rPr>
-              <a:t>float</a:t>
-            </a:r>
-            <a:r>
-              <a:rPr lang="en-US">
-                <a:latin typeface="Consolas" panose="020B0609020204030204" pitchFamily="49" charset="0"/>
-              </a:rPr>
-              <a:t> x) {</a:t>
-            </a:r>
-            <a:br>
-              <a:rPr lang="en-US">
-                <a:latin typeface="Consolas" panose="020B0609020204030204" pitchFamily="49" charset="0"/>
-              </a:rPr>
-            </a:br>
-            <a:r>
-              <a:rPr lang="en-US">
-                <a:latin typeface="Consolas" panose="020B0609020204030204" pitchFamily="49" charset="0"/>
-              </a:rPr>
-              <a:t>  // </a:t>
-            </a:r>
-            <a:r>
-              <a:rPr lang="ru-RU">
-                <a:latin typeface="Consolas" panose="020B0609020204030204" pitchFamily="49" charset="0"/>
-              </a:rPr>
-              <a:t>тут какой-то код</a:t>
-            </a:r>
-            <a:br>
-              <a:rPr lang="ru-RU">
-                <a:latin typeface="Consolas" panose="020B0609020204030204" pitchFamily="49" charset="0"/>
-              </a:rPr>
-            </a:br>
-            <a:r>
-              <a:rPr lang="ru-RU">
-                <a:latin typeface="Consolas" panose="020B0609020204030204" pitchFamily="49" charset="0"/>
-              </a:rPr>
-              <a:t>  </a:t>
+              <a:t>const </a:t>
             </a:r>
             <a:r>
               <a:rPr lang="en-US" smtClean="0">
@@ -6291,60 +6295,7 @@
                 </a:solidFill>
                 <a:latin typeface="Consolas" panose="020B0609020204030204" pitchFamily="49" charset="0"/>
               </a:rPr>
-              <a:t>auto</a:t>
-            </a:r>
-            <a:r>
-              <a:rPr lang="en-US" smtClean="0">
-                <a:latin typeface="Consolas" panose="020B0609020204030204" pitchFamily="49" charset="0"/>
-              </a:rPr>
-              <a:t> </a:t>
-            </a:r>
-            <a:r>
-              <a:rPr lang="en-US">
-                <a:latin typeface="Consolas" panose="020B0609020204030204" pitchFamily="49" charset="0"/>
-              </a:rPr>
-              <a:t>tmp = x;</a:t>
-            </a:r>
-            <a:br>
-              <a:rPr lang="en-US">
-                <a:latin typeface="Consolas" panose="020B0609020204030204" pitchFamily="49" charset="0"/>
-              </a:rPr>
-            </a:br>
-            <a:r>
-              <a:rPr lang="en-US" smtClean="0">
-                <a:latin typeface="Consolas" panose="020B0609020204030204" pitchFamily="49" charset="0"/>
-              </a:rPr>
-              <a:t>}</a:t>
-            </a:r>
-            <a:endParaRPr lang="ru-RU" smtClean="0"/>
-          </a:p>
-          <a:p>
-            <a:r>
-              <a:rPr lang="ru-RU" smtClean="0"/>
-              <a:t>Но что если заменить его на</a:t>
-            </a:r>
-          </a:p>
-          <a:p>
-            <a:pPr marL="45720" indent="0">
-              <a:buNone/>
-            </a:pPr>
-            <a:r>
-              <a:rPr lang="en-US" smtClean="0">
-                <a:latin typeface="Consolas" panose="020B0609020204030204" pitchFamily="49" charset="0"/>
-              </a:rPr>
-              <a:t>template &lt;typename U&gt; int </a:t>
-            </a:r>
-            <a:r>
-              <a:rPr lang="en-US">
-                <a:latin typeface="Consolas" panose="020B0609020204030204" pitchFamily="49" charset="0"/>
-              </a:rPr>
-              <a:t>foo </a:t>
-            </a:r>
-            <a:r>
-              <a:rPr lang="en-US" smtClean="0">
-                <a:latin typeface="Consolas" panose="020B0609020204030204" pitchFamily="49" charset="0"/>
-              </a:rPr>
-              <a:t>(</a:t>
+              <a:t>float</a:t>
             </a:r>
             <a:r>
               <a:rPr lang="en-US" smtClean="0">
@@ -6353,7 +6304,7 @@
                 </a:solidFill>
                 <a:latin typeface="Consolas" panose="020B0609020204030204" pitchFamily="49" charset="0"/>
               </a:rPr>
-              <a:t>const U&amp;</a:t>
+              <a:t>&amp;</a:t>
             </a:r>
             <a:r>
               <a:rPr lang="en-US" smtClean="0">
@@ -6420,7 +6371,31 @@
               <a:rPr lang="en-US">
                 <a:latin typeface="Consolas" panose="020B0609020204030204" pitchFamily="49" charset="0"/>
               </a:rPr>
-              <a:t>tmp = x;</a:t>
+              <a:t>tmp = </a:t>
+            </a:r>
+            <a:r>
+              <a:rPr lang="en-US" smtClean="0">
+                <a:latin typeface="Consolas" panose="020B0609020204030204" pitchFamily="49" charset="0"/>
+              </a:rPr>
+              <a:t>0.0f; // ok, </a:t>
+            </a:r>
+            <a:r>
+              <a:rPr lang="ru-RU" smtClean="0">
+                <a:latin typeface="Consolas" panose="020B0609020204030204" pitchFamily="49" charset="0"/>
+              </a:rPr>
+              <a:t>и значит ровно </a:t>
+            </a:r>
+            <a:r>
+              <a:rPr lang="ru-RU" smtClean="0">
+                <a:latin typeface="Consolas" panose="020B0609020204030204" pitchFamily="49" charset="0"/>
+              </a:rPr>
+              <a:t>то, что нужно</a:t>
+            </a:r>
+            <a:r>
+              <a:rPr lang="en-US">
+                <a:latin typeface="Consolas" panose="020B0609020204030204" pitchFamily="49" charset="0"/>
+              </a:rPr>
+              <a:t/>
             </a:r>
             <a:br>
               <a:rPr lang="en-US">
@@ -6440,19 +6415,15 @@
           <a:p>
             <a:r>
               <a:rPr lang="ru-RU" smtClean="0"/>
-              <a:t>Хватит ли этого? А если </a:t>
+              <a:t>Теперь всё </a:t>
             </a:r>
             <a:r>
               <a:rPr lang="en-US" smtClean="0"/>
-              <a:t>T </a:t>
-            </a:r>
-            <a:r>
-              <a:rPr lang="ru-RU" smtClean="0"/>
-              <a:t>вдруг изменится на </a:t>
-            </a:r>
-            <a:r>
-              <a:rPr lang="en-US" smtClean="0"/>
-              <a:t>U?</a:t>
+              <a:t>ok: </a:t>
+            </a:r>
+            <a:r>
+              <a:rPr lang="ru-RU" smtClean="0"/>
+              <a:t>мы указываем, что хотим в точности такой тип, а не просто "какой-то совместимый".</a:t>
             </a:r>
             <a:endParaRPr lang="en-US"/>
           </a:p>
@@ -7728,7 +7699,19 @@
               <a:rPr lang="ru-RU" smtClean="0">
                 <a:latin typeface="Consolas" panose="020B0609020204030204" pitchFamily="49" charset="0"/>
               </a:rPr>
-              <a:t>во, то, что нужно</a:t>
+              <a:t>это именно</a:t>
+            </a:r>
+            <a:r>
+              <a:rPr lang="ru-RU" smtClean="0">
+                <a:latin typeface="Consolas" panose="020B0609020204030204" pitchFamily="49" charset="0"/>
+              </a:rPr>
+              <a:t> </a:t>
+            </a:r>
+            <a:r>
+              <a:rPr lang="ru-RU" smtClean="0">
+                <a:latin typeface="Consolas" panose="020B0609020204030204" pitchFamily="49" charset="0"/>
+              </a:rPr>
+              <a:t>то, что нужно</a:t>
             </a:r>
           </a:p>
           <a:p>
@@ -7919,8 +7902,13 @@
           <a:p>
             <a:r>
               <a:rPr lang="ru-RU" smtClean="0"/>
-              <a:t>Что лучше для мотивационного примера</a:t>
-            </a:r>
+              <a:t>Что лучше для мотивационного </a:t>
+            </a:r>
+            <a:r>
+              <a:rPr lang="ru-RU" smtClean="0"/>
+              <a:t>примера?</a:t>
+            </a:r>
+            <a:endParaRPr lang="ru-RU" smtClean="0"/>
           </a:p>
           <a:p>
             <a:r>
@@ -9555,13 +9543,7 @@
               <a:rPr lang="en-US">
                 <a:latin typeface="Consolas" panose="020B0609020204030204" pitchFamily="49" charset="0"/>
               </a:rPr>
-              <a:t>template &lt;typename T, </a:t>
-            </a:r>
-            <a:r>
-              <a:rPr lang="en-US">
-                <a:latin typeface="Consolas" panose="020B0609020204030204" pitchFamily="49" charset="0"/>
-              </a:rPr>
-              <a:t>typename </a:t>
+              <a:t>template &lt;typename T, typename </a:t>
             </a:r>
             <a:r>
               <a:rPr lang="en-US" smtClean="0">
@@ -9590,13 +9572,7 @@
               <a:rPr lang="en-US">
                 <a:latin typeface="Consolas" panose="020B0609020204030204" pitchFamily="49" charset="0"/>
               </a:rPr>
-              <a:t>min(T x, S y) -&gt; decltype(x &lt; y ? x : y</a:t>
-            </a:r>
-            <a:r>
-              <a:rPr lang="en-US">
-                <a:latin typeface="Consolas" panose="020B0609020204030204" pitchFamily="49" charset="0"/>
-              </a:rPr>
-              <a:t>) </a:t>
+              <a:t>min(T x, S y) -&gt; decltype(x &lt; y ? x : y) </a:t>
             </a:r>
             <a:r>
               <a:rPr lang="en-US" smtClean="0">
@@ -9625,13 +9601,7 @@
               <a:rPr lang="en-US">
                 <a:latin typeface="Consolas" panose="020B0609020204030204" pitchFamily="49" charset="0"/>
               </a:rPr>
-              <a:t>return x &lt; y ? x : </a:t>
-            </a:r>
-            <a:r>
-              <a:rPr lang="en-US">
-                <a:latin typeface="Consolas" panose="020B0609020204030204" pitchFamily="49" charset="0"/>
-              </a:rPr>
-              <a:t>y</a:t>
+              <a:t>return x &lt; y ? x : y</a:t>
             </a:r>
             <a:r>
               <a:rPr lang="en-US" smtClean="0">
@@ -9759,13 +9729,7 @@
               <a:rPr lang="en-US">
                 <a:latin typeface="Consolas" panose="020B0609020204030204" pitchFamily="49" charset="0"/>
               </a:rPr>
-              <a:t>template &lt;typename T, </a:t>
-            </a:r>
-            <a:r>
-              <a:rPr lang="en-US">
-                <a:latin typeface="Consolas" panose="020B0609020204030204" pitchFamily="49" charset="0"/>
-              </a:rPr>
-              <a:t>typename </a:t>
+              <a:t>template &lt;typename T, typename </a:t>
             </a:r>
             <a:r>
               <a:rPr lang="en-US" smtClean="0">
@@ -9809,13 +9773,7 @@
               <a:rPr lang="en-US">
                 <a:latin typeface="Consolas" panose="020B0609020204030204" pitchFamily="49" charset="0"/>
               </a:rPr>
-              <a:t>min(T x, S y) -&gt; decltype(x &lt; y ? x : y</a:t>
-            </a:r>
-            <a:r>
-              <a:rPr lang="en-US">
-                <a:latin typeface="Consolas" panose="020B0609020204030204" pitchFamily="49" charset="0"/>
-              </a:rPr>
-              <a:t>) </a:t>
+              <a:t>min(T x, S y) -&gt; decltype(x &lt; y ? x : y) </a:t>
             </a:r>
             <a:r>
               <a:rPr lang="en-US" smtClean="0">
@@ -9872,13 +9830,7 @@
               <a:rPr lang="en-US">
                 <a:latin typeface="Consolas" panose="020B0609020204030204" pitchFamily="49" charset="0"/>
               </a:rPr>
-              <a:t>return x &lt; y ? x : </a:t>
-            </a:r>
-            <a:r>
-              <a:rPr lang="en-US">
-                <a:latin typeface="Consolas" panose="020B0609020204030204" pitchFamily="49" charset="0"/>
-              </a:rPr>
-              <a:t>y</a:t>
+              <a:t>return x &lt; y ? x : y</a:t>
             </a:r>
             <a:r>
               <a:rPr lang="en-US" smtClean="0">
@@ -9981,13 +9933,7 @@
               <a:rPr lang="en-US">
                 <a:latin typeface="Consolas" panose="020B0609020204030204" pitchFamily="49" charset="0"/>
               </a:rPr>
-              <a:t>&lt; y ? x </a:t>
-            </a:r>
-            <a:r>
-              <a:rPr lang="en-US">
-                <a:latin typeface="Consolas" panose="020B0609020204030204" pitchFamily="49" charset="0"/>
-              </a:rPr>
-              <a:t>: </a:t>
+              <a:t>&lt; y ? x : </a:t>
             </a:r>
             <a:r>
               <a:rPr lang="en-US" smtClean="0">
@@ -10431,13 +10377,7 @@
               <a:rPr lang="en-US">
                 <a:latin typeface="Consolas" panose="020B0609020204030204" pitchFamily="49" charset="0"/>
               </a:rPr>
-              <a:t>template &lt;typename T, typename S</a:t>
-            </a:r>
-            <a:r>
-              <a:rPr lang="en-US">
-                <a:latin typeface="Consolas" panose="020B0609020204030204" pitchFamily="49" charset="0"/>
-              </a:rPr>
-              <a:t>&gt; </a:t>
+              <a:t>template &lt;typename T, typename S&gt; </a:t>
             </a:r>
             <a:r>
               <a:rPr lang="ru-RU">
@@ -10460,13 +10400,7 @@
               <a:rPr lang="en-US">
                 <a:latin typeface="Consolas" panose="020B0609020204030204" pitchFamily="49" charset="0"/>
               </a:rPr>
-              <a:t>auto min(T x, S y</a:t>
-            </a:r>
-            <a:r>
-              <a:rPr lang="en-US">
-                <a:latin typeface="Consolas" panose="020B0609020204030204" pitchFamily="49" charset="0"/>
-              </a:rPr>
-              <a:t>) </a:t>
+              <a:t>auto min(T x, S y) </a:t>
             </a:r>
             <a:r>
               <a:rPr lang="en-US" smtClean="0">
@@ -10489,13 +10423,7 @@
               <a:rPr lang="en-US">
                 <a:latin typeface="Consolas" panose="020B0609020204030204" pitchFamily="49" charset="0"/>
               </a:rPr>
-              <a:t>x &lt; y ? x </a:t>
-            </a:r>
-            <a:r>
-              <a:rPr lang="en-US">
-                <a:latin typeface="Consolas" panose="020B0609020204030204" pitchFamily="49" charset="0"/>
-              </a:rPr>
-              <a:t>: </a:t>
+              <a:t>x &lt; y ? x : </a:t>
             </a:r>
             <a:r>
               <a:rPr lang="en-US" smtClean="0">
@@ -10540,12 +10468,6 @@
               </a:rPr>
               <a:t>auto bad_sum_to (int i) {</a:t>
             </a:r>
-            <a:r>
-              <a:rPr lang="en-US">
-                <a:latin typeface="Consolas" panose="020B0609020204030204" pitchFamily="49" charset="0"/>
-              </a:rPr>
-              <a:t/>
-            </a:r>
             <a:br>
               <a:rPr lang="en-US">
                 <a:latin typeface="Consolas" panose="020B0609020204030204" pitchFamily="49" charset="0"/>
@@ -10567,13 +10489,7 @@
               <a:rPr lang="en-US">
                 <a:latin typeface="Consolas" panose="020B0609020204030204" pitchFamily="49" charset="0"/>
               </a:rPr>
-              <a:t>(i &gt; </a:t>
-            </a:r>
-            <a:r>
-              <a:rPr lang="en-US">
-                <a:latin typeface="Consolas" panose="020B0609020204030204" pitchFamily="49" charset="0"/>
-              </a:rPr>
-              <a:t>2</a:t>
+              <a:t>(i &gt; 2</a:t>
             </a:r>
             <a:r>
               <a:rPr lang="en-US" smtClean="0">
@@ -10597,13 +10513,7 @@
               <a:rPr lang="en-US">
                 <a:latin typeface="Consolas" panose="020B0609020204030204" pitchFamily="49" charset="0"/>
               </a:rPr>
-              <a:t>bad_sum_to (i-1) </a:t>
-            </a:r>
-            <a:r>
-              <a:rPr lang="en-US">
-                <a:latin typeface="Consolas" panose="020B0609020204030204" pitchFamily="49" charset="0"/>
-              </a:rPr>
-              <a:t>+ </a:t>
+              <a:t>bad_sum_to (i-1) + </a:t>
             </a:r>
             <a:r>
               <a:rPr lang="en-US" smtClean="0">
@@ -10746,24 +10656,36 @@
               <a:rPr lang="en-US" smtClean="0">
                 <a:latin typeface="Consolas" panose="020B0609020204030204" pitchFamily="49" charset="0"/>
               </a:rPr>
-              <a:t>int main () {</a:t>
-            </a:r>
-          </a:p>
-          <a:p>
-            <a:pPr marL="45720" indent="0">
-              <a:buNone/>
-            </a:pPr>
-            <a:r>
-              <a:rPr lang="en-US">
-                <a:latin typeface="Consolas" panose="020B0609020204030204" pitchFamily="49" charset="0"/>
-              </a:rPr>
-              <a:t> </a:t>
-            </a:r>
-            <a:r>
-              <a:rPr lang="en-US" smtClean="0">
-                <a:latin typeface="Consolas" panose="020B0609020204030204" pitchFamily="49" charset="0"/>
-              </a:rPr>
-              <a:t> func();                  </a:t>
+              <a:t>int main () </a:t>
+            </a:r>
+            <a:r>
+              <a:rPr lang="en-US" smtClean="0">
+                <a:latin typeface="Consolas" panose="020B0609020204030204" pitchFamily="49" charset="0"/>
+              </a:rPr>
+              <a:t>{</a:t>
+            </a:r>
+            <a:r>
+              <a:rPr lang="ru-RU" smtClean="0">
+                <a:latin typeface="Consolas" panose="020B0609020204030204" pitchFamily="49" charset="0"/>
+              </a:rPr>
+              <a:t/>
+            </a:r>
+            <a:br>
+              <a:rPr lang="ru-RU" smtClean="0">
+                <a:latin typeface="Consolas" panose="020B0609020204030204" pitchFamily="49" charset="0"/>
+              </a:rPr>
+            </a:br>
+            <a:r>
+              <a:rPr lang="en-US" smtClean="0">
+                <a:latin typeface="Consolas" panose="020B0609020204030204" pitchFamily="49" charset="0"/>
+              </a:rPr>
+              <a:t>  </a:t>
+            </a:r>
+            <a:r>
+              <a:rPr lang="en-US" smtClean="0">
+                <a:latin typeface="Consolas" panose="020B0609020204030204" pitchFamily="49" charset="0"/>
+              </a:rPr>
+              <a:t>func();                  </a:t>
             </a:r>
             <a:r>
               <a:rPr lang="en-US" smtClean="0">
@@ -10772,19 +10694,43 @@
                 </a:solidFill>
                 <a:latin typeface="Consolas" panose="020B0609020204030204" pitchFamily="49" charset="0"/>
               </a:rPr>
-              <a:t>// use before deduction</a:t>
-            </a:r>
-          </a:p>
-          <a:p>
-            <a:pPr marL="45720" indent="0">
-              <a:buNone/>
-            </a:pPr>
+              <a:t>// use before </a:t>
+            </a:r>
+            <a:r>
+              <a:rPr lang="en-US" smtClean="0">
+                <a:solidFill>
+                  <a:srgbClr val="FF0000"/>
+                </a:solidFill>
+                <a:latin typeface="Consolas" panose="020B0609020204030204" pitchFamily="49" charset="0"/>
+              </a:rPr>
+              <a:t>deduction</a:t>
+            </a:r>
+            <a:r>
+              <a:rPr lang="ru-RU" smtClean="0">
+                <a:solidFill>
+                  <a:srgbClr val="FF0000"/>
+                </a:solidFill>
+                <a:latin typeface="Consolas" panose="020B0609020204030204" pitchFamily="49" charset="0"/>
+              </a:rPr>
+              <a:t/>
+            </a:r>
+            <a:br>
+              <a:rPr lang="ru-RU" smtClean="0">
+                <a:solidFill>
+                  <a:srgbClr val="FF0000"/>
+                </a:solidFill>
+                <a:latin typeface="Consolas" panose="020B0609020204030204" pitchFamily="49" charset="0"/>
+              </a:rPr>
+            </a:br>
             <a:r>
               <a:rPr lang="en-US" smtClean="0">
                 <a:latin typeface="Consolas" panose="020B0609020204030204" pitchFamily="49" charset="0"/>
               </a:rPr>
               <a:t>}</a:t>
             </a:r>
+            <a:endParaRPr lang="en-US" smtClean="0">
+              <a:latin typeface="Consolas" panose="020B0609020204030204" pitchFamily="49" charset="0"/>
+            </a:endParaRPr>
           </a:p>
           <a:p>
             <a:pPr marL="45720" indent="0">
@@ -10924,19 +10870,7 @@
               <a:rPr lang="en-US">
                 <a:latin typeface="Consolas" panose="020B0609020204030204" pitchFamily="49" charset="0"/>
               </a:rPr>
-              <a:t>string&amp; lookup2</a:t>
-            </a:r>
-            <a:r>
-              <a:rPr lang="en-US">
-                <a:latin typeface="Consolas" panose="020B0609020204030204" pitchFamily="49" charset="0"/>
-              </a:rPr>
-              <a:t>();</a:t>
-            </a:r>
-            <a:r>
-              <a:rPr lang="en-US">
-                <a:latin typeface="Consolas" panose="020B0609020204030204" pitchFamily="49" charset="0"/>
-              </a:rPr>
-              <a:t> </a:t>
+              <a:t>string&amp; lookup2(); </a:t>
             </a:r>
             <a:endParaRPr lang="ru-RU" smtClean="0">
               <a:latin typeface="Consolas" panose="020B0609020204030204" pitchFamily="49" charset="0"/>
@@ -10956,13 +10890,7 @@
               <a:rPr lang="en-US">
                 <a:latin typeface="Consolas" panose="020B0609020204030204" pitchFamily="49" charset="0"/>
               </a:rPr>
-              <a:t>do1() { return lookup1</a:t>
-            </a:r>
-            <a:r>
-              <a:rPr lang="en-US">
-                <a:latin typeface="Consolas" panose="020B0609020204030204" pitchFamily="49" charset="0"/>
-              </a:rPr>
-              <a:t>(); </a:t>
+              <a:t>do1() { return lookup1(); </a:t>
             </a:r>
             <a:r>
               <a:rPr lang="en-US" smtClean="0">
@@ -10981,20 +10909,13 @@
                 <a:latin typeface="Consolas" panose="020B0609020204030204" pitchFamily="49" charset="0"/>
                 <a:sym typeface="Symbol" panose="05050102010706020507" pitchFamily="18" charset="2"/>
               </a:rPr>
-              <a:t> </a:t>
-            </a:r>
-            <a:r>
-              <a:rPr lang="en-US">
+              <a:t> string </a:t>
+            </a:r>
+            <a:r>
+              <a:rPr lang="en-US" smtClean="0">
                 <a:latin typeface="Consolas" panose="020B0609020204030204" pitchFamily="49" charset="0"/>
                 <a:sym typeface="Symbol" panose="05050102010706020507" pitchFamily="18" charset="2"/>
               </a:rPr>
-              <a:t>string </a:t>
-            </a:r>
-            <a:r>
-              <a:rPr lang="en-US" smtClean="0">
-                <a:latin typeface="Consolas" panose="020B0609020204030204" pitchFamily="49" charset="0"/>
-                <a:sym typeface="Symbol" panose="05050102010706020507" pitchFamily="18" charset="2"/>
-              </a:rPr>
               <a:t>do1()</a:t>
             </a:r>
             <a:r>
@@ -11018,19 +10939,7 @@
               <a:rPr lang="en-US">
                 <a:latin typeface="Consolas" panose="020B0609020204030204" pitchFamily="49" charset="0"/>
               </a:rPr>
-              <a:t>do2() { return lookup2(); </a:t>
-            </a:r>
-            <a:r>
-              <a:rPr lang="en-US">
-                <a:latin typeface="Consolas" panose="020B0609020204030204" pitchFamily="49" charset="0"/>
-              </a:rPr>
-              <a:t>}</a:t>
-            </a:r>
-            <a:r>
-              <a:rPr lang="en-US">
-                <a:latin typeface="Consolas" panose="020B0609020204030204" pitchFamily="49" charset="0"/>
-              </a:rPr>
-              <a:t> </a:t>
+              <a:t>do2() { return lookup2(); } </a:t>
             </a:r>
             <a:r>
               <a:rPr lang="en-US" smtClean="0">
@@ -11248,13 +11157,7 @@
               <a:rPr lang="en-US">
                 <a:latin typeface="Consolas" panose="020B0609020204030204" pitchFamily="49" charset="0"/>
               </a:rPr>
-              <a:t>decltype(auto) callme(Fun fun, Arg </a:t>
-            </a:r>
-            <a:r>
-              <a:rPr lang="en-US">
-                <a:latin typeface="Consolas" panose="020B0609020204030204" pitchFamily="49" charset="0"/>
-              </a:rPr>
-              <a:t>arg</a:t>
+              <a:t>decltype(auto) callme(Fun fun, Arg arg</a:t>
             </a:r>
             <a:r>
               <a:rPr lang="en-US" smtClean="0">
@@ -11283,19 +11186,7 @@
               <a:rPr lang="en-US">
                 <a:latin typeface="Consolas" panose="020B0609020204030204" pitchFamily="49" charset="0"/>
               </a:rPr>
-              <a:t>fun(arg);</a:t>
-            </a:r>
-            <a:r>
-              <a:rPr lang="en-US">
-                <a:latin typeface="Consolas" panose="020B0609020204030204" pitchFamily="49" charset="0"/>
-              </a:rPr>
-              <a:t> </a:t>
-            </a:r>
-            <a:r>
-              <a:rPr lang="en-US">
-                <a:latin typeface="Consolas" panose="020B0609020204030204" pitchFamily="49" charset="0"/>
-              </a:rPr>
-              <a:t/>
+              <a:t>fun(arg); </a:t>
             </a:r>
             <a:br>
               <a:rPr lang="en-US">
@@ -11448,12 +11339,6 @@
               </a:rPr>
               <a:t> lookupValue (int idx) {</a:t>
             </a:r>
-            <a:r>
-              <a:rPr lang="en-US">
-                <a:latin typeface="Consolas" panose="020B0609020204030204" pitchFamily="49" charset="0"/>
-              </a:rPr>
-              <a:t/>
-            </a:r>
             <a:br>
               <a:rPr lang="en-US">
                 <a:latin typeface="Consolas" panose="020B0609020204030204" pitchFamily="49" charset="0"/>
@@ -11471,12 +11356,6 @@
               </a:rPr>
               <a:t>ind = calcValue (idx);</a:t>
             </a:r>
-            <a:r>
-              <a:rPr lang="en-US">
-                <a:latin typeface="Consolas" panose="020B0609020204030204" pitchFamily="49" charset="0"/>
-              </a:rPr>
-              <a:t/>
-            </a:r>
             <a:br>
               <a:rPr lang="en-US">
                 <a:latin typeface="Consolas" panose="020B0609020204030204" pitchFamily="49" charset="0"/>
@@ -11494,12 +11373,6 @@
               </a:rPr>
               <a:t>val = values[ind];</a:t>
             </a:r>
-            <a:r>
-              <a:rPr lang="en-US">
-                <a:latin typeface="Consolas" panose="020B0609020204030204" pitchFamily="49" charset="0"/>
-              </a:rPr>
-              <a:t/>
-            </a:r>
             <a:br>
               <a:rPr lang="en-US">
                 <a:latin typeface="Consolas" panose="020B0609020204030204" pitchFamily="49" charset="0"/>
@@ -11516,12 +11389,6 @@
                 <a:latin typeface="Consolas" panose="020B0609020204030204" pitchFamily="49" charset="0"/>
               </a:rPr>
               <a:t>(val);</a:t>
-            </a:r>
-            <a:r>
-              <a:rPr lang="en-US">
-                <a:latin typeface="Consolas" panose="020B0609020204030204" pitchFamily="49" charset="0"/>
-              </a:rPr>
-              <a:t/>
             </a:r>
             <a:br>
               <a:rPr lang="en-US">
@@ -11632,12 +11499,6 @@
               </a:rPr>
               <a:t>// example by Scott Meyers</a:t>
             </a:r>
-            <a:r>
-              <a:rPr lang="en-US">
-                <a:latin typeface="Consolas" panose="020B0609020204030204" pitchFamily="49" charset="0"/>
-              </a:rPr>
-              <a:t/>
-            </a:r>
             <a:br>
               <a:rPr lang="en-US">
                 <a:latin typeface="Consolas" panose="020B0609020204030204" pitchFamily="49" charset="0"/>
@@ -11664,6 +11525,60 @@
               </a:rPr>
               <a:t>lookupValue (int idx) {</a:t>
             </a:r>
+            <a:br>
+              <a:rPr lang="en-US">
+                <a:latin typeface="Consolas" panose="020B0609020204030204" pitchFamily="49" charset="0"/>
+              </a:rPr>
+            </a:br>
+            <a:r>
+              <a:rPr lang="en-US" smtClean="0">
+                <a:latin typeface="Consolas" panose="020B0609020204030204" pitchFamily="49" charset="0"/>
+              </a:rPr>
+              <a:t>  auto </a:t>
+            </a:r>
+            <a:r>
+              <a:rPr lang="en-US">
+                <a:latin typeface="Consolas" panose="020B0609020204030204" pitchFamily="49" charset="0"/>
+              </a:rPr>
+              <a:t>ind = calcValue (idx);</a:t>
+            </a:r>
+            <a:br>
+              <a:rPr lang="en-US">
+                <a:latin typeface="Consolas" panose="020B0609020204030204" pitchFamily="49" charset="0"/>
+              </a:rPr>
+            </a:br>
+            <a:r>
+              <a:rPr lang="en-US" smtClean="0">
+                <a:latin typeface="Consolas" panose="020B0609020204030204" pitchFamily="49" charset="0"/>
+              </a:rPr>
+              <a:t>  auto </a:t>
+            </a:r>
+            <a:r>
+              <a:rPr lang="en-US">
+                <a:latin typeface="Consolas" panose="020B0609020204030204" pitchFamily="49" charset="0"/>
+              </a:rPr>
+              <a:t>val = values[ind</a:t>
+            </a:r>
+            <a:r>
+              <a:rPr lang="en-US" smtClean="0">
+                <a:latin typeface="Consolas" panose="020B0609020204030204" pitchFamily="49" charset="0"/>
+              </a:rPr>
+              <a:t>]; // </a:t>
+            </a:r>
+            <a:r>
+              <a:rPr lang="en-US">
+                <a:latin typeface="Consolas" panose="020B0609020204030204" pitchFamily="49" charset="0"/>
+                <a:sym typeface="Symbol" panose="05050102010706020507" pitchFamily="18" charset="2"/>
+              </a:rPr>
+              <a:t> </a:t>
+            </a:r>
+            <a:r>
+              <a:rPr lang="en-US" smtClean="0">
+                <a:latin typeface="Consolas" panose="020B0609020204030204" pitchFamily="49" charset="0"/>
+                <a:sym typeface="Symbol" panose="05050102010706020507" pitchFamily="18" charset="2"/>
+              </a:rPr>
+              <a:t>int val</a:t>
+            </a:r>
             <a:r>
               <a:rPr lang="en-US">
                 <a:latin typeface="Consolas" panose="020B0609020204030204" pitchFamily="49" charset="0"/>
@@ -11679,91 +11594,13 @@
               <a:rPr lang="en-US" smtClean="0">
                 <a:latin typeface="Consolas" panose="020B0609020204030204" pitchFamily="49" charset="0"/>
               </a:rPr>
-              <a:t>  auto </a:t>
-            </a:r>
-            <a:r>
-              <a:rPr lang="en-US">
-                <a:latin typeface="Consolas" panose="020B0609020204030204" pitchFamily="49" charset="0"/>
-              </a:rPr>
-              <a:t>ind = calcValue (idx);</a:t>
-            </a:r>
-            <a:r>
-              <a:rPr lang="en-US">
-                <a:latin typeface="Consolas" panose="020B0609020204030204" pitchFamily="49" charset="0"/>
-              </a:rPr>
-              <a:t/>
-            </a:r>
-            <a:br>
-              <a:rPr lang="en-US">
-                <a:latin typeface="Consolas" panose="020B0609020204030204" pitchFamily="49" charset="0"/>
-              </a:rPr>
-            </a:br>
-            <a:r>
-              <a:rPr lang="en-US" smtClean="0">
-                <a:latin typeface="Consolas" panose="020B0609020204030204" pitchFamily="49" charset="0"/>
-              </a:rPr>
-              <a:t>  auto </a:t>
-            </a:r>
-            <a:r>
-              <a:rPr lang="en-US">
-                <a:latin typeface="Consolas" panose="020B0609020204030204" pitchFamily="49" charset="0"/>
-              </a:rPr>
-              <a:t>val = </a:t>
-            </a:r>
-            <a:r>
-              <a:rPr lang="en-US">
-                <a:latin typeface="Consolas" panose="020B0609020204030204" pitchFamily="49" charset="0"/>
-              </a:rPr>
-              <a:t>values[ind</a:t>
-            </a:r>
-            <a:r>
-              <a:rPr lang="en-US" smtClean="0">
-                <a:latin typeface="Consolas" panose="020B0609020204030204" pitchFamily="49" charset="0"/>
-              </a:rPr>
-              <a:t>]; // </a:t>
-            </a:r>
-            <a:r>
-              <a:rPr lang="en-US">
-                <a:latin typeface="Consolas" panose="020B0609020204030204" pitchFamily="49" charset="0"/>
-                <a:sym typeface="Symbol" panose="05050102010706020507" pitchFamily="18" charset="2"/>
-              </a:rPr>
-              <a:t> </a:t>
-            </a:r>
-            <a:r>
-              <a:rPr lang="en-US" smtClean="0">
-                <a:latin typeface="Consolas" panose="020B0609020204030204" pitchFamily="49" charset="0"/>
-                <a:sym typeface="Symbol" panose="05050102010706020507" pitchFamily="18" charset="2"/>
-              </a:rPr>
-              <a:t>int val</a:t>
-            </a:r>
-            <a:r>
-              <a:rPr lang="en-US">
-                <a:latin typeface="Consolas" panose="020B0609020204030204" pitchFamily="49" charset="0"/>
-              </a:rPr>
-              <a:t/>
-            </a:r>
-            <a:br>
-              <a:rPr lang="en-US">
-                <a:latin typeface="Consolas" panose="020B0609020204030204" pitchFamily="49" charset="0"/>
-              </a:rPr>
-            </a:br>
-            <a:r>
-              <a:rPr lang="en-US" smtClean="0">
-                <a:latin typeface="Consolas" panose="020B0609020204030204" pitchFamily="49" charset="0"/>
-              </a:rPr>
               <a:t>  return </a:t>
             </a:r>
             <a:r>
               <a:rPr lang="en-US">
                 <a:latin typeface="Consolas" panose="020B0609020204030204" pitchFamily="49" charset="0"/>
               </a:rPr>
-              <a:t>(</a:t>
-            </a:r>
-            <a:r>
-              <a:rPr lang="en-US">
-                <a:latin typeface="Consolas" panose="020B0609020204030204" pitchFamily="49" charset="0"/>
-              </a:rPr>
-              <a:t>val</a:t>
+              <a:t>(val</a:t>
             </a:r>
             <a:r>
               <a:rPr lang="en-US" smtClean="0">
@@ -12154,11 +11991,7 @@
           <a:p>
             <a:r>
               <a:rPr lang="ru-RU"/>
-              <a:t>Функция к указателю </a:t>
-            </a:r>
-            <a:r>
-              <a:rPr lang="ru-RU"/>
-              <a:t>на </a:t>
+              <a:t>Функция к указателю на </a:t>
             </a:r>
             <a:r>
               <a:rPr lang="ru-RU" smtClean="0"/>
@@ -12279,13 +12112,7 @@
               <a:rPr lang="en-US">
                 <a:latin typeface="Consolas" panose="020B0609020204030204" pitchFamily="49" charset="0"/>
               </a:rPr>
-              <a:t>const int </a:t>
-            </a:r>
-            <a:r>
-              <a:rPr lang="en-US">
-                <a:latin typeface="Consolas" panose="020B0609020204030204" pitchFamily="49" charset="0"/>
-              </a:rPr>
-              <a:t>&amp;</a:t>
+              <a:t>const int &amp;</a:t>
             </a:r>
             <a:r>
               <a:rPr lang="en-US" smtClean="0">
@@ -12574,13 +12401,7 @@
               <a:rPr lang="en-US">
                 <a:latin typeface="Consolas" panose="020B0609020204030204" pitchFamily="49" charset="0"/>
               </a:rPr>
-              <a:t> </a:t>
-            </a:r>
-            <a:r>
-              <a:rPr lang="en-US">
-                <a:latin typeface="Consolas" panose="020B0609020204030204" pitchFamily="49" charset="0"/>
-              </a:rPr>
-              <a:t>to </a:t>
+              <a:t> to </a:t>
             </a:r>
             <a:r>
               <a:rPr lang="en-US" smtClean="0">
@@ -12686,13 +12507,7 @@
               <a:rPr lang="en-US">
                 <a:latin typeface="Consolas" panose="020B0609020204030204" pitchFamily="49" charset="0"/>
               </a:rPr>
-              <a:t>&lt;decltype(x)&gt; </a:t>
-            </a:r>
-            <a:r>
-              <a:rPr lang="en-US">
-                <a:latin typeface="Consolas" panose="020B0609020204030204" pitchFamily="49" charset="0"/>
-              </a:rPr>
-              <a:t>y</a:t>
+              <a:t>&lt;decltype(x)&gt; y</a:t>
             </a:r>
             <a:r>
               <a:rPr lang="en-US" smtClean="0">
@@ -12704,13 +12519,7 @@
               <a:rPr lang="en-US">
                 <a:latin typeface="Consolas" panose="020B0609020204030204" pitchFamily="49" charset="0"/>
               </a:rPr>
-              <a:t>decltype(x</a:t>
-            </a:r>
-            <a:r>
-              <a:rPr lang="en-US">
-                <a:latin typeface="Consolas" panose="020B0609020204030204" pitchFamily="49" charset="0"/>
-              </a:rPr>
-              <a:t>) </a:t>
+              <a:t>decltype(x) </a:t>
             </a:r>
             <a:r>
               <a:rPr lang="en-US" smtClean="0">
@@ -13208,13 +13017,7 @@
               <a:rPr lang="fr-FR">
                 <a:latin typeface="Consolas" panose="020B0609020204030204" pitchFamily="49" charset="0"/>
               </a:rPr>
-              <a:t>template &lt;class T1, </a:t>
-            </a:r>
-            <a:r>
-              <a:rPr lang="fr-FR">
-                <a:latin typeface="Consolas" panose="020B0609020204030204" pitchFamily="49" charset="0"/>
-              </a:rPr>
-              <a:t>class </a:t>
+              <a:t>template &lt;class T1, class </a:t>
             </a:r>
             <a:r>
               <a:rPr lang="fr-FR" smtClean="0">
@@ -13237,13 +13040,7 @@
               <a:rPr lang="fr-FR">
                 <a:latin typeface="Consolas" panose="020B0609020204030204" pitchFamily="49" charset="0"/>
               </a:rPr>
-              <a:t>common_type&lt;T1, T2&gt; </a:t>
-            </a:r>
-            <a:r>
-              <a:rPr lang="fr-FR">
-                <a:latin typeface="Consolas" panose="020B0609020204030204" pitchFamily="49" charset="0"/>
-              </a:rPr>
-              <a:t>: </a:t>
+              <a:t>common_type&lt;T1, T2&gt; : </a:t>
             </a:r>
             <a:r>
               <a:rPr lang="fr-FR" smtClean="0">
@@ -13266,13 +13063,7 @@
               <a:rPr lang="fr-FR">
                 <a:latin typeface="Consolas" panose="020B0609020204030204" pitchFamily="49" charset="0"/>
               </a:rPr>
-              <a:t>&gt;, decay_t&lt;T2&gt;&gt; </a:t>
-            </a:r>
-            <a:r>
-              <a:rPr lang="fr-FR">
-                <a:latin typeface="Consolas" panose="020B0609020204030204" pitchFamily="49" charset="0"/>
-              </a:rPr>
-              <a:t>{ </a:t>
+              <a:t>&gt;, decay_t&lt;T2&gt;&gt; { </a:t>
             </a:r>
             <a:r>
               <a:rPr lang="fr-FR" smtClean="0">
@@ -13303,13 +13094,7 @@
               <a:rPr lang="en-US">
                 <a:latin typeface="Consolas" panose="020B0609020204030204" pitchFamily="49" charset="0"/>
               </a:rPr>
-              <a:t>template &lt;class T, class U&gt; </a:t>
-            </a:r>
-            <a:r>
-              <a:rPr lang="en-US">
-                <a:latin typeface="Consolas" panose="020B0609020204030204" pitchFamily="49" charset="0"/>
-              </a:rPr>
-              <a:t>struct </a:t>
+              <a:t>template &lt;class T, class U&gt; struct </a:t>
             </a:r>
             <a:r>
               <a:rPr lang="en-US" smtClean="0">
@@ -13338,13 +13123,7 @@
               <a:rPr lang="en-US">
                 <a:latin typeface="Consolas" panose="020B0609020204030204" pitchFamily="49" charset="0"/>
               </a:rPr>
-              <a:t>typedef decay_t &lt; decltype(true </a:t>
-            </a:r>
-            <a:r>
-              <a:rPr lang="en-US">
-                <a:latin typeface="Consolas" panose="020B0609020204030204" pitchFamily="49" charset="0"/>
-              </a:rPr>
-              <a:t>? </a:t>
+              <a:t>typedef decay_t &lt; decltype(true ? </a:t>
             </a:r>
             <a:r>
               <a:rPr lang="en-US" smtClean="0">
@@ -13368,13 +13147,7 @@
               <a:rPr lang="en-US">
                 <a:latin typeface="Consolas" panose="020B0609020204030204" pitchFamily="49" charset="0"/>
               </a:rPr>
-              <a:t>&gt; </a:t>
-            </a:r>
-            <a:r>
-              <a:rPr lang="en-US">
-                <a:latin typeface="Consolas" panose="020B0609020204030204" pitchFamily="49" charset="0"/>
-              </a:rPr>
-              <a:t>type</a:t>
+              <a:t>&gt; type</a:t>
             </a:r>
             <a:r>
               <a:rPr lang="en-US" smtClean="0">
@@ -13530,13 +13303,7 @@
               <a:rPr lang="en-US">
                 <a:latin typeface="Consolas" panose="020B0609020204030204" pitchFamily="49" charset="0"/>
               </a:rPr>
-              <a:t>    typedef decay_t </a:t>
-            </a:r>
-            <a:r>
-              <a:rPr lang="en-US">
-                <a:latin typeface="Consolas" panose="020B0609020204030204" pitchFamily="49" charset="0"/>
-              </a:rPr>
-              <a:t>&lt; </a:t>
+              <a:t>    typedef decay_t &lt; </a:t>
             </a:r>
             <a:r>
               <a:rPr lang="en-US" smtClean="0">
@@ -13827,13 +13594,7 @@
               <a:rPr lang="en-US">
                 <a:latin typeface="Consolas" panose="020B0609020204030204" pitchFamily="49" charset="0"/>
               </a:rPr>
-              <a:t>void foo (T *const &amp; t</a:t>
-            </a:r>
-            <a:r>
-              <a:rPr lang="en-US">
-                <a:latin typeface="Consolas" panose="020B0609020204030204" pitchFamily="49" charset="0"/>
-              </a:rPr>
-              <a:t>) </a:t>
+              <a:t>void foo (T *const &amp; t) </a:t>
             </a:r>
             <a:r>
               <a:rPr lang="en-US" smtClean="0">
@@ -13856,19 +13617,7 @@
               <a:rPr lang="en-US">
                 <a:latin typeface="Consolas" panose="020B0609020204030204" pitchFamily="49" charset="0"/>
               </a:rPr>
-              <a:t>cout &lt;&lt; typeid(t).name() &lt;&lt; endl</a:t>
-            </a:r>
-            <a:r>
-              <a:rPr lang="en-US">
-                <a:latin typeface="Consolas" panose="020B0609020204030204" pitchFamily="49" charset="0"/>
-              </a:rPr>
-              <a:t>;</a:t>
-            </a:r>
-            <a:r>
-              <a:rPr lang="en-US">
-                <a:latin typeface="Consolas" panose="020B0609020204030204" pitchFamily="49" charset="0"/>
-              </a:rPr>
-              <a:t> </a:t>
+              <a:t>cout &lt;&lt; typeid(t).name() &lt;&lt; endl; </a:t>
             </a:r>
             <a:r>
               <a:rPr lang="ru-RU">
@@ -14057,13 +13806,7 @@
               <a:rPr lang="en-US">
                 <a:latin typeface="Consolas" panose="020B0609020204030204" pitchFamily="49" charset="0"/>
               </a:rPr>
-              <a:t>x </a:t>
-            </a:r>
-            <a:r>
-              <a:rPr lang="en-US">
-                <a:latin typeface="Consolas" panose="020B0609020204030204" pitchFamily="49" charset="0"/>
-              </a:rPr>
-              <a:t>= </a:t>
+              <a:t>x = </a:t>
             </a:r>
             <a:r>
               <a:rPr lang="en-US" smtClean="0">
@@ -14089,13 +13832,7 @@
               <a:rPr lang="en-US">
                 <a:latin typeface="Consolas" panose="020B0609020204030204" pitchFamily="49" charset="0"/>
               </a:rPr>
-              <a:t>(&amp;</a:t>
-            </a:r>
-            <a:r>
-              <a:rPr lang="en-US">
-                <a:latin typeface="Consolas" panose="020B0609020204030204" pitchFamily="49" charset="0"/>
-              </a:rPr>
-              <a:t>x</a:t>
+              <a:t>(&amp;x</a:t>
             </a:r>
             <a:r>
               <a:rPr lang="en-US" smtClean="0">
@@ -14140,15 +13877,7 @@
                   <a:srgbClr val="FF0000"/>
                 </a:solidFill>
               </a:rPr>
-              <a:t>reference to `void foo&lt;int&gt;(int* </a:t>
-            </a:r>
-            <a:r>
-              <a:rPr lang="en-US">
-                <a:solidFill>
-                  <a:srgbClr val="FF0000"/>
-                </a:solidFill>
-              </a:rPr>
-              <a:t>const</a:t>
+              <a:t>reference to `void foo&lt;int&gt;(int* const</a:t>
             </a:r>
             <a:r>
               <a:rPr lang="en-US" smtClean="0">
@@ -14291,13 +14020,7 @@
               <a:rPr lang="en-US">
                 <a:latin typeface="Consolas" panose="020B0609020204030204" pitchFamily="49" charset="0"/>
               </a:rPr>
-              <a:t>template &lt;</a:t>
-            </a:r>
-            <a:r>
-              <a:rPr lang="en-US">
-                <a:latin typeface="Consolas" panose="020B0609020204030204" pitchFamily="49" charset="0"/>
-              </a:rPr>
-              <a:t>typename </a:t>
+              <a:t>template &lt;typename </a:t>
             </a:r>
             <a:r>
               <a:rPr lang="en-US" smtClean="0">
@@ -14321,13 +14044,7 @@
               <a:rPr lang="en-US">
                 <a:latin typeface="Consolas" panose="020B0609020204030204" pitchFamily="49" charset="0"/>
               </a:rPr>
-              <a:t>foo (T *const &amp; t</a:t>
-            </a:r>
-            <a:r>
-              <a:rPr lang="en-US">
-                <a:latin typeface="Consolas" panose="020B0609020204030204" pitchFamily="49" charset="0"/>
-              </a:rPr>
-              <a:t>) </a:t>
+              <a:t>foo (T *const &amp; t) </a:t>
             </a:r>
             <a:r>
               <a:rPr lang="en-US" smtClean="0">
@@ -14395,87 +14112,81 @@
                   <a:srgbClr val="FF0000"/>
                 </a:solidFill>
               </a:rPr>
-              <a:t>&gt; tType’ has </a:t>
-            </a:r>
-            <a:r>
-              <a:rPr lang="en-US">
+              <a:t>&gt; tType’ has incomplete </a:t>
+            </a:r>
+            <a:r>
+              <a:rPr lang="en-US" smtClean="0">
                 <a:solidFill>
                   <a:srgbClr val="FF0000"/>
                 </a:solidFill>
               </a:rPr>
-              <a:t>incomplete </a:t>
-            </a:r>
-            <a:r>
-              <a:rPr lang="en-US" smtClean="0">
+              <a:t>type</a:t>
+            </a:r>
+            <a:r>
+              <a:rPr lang="ru-RU" smtClean="0">
                 <a:solidFill>
                   <a:srgbClr val="FF0000"/>
                 </a:solidFill>
               </a:rPr>
-              <a:t>type</a:t>
-            </a:r>
-            <a:r>
+              <a:t/>
+            </a:r>
+            <a:br>
               <a:rPr lang="ru-RU" smtClean="0">
                 <a:solidFill>
                   <a:srgbClr val="FF0000"/>
                 </a:solidFill>
               </a:rPr>
-              <a:t/>
-            </a:r>
-            <a:br>
-              <a:rPr lang="ru-RU" smtClean="0">
+            </a:br>
+            <a:r>
+              <a:rPr lang="ru-RU" smtClean="0">
+                <a:latin typeface="Consolas" panose="020B0609020204030204" pitchFamily="49" charset="0"/>
+              </a:rPr>
+              <a:t>  </a:t>
+            </a:r>
+            <a:r>
+              <a:rPr lang="en-US" smtClean="0">
+                <a:latin typeface="Consolas" panose="020B0609020204030204" pitchFamily="49" charset="0"/>
+              </a:rPr>
+              <a:t>TD&lt;t</a:t>
+            </a:r>
+            <a:r>
+              <a:rPr lang="en-US">
+                <a:latin typeface="Consolas" panose="020B0609020204030204" pitchFamily="49" charset="0"/>
+              </a:rPr>
+              <a:t>&gt; tParam; </a:t>
+            </a:r>
+            <a:r>
+              <a:rPr lang="en-US" smtClean="0">
                 <a:solidFill>
                   <a:srgbClr val="FF0000"/>
                 </a:solidFill>
-              </a:rPr>
-            </a:br>
-            <a:r>
-              <a:rPr lang="ru-RU" smtClean="0">
-                <a:latin typeface="Consolas" panose="020B0609020204030204" pitchFamily="49" charset="0"/>
-              </a:rPr>
-              <a:t>  </a:t>
-            </a:r>
-            <a:r>
-              <a:rPr lang="en-US" smtClean="0">
-                <a:latin typeface="Consolas" panose="020B0609020204030204" pitchFamily="49" charset="0"/>
-              </a:rPr>
-              <a:t>TD&lt;t</a:t>
-            </a:r>
-            <a:r>
-              <a:rPr lang="en-US">
-                <a:latin typeface="Consolas" panose="020B0609020204030204" pitchFamily="49" charset="0"/>
-              </a:rPr>
-              <a:t>&gt; tParam</a:t>
-            </a:r>
-            <a:r>
-              <a:rPr lang="en-US">
-                <a:latin typeface="Consolas" panose="020B0609020204030204" pitchFamily="49" charset="0"/>
-              </a:rPr>
-              <a:t>; </a:t>
+                <a:latin typeface="Consolas" panose="020B0609020204030204" pitchFamily="49" charset="0"/>
+              </a:rPr>
+              <a:t>//</a:t>
             </a:r>
             <a:r>
               <a:rPr lang="en-US" smtClean="0">
                 <a:solidFill>
                   <a:srgbClr val="FF0000"/>
                 </a:solidFill>
-                <a:latin typeface="Consolas" panose="020B0609020204030204" pitchFamily="49" charset="0"/>
-              </a:rPr>
-              <a:t>//</a:t>
-            </a:r>
-            <a:r>
-              <a:rPr lang="en-US" smtClean="0">
+              </a:rPr>
+              <a:t> </a:t>
+            </a:r>
+            <a:r>
+              <a:rPr lang="en-US">
                 <a:solidFill>
                   <a:srgbClr val="FF0000"/>
                 </a:solidFill>
               </a:rPr>
-              <a:t> </a:t>
-            </a:r>
-            <a:r>
-              <a:rPr lang="en-US">
+              <a:t>error: </a:t>
+            </a:r>
+            <a:r>
+              <a:rPr lang="en-US" smtClean="0">
                 <a:solidFill>
                   <a:srgbClr val="FF0000"/>
                 </a:solidFill>
               </a:rPr>
-              <a:t>error</a:t>
+              <a:t> ‘TD&lt;int</a:t>
             </a:r>
             <a:r>
               <a:rPr lang="en-US">
@@ -14483,31 +14194,7 @@
                   <a:srgbClr val="FF0000"/>
                 </a:solidFill>
               </a:rPr>
-              <a:t>: </a:t>
-            </a:r>
-            <a:r>
-              <a:rPr lang="en-US" smtClean="0">
-                <a:solidFill>
-                  <a:srgbClr val="FF0000"/>
-                </a:solidFill>
-              </a:rPr>
-              <a:t> ‘TD&lt;int</a:t>
-            </a:r>
-            <a:r>
-              <a:rPr lang="en-US">
-                <a:solidFill>
-                  <a:srgbClr val="FF0000"/>
-                </a:solidFill>
-              </a:rPr>
-              <a:t>* const&amp;&gt; tParam’ has </a:t>
-            </a:r>
-            <a:r>
-              <a:rPr lang="en-US">
-                <a:solidFill>
-                  <a:srgbClr val="FF0000"/>
-                </a:solidFill>
-              </a:rPr>
-              <a:t>incomplete </a:t>
+              <a:t>* const&amp;&gt; tParam’ has incomplete </a:t>
             </a:r>
             <a:r>
               <a:rPr lang="en-US" smtClean="0">
@@ -14733,13 +14420,7 @@
               <a:rPr lang="en-US">
                 <a:latin typeface="Consolas" panose="020B0609020204030204" pitchFamily="49" charset="0"/>
               </a:rPr>
-              <a:t>int *z = </a:t>
-            </a:r>
-            <a:r>
-              <a:rPr lang="en-US">
-                <a:latin typeface="Consolas" panose="020B0609020204030204" pitchFamily="49" charset="0"/>
-              </a:rPr>
-              <a:t>&amp;</a:t>
+              <a:t>int *z = &amp;</a:t>
             </a:r>
             <a:r>
               <a:rPr lang="en-US" smtClean="0">
@@ -14768,13 +14449,7 @@
               <a:rPr lang="en-US">
                 <a:latin typeface="Consolas" panose="020B0609020204030204" pitchFamily="49" charset="0"/>
               </a:rPr>
-              <a:t>t </a:t>
-            </a:r>
-            <a:r>
-              <a:rPr lang="en-US">
-                <a:latin typeface="Consolas" panose="020B0609020204030204" pitchFamily="49" charset="0"/>
-              </a:rPr>
-              <a:t>= </a:t>
+              <a:t>t = </a:t>
             </a:r>
             <a:r>
               <a:rPr lang="en-US" smtClean="0">
@@ -14803,13 +14478,7 @@
               <a:rPr lang="en-US">
                 <a:latin typeface="Consolas" panose="020B0609020204030204" pitchFamily="49" charset="0"/>
               </a:rPr>
-              <a:t>)&gt; </a:t>
-            </a:r>
-            <a:r>
-              <a:rPr lang="en-US">
-                <a:latin typeface="Consolas" panose="020B0609020204030204" pitchFamily="49" charset="0"/>
-              </a:rPr>
-              <a:t>tType</a:t>
+              <a:t>)&gt; tType</a:t>
             </a:r>
             <a:r>
               <a:rPr lang="en-US" smtClean="0">
@@ -14832,39 +14501,23 @@
                   <a:srgbClr val="FF0000"/>
                 </a:solidFill>
               </a:rPr>
-              <a:t>error</a:t>
-            </a:r>
-            <a:r>
-              <a:rPr lang="en-US">
+              <a:t>error: </a:t>
+            </a:r>
+            <a:r>
+              <a:rPr lang="en-US" smtClean="0">
                 <a:solidFill>
                   <a:srgbClr val="FF0000"/>
                 </a:solidFill>
               </a:rPr>
-              <a:t>: </a:t>
-            </a:r>
-            <a:r>
-              <a:rPr lang="en-US" smtClean="0">
+              <a:t>‘</a:t>
+            </a:r>
+            <a:r>
+              <a:rPr lang="en-US">
                 <a:solidFill>
                   <a:srgbClr val="FF0000"/>
                 </a:solidFill>
               </a:rPr>
-              <a:t>‘</a:t>
-            </a:r>
-            <a:r>
-              <a:rPr lang="en-US">
-                <a:solidFill>
-                  <a:srgbClr val="FF0000"/>
-                </a:solidFill>
-              </a:rPr>
-              <a:t>TD&lt;const int</a:t>
-            </a:r>
-            <a:r>
-              <a:rPr lang="en-US">
-                <a:solidFill>
-                  <a:srgbClr val="FF0000"/>
-                </a:solidFill>
-              </a:rPr>
-              <a:t>*&gt; </a:t>
+              <a:t>TD&lt;const int*&gt; </a:t>
             </a:r>
             <a:r>
               <a:rPr lang="en-US" smtClean="0">
@@ -15105,13 +14758,7 @@
               <a:rPr lang="en-US">
                 <a:latin typeface="Consolas" panose="020B0609020204030204" pitchFamily="49" charset="0"/>
               </a:rPr>
-              <a:t>boost::typeindex</a:t>
-            </a:r>
-            <a:r>
-              <a:rPr lang="en-US">
-                <a:latin typeface="Consolas" panose="020B0609020204030204" pitchFamily="49" charset="0"/>
-              </a:rPr>
-              <a:t>::</a:t>
+              <a:t>boost::typeindex::</a:t>
             </a:r>
             <a:r>
               <a:rPr lang="en-US" smtClean="0">
@@ -15134,13 +14781,7 @@
               <a:rPr lang="en-US">
                 <a:latin typeface="Consolas" panose="020B0609020204030204" pitchFamily="49" charset="0"/>
               </a:rPr>
-              <a:t>&lt;typename T</a:t>
-            </a:r>
-            <a:r>
-              <a:rPr lang="en-US">
-                <a:latin typeface="Consolas" panose="020B0609020204030204" pitchFamily="49" charset="0"/>
-              </a:rPr>
-              <a:t>&gt; </a:t>
+              <a:t>&lt;typename T&gt; </a:t>
             </a:r>
             <a:r>
               <a:rPr lang="en-US" smtClean="0">
@@ -15178,12 +14819,6 @@
               </a:rPr>
               <a:t>{</a:t>
             </a:r>
-            <a:r>
-              <a:rPr lang="en-US">
-                <a:latin typeface="Consolas" panose="020B0609020204030204" pitchFamily="49" charset="0"/>
-              </a:rPr>
-              <a:t/>
-            </a:r>
             <a:br>
               <a:rPr lang="en-US">
                 <a:latin typeface="Consolas" panose="020B0609020204030204" pitchFamily="49" charset="0"/>
@@ -15231,12 +14866,6 @@
               </a:rPr>
               <a:t>)&gt;.pretty_name();</a:t>
             </a:r>
-            <a:r>
-              <a:rPr lang="en-US">
-                <a:latin typeface="Consolas" panose="020B0609020204030204" pitchFamily="49" charset="0"/>
-              </a:rPr>
-              <a:t/>
-            </a:r>
             <a:br>
               <a:rPr lang="en-US">
                 <a:latin typeface="Consolas" panose="020B0609020204030204" pitchFamily="49" charset="0"/>
@@ -15259,12 +14888,6 @@
                 <a:latin typeface="Consolas" panose="020B0609020204030204" pitchFamily="49" charset="0"/>
               </a:rPr>
               <a:t>&lt;&lt; namestr &lt;&lt; endl;</a:t>
-            </a:r>
-            <a:r>
-              <a:rPr lang="en-US">
-                <a:latin typeface="Consolas" panose="020B0609020204030204" pitchFamily="49" charset="0"/>
-              </a:rPr>
-              <a:t/>
             </a:r>
             <a:br>
               <a:rPr lang="en-US">
@@ -15418,13 +15041,7 @@
               <a:rPr lang="en-US">
                 <a:latin typeface="Consolas" panose="020B0609020204030204" pitchFamily="49" charset="0"/>
               </a:rPr>
-              <a:t>C++</a:t>
-            </a:r>
-            <a:r>
-              <a:rPr lang="en-US">
-                <a:latin typeface="Consolas" panose="020B0609020204030204" pitchFamily="49" charset="0"/>
-              </a:rPr>
-              <a:t>0x </a:t>
+              <a:t>C++0x </a:t>
             </a:r>
             <a:r>
               <a:rPr lang="en-US" smtClean="0">
@@ -15445,11 +15062,7 @@
             </a:r>
             <a:r>
               <a:rPr lang="en-US"/>
-              <a:t>Thomas Becker "C++ auto </a:t>
-            </a:r>
-            <a:r>
-              <a:rPr lang="en-US"/>
-              <a:t>and </a:t>
+              <a:t>Thomas Becker "C++ auto and </a:t>
             </a:r>
             <a:r>
               <a:rPr lang="en-US" smtClean="0"/>
@@ -15463,11 +15076,7 @@
             </a:r>
             <a:r>
               <a:rPr lang="en-US"/>
-              <a:t>Scott Meyers</a:t>
-            </a:r>
-            <a:r>
-              <a:rPr lang="en-US"/>
-              <a:t>, </a:t>
+              <a:t>Scott Meyers, </a:t>
             </a:r>
             <a:r>
               <a:rPr lang="en-US" smtClean="0"/>
@@ -15475,11 +15084,7 @@
             </a:r>
             <a:r>
               <a:rPr lang="en-US"/>
-              <a:t>Modern C++: </a:t>
-            </a:r>
-            <a:r>
-              <a:rPr lang="en-US"/>
-              <a:t>42 </a:t>
+              <a:t>Modern C++: 42 </a:t>
             </a:r>
             <a:r>
               <a:rPr lang="en-US" smtClean="0"/>
@@ -15487,19 +15092,11 @@
             </a:r>
             <a:r>
               <a:rPr lang="en-US"/>
-              <a:t>to Improve Your Use of C++11 and C++</a:t>
-            </a:r>
-            <a:r>
-              <a:rPr lang="en-US"/>
-              <a:t>14</a:t>
+              <a:t>to Improve Your Use of C++11 and C++14</a:t>
             </a:r>
             <a:r>
               <a:rPr lang="en-US" smtClean="0"/>
-              <a:t>”</a:t>
-            </a:r>
-            <a:r>
-              <a:rPr lang="en-US" smtClean="0"/>
-              <a:t>"</a:t>
+              <a:t>”"</a:t>
             </a:r>
             <a:endParaRPr lang="en-US"/>
           </a:p>
@@ -15510,11 +15107,7 @@
             </a:r>
             <a:r>
               <a:rPr lang="en-US"/>
-              <a:t>Meyers "Type Deduction and Why You </a:t>
-            </a:r>
-            <a:r>
-              <a:rPr lang="en-US"/>
-              <a:t>Care</a:t>
+              <a:t>Meyers "Type Deduction and Why You Care</a:t>
             </a:r>
             <a:r>
               <a:rPr lang="en-US" smtClean="0"/>
@@ -15699,25 +15292,19 @@
               <a:rPr lang="en-US" sz="2400" smtClean="0">
                 <a:latin typeface="Consolas" panose="020B0609020204030204" pitchFamily="49" charset="0"/>
               </a:rPr>
-              <a:t>int *px = &amp;x; // </a:t>
-            </a:r>
-            <a:r>
-              <a:rPr lang="ru-RU" sz="2400" smtClean="0">
-                <a:latin typeface="Consolas" panose="020B0609020204030204" pitchFamily="49" charset="0"/>
-              </a:rPr>
-              <a:t>подразумевается </a:t>
+              <a:t>int x = 42; int </a:t>
             </a:r>
             <a:r>
               <a:rPr lang="en-US" sz="2400" smtClean="0">
                 <a:latin typeface="Consolas" panose="020B0609020204030204" pitchFamily="49" charset="0"/>
               </a:rPr>
-              <a:t>int x </a:t>
-            </a:r>
-            <a:r>
-              <a:rPr lang="ru-RU" sz="2400" smtClean="0">
-                <a:latin typeface="Consolas" panose="020B0609020204030204" pitchFamily="49" charset="0"/>
-              </a:rPr>
-              <a:t>выше</a:t>
+              <a:t>*px = &amp;x</a:t>
+            </a:r>
+            <a:r>
+              <a:rPr lang="en-US" sz="2400" smtClean="0">
+                <a:latin typeface="Consolas" panose="020B0609020204030204" pitchFamily="49" charset="0"/>
+              </a:rPr>
+              <a:t>;</a:t>
             </a:r>
             <a:r>
               <a:rPr lang="en-US" sz="2400" smtClean="0">
@@ -15983,20 +15570,22 @@
         </p:nvSpPr>
         <p:spPr/>
         <p:txBody>
-          <a:bodyPr/>
+          <a:bodyPr>
+            <a:normAutofit/>
+          </a:bodyPr>
           <a:lstStyle/>
           <a:p>
             <a:pPr marL="45720" indent="0">
               <a:buNone/>
             </a:pPr>
             <a:r>
-              <a:rPr lang="en-US" sz="2000">
+              <a:rPr lang="en-US">
                 <a:latin typeface="Consolas" panose="020B0609020204030204" pitchFamily="49" charset="0"/>
               </a:rPr>
               <a:t>template &lt;typename T&gt; void foo (</a:t>
             </a:r>
             <a:r>
-              <a:rPr lang="en-US" sz="2000" smtClean="0">
+              <a:rPr lang="en-US" smtClean="0">
                 <a:solidFill>
                   <a:srgbClr val="0000FF"/>
                 </a:solidFill>
@@ -16005,7 +15594,7 @@
               <a:t>T</a:t>
             </a:r>
             <a:r>
-              <a:rPr lang="en-US" sz="2000">
+              <a:rPr lang="en-US">
                 <a:solidFill>
                   <a:srgbClr val="0000FF"/>
                 </a:solidFill>
@@ -16014,7 +15603,7 @@
               <a:t> </a:t>
             </a:r>
             <a:r>
-              <a:rPr lang="en-US" sz="2000" smtClean="0">
+              <a:rPr lang="en-US" smtClean="0">
                 <a:solidFill>
                   <a:srgbClr val="0000FF"/>
                 </a:solidFill>
@@ -16023,19 +15612,19 @@
               <a:t>* const &amp;</a:t>
             </a:r>
             <a:r>
-              <a:rPr lang="en-US" sz="2000" smtClean="0">
+              <a:rPr lang="en-US" smtClean="0">
                 <a:latin typeface="Consolas" panose="020B0609020204030204" pitchFamily="49" charset="0"/>
               </a:rPr>
               <a:t> </a:t>
             </a:r>
             <a:r>
-              <a:rPr lang="en-US" sz="2000">
+              <a:rPr lang="en-US">
                 <a:latin typeface="Consolas" panose="020B0609020204030204" pitchFamily="49" charset="0"/>
               </a:rPr>
               <a:t>t</a:t>
             </a:r>
             <a:r>
-              <a:rPr lang="en-US" sz="2000" smtClean="0">
+              <a:rPr lang="en-US" smtClean="0">
                 <a:latin typeface="Consolas" panose="020B0609020204030204" pitchFamily="49" charset="0"/>
               </a:rPr>
               <a:t>);</a:t>
@@ -16046,29 +15635,29 @@
               <a:buNone/>
             </a:pPr>
             <a:r>
-              <a:rPr lang="en-US" sz="2000" smtClean="0">
+              <a:rPr lang="en-US" smtClean="0">
                 <a:latin typeface="Consolas" panose="020B0609020204030204" pitchFamily="49" charset="0"/>
               </a:rPr>
               <a:t>int x = 42;</a:t>
             </a:r>
             <a:br>
-              <a:rPr lang="en-US" sz="2000" smtClean="0">
+              <a:rPr lang="en-US" smtClean="0">
                 <a:latin typeface="Consolas" panose="020B0609020204030204" pitchFamily="49" charset="0"/>
               </a:rPr>
             </a:br>
             <a:r>
-              <a:rPr lang="en-US" sz="2000" smtClean="0">
+              <a:rPr lang="en-US" smtClean="0">
                 <a:latin typeface="Consolas" panose="020B0609020204030204" pitchFamily="49" charset="0"/>
               </a:rPr>
               <a:t>int const &amp;y = x;</a:t>
             </a:r>
             <a:br>
-              <a:rPr lang="en-US" sz="2000" smtClean="0">
+              <a:rPr lang="en-US" smtClean="0">
                 <a:latin typeface="Consolas" panose="020B0609020204030204" pitchFamily="49" charset="0"/>
               </a:rPr>
             </a:br>
             <a:r>
-              <a:rPr lang="en-US" sz="2000" smtClean="0">
+              <a:rPr lang="en-US" smtClean="0">
                 <a:latin typeface="Consolas" panose="020B0609020204030204" pitchFamily="49" charset="0"/>
               </a:rPr>
               <a:t>int const *z = &amp;x;</a:t>
@@ -16079,25 +15668,25 @@
               <a:buNone/>
             </a:pPr>
             <a:r>
-              <a:rPr lang="en-US" sz="2000" smtClean="0">
+              <a:rPr lang="en-US" smtClean="0">
                 <a:latin typeface="Consolas" panose="020B0609020204030204" pitchFamily="49" charset="0"/>
               </a:rPr>
               <a:t>foo (&amp;x); </a:t>
             </a:r>
             <a:r>
-              <a:rPr lang="en-US" sz="2000">
+              <a:rPr lang="en-US">
                 <a:latin typeface="Consolas" panose="020B0609020204030204" pitchFamily="49" charset="0"/>
               </a:rPr>
               <a:t>// </a:t>
             </a:r>
             <a:r>
-              <a:rPr lang="en-US" sz="2000" smtClean="0">
+              <a:rPr lang="en-US" smtClean="0">
                 <a:latin typeface="Consolas" panose="020B0609020204030204" pitchFamily="49" charset="0"/>
                 <a:sym typeface="Symbol" panose="05050102010706020507" pitchFamily="18" charset="2"/>
               </a:rPr>
               <a:t> ???</a:t>
             </a:r>
-            <a:endParaRPr lang="en-US" sz="2000" smtClean="0">
+            <a:endParaRPr lang="en-US" smtClean="0">
               <a:latin typeface="Consolas" panose="020B0609020204030204" pitchFamily="49" charset="0"/>
             </a:endParaRPr>
           </a:p>
@@ -16106,25 +15695,25 @@
               <a:buNone/>
             </a:pPr>
             <a:r>
-              <a:rPr lang="en-US" sz="2000" smtClean="0">
+              <a:rPr lang="en-US" smtClean="0">
                 <a:latin typeface="Consolas" panose="020B0609020204030204" pitchFamily="49" charset="0"/>
               </a:rPr>
               <a:t>foo (&amp;y);</a:t>
             </a:r>
             <a:r>
-              <a:rPr lang="en-US" sz="2000">
+              <a:rPr lang="en-US">
                 <a:latin typeface="Consolas" panose="020B0609020204030204" pitchFamily="49" charset="0"/>
               </a:rPr>
               <a:t> // </a:t>
             </a:r>
             <a:r>
-              <a:rPr lang="en-US" sz="2000" smtClean="0">
+              <a:rPr lang="en-US" smtClean="0">
                 <a:latin typeface="Consolas" panose="020B0609020204030204" pitchFamily="49" charset="0"/>
                 <a:sym typeface="Symbol" panose="05050102010706020507" pitchFamily="18" charset="2"/>
               </a:rPr>
               <a:t> ???</a:t>
             </a:r>
-            <a:endParaRPr lang="en-US" sz="2000" smtClean="0">
+            <a:endParaRPr lang="en-US" smtClean="0">
               <a:latin typeface="Consolas" panose="020B0609020204030204" pitchFamily="49" charset="0"/>
             </a:endParaRPr>
           </a:p>
@@ -16133,32 +15722,32 @@
               <a:buNone/>
             </a:pPr>
             <a:r>
-              <a:rPr lang="en-US" sz="2000" smtClean="0">
+              <a:rPr lang="en-US" smtClean="0">
                 <a:latin typeface="Consolas" panose="020B0609020204030204" pitchFamily="49" charset="0"/>
               </a:rPr>
               <a:t>foo (z);</a:t>
             </a:r>
             <a:r>
-              <a:rPr lang="en-US" sz="2000">
+              <a:rPr lang="en-US">
                 <a:latin typeface="Consolas" panose="020B0609020204030204" pitchFamily="49" charset="0"/>
               </a:rPr>
               <a:t> // </a:t>
             </a:r>
             <a:r>
-              <a:rPr lang="en-US" sz="2000" smtClean="0">
+              <a:rPr lang="en-US" smtClean="0">
                 <a:latin typeface="Consolas" panose="020B0609020204030204" pitchFamily="49" charset="0"/>
                 <a:sym typeface="Symbol" panose="05050102010706020507" pitchFamily="18" charset="2"/>
               </a:rPr>
               <a:t> ???</a:t>
             </a:r>
             <a:r>
-              <a:rPr lang="en-US" sz="2000">
+              <a:rPr lang="en-US">
                 <a:latin typeface="Consolas" panose="020B0609020204030204" pitchFamily="49" charset="0"/>
               </a:rPr>
               <a:t/>
             </a:r>
             <a:br>
-              <a:rPr lang="en-US" sz="2000">
+              <a:rPr lang="en-US">
                 <a:latin typeface="Consolas" panose="020B0609020204030204" pitchFamily="49" charset="0"/>
               </a:rPr>
             </a:br>
@@ -16231,20 +15820,22 @@
         </p:nvSpPr>
         <p:spPr/>
         <p:txBody>
-          <a:bodyPr/>
+          <a:bodyPr>
+            <a:normAutofit/>
+          </a:bodyPr>
           <a:lstStyle/>
           <a:p>
             <a:pPr marL="45720" indent="0">
               <a:buNone/>
             </a:pPr>
             <a:r>
-              <a:rPr lang="en-US" sz="2000">
+              <a:rPr lang="en-US">
                 <a:latin typeface="Consolas" panose="020B0609020204030204" pitchFamily="49" charset="0"/>
               </a:rPr>
               <a:t>template &lt;typename T&gt; void foo (</a:t>
             </a:r>
             <a:r>
-              <a:rPr lang="en-US" sz="2000" smtClean="0">
+              <a:rPr lang="en-US" smtClean="0">
                 <a:solidFill>
                   <a:srgbClr val="0000FF"/>
                 </a:solidFill>
@@ -16253,7 +15844,7 @@
               <a:t>T</a:t>
             </a:r>
             <a:r>
-              <a:rPr lang="en-US" sz="2000">
+              <a:rPr lang="en-US">
                 <a:solidFill>
                   <a:srgbClr val="0000FF"/>
                 </a:solidFill>
@@ -16262,7 +15853,7 @@
               <a:t> </a:t>
             </a:r>
             <a:r>
-              <a:rPr lang="en-US" sz="2000" smtClean="0">
+              <a:rPr lang="en-US" smtClean="0">
                 <a:solidFill>
                   <a:srgbClr val="0000FF"/>
                 </a:solidFill>
@@ -16271,19 +15862,19 @@
               <a:t>* const &amp;</a:t>
             </a:r>
             <a:r>
-              <a:rPr lang="en-US" sz="2000" smtClean="0">
+              <a:rPr lang="en-US" smtClean="0">
                 <a:latin typeface="Consolas" panose="020B0609020204030204" pitchFamily="49" charset="0"/>
               </a:rPr>
               <a:t> </a:t>
             </a:r>
             <a:r>
-              <a:rPr lang="en-US" sz="2000">
+              <a:rPr lang="en-US">
                 <a:latin typeface="Consolas" panose="020B0609020204030204" pitchFamily="49" charset="0"/>
               </a:rPr>
               <a:t>t</a:t>
             </a:r>
             <a:r>
-              <a:rPr lang="en-US" sz="2000" smtClean="0">
+              <a:rPr lang="en-US" smtClean="0">
                 <a:latin typeface="Consolas" panose="020B0609020204030204" pitchFamily="49" charset="0"/>
               </a:rPr>
               <a:t>);</a:t>
@@ -16294,29 +15885,29 @@
               <a:buNone/>
             </a:pPr>
             <a:r>
-              <a:rPr lang="en-US" sz="2000" smtClean="0">
+              <a:rPr lang="en-US" smtClean="0">
                 <a:latin typeface="Consolas" panose="020B0609020204030204" pitchFamily="49" charset="0"/>
               </a:rPr>
               <a:t>int x = 42;</a:t>
             </a:r>
             <a:br>
-              <a:rPr lang="en-US" sz="2000" smtClean="0">
+              <a:rPr lang="en-US" smtClean="0">
                 <a:latin typeface="Consolas" panose="020B0609020204030204" pitchFamily="49" charset="0"/>
               </a:rPr>
             </a:br>
             <a:r>
-              <a:rPr lang="en-US" sz="2000" smtClean="0">
+              <a:rPr lang="en-US" smtClean="0">
                 <a:latin typeface="Consolas" panose="020B0609020204030204" pitchFamily="49" charset="0"/>
               </a:rPr>
               <a:t>int const &amp;y = x;</a:t>
             </a:r>
             <a:br>
-              <a:rPr lang="en-US" sz="2000" smtClean="0">
+              <a:rPr lang="en-US" smtClean="0">
                 <a:latin typeface="Consolas" panose="020B0609020204030204" pitchFamily="49" charset="0"/>
               </a:rPr>
             </a:br>
             <a:r>
-              <a:rPr lang="en-US" sz="2000" smtClean="0">
+              <a:rPr lang="en-US" smtClean="0">
                 <a:latin typeface="Consolas" panose="020B0609020204030204" pitchFamily="49" charset="0"/>
               </a:rPr>
               <a:t>int const *z = &amp;x;</a:t>
@@ -16327,25 +15918,25 @@
               <a:buNone/>
             </a:pPr>
             <a:r>
-              <a:rPr lang="en-US" sz="2000" smtClean="0">
+              <a:rPr lang="en-US" smtClean="0">
                 <a:latin typeface="Consolas" panose="020B0609020204030204" pitchFamily="49" charset="0"/>
               </a:rPr>
               <a:t>foo (&amp;x); </a:t>
             </a:r>
             <a:r>
-              <a:rPr lang="en-US" sz="2000">
+              <a:rPr lang="en-US">
                 <a:latin typeface="Consolas" panose="020B0609020204030204" pitchFamily="49" charset="0"/>
               </a:rPr>
               <a:t>// </a:t>
             </a:r>
             <a:r>
-              <a:rPr lang="en-US" sz="2000" smtClean="0">
+              <a:rPr lang="en-US" smtClean="0">
                 <a:latin typeface="Consolas" panose="020B0609020204030204" pitchFamily="49" charset="0"/>
                 <a:sym typeface="Symbol" panose="05050102010706020507" pitchFamily="18" charset="2"/>
               </a:rPr>
               <a:t> foo&lt;int&gt;(int * const &amp;)</a:t>
             </a:r>
-            <a:endParaRPr lang="en-US" sz="2000" smtClean="0">
+            <a:endParaRPr lang="en-US" smtClean="0">
               <a:latin typeface="Consolas" panose="020B0609020204030204" pitchFamily="49" charset="0"/>
             </a:endParaRPr>
           </a:p>
@@ -16354,25 +15945,25 @@
               <a:buNone/>
             </a:pPr>
             <a:r>
-              <a:rPr lang="en-US" sz="2000" smtClean="0">
+              <a:rPr lang="en-US" smtClean="0">
                 <a:latin typeface="Consolas" panose="020B0609020204030204" pitchFamily="49" charset="0"/>
               </a:rPr>
               <a:t>foo (&amp;y);</a:t>
             </a:r>
             <a:r>
-              <a:rPr lang="en-US" sz="2000">
+              <a:rPr lang="en-US">
                 <a:latin typeface="Consolas" panose="020B0609020204030204" pitchFamily="49" charset="0"/>
               </a:rPr>
               <a:t> // </a:t>
             </a:r>
             <a:r>
-              <a:rPr lang="en-US" sz="2000" smtClean="0">
+              <a:rPr lang="en-US" smtClean="0">
                 <a:latin typeface="Consolas" panose="020B0609020204030204" pitchFamily="49" charset="0"/>
                 <a:sym typeface="Symbol" panose="05050102010706020507" pitchFamily="18" charset="2"/>
               </a:rPr>
               <a:t> foo&lt;int const&gt;(int const * const &amp;)</a:t>
             </a:r>
-            <a:endParaRPr lang="en-US" sz="2000" smtClean="0">
+            <a:endParaRPr lang="en-US" smtClean="0">
               <a:latin typeface="Consolas" panose="020B0609020204030204" pitchFamily="49" charset="0"/>
             </a:endParaRPr>
           </a:p>
@@ -16381,32 +15972,32 @@
               <a:buNone/>
             </a:pPr>
             <a:r>
-              <a:rPr lang="en-US" sz="2000" smtClean="0">
+              <a:rPr lang="en-US" smtClean="0">
                 <a:latin typeface="Consolas" panose="020B0609020204030204" pitchFamily="49" charset="0"/>
               </a:rPr>
               <a:t>foo (z);</a:t>
             </a:r>
             <a:r>
-              <a:rPr lang="en-US" sz="2000">
+              <a:rPr lang="en-US">
                 <a:latin typeface="Consolas" panose="020B0609020204030204" pitchFamily="49" charset="0"/>
               </a:rPr>
               <a:t> // </a:t>
             </a:r>
             <a:r>
-              <a:rPr lang="en-US" sz="2000" smtClean="0">
+              <a:rPr lang="en-US" smtClean="0">
                 <a:latin typeface="Consolas" panose="020B0609020204030204" pitchFamily="49" charset="0"/>
                 <a:sym typeface="Symbol" panose="05050102010706020507" pitchFamily="18" charset="2"/>
               </a:rPr>
               <a:t> foo&lt;int const&gt;(int const * const &amp;)</a:t>
             </a:r>
             <a:r>
-              <a:rPr lang="en-US" sz="2000">
+              <a:rPr lang="en-US">
                 <a:latin typeface="Consolas" panose="020B0609020204030204" pitchFamily="49" charset="0"/>
               </a:rPr>
               <a:t/>
             </a:r>
             <a:br>
-              <a:rPr lang="en-US" sz="2000">
+              <a:rPr lang="en-US">
                 <a:latin typeface="Consolas" panose="020B0609020204030204" pitchFamily="49" charset="0"/>
               </a:rPr>
             </a:br>
@@ -16492,13 +16083,13 @@
               <a:buNone/>
             </a:pPr>
             <a:r>
-              <a:rPr lang="en-US" sz="2000">
+              <a:rPr lang="en-US">
                 <a:latin typeface="Consolas" panose="020B0609020204030204" pitchFamily="49" charset="0"/>
               </a:rPr>
               <a:t>template &lt;typename T&gt; void foo (</a:t>
             </a:r>
             <a:r>
-              <a:rPr lang="en-US" sz="2000">
+              <a:rPr lang="en-US">
                 <a:solidFill>
                   <a:srgbClr val="0000FF"/>
                 </a:solidFill>
@@ -16507,13 +16098,13 @@
               <a:t>T</a:t>
             </a:r>
             <a:r>
-              <a:rPr lang="en-US" sz="2000">
+              <a:rPr lang="en-US">
                 <a:latin typeface="Consolas" panose="020B0609020204030204" pitchFamily="49" charset="0"/>
               </a:rPr>
               <a:t> t</a:t>
             </a:r>
             <a:r>
-              <a:rPr lang="en-US" sz="2000" smtClean="0">
+              <a:rPr lang="en-US" smtClean="0">
                 <a:latin typeface="Consolas" panose="020B0609020204030204" pitchFamily="49" charset="0"/>
               </a:rPr>
               <a:t>);</a:t>
@@ -16524,7 +16115,7 @@
               <a:buNone/>
             </a:pPr>
             <a:r>
-              <a:rPr lang="en-US" sz="2000" smtClean="0">
+              <a:rPr lang="en-US" smtClean="0">
                 <a:latin typeface="Consolas" panose="020B0609020204030204" pitchFamily="49" charset="0"/>
               </a:rPr>
               <a:t>foo (query_resource(0));</a:t>

--- a/slides/sep2017/03-typeinference.pptx
+++ b/slides/sep2017/03-typeinference.pptx
@@ -359,7 +359,7 @@
             <a:fld id="{96DFF08F-DC6B-4601-B491-B0F83F6DD2DA}" type="datetimeFigureOut">
               <a:rPr lang="en-US" dirty="0"/>
               <a:pPr/>
-              <a:t>9/27/2017</a:t>
+              <a:t>10/3/2017</a:t>
             </a:fld>
             <a:endParaRPr lang="en-US" dirty="0"/>
           </a:p>
@@ -576,7 +576,7 @@
           <a:p>
             <a:fld id="{96DFF08F-DC6B-4601-B491-B0F83F6DD2DA}" type="datetimeFigureOut">
               <a:rPr lang="en-US" dirty="0"/>
-              <a:t>9/27/2017</a:t>
+              <a:t>10/3/2017</a:t>
             </a:fld>
             <a:endParaRPr lang="en-US" dirty="0"/>
           </a:p>
@@ -751,7 +751,7 @@
           <a:p>
             <a:fld id="{96DFF08F-DC6B-4601-B491-B0F83F6DD2DA}" type="datetimeFigureOut">
               <a:rPr lang="en-US" dirty="0"/>
-              <a:t>9/27/2017</a:t>
+              <a:t>10/3/2017</a:t>
             </a:fld>
             <a:endParaRPr lang="en-US" dirty="0"/>
           </a:p>
@@ -916,7 +916,7 @@
           <a:p>
             <a:fld id="{96DFF08F-DC6B-4601-B491-B0F83F6DD2DA}" type="datetimeFigureOut">
               <a:rPr lang="en-US" dirty="0"/>
-              <a:t>9/27/2017</a:t>
+              <a:t>10/3/2017</a:t>
             </a:fld>
             <a:endParaRPr lang="en-US" dirty="0"/>
           </a:p>
@@ -1162,7 +1162,7 @@
           <a:p>
             <a:fld id="{96DFF08F-DC6B-4601-B491-B0F83F6DD2DA}" type="datetimeFigureOut">
               <a:rPr lang="en-US" dirty="0"/>
-              <a:t>9/27/2017</a:t>
+              <a:t>10/3/2017</a:t>
             </a:fld>
             <a:endParaRPr lang="en-US" dirty="0"/>
           </a:p>
@@ -1480,7 +1480,7 @@
           <a:p>
             <a:fld id="{96DFF08F-DC6B-4601-B491-B0F83F6DD2DA}" type="datetimeFigureOut">
               <a:rPr lang="en-US" dirty="0"/>
-              <a:t>9/27/2017</a:t>
+              <a:t>10/3/2017</a:t>
             </a:fld>
             <a:endParaRPr lang="en-US" dirty="0"/>
           </a:p>
@@ -1899,7 +1899,7 @@
           <a:p>
             <a:fld id="{96DFF08F-DC6B-4601-B491-B0F83F6DD2DA}" type="datetimeFigureOut">
               <a:rPr lang="en-US" dirty="0"/>
-              <a:t>9/27/2017</a:t>
+              <a:t>10/3/2017</a:t>
             </a:fld>
             <a:endParaRPr lang="en-US" dirty="0"/>
           </a:p>
@@ -2012,7 +2012,7 @@
           <a:p>
             <a:fld id="{96DFF08F-DC6B-4601-B491-B0F83F6DD2DA}" type="datetimeFigureOut">
               <a:rPr lang="en-US" dirty="0"/>
-              <a:t>9/27/2017</a:t>
+              <a:t>10/3/2017</a:t>
             </a:fld>
             <a:endParaRPr lang="en-US" dirty="0"/>
           </a:p>
@@ -2102,7 +2102,7 @@
           <a:p>
             <a:fld id="{96DFF08F-DC6B-4601-B491-B0F83F6DD2DA}" type="datetimeFigureOut">
               <a:rPr lang="en-US" dirty="0"/>
-              <a:t>9/27/2017</a:t>
+              <a:t>10/3/2017</a:t>
             </a:fld>
             <a:endParaRPr lang="en-US" dirty="0"/>
           </a:p>
@@ -2387,7 +2387,7 @@
           <a:p>
             <a:fld id="{96DFF08F-DC6B-4601-B491-B0F83F6DD2DA}" type="datetimeFigureOut">
               <a:rPr lang="en-US" dirty="0"/>
-              <a:t>9/27/2017</a:t>
+              <a:t>10/3/2017</a:t>
             </a:fld>
             <a:endParaRPr lang="en-US" dirty="0"/>
           </a:p>
@@ -2654,7 +2654,7 @@
           <a:p>
             <a:fld id="{96DFF08F-DC6B-4601-B491-B0F83F6DD2DA}" type="datetimeFigureOut">
               <a:rPr lang="en-US" dirty="0"/>
-              <a:t>9/27/2017</a:t>
+              <a:t>10/3/2017</a:t>
             </a:fld>
             <a:endParaRPr lang="en-US" dirty="0"/>
           </a:p>
@@ -2903,7 +2903,7 @@
             <a:fld id="{96DFF08F-DC6B-4601-B491-B0F83F6DD2DA}" type="datetimeFigureOut">
               <a:rPr lang="en-US" dirty="0"/>
               <a:pPr/>
-              <a:t>9/27/2017</a:t>
+              <a:t>10/3/2017</a:t>
             </a:fld>
             <a:endParaRPr lang="en-US" dirty="0"/>
           </a:p>
@@ -5547,7 +5547,6 @@
               <a:rPr lang="ru-RU" smtClean="0"/>
               <a:t>Конструктор класса сам может быть шаблонным</a:t>
             </a:r>
-            <a:endParaRPr lang="ru-RU" smtClean="0"/>
           </a:p>
           <a:p>
             <a:pPr marL="45720" indent="0">
@@ -5715,25 +5714,7 @@
                 </a:solidFill>
                 <a:latin typeface="Consolas" panose="020B0609020204030204" pitchFamily="49" charset="0"/>
               </a:rPr>
-              <a:t>container&lt;double</a:t>
-            </a:r>
-            <a:r>
-              <a:rPr lang="en-US" smtClean="0">
-                <a:solidFill>
-                  <a:srgbClr val="FF0000"/>
-                </a:solidFill>
-                <a:latin typeface="Consolas" panose="020B0609020204030204" pitchFamily="49" charset="0"/>
-              </a:rPr>
-              <a:t>&gt;</a:t>
-            </a:r>
-            <a:r>
-              <a:rPr lang="en-US" smtClean="0">
-                <a:solidFill>
-                  <a:srgbClr val="FF0000"/>
-                </a:solidFill>
-                <a:latin typeface="Consolas" panose="020B0609020204030204" pitchFamily="49" charset="0"/>
-              </a:rPr>
-              <a:t>?</a:t>
+              <a:t>container&lt;double&gt;?</a:t>
             </a:r>
             <a:endParaRPr lang="ru-RU" smtClean="0">
               <a:solidFill>
@@ -5762,13 +5743,7 @@
               <a:rPr lang="en-US">
                 <a:latin typeface="Consolas" panose="020B0609020204030204" pitchFamily="49" charset="0"/>
               </a:rPr>
-              <a:t>template argument </a:t>
-            </a:r>
-            <a:r>
-              <a:rPr lang="en-US">
-                <a:latin typeface="Consolas" panose="020B0609020204030204" pitchFamily="49" charset="0"/>
-              </a:rPr>
-              <a:t>deduction/substitution </a:t>
+              <a:t>template argument deduction/substitution </a:t>
             </a:r>
             <a:r>
               <a:rPr lang="en-US" smtClean="0">
@@ -5797,13 +5772,7 @@
               <a:rPr lang="en-US">
                 <a:latin typeface="Consolas" panose="020B0609020204030204" pitchFamily="49" charset="0"/>
               </a:rPr>
-              <a:t>:   couldn't deduce template parameter ‘</a:t>
-            </a:r>
-            <a:r>
-              <a:rPr lang="en-US">
-                <a:latin typeface="Consolas" panose="020B0609020204030204" pitchFamily="49" charset="0"/>
-              </a:rPr>
-              <a:t>T</a:t>
+              <a:t>:   couldn't deduce template parameter ‘T</a:t>
             </a:r>
             <a:r>
               <a:rPr lang="en-US" smtClean="0">
@@ -5832,13 +5801,7 @@
               <a:rPr lang="en-US">
                 <a:latin typeface="Consolas" panose="020B0609020204030204" pitchFamily="49" charset="0"/>
               </a:rPr>
-              <a:t>auto d = container(v.begin(), </a:t>
-            </a:r>
-            <a:r>
-              <a:rPr lang="en-US">
-                <a:latin typeface="Consolas" panose="020B0609020204030204" pitchFamily="49" charset="0"/>
-              </a:rPr>
-              <a:t>v.end</a:t>
+              <a:t>auto d = container(v.begin(), v.end</a:t>
             </a:r>
             <a:r>
               <a:rPr lang="en-US" smtClean="0">
@@ -13694,70 +13657,52 @@
                 </a:solidFill>
                 <a:latin typeface="Consolas" panose="020B0609020204030204" pitchFamily="49" charset="0"/>
               </a:rPr>
-              <a:t>// </a:t>
-            </a:r>
-            <a:r>
-              <a:rPr lang="en-US" smtClean="0">
+              <a:t>// T()</a:t>
+            </a:r>
+            <a:r>
+              <a:rPr lang="ru-RU" smtClean="0">
                 <a:solidFill>
                   <a:srgbClr val="0000FF"/>
                 </a:solidFill>
                 <a:latin typeface="Consolas" panose="020B0609020204030204" pitchFamily="49" charset="0"/>
               </a:rPr>
-              <a:t>T()</a:t>
-            </a:r>
-            <a:r>
-              <a:rPr lang="ru-RU" smtClean="0">
+              <a:t> и </a:t>
+            </a:r>
+            <a:r>
+              <a:rPr lang="en-US" smtClean="0">
                 <a:solidFill>
                   <a:srgbClr val="0000FF"/>
                 </a:solidFill>
                 <a:latin typeface="Consolas" panose="020B0609020204030204" pitchFamily="49" charset="0"/>
               </a:rPr>
-              <a:t> и </a:t>
-            </a:r>
-            <a:r>
-              <a:rPr lang="en-US" smtClean="0">
+              <a:t>U()</a:t>
+            </a:r>
+            <a:r>
+              <a:rPr lang="ru-RU" smtClean="0">
                 <a:solidFill>
                   <a:srgbClr val="0000FF"/>
                 </a:solidFill>
                 <a:latin typeface="Consolas" panose="020B0609020204030204" pitchFamily="49" charset="0"/>
               </a:rPr>
-              <a:t>U()</a:t>
-            </a:r>
-            <a:r>
-              <a:rPr lang="ru-RU" smtClean="0">
+              <a:t> это так себе идея,</a:t>
+            </a:r>
+            <a:r>
+              <a:rPr lang="en-US" smtClean="0">
                 <a:solidFill>
                   <a:srgbClr val="0000FF"/>
                 </a:solidFill>
                 <a:latin typeface="Consolas" panose="020B0609020204030204" pitchFamily="49" charset="0"/>
               </a:rPr>
-              <a:t> это так себе идея,</a:t>
-            </a:r>
-            <a:r>
-              <a:rPr lang="en-US" smtClean="0">
+              <a:t> </a:t>
+            </a:r>
+            <a:r>
+              <a:rPr lang="ru-RU" smtClean="0">
                 <a:solidFill>
                   <a:srgbClr val="0000FF"/>
                 </a:solidFill>
                 <a:latin typeface="Consolas" panose="020B0609020204030204" pitchFamily="49" charset="0"/>
               </a:rPr>
-              <a:t> </a:t>
-            </a:r>
-            <a:r>
-              <a:rPr lang="ru-RU" smtClean="0">
-                <a:solidFill>
-                  <a:srgbClr val="0000FF"/>
-                </a:solidFill>
-                <a:latin typeface="Consolas" panose="020B0609020204030204" pitchFamily="49" charset="0"/>
-              </a:rPr>
-              <a:t>мы </a:t>
-            </a:r>
-            <a:r>
-              <a:rPr lang="ru-RU" smtClean="0">
-                <a:solidFill>
-                  <a:srgbClr val="0000FF"/>
-                </a:solidFill>
-                <a:latin typeface="Consolas" panose="020B0609020204030204" pitchFamily="49" charset="0"/>
-              </a:rPr>
-              <a:t>можем лучше</a:t>
+              <a:t>мы можем лучше</a:t>
             </a:r>
             <a:endParaRPr lang="en-US">
               <a:solidFill>
@@ -15945,8 +15890,12 @@
           <a:p>
             <a:pPr lvl="0"/>
             <a:r>
+              <a:rPr lang="en-US"/>
+              <a:t>Bjarne Stroustrup, The </a:t>
+            </a:r>
+            <a:r>
               <a:rPr lang="en-US" dirty="0"/>
-              <a:t>The C++ Programming Language (4th </a:t>
+              <a:t>C++ Programming Language (4th </a:t>
             </a:r>
             <a:r>
               <a:rPr lang="en-US"/>
